--- a/powerpoints/quanteda.pptx
+++ b/powerpoints/quanteda.pptx
@@ -2115,7 +2115,7 @@
         <p:spPr>
           <a:xfrm>
             <a:off x="3928502" y="1212238"/>
-            <a:ext cx="2966163" cy="2724140"/>
+            <a:ext cx="2966163" cy="2728346"/>
           </a:xfrm>
           <a:prstGeom prst="rect">
             <a:avLst/>
@@ -2875,7 +2875,7 @@
         <p:spPr>
           <a:xfrm>
             <a:off x="520861" y="4738679"/>
-            <a:ext cx="6216624" cy="5796459"/>
+            <a:ext cx="6216624" cy="5996513"/>
           </a:xfrm>
           <a:prstGeom prst="rect">
             <a:avLst/>
@@ -3840,7 +3840,7 @@
                 <a:ea typeface="Monaco" charset="0"/>
                 <a:cs typeface="Monaco" charset="0"/>
               </a:rPr>
-              <a:t>= c("sentences</a:t>
+              <a:t>= </a:t>
             </a:r>
             <a:r>
               <a:rPr lang="en-US" sz="1300" dirty="0" smtClean="0">
@@ -3848,23 +3848,7 @@
                 <a:ea typeface="Monaco" charset="0"/>
                 <a:cs typeface="Monaco" charset="0"/>
               </a:rPr>
-              <a:t>", </a:t>
-            </a:r>
-            <a:r>
-              <a:rPr lang="en-US" sz="1300" dirty="0" err="1" smtClean="0">
-                <a:latin typeface="Monaco" charset="0"/>
-                <a:ea typeface="Monaco" charset="0"/>
-                <a:cs typeface="Monaco" charset="0"/>
-              </a:rPr>
-              <a:t>use_docvars</a:t>
-            </a:r>
-            <a:r>
-              <a:rPr lang="en-US" sz="1300" dirty="0" smtClean="0">
-                <a:latin typeface="Monaco" charset="0"/>
-                <a:ea typeface="Monaco" charset="0"/>
-                <a:cs typeface="Monaco" charset="0"/>
-              </a:rPr>
-              <a:t> = TRUE)</a:t>
+              <a:t>c("sentences", "paragraphs"))</a:t>
             </a:r>
             <a:endParaRPr lang="en-US" sz="1300" dirty="0">
               <a:latin typeface="Monaco" charset="0"/>
@@ -4365,7 +4349,10 @@
               <a:t>= </a:t>
             </a:r>
             <a:r>
-              <a:rPr lang="en-GB" sz="1300" dirty="0" err="1">
+              <a:rPr lang="en-GB" sz="1300" dirty="0" err="1" smtClean="0">
+                <a:solidFill>
+                  <a:schemeClr val="tx1"/>
+                </a:solidFill>
                 <a:latin typeface="Monaco" charset="0"/>
                 <a:ea typeface="Monaco" charset="0"/>
                 <a:cs typeface="Monaco" charset="0"/>
@@ -4451,12 +4438,20 @@
               <a:t>2, </a:t>
             </a:r>
             <a:r>
-              <a:rPr lang="de-DE" sz="1300" dirty="0" err="1">
-                <a:latin typeface="Monaco" charset="0"/>
-                <a:ea typeface="Monaco" charset="0"/>
-                <a:cs typeface="Monaco" charset="0"/>
-              </a:rPr>
-              <a:t>nfeature</a:t>
+              <a:rPr lang="de-DE" sz="1300" dirty="0" err="1" smtClean="0">
+                <a:latin typeface="Monaco" charset="0"/>
+                <a:ea typeface="Monaco" charset="0"/>
+                <a:cs typeface="Monaco" charset="0"/>
+              </a:rPr>
+              <a:t>nf</a:t>
+            </a:r>
+            <a:r>
+              <a:rPr lang="de-DE" sz="1300" dirty="0" smtClean="0">
+                <a:latin typeface="Monaco" charset="0"/>
+                <a:ea typeface="Monaco" charset="0"/>
+                <a:cs typeface="Monaco" charset="0"/>
+              </a:rPr>
+              <a:t> = </a:t>
             </a:r>
             <a:r>
               <a:rPr lang="de-DE" sz="1300" dirty="0">
@@ -4464,7 +4459,7 @@
                 <a:ea typeface="Monaco" charset="0"/>
                 <a:cs typeface="Monaco" charset="0"/>
               </a:rPr>
-              <a:t> = 4)</a:t>
+              <a:t>4)</a:t>
             </a:r>
           </a:p>
           <a:p>
@@ -5135,15 +5130,7 @@
                 <a:ea typeface="Monaco" charset="0"/>
                 <a:cs typeface="Monaco" charset="0"/>
               </a:rPr>
-              <a:t>type = "</a:t>
-            </a:r>
-            <a:r>
-              <a:rPr lang="en-GB" sz="1300" dirty="0" err="1" smtClean="0">
-                <a:latin typeface="Monaco" charset="0"/>
-                <a:ea typeface="Monaco" charset="0"/>
-                <a:cs typeface="Monaco" charset="0"/>
-              </a:rPr>
-              <a:t>relfreq</a:t>
+              <a:t>type = "prop</a:t>
             </a:r>
             <a:r>
               <a:rPr lang="en-GB" sz="1300" dirty="0" smtClean="0">
@@ -5664,7 +5651,7 @@
         <p:spPr>
           <a:xfrm>
             <a:off x="4023836" y="1697976"/>
-            <a:ext cx="3053316" cy="2154436"/>
+            <a:ext cx="3053316" cy="1938992"/>
           </a:xfrm>
           <a:prstGeom prst="rect">
             <a:avLst/>
@@ -5702,7 +5689,7 @@
               <a:t>uanteda</a:t>
             </a:r>
             <a:r>
-              <a:rPr lang="en-US" sz="1400" b="1" smtClean="0">
+              <a:rPr lang="en-US" sz="1400" b="1" dirty="0" smtClean="0">
                 <a:latin typeface="Source Sans Pro" charset="0"/>
                 <a:ea typeface="Source Sans Pro" charset="0"/>
                 <a:cs typeface="Source Sans Pro" charset="0"/>
@@ -5710,7 +5697,7 @@
               <a:t> </a:t>
             </a:r>
             <a:r>
-              <a:rPr lang="en-US" sz="1400" smtClean="0">
+              <a:rPr lang="en-US" sz="1400" dirty="0" smtClean="0">
                 <a:latin typeface="Source Sans Pro" charset="0"/>
                 <a:ea typeface="Source Sans Pro" charset="0"/>
                 <a:cs typeface="Source Sans Pro" charset="0"/>
@@ -5724,7 +5711,7 @@
               <a:buChar char="•"/>
             </a:pPr>
             <a:r>
-              <a:rPr lang="en-US" sz="1400" b="1" err="1" smtClean="0">
+              <a:rPr lang="en-US" sz="1400" b="1" dirty="0" err="1" smtClean="0">
                 <a:latin typeface="Source Sans Pro" charset="0"/>
                 <a:ea typeface="Source Sans Pro" charset="0"/>
                 <a:cs typeface="Source Sans Pro" charset="0"/>
@@ -5732,7 +5719,7 @@
               <a:t>readtext</a:t>
             </a:r>
             <a:r>
-              <a:rPr lang="en-US" sz="1400" smtClean="0">
+              <a:rPr lang="en-US" sz="1400" dirty="0" smtClean="0">
                 <a:latin typeface="Source Sans Pro" charset="0"/>
                 <a:ea typeface="Source Sans Pro" charset="0"/>
                 <a:cs typeface="Source Sans Pro" charset="0"/>
@@ -5746,7 +5733,7 @@
               <a:buChar char="•"/>
             </a:pPr>
             <a:r>
-              <a:rPr lang="en-US" sz="1400" b="1" err="1" smtClean="0">
+              <a:rPr lang="en-US" sz="1400" b="1" dirty="0" err="1" smtClean="0">
                 <a:latin typeface="Source Sans Pro" charset="0"/>
                 <a:ea typeface="Source Sans Pro" charset="0"/>
                 <a:cs typeface="Source Sans Pro" charset="0"/>
@@ -5754,7 +5741,7 @@
               <a:t>spacyr</a:t>
             </a:r>
             <a:r>
-              <a:rPr lang="en-US" sz="1400" smtClean="0">
+              <a:rPr lang="en-US" sz="1400" dirty="0" smtClean="0">
                 <a:latin typeface="Source Sans Pro" charset="0"/>
                 <a:ea typeface="Source Sans Pro" charset="0"/>
                 <a:cs typeface="Source Sans Pro" charset="0"/>
@@ -5762,7 +5749,7 @@
               <a:t>: NLP using the </a:t>
             </a:r>
             <a:r>
-              <a:rPr lang="en-US" sz="1400" err="1" smtClean="0">
+              <a:rPr lang="en-US" sz="1400" dirty="0" err="1" smtClean="0">
                 <a:latin typeface="Source Sans Pro" charset="0"/>
                 <a:ea typeface="Source Sans Pro" charset="0"/>
                 <a:cs typeface="Source Sans Pro" charset="0"/>
@@ -5770,7 +5757,7 @@
               <a:t>spaCy</a:t>
             </a:r>
             <a:r>
-              <a:rPr lang="en-US" sz="1400" smtClean="0">
+              <a:rPr lang="en-US" sz="1400" dirty="0" smtClean="0">
                 <a:latin typeface="Source Sans Pro" charset="0"/>
                 <a:ea typeface="Source Sans Pro" charset="0"/>
                 <a:cs typeface="Source Sans Pro" charset="0"/>
@@ -5784,15 +5771,15 @@
               <a:buChar char="•"/>
             </a:pPr>
             <a:r>
-              <a:rPr lang="en-US" sz="1400" b="1" err="1" smtClean="0">
-                <a:latin typeface="Source Sans Pro" charset="0"/>
-                <a:ea typeface="Source Sans Pro" charset="0"/>
-                <a:cs typeface="Source Sans Pro" charset="0"/>
-              </a:rPr>
-              <a:t>quantedaData</a:t>
-            </a:r>
-            <a:r>
-              <a:rPr lang="en-US" sz="1400" smtClean="0">
+              <a:rPr lang="en-US" sz="1400" b="1" dirty="0" err="1" smtClean="0">
+                <a:latin typeface="Source Sans Pro" charset="0"/>
+                <a:ea typeface="Source Sans Pro" charset="0"/>
+                <a:cs typeface="Source Sans Pro" charset="0"/>
+              </a:rPr>
+              <a:t>quanteda.data</a:t>
+            </a:r>
+            <a:r>
+              <a:rPr lang="en-US" sz="1400" dirty="0" smtClean="0">
                 <a:latin typeface="Source Sans Pro" charset="0"/>
                 <a:ea typeface="Source Sans Pro" charset="0"/>
                 <a:cs typeface="Source Sans Pro" charset="0"/>
@@ -5806,37 +5793,42 @@
               <a:buChar char="•"/>
             </a:pPr>
             <a:r>
-              <a:rPr lang="en-US" sz="1400" b="1" err="1" smtClean="0">
-                <a:latin typeface="Source Sans Pro" charset="0"/>
-                <a:ea typeface="Source Sans Pro" charset="0"/>
-                <a:cs typeface="Source Sans Pro" charset="0"/>
-              </a:rPr>
-              <a:t>LIWCalike</a:t>
-            </a:r>
-            <a:r>
-              <a:rPr lang="en-US" sz="1400" smtClean="0">
-                <a:latin typeface="Source Sans Pro" charset="0"/>
-                <a:ea typeface="Source Sans Pro" charset="0"/>
-                <a:cs typeface="Source Sans Pro" charset="0"/>
-              </a:rPr>
-              <a:t>: </a:t>
-            </a:r>
-            <a:r>
-              <a:rPr lang="en-US" sz="1400">
-                <a:latin typeface="Source Sans Pro" charset="0"/>
-                <a:ea typeface="Source Sans Pro" charset="0"/>
-                <a:cs typeface="Source Sans Pro" charset="0"/>
-              </a:rPr>
-              <a:t>R implementation of the Linguistic Inquiry and Word Count </a:t>
-            </a:r>
-            <a:r>
-              <a:rPr lang="en-US" sz="1400" smtClean="0">
-                <a:latin typeface="Source Sans Pro" charset="0"/>
-                <a:ea typeface="Source Sans Pro" charset="0"/>
-                <a:cs typeface="Source Sans Pro" charset="0"/>
-              </a:rPr>
-              <a:t>approach</a:t>
-            </a:r>
+              <a:rPr lang="en-US" sz="1400" b="1" dirty="0" err="1" smtClean="0">
+                <a:latin typeface="Source Sans Pro" charset="0"/>
+                <a:ea typeface="Source Sans Pro" charset="0"/>
+                <a:cs typeface="Source Sans Pro" charset="0"/>
+              </a:rPr>
+              <a:t>stopwords</a:t>
+            </a:r>
+            <a:r>
+              <a:rPr lang="en-US" sz="1400" dirty="0" smtClean="0">
+                <a:latin typeface="Source Sans Pro" charset="0"/>
+                <a:ea typeface="Source Sans Pro" charset="0"/>
+                <a:cs typeface="Source Sans Pro" charset="0"/>
+              </a:rPr>
+              <a:t>: multilingual </a:t>
+            </a:r>
+            <a:r>
+              <a:rPr lang="en-US" sz="1400" dirty="0" err="1" smtClean="0">
+                <a:latin typeface="Source Sans Pro" charset="0"/>
+                <a:ea typeface="Source Sans Pro" charset="0"/>
+                <a:cs typeface="Source Sans Pro" charset="0"/>
+              </a:rPr>
+              <a:t>stopword</a:t>
+            </a:r>
+            <a:r>
+              <a:rPr lang="en-US" sz="1400" dirty="0" smtClean="0">
+                <a:latin typeface="Source Sans Pro" charset="0"/>
+                <a:ea typeface="Source Sans Pro" charset="0"/>
+                <a:cs typeface="Source Sans Pro" charset="0"/>
+              </a:rPr>
+              <a:t> lists in R</a:t>
+            </a:r>
+            <a:endParaRPr lang="en-US" sz="1400" b="1" dirty="0" smtClean="0">
+              <a:latin typeface="Source Sans Pro" charset="0"/>
+              <a:ea typeface="Source Sans Pro" charset="0"/>
+              <a:cs typeface="Source Sans Pro" charset="0"/>
+            </a:endParaRPr>
           </a:p>
         </p:txBody>
       </p:sp>
@@ -6291,7 +6283,7 @@
               <a:t>, "</a:t>
             </a:r>
             <a:r>
-              <a:rPr lang="en-US" sz="1300" dirty="0" err="1">
+              <a:rPr lang="en-US" sz="1300" dirty="0" err="1" smtClean="0">
                 <a:uFill>
                   <a:solidFill>
                     <a:schemeClr val="bg1"/>
@@ -6304,7 +6296,7 @@
               <a:t>america</a:t>
             </a:r>
             <a:r>
-              <a:rPr lang="en-US" sz="1300" dirty="0">
+              <a:rPr lang="en-US" sz="1300" dirty="0" smtClean="0">
                 <a:uFill>
                   <a:solidFill>
                     <a:schemeClr val="bg1"/>
@@ -6314,7 +6306,7 @@
                 <a:ea typeface="Monaco" charset="0"/>
                 <a:cs typeface="Monaco" charset="0"/>
               </a:rPr>
-              <a:t>"</a:t>
+              <a:t>*"</a:t>
             </a:r>
             <a:r>
               <a:rPr lang="en-GB" sz="1300" dirty="0" smtClean="0">
@@ -6453,7 +6445,7 @@
                 <a:ea typeface="Monaco" charset="0"/>
                 <a:cs typeface="Monaco" charset="0"/>
               </a:rPr>
-              <a:t>nfeature</a:t>
+              <a:t>nfeat</a:t>
             </a:r>
             <a:r>
               <a:rPr lang="en-US" sz="1300" dirty="0" smtClean="0">
@@ -7181,7 +7173,7 @@
                 <a:ea typeface="Monaco" charset="0"/>
                 <a:cs typeface="Monaco" charset="0"/>
               </a:rPr>
-              <a:t>textmodel_NB</a:t>
+              <a:t>textmodel_nb</a:t>
             </a:r>
             <a:r>
               <a:rPr lang="en-GB" sz="1300" dirty="0" smtClean="0">
@@ -7839,6 +7831,9 @@
             </a:r>
             <a:r>
               <a:rPr lang="en-GB" sz="1300" dirty="0" err="1" smtClean="0">
+                <a:solidFill>
+                  <a:schemeClr val="tx1"/>
+                </a:solidFill>
                 <a:latin typeface="Monaco" charset="0"/>
                 <a:ea typeface="Monaco" charset="0"/>
                 <a:cs typeface="Monaco" charset="0"/>
@@ -8394,7 +8389,10 @@
               <a:t>= </a:t>
             </a:r>
             <a:r>
-              <a:rPr lang="en-GB" sz="1300" dirty="0" err="1">
+              <a:rPr lang="en-GB" sz="1300" dirty="0" err="1" smtClean="0">
+                <a:solidFill>
+                  <a:schemeClr val="tx1"/>
+                </a:solidFill>
                 <a:latin typeface="Monaco" charset="0"/>
                 <a:ea typeface="Monaco" charset="0"/>
                 <a:cs typeface="Monaco" charset="0"/>
@@ -8637,7 +8635,7 @@
                 <a:ea typeface="Monaco" charset="0"/>
                 <a:cs typeface="Monaco" charset="0"/>
               </a:rPr>
-              <a:t>= c</a:t>
+              <a:t>= </a:t>
             </a:r>
             <a:r>
               <a:rPr lang="en-GB" sz="1300" dirty="0" smtClean="0">
@@ -8645,7 +8643,7 @@
                 <a:ea typeface="Monaco" charset="0"/>
                 <a:cs typeface="Monaco" charset="0"/>
               </a:rPr>
-              <a:t>("documents"))</a:t>
+              <a:t>"documents")</a:t>
             </a:r>
             <a:r>
               <a:rPr lang="en-GB" sz="1300" dirty="0">
@@ -8653,7 +8651,7 @@
                 <a:ea typeface="Source Sans Pro" charset="0"/>
                 <a:cs typeface="Source Sans Pro" charset="0"/>
               </a:rPr>
-              <a:t>		</a:t>
+              <a:t>	</a:t>
             </a:r>
           </a:p>
           <a:p>
@@ -9771,8 +9769,8 @@
         </p:blipFill>
         <p:spPr>
           <a:xfrm>
-            <a:off x="11676145" y="5425035"/>
-            <a:ext cx="1809004" cy="1356754"/>
+            <a:off x="11814893" y="5436429"/>
+            <a:ext cx="1809004" cy="1356753"/>
           </a:xfrm>
           <a:prstGeom prst="rect">
             <a:avLst/>
@@ -9795,13 +9793,13 @@
               </a:ext>
             </a:extLst>
           </a:blip>
-          <a:srcRect l="12540" t="12516" r="18187" b="13251"/>
+          <a:srcRect l="25138" t="26147" r="25661" b="24848"/>
           <a:stretch/>
         </p:blipFill>
         <p:spPr>
           <a:xfrm>
-            <a:off x="11676145" y="4122829"/>
-            <a:ext cx="1405266" cy="1396853"/>
+            <a:off x="11963411" y="4138055"/>
+            <a:ext cx="1328655" cy="1323367"/>
           </a:xfrm>
           <a:prstGeom prst="rect">
             <a:avLst/>
@@ -9830,8 +9828,8 @@
         </p:blipFill>
         <p:spPr>
           <a:xfrm>
-            <a:off x="11693274" y="6962611"/>
-            <a:ext cx="2075284" cy="1297052"/>
+            <a:off x="11866173" y="6962611"/>
+            <a:ext cx="1902384" cy="1188990"/>
           </a:xfrm>
           <a:prstGeom prst="rect">
             <a:avLst/>
@@ -9860,8 +9858,8 @@
         </p:blipFill>
         <p:spPr>
           <a:xfrm>
-            <a:off x="11693274" y="8224938"/>
-            <a:ext cx="1800337" cy="1287658"/>
+            <a:off x="11814893" y="8204846"/>
+            <a:ext cx="1800336" cy="1287657"/>
           </a:xfrm>
           <a:prstGeom prst="rect">
             <a:avLst/>
@@ -10148,7 +10146,7 @@
                 <a:cs typeface="Source Sans Pro" charset="0"/>
                 <a:sym typeface="Source Sans Pro Light"/>
               </a:rPr>
-              <a:t>09/17</a:t>
+              <a:t>05/18</a:t>
             </a:r>
             <a:endParaRPr lang="en-US" sz="1400" dirty="0">
               <a:solidFill>

--- a/powerpoints/quanteda.pptx
+++ b/powerpoints/quanteda.pptx
@@ -1599,7 +1599,7 @@
           </a:ln>
           <a:extLst>
             <a:ext uri="{C572A759-6A51-4108-AA02-DFA0A04FC94B}">
-              <ma14:wrappingTextBoxFlag xmlns:ma14="http://schemas.microsoft.com/office/mac/drawingml/2011/main" val="1"/>
+              <ma14:wrappingTextBoxFlag xmlns:ma14="http://schemas.microsoft.com/office/mac/drawingml/2011/main" xmlns="" val="1"/>
             </a:ext>
           </a:extLst>
         </p:spPr>
@@ -1642,7 +1642,7 @@
           </a:ln>
           <a:extLst>
             <a:ext uri="{C572A759-6A51-4108-AA02-DFA0A04FC94B}">
-              <ma14:wrappingTextBoxFlag xmlns:ma14="http://schemas.microsoft.com/office/mac/drawingml/2011/main" val="1"/>
+              <ma14:wrappingTextBoxFlag xmlns:ma14="http://schemas.microsoft.com/office/mac/drawingml/2011/main" xmlns="" val="1"/>
             </a:ext>
           </a:extLst>
         </p:spPr>
@@ -2258,8 +2258,8 @@
         </p:nvSpPr>
         <p:spPr>
           <a:xfrm>
-            <a:off x="7137053" y="8429591"/>
-            <a:ext cx="6696000" cy="2153497"/>
+            <a:off x="7137053" y="8064987"/>
+            <a:ext cx="6696000" cy="2305932"/>
           </a:xfrm>
           <a:prstGeom prst="rect">
             <a:avLst/>
@@ -2339,7 +2339,7 @@
           </a:ln>
           <a:extLst>
             <a:ext uri="{C572A759-6A51-4108-AA02-DFA0A04FC94B}">
-              <ma14:wrappingTextBoxFlag xmlns:ma14="http://schemas.microsoft.com/office/mac/drawingml/2011/main" val="1"/>
+              <ma14:wrappingTextBoxFlag xmlns:ma14="http://schemas.microsoft.com/office/mac/drawingml/2011/main" xmlns="" val="1"/>
             </a:ext>
           </a:extLst>
         </p:spPr>
@@ -2354,7 +2354,7 @@
               <a:buChar char="•"/>
             </a:pPr>
             <a:r>
-              <a:rPr lang="en-US" sz="1400" b="1" dirty="0" smtClean="0">
+              <a:rPr lang="en-US" sz="1400" b="1" dirty="0">
                 <a:latin typeface="Source Sans Pro" charset="0"/>
                 <a:ea typeface="Source Sans Pro" charset="0"/>
                 <a:cs typeface="Source Sans Pro" charset="0"/>
@@ -2362,7 +2362,7 @@
               <a:t>corpus_*</a:t>
             </a:r>
             <a:r>
-              <a:rPr lang="en-US" sz="1400" dirty="0" smtClean="0">
+              <a:rPr lang="en-US" sz="1400" dirty="0">
                 <a:latin typeface="Source Sans Pro" charset="0"/>
                 <a:ea typeface="Source Sans Pro" charset="0"/>
                 <a:cs typeface="Source Sans Pro" charset="0"/>
@@ -2381,18 +2381,10 @@
                 <a:ea typeface="Source Sans Pro" charset="0"/>
                 <a:cs typeface="Source Sans Pro" charset="0"/>
               </a:rPr>
-              <a:t>t</a:t>
-            </a:r>
-            <a:r>
-              <a:rPr lang="en-US" sz="1400" b="1" dirty="0" smtClean="0">
-                <a:latin typeface="Source Sans Pro" charset="0"/>
-                <a:ea typeface="Source Sans Pro" charset="0"/>
-                <a:cs typeface="Source Sans Pro" charset="0"/>
-              </a:rPr>
-              <a:t>okens_*</a:t>
-            </a:r>
-            <a:r>
-              <a:rPr lang="en-US" sz="1400" dirty="0" smtClean="0">
+              <a:t>tokens_*</a:t>
+            </a:r>
+            <a:r>
+              <a:rPr lang="en-US" sz="1400" dirty="0">
                 <a:latin typeface="Source Sans Pro" charset="0"/>
                 <a:ea typeface="Source Sans Pro" charset="0"/>
                 <a:cs typeface="Source Sans Pro" charset="0"/>
@@ -2406,7 +2398,7 @@
               <a:buChar char="•"/>
             </a:pPr>
             <a:r>
-              <a:rPr lang="en-US" sz="1400" b="1" dirty="0" err="1" smtClean="0">
+              <a:rPr lang="en-US" sz="1400" b="1" dirty="0" err="1">
                 <a:latin typeface="Source Sans Pro" charset="0"/>
                 <a:ea typeface="Source Sans Pro" charset="0"/>
                 <a:cs typeface="Source Sans Pro" charset="0"/>
@@ -2414,7 +2406,7 @@
               <a:t>dfm</a:t>
             </a:r>
             <a:r>
-              <a:rPr lang="en-US" sz="1400" b="1" dirty="0" smtClean="0">
+              <a:rPr lang="en-US" sz="1400" b="1" dirty="0">
                 <a:latin typeface="Source Sans Pro" charset="0"/>
                 <a:ea typeface="Source Sans Pro" charset="0"/>
                 <a:cs typeface="Source Sans Pro" charset="0"/>
@@ -2422,7 +2414,7 @@
               <a:t>_*</a:t>
             </a:r>
             <a:r>
-              <a:rPr lang="en-US" sz="1400" dirty="0" smtClean="0">
+              <a:rPr lang="en-US" sz="1400" dirty="0">
                 <a:latin typeface="Source Sans Pro" charset="0"/>
                 <a:ea typeface="Source Sans Pro" charset="0"/>
                 <a:cs typeface="Source Sans Pro" charset="0"/>
@@ -2436,7 +2428,7 @@
               <a:buChar char="•"/>
             </a:pPr>
             <a:r>
-              <a:rPr lang="en-US" sz="1400" b="1" dirty="0" err="1" smtClean="0">
+              <a:rPr lang="en-US" sz="1400" b="1" dirty="0" err="1">
                 <a:latin typeface="Source Sans Pro" charset="0"/>
                 <a:ea typeface="Source Sans Pro" charset="0"/>
                 <a:cs typeface="Source Sans Pro" charset="0"/>
@@ -2444,7 +2436,7 @@
               <a:t>fcm</a:t>
             </a:r>
             <a:r>
-              <a:rPr lang="en-US" sz="1400" b="1" dirty="0" smtClean="0">
+              <a:rPr lang="en-US" sz="1400" b="1" dirty="0">
                 <a:latin typeface="Source Sans Pro" charset="0"/>
                 <a:ea typeface="Source Sans Pro" charset="0"/>
                 <a:cs typeface="Source Sans Pro" charset="0"/>
@@ -2452,7 +2444,7 @@
               <a:t>_</a:t>
             </a:r>
             <a:r>
-              <a:rPr lang="en-US" sz="1400" dirty="0" smtClean="0">
+              <a:rPr lang="en-US" sz="1400" dirty="0">
                 <a:latin typeface="Source Sans Pro" charset="0"/>
                 <a:ea typeface="Source Sans Pro" charset="0"/>
                 <a:cs typeface="Source Sans Pro" charset="0"/>
@@ -2466,7 +2458,7 @@
               <a:buChar char="•"/>
             </a:pPr>
             <a:r>
-              <a:rPr lang="en-US" sz="1400" b="1" dirty="0" err="1" smtClean="0">
+              <a:rPr lang="en-US" sz="1400" b="1" dirty="0" err="1">
                 <a:latin typeface="Source Sans Pro" charset="0"/>
                 <a:ea typeface="Source Sans Pro" charset="0"/>
                 <a:cs typeface="Source Sans Pro" charset="0"/>
@@ -2474,7 +2466,7 @@
               <a:t>textstat</a:t>
             </a:r>
             <a:r>
-              <a:rPr lang="en-US" sz="1400" b="1" dirty="0" smtClean="0">
+              <a:rPr lang="en-US" sz="1400" b="1" dirty="0">
                 <a:latin typeface="Source Sans Pro" charset="0"/>
                 <a:ea typeface="Source Sans Pro" charset="0"/>
                 <a:cs typeface="Source Sans Pro" charset="0"/>
@@ -2487,15 +2479,7 @@
                 <a:ea typeface="Source Sans Pro" charset="0"/>
                 <a:cs typeface="Source Sans Pro" charset="0"/>
               </a:rPr>
-              <a:t> </a:t>
-            </a:r>
-            <a:r>
-              <a:rPr lang="en-US" sz="1400" dirty="0" smtClean="0">
-                <a:latin typeface="Source Sans Pro" charset="0"/>
-                <a:ea typeface="Source Sans Pro" charset="0"/>
-                <a:cs typeface="Source Sans Pro" charset="0"/>
-              </a:rPr>
-              <a:t>calculate text-based statistics</a:t>
+              <a:t> calculate text-based statistics</a:t>
             </a:r>
             <a:endParaRPr lang="en-US" sz="1400" b="1" dirty="0">
               <a:latin typeface="Source Sans Pro" charset="0"/>
@@ -2509,7 +2493,7 @@
               <a:buChar char="•"/>
             </a:pPr>
             <a:r>
-              <a:rPr lang="en-US" sz="1400" b="1" dirty="0" err="1" smtClean="0">
+              <a:rPr lang="en-US" sz="1400" b="1" dirty="0" err="1">
                 <a:latin typeface="Source Sans Pro" charset="0"/>
                 <a:ea typeface="Source Sans Pro" charset="0"/>
                 <a:cs typeface="Source Sans Pro" charset="0"/>
@@ -2517,7 +2501,7 @@
               <a:t>textmodel</a:t>
             </a:r>
             <a:r>
-              <a:rPr lang="en-US" sz="1400" b="1" dirty="0" smtClean="0">
+              <a:rPr lang="en-US" sz="1400" b="1" dirty="0">
                 <a:latin typeface="Source Sans Pro" charset="0"/>
                 <a:ea typeface="Source Sans Pro" charset="0"/>
                 <a:cs typeface="Source Sans Pro" charset="0"/>
@@ -2525,47 +2509,23 @@
               <a:t>_</a:t>
             </a:r>
             <a:r>
-              <a:rPr lang="en-US" sz="1400" dirty="0" smtClean="0">
-                <a:latin typeface="Source Sans Pro" charset="0"/>
-                <a:ea typeface="Source Sans Pro" charset="0"/>
-                <a:cs typeface="Source Sans Pro" charset="0"/>
-              </a:rPr>
-              <a:t>* </a:t>
-            </a:r>
-            <a:r>
               <a:rPr lang="en-US" sz="1400" dirty="0">
                 <a:latin typeface="Source Sans Pro" charset="0"/>
                 <a:ea typeface="Source Sans Pro" charset="0"/>
                 <a:cs typeface="Source Sans Pro" charset="0"/>
               </a:rPr>
-              <a:t>fit </a:t>
-            </a:r>
-            <a:r>
-              <a:rPr lang="en-US" sz="1400" dirty="0" smtClean="0">
-                <a:latin typeface="Source Sans Pro" charset="0"/>
-                <a:ea typeface="Source Sans Pro" charset="0"/>
-                <a:cs typeface="Source Sans Pro" charset="0"/>
-              </a:rPr>
-              <a:t>(un</a:t>
+              <a:t>* fit (un-</a:t>
+            </a:r>
+            <a:r>
+              <a:rPr lang="en-US" sz="1400">
+                <a:latin typeface="Source Sans Pro" charset="0"/>
+                <a:ea typeface="Source Sans Pro" charset="0"/>
+                <a:cs typeface="Source Sans Pro" charset="0"/>
+              </a:rPr>
+              <a:t>)supervised </a:t>
             </a:r>
             <a:r>
               <a:rPr lang="en-US" sz="1400" dirty="0">
-                <a:latin typeface="Source Sans Pro" charset="0"/>
-                <a:ea typeface="Source Sans Pro" charset="0"/>
-                <a:cs typeface="Source Sans Pro" charset="0"/>
-              </a:rPr>
-              <a:t>-</a:t>
-            </a:r>
-            <a:r>
-              <a:rPr lang="en-US" sz="1400" smtClean="0">
-                <a:latin typeface="Source Sans Pro" charset="0"/>
-                <a:ea typeface="Source Sans Pro" charset="0"/>
-                <a:cs typeface="Source Sans Pro" charset="0"/>
-              </a:rPr>
-              <a:t>)supervised </a:t>
-            </a:r>
-            <a:r>
-              <a:rPr lang="en-US" sz="1400" dirty="0" smtClean="0">
                 <a:latin typeface="Source Sans Pro" charset="0"/>
                 <a:ea typeface="Source Sans Pro" charset="0"/>
                 <a:cs typeface="Source Sans Pro" charset="0"/>
@@ -2579,7 +2539,7 @@
               <a:buChar char="•"/>
             </a:pPr>
             <a:r>
-              <a:rPr lang="en-US" sz="1400" b="1" dirty="0" err="1" smtClean="0">
+              <a:rPr lang="en-US" sz="1400" b="1" dirty="0" err="1">
                 <a:latin typeface="Source Sans Pro" charset="0"/>
                 <a:ea typeface="Source Sans Pro" charset="0"/>
                 <a:cs typeface="Source Sans Pro" charset="0"/>
@@ -2588,7 +2548,7 @@
               <a:t>textplot</a:t>
             </a:r>
             <a:r>
-              <a:rPr lang="en-US" sz="1400" b="1" dirty="0" smtClean="0">
+              <a:rPr lang="en-US" sz="1400" b="1" dirty="0">
                 <a:latin typeface="Source Sans Pro" charset="0"/>
                 <a:ea typeface="Source Sans Pro" charset="0"/>
                 <a:cs typeface="Source Sans Pro" charset="0"/>
@@ -2606,7 +2566,7 @@
               <a:t>*</a:t>
             </a:r>
             <a:r>
-              <a:rPr lang="en-US" sz="1400" b="1" dirty="0" smtClean="0">
+              <a:rPr lang="en-US" sz="1400" b="1" dirty="0">
                 <a:latin typeface="Source Sans Pro" charset="0"/>
                 <a:ea typeface="Source Sans Pro" charset="0"/>
                 <a:cs typeface="Source Sans Pro" charset="0"/>
@@ -2621,16 +2581,7 @@
                 <a:cs typeface="Source Sans Pro" charset="0"/>
                 <a:sym typeface="Source Sans Pro Light"/>
               </a:rPr>
-              <a:t>create </a:t>
-            </a:r>
-            <a:r>
-              <a:rPr lang="en-US" sz="1400" dirty="0" smtClean="0">
-                <a:latin typeface="Source Sans Pro" charset="0"/>
-                <a:ea typeface="Source Sans Pro" charset="0"/>
-                <a:cs typeface="Source Sans Pro" charset="0"/>
-                <a:sym typeface="Source Sans Pro Light"/>
-              </a:rPr>
-              <a:t>text-based visualizations</a:t>
+              <a:t>create text-based visualizations</a:t>
             </a:r>
             <a:endParaRPr lang="en-US" sz="1400" b="1" dirty="0">
               <a:latin typeface="Source Sans Pro" charset="0"/>
@@ -2646,7 +2597,7 @@
               </a:spcBef>
             </a:pPr>
             <a:r>
-              <a:rPr lang="en-US" sz="1400" b="1" dirty="0" smtClean="0">
+              <a:rPr lang="en-US" sz="1400" b="1" dirty="0">
                 <a:latin typeface="Source Sans Pro" charset="0"/>
                 <a:ea typeface="Source Sans Pro" charset="0"/>
                 <a:cs typeface="Source Sans Pro" charset="0"/>
@@ -2670,31 +2621,13 @@
               <a:t>object() </a:t>
             </a:r>
             <a:r>
-              <a:rPr lang="en-US" sz="1400" dirty="0" smtClean="0">
+              <a:rPr lang="en-US" sz="1400" dirty="0">
                 <a:latin typeface="Source Sans Pro" charset="0"/>
                 <a:ea typeface="Source Sans Pro" charset="0"/>
                 <a:cs typeface="Source Sans Pro" charset="0"/>
                 <a:sym typeface="Source Sans Pro Light"/>
               </a:rPr>
-              <a:t>constructor for the </a:t>
-            </a:r>
-            <a:r>
-              <a:rPr lang="en-US" sz="1400" dirty="0">
-                <a:latin typeface="Source Sans Pro" charset="0"/>
-                <a:ea typeface="Source Sans Pro" charset="0"/>
-                <a:cs typeface="Source Sans Pro" charset="0"/>
-                <a:sym typeface="Source Sans Pro Light"/>
-              </a:rPr>
-              <a:t>object </a:t>
-            </a:r>
-            <a:r>
-              <a:rPr lang="en-US" sz="1400" dirty="0" smtClean="0">
-                <a:latin typeface="Source Sans Pro" charset="0"/>
-                <a:ea typeface="Source Sans Pro" charset="0"/>
-                <a:cs typeface="Source Sans Pro" charset="0"/>
-                <a:sym typeface="Source Sans Pro Light"/>
-              </a:rPr>
-              <a:t>type</a:t>
+              <a:t>constructor for the object type</a:t>
             </a:r>
           </a:p>
           <a:p>
@@ -2709,52 +2642,25 @@
                 <a:cs typeface="Source Sans Pro" charset="0"/>
                 <a:sym typeface="Source Sans Pro Light"/>
               </a:rPr>
-              <a:t>o</a:t>
-            </a:r>
-            <a:r>
-              <a:rPr lang="en-US" sz="1400" b="1" dirty="0" err="1" smtClean="0">
+              <a:t>object_verb</a:t>
+            </a:r>
+            <a:r>
+              <a:rPr lang="en-US" sz="1400" b="1" dirty="0">
                 <a:latin typeface="Source Sans Pro" charset="0"/>
                 <a:ea typeface="Source Sans Pro" charset="0"/>
                 <a:cs typeface="Source Sans Pro" charset="0"/>
                 <a:sym typeface="Source Sans Pro Light"/>
               </a:rPr>
-              <a:t>bject_verb</a:t>
-            </a:r>
-            <a:r>
-              <a:rPr lang="en-US" sz="1400" b="1" dirty="0">
+              <a:t>() </a:t>
+            </a:r>
+            <a:r>
+              <a:rPr lang="en-US" sz="1400" dirty="0">
                 <a:latin typeface="Source Sans Pro" charset="0"/>
                 <a:ea typeface="Source Sans Pro" charset="0"/>
                 <a:cs typeface="Source Sans Pro" charset="0"/>
                 <a:sym typeface="Source Sans Pro Light"/>
               </a:rPr>
-              <a:t>() </a:t>
-            </a:r>
-            <a:r>
-              <a:rPr lang="en-US" sz="1400" dirty="0">
-                <a:latin typeface="Source Sans Pro" charset="0"/>
-                <a:ea typeface="Source Sans Pro" charset="0"/>
-                <a:cs typeface="Source Sans Pro" charset="0"/>
-                <a:sym typeface="Source Sans Pro Light"/>
-              </a:rPr>
-              <a:t>inputs </a:t>
-            </a:r>
-            <a:r>
-              <a:rPr lang="en-US" sz="1400" dirty="0" smtClean="0">
-                <a:latin typeface="Source Sans Pro" charset="0"/>
-                <a:ea typeface="Source Sans Pro" charset="0"/>
-                <a:cs typeface="Source Sans Pro" charset="0"/>
-                <a:sym typeface="Source Sans Pro Light"/>
-              </a:rPr>
-              <a:t>&amp; returns object </a:t>
-            </a:r>
-            <a:r>
-              <a:rPr lang="en-US" sz="1400" dirty="0">
-                <a:latin typeface="Source Sans Pro" charset="0"/>
-                <a:ea typeface="Source Sans Pro" charset="0"/>
-                <a:cs typeface="Source Sans Pro" charset="0"/>
-                <a:sym typeface="Source Sans Pro Light"/>
-              </a:rPr>
-              <a:t>type </a:t>
+              <a:t>inputs &amp; returns object type </a:t>
             </a:r>
           </a:p>
         </p:txBody>
@@ -2785,7 +2691,7 @@
           <a:lstStyle/>
           <a:p>
             <a:r>
-              <a:rPr lang="en-US" sz="5000" dirty="0" smtClean="0">
+              <a:rPr lang="en-US" sz="5000" dirty="0">
                 <a:latin typeface="Source Sans Pro" charset="0"/>
                 <a:ea typeface="Source Sans Pro" charset="0"/>
                 <a:cs typeface="Source Sans Pro" charset="0"/>
@@ -2828,7 +2734,7 @@
           </a:ln>
           <a:extLst>
             <a:ext uri="{C572A759-6A51-4108-AA02-DFA0A04FC94B}">
-              <ma14:wrappingTextBoxFlag xmlns:ma14="http://schemas.microsoft.com/office/mac/drawingml/2011/main" val="1"/>
+              <ma14:wrappingTextBoxFlag xmlns:ma14="http://schemas.microsoft.com/office/mac/drawingml/2011/main" xmlns="" val="1"/>
             </a:ext>
           </a:extLst>
         </p:spPr>
@@ -2843,7 +2749,7 @@
               <a:defRPr sz="1800"/>
             </a:pPr>
             <a:r>
-              <a:rPr lang="en-US" sz="2400" smtClean="0">
+              <a:rPr lang="en-US" sz="2400">
                 <a:solidFill>
                   <a:srgbClr val="FFFFFF"/>
                 </a:solidFill>
@@ -2854,15 +2760,6 @@
               </a:rPr>
               <a:t>General syntax</a:t>
             </a:r>
-            <a:endParaRPr lang="en-US" sz="2400">
-              <a:solidFill>
-                <a:srgbClr val="FFFFFF"/>
-              </a:solidFill>
-              <a:latin typeface="Source Sans Pro"/>
-              <a:ea typeface="Source Sans Pro"/>
-              <a:cs typeface="Source Sans Pro"/>
-              <a:sym typeface="Source Sans Pro"/>
-            </a:endParaRPr>
           </a:p>
         </p:txBody>
       </p:sp>
@@ -2885,7 +2782,7 @@
           </a:ln>
           <a:extLst>
             <a:ext uri="{C572A759-6A51-4108-AA02-DFA0A04FC94B}">
-              <ma14:wrappingTextBoxFlag xmlns:ma14="http://schemas.microsoft.com/office/mac/drawingml/2011/main" val="1"/>
+              <ma14:wrappingTextBoxFlag xmlns:ma14="http://schemas.microsoft.com/office/mac/drawingml/2011/main" xmlns="" val="1"/>
             </a:ext>
           </a:extLst>
         </p:spPr>
@@ -2902,15 +2799,15 @@
                 <a:ea typeface="Source Sans Pro" charset="0"/>
                 <a:cs typeface="Source Sans Pro" charset="0"/>
               </a:rPr>
-              <a:t>Read texts </a:t>
-            </a:r>
-            <a:r>
-              <a:rPr lang="en-US" sz="1500" b="1" dirty="0" smtClean="0">
-                <a:latin typeface="Source Sans Pro" charset="0"/>
-                <a:ea typeface="Source Sans Pro" charset="0"/>
-                <a:cs typeface="Source Sans Pro" charset="0"/>
-              </a:rPr>
-              <a:t>(txt</a:t>
+              <a:t>Read texts (txt, pdf, csv, doc, </a:t>
+            </a:r>
+            <a:r>
+              <a:rPr lang="en-US" sz="1500" b="1" dirty="0" err="1">
+                <a:latin typeface="Source Sans Pro" charset="0"/>
+                <a:ea typeface="Source Sans Pro" charset="0"/>
+                <a:cs typeface="Source Sans Pro" charset="0"/>
+              </a:rPr>
+              <a:t>docx</a:t>
             </a:r>
             <a:r>
               <a:rPr lang="en-US" sz="1500" b="1" dirty="0">
@@ -2918,23 +2815,15 @@
                 <a:ea typeface="Source Sans Pro" charset="0"/>
                 <a:cs typeface="Source Sans Pro" charset="0"/>
               </a:rPr>
-              <a:t>, pdf, csv, </a:t>
-            </a:r>
-            <a:r>
-              <a:rPr lang="en-US" sz="1500" b="1" dirty="0" smtClean="0">
-                <a:latin typeface="Source Sans Pro" charset="0"/>
-                <a:ea typeface="Source Sans Pro" charset="0"/>
-                <a:cs typeface="Source Sans Pro" charset="0"/>
-              </a:rPr>
-              <a:t>doc, </a:t>
-            </a:r>
-            <a:r>
-              <a:rPr lang="en-US" sz="1500" b="1" dirty="0" err="1" smtClean="0">
-                <a:latin typeface="Source Sans Pro" charset="0"/>
-                <a:ea typeface="Source Sans Pro" charset="0"/>
-                <a:cs typeface="Source Sans Pro" charset="0"/>
-              </a:rPr>
-              <a:t>docx</a:t>
+              <a:t>, </a:t>
+            </a:r>
+            <a:r>
+              <a:rPr lang="en-US" sz="1500" b="1" dirty="0" err="1">
+                <a:latin typeface="Source Sans Pro" charset="0"/>
+                <a:ea typeface="Source Sans Pro" charset="0"/>
+                <a:cs typeface="Source Sans Pro" charset="0"/>
+              </a:rPr>
+              <a:t>json</a:t>
             </a:r>
             <a:r>
               <a:rPr lang="en-US" sz="1500" b="1" dirty="0">
@@ -2942,71 +2831,18 @@
                 <a:ea typeface="Source Sans Pro" charset="0"/>
                 <a:cs typeface="Source Sans Pro" charset="0"/>
               </a:rPr>
-              <a:t>, </a:t>
-            </a:r>
-            <a:r>
-              <a:rPr lang="en-US" sz="1500" b="1" dirty="0" err="1">
-                <a:latin typeface="Source Sans Pro" charset="0"/>
-                <a:ea typeface="Source Sans Pro" charset="0"/>
-                <a:cs typeface="Source Sans Pro" charset="0"/>
-              </a:rPr>
-              <a:t>json</a:t>
-            </a:r>
-            <a:r>
-              <a:rPr lang="en-US" sz="1500" b="1" dirty="0">
-                <a:latin typeface="Source Sans Pro" charset="0"/>
-                <a:ea typeface="Source Sans Pro" charset="0"/>
-                <a:cs typeface="Source Sans Pro" charset="0"/>
-              </a:rPr>
-              <a:t>, xml</a:t>
-            </a:r>
-            <a:r>
-              <a:rPr lang="en-US" sz="1500" b="1" dirty="0" smtClean="0">
-                <a:latin typeface="Source Sans Pro" charset="0"/>
-                <a:ea typeface="Source Sans Pro" charset="0"/>
-                <a:cs typeface="Source Sans Pro" charset="0"/>
-              </a:rPr>
-              <a:t>)</a:t>
-            </a:r>
-            <a:endParaRPr lang="en-US" sz="1500" b="1" dirty="0">
-              <a:latin typeface="Source Sans Pro" charset="0"/>
-              <a:ea typeface="Source Sans Pro" charset="0"/>
-              <a:cs typeface="Source Sans Pro" charset="0"/>
-            </a:endParaRPr>
+              <a:t>, xml)</a:t>
+            </a:r>
           </a:p>
           <a:p>
             <a:pPr algn="l"/>
             <a:r>
-              <a:rPr lang="en-US" sz="1300" dirty="0" err="1" smtClean="0">
-                <a:latin typeface="Monaco" charset="0"/>
-                <a:ea typeface="Monaco" charset="0"/>
-                <a:cs typeface="Monaco" charset="0"/>
-              </a:rPr>
-              <a:t>m</a:t>
-            </a:r>
-            <a:r>
               <a:rPr lang="en-US" sz="1300" dirty="0" err="1">
                 <a:latin typeface="Monaco" charset="0"/>
                 <a:ea typeface="Monaco" charset="0"/>
                 <a:cs typeface="Monaco" charset="0"/>
               </a:rPr>
-              <a:t>y</a:t>
-            </a:r>
-            <a:r>
-              <a:rPr lang="en-US" sz="1300" dirty="0" err="1" smtClean="0">
-                <a:latin typeface="Monaco" charset="0"/>
-                <a:ea typeface="Monaco" charset="0"/>
-                <a:cs typeface="Monaco" charset="0"/>
-              </a:rPr>
-              <a:t>_texts</a:t>
-            </a:r>
-            <a:r>
-              <a:rPr lang="en-US" sz="1300" dirty="0" smtClean="0">
-                <a:latin typeface="Monaco" charset="0"/>
-                <a:ea typeface="Monaco" charset="0"/>
-                <a:cs typeface="Monaco" charset="0"/>
-              </a:rPr>
-              <a:t> </a:t>
+              <a:t>my_texts</a:t>
             </a:r>
             <a:r>
               <a:rPr lang="en-US" sz="1300" dirty="0">
@@ -3014,7 +2850,7 @@
                 <a:ea typeface="Monaco" charset="0"/>
                 <a:cs typeface="Monaco" charset="0"/>
               </a:rPr>
-              <a:t>&lt;- </a:t>
+              <a:t> &lt;- </a:t>
             </a:r>
             <a:r>
               <a:rPr lang="en-US" sz="1300" dirty="0" err="1">
@@ -3049,15 +2885,7 @@
                 <a:ea typeface="Monaco" charset="0"/>
                 <a:cs typeface="Monaco" charset="0"/>
               </a:rPr>
-              <a:t>("~/link/to/path/*") </a:t>
-            </a:r>
-            <a:r>
-              <a:rPr lang="en-US" sz="1300" dirty="0" smtClean="0">
-                <a:latin typeface="Monaco" charset="0"/>
-                <a:ea typeface="Monaco" charset="0"/>
-                <a:cs typeface="Monaco" charset="0"/>
-              </a:rPr>
-              <a:t>	</a:t>
+              <a:t>("~/link/to/path/*") 	</a:t>
             </a:r>
             <a:endParaRPr lang="en-US" sz="1500" i="1" dirty="0">
               <a:latin typeface="Source Sans Pro" charset="0"/>
@@ -3072,23 +2900,18 @@
               </a:spcBef>
             </a:pPr>
             <a:r>
-              <a:rPr lang="en-US" sz="1500" b="1" dirty="0" smtClean="0">
+              <a:rPr lang="en-US" sz="1500" b="1" dirty="0">
                 <a:latin typeface="Source Sans Pro" charset="0"/>
                 <a:ea typeface="Source Sans Pro" charset="0"/>
                 <a:cs typeface="Source Sans Pro" charset="0"/>
               </a:rPr>
               <a:t>Construct a corpus from a character vector</a:t>
             </a:r>
-            <a:endParaRPr lang="en-US" sz="1500" b="1" dirty="0">
-              <a:latin typeface="Source Sans Pro" charset="0"/>
-              <a:ea typeface="Source Sans Pro" charset="0"/>
-              <a:cs typeface="Source Sans Pro" charset="0"/>
-            </a:endParaRPr>
           </a:p>
           <a:p>
             <a:pPr algn="l"/>
             <a:r>
-              <a:rPr lang="en-US" sz="1300" dirty="0" smtClean="0">
+              <a:rPr lang="en-US" sz="1300" dirty="0">
                 <a:latin typeface="Monaco" charset="0"/>
                 <a:ea typeface="Monaco" charset="0"/>
                 <a:cs typeface="Monaco" charset="0"/>
@@ -3115,7 +2938,7 @@
               <a:t>(data_char_ukimmig2010, </a:t>
             </a:r>
             <a:r>
-              <a:rPr lang="en-US" sz="1300" dirty="0" err="1" smtClean="0">
+              <a:rPr lang="en-US" sz="1300" dirty="0" err="1">
                 <a:latin typeface="Monaco" charset="0"/>
                 <a:ea typeface="Monaco" charset="0"/>
                 <a:cs typeface="Monaco" charset="0"/>
@@ -3123,28 +2946,12 @@
               <a:t>text_field</a:t>
             </a:r>
             <a:r>
-              <a:rPr lang="en-US" sz="1300" dirty="0" smtClean="0">
-                <a:latin typeface="Monaco" charset="0"/>
-                <a:ea typeface="Monaco" charset="0"/>
-                <a:cs typeface="Monaco" charset="0"/>
-              </a:rPr>
-              <a:t> </a:t>
-            </a:r>
-            <a:r>
               <a:rPr lang="en-US" sz="1300" dirty="0">
                 <a:latin typeface="Monaco" charset="0"/>
                 <a:ea typeface="Monaco" charset="0"/>
                 <a:cs typeface="Monaco" charset="0"/>
               </a:rPr>
-              <a:t>= "text</a:t>
-            </a:r>
-            <a:r>
-              <a:rPr lang="en-US" sz="1300" dirty="0" smtClean="0">
-                <a:latin typeface="Monaco" charset="0"/>
-                <a:ea typeface="Monaco" charset="0"/>
-                <a:cs typeface="Monaco" charset="0"/>
-              </a:rPr>
-              <a:t>")</a:t>
+              <a:t> = "text")</a:t>
             </a:r>
             <a:endParaRPr lang="en-US" sz="1300" i="1" dirty="0">
               <a:latin typeface="Source Sans Pro" charset="0"/>
@@ -3159,26 +2966,18 @@
               </a:spcBef>
             </a:pPr>
             <a:r>
-              <a:rPr lang="en-US" sz="1500" b="1" dirty="0" smtClean="0">
-                <a:latin typeface="Source Sans Pro" charset="0"/>
-                <a:ea typeface="Source Sans Pro" charset="0"/>
-                <a:cs typeface="Source Sans Pro" charset="0"/>
-              </a:rPr>
-              <a:t>Explore </a:t>
-            </a:r>
-            <a:r>
               <a:rPr lang="en-US" sz="1500" b="1" dirty="0">
                 <a:latin typeface="Source Sans Pro" charset="0"/>
                 <a:ea typeface="Source Sans Pro" charset="0"/>
                 <a:cs typeface="Source Sans Pro" charset="0"/>
               </a:rPr>
-              <a:t>a corpus</a:t>
+              <a:t>Explore a corpus</a:t>
             </a:r>
           </a:p>
           <a:p>
             <a:pPr algn="l"/>
             <a:r>
-              <a:rPr lang="en-US" sz="1300" dirty="0" smtClean="0">
+              <a:rPr lang="en-US" sz="1300" dirty="0">
                 <a:solidFill>
                   <a:srgbClr val="006AC7"/>
                 </a:solidFill>
@@ -3189,7 +2988,7 @@
               <a:t>summary</a:t>
             </a:r>
             <a:r>
-              <a:rPr lang="en-US" sz="1300" dirty="0" smtClean="0">
+              <a:rPr lang="en-US" sz="1300" dirty="0">
                 <a:latin typeface="Monaco" charset="0"/>
                 <a:ea typeface="Monaco" charset="0"/>
                 <a:cs typeface="Monaco" charset="0"/>
@@ -3197,7 +2996,7 @@
               <a:t>(</a:t>
             </a:r>
             <a:r>
-              <a:rPr lang="en-US" sz="1300" dirty="0" err="1" smtClean="0">
+              <a:rPr lang="en-US" sz="1300" dirty="0" err="1">
                 <a:latin typeface="Monaco" charset="0"/>
                 <a:ea typeface="Monaco" charset="0"/>
                 <a:cs typeface="Monaco" charset="0"/>
@@ -3205,28 +3004,12 @@
               <a:t>data_corpus_inaugural</a:t>
             </a:r>
             <a:r>
-              <a:rPr lang="en-US" sz="1300" dirty="0" smtClean="0">
-                <a:latin typeface="Monaco" charset="0"/>
-                <a:ea typeface="Monaco" charset="0"/>
-                <a:cs typeface="Monaco" charset="0"/>
-              </a:rPr>
-              <a:t>, </a:t>
-            </a:r>
-            <a:r>
               <a:rPr lang="en-US" sz="1300" dirty="0">
                 <a:latin typeface="Monaco" charset="0"/>
                 <a:ea typeface="Monaco" charset="0"/>
                 <a:cs typeface="Monaco" charset="0"/>
               </a:rPr>
-              <a:t>n = </a:t>
-            </a:r>
-            <a:r>
-              <a:rPr lang="en-US" sz="1300" dirty="0" smtClean="0">
-                <a:latin typeface="Monaco" charset="0"/>
-                <a:ea typeface="Monaco" charset="0"/>
-                <a:cs typeface="Monaco" charset="0"/>
-              </a:rPr>
-              <a:t>2)</a:t>
+              <a:t>, n = 2)</a:t>
             </a:r>
             <a:endParaRPr lang="en-US" sz="1300" b="1" dirty="0">
               <a:solidFill>
@@ -3240,28 +3023,12 @@
           <a:p>
             <a:pPr algn="l"/>
             <a:r>
-              <a:rPr lang="en-US" sz="1000" dirty="0" smtClean="0">
-                <a:latin typeface="Monaco" charset="0"/>
-                <a:ea typeface="Monaco" charset="0"/>
-                <a:cs typeface="Monaco" charset="0"/>
-              </a:rPr>
-              <a:t># Corpus </a:t>
-            </a:r>
-            <a:r>
               <a:rPr lang="en-US" sz="1000" dirty="0">
                 <a:latin typeface="Monaco" charset="0"/>
                 <a:ea typeface="Monaco" charset="0"/>
                 <a:cs typeface="Monaco" charset="0"/>
               </a:rPr>
-              <a:t>consisting of 58 documents, showing 2 documents</a:t>
-            </a:r>
-            <a:r>
-              <a:rPr lang="en-US" sz="1000" dirty="0" smtClean="0">
-                <a:latin typeface="Monaco" charset="0"/>
-                <a:ea typeface="Monaco" charset="0"/>
-                <a:cs typeface="Monaco" charset="0"/>
-              </a:rPr>
-              <a:t>:</a:t>
+              <a:t># Corpus consisting of 58 documents, showing 2 documents:</a:t>
             </a:r>
           </a:p>
           <a:p>
@@ -3272,23 +3039,89 @@
                 <a:ea typeface="Monaco" charset="0"/>
                 <a:cs typeface="Monaco" charset="0"/>
               </a:rPr>
+              <a:t>#            Text Types Tokens Sentences Year  President </a:t>
+            </a:r>
+            <a:r>
+              <a:rPr lang="en-US" sz="1000" dirty="0" err="1">
+                <a:latin typeface="Monaco" charset="0"/>
+                <a:ea typeface="Monaco" charset="0"/>
+                <a:cs typeface="Monaco" charset="0"/>
+              </a:rPr>
+              <a:t>FirstName</a:t>
+            </a:r>
+            <a:r>
+              <a:rPr lang="en-US" sz="1000" dirty="0">
+                <a:latin typeface="Monaco" charset="0"/>
+                <a:ea typeface="Monaco" charset="0"/>
+                <a:cs typeface="Monaco" charset="0"/>
+              </a:rPr>
+              <a:t> </a:t>
+            </a:r>
+          </a:p>
+          <a:p>
+            <a:pPr algn="l"/>
+            <a:r>
+              <a:rPr lang="en-US" sz="1000" dirty="0">
+                <a:latin typeface="Monaco" charset="0"/>
+                <a:ea typeface="Monaco" charset="0"/>
+                <a:cs typeface="Monaco" charset="0"/>
+              </a:rPr>
+              <a:t># 1789-Washington   625   1538        23 1789 Washington    George </a:t>
+            </a:r>
+          </a:p>
+          <a:p>
+            <a:pPr algn="l"/>
+            <a:r>
+              <a:rPr lang="en-US" sz="1000" dirty="0">
+                <a:latin typeface="Monaco" charset="0"/>
+                <a:ea typeface="Monaco" charset="0"/>
+                <a:cs typeface="Monaco" charset="0"/>
+              </a:rPr>
+              <a:t># 1793-Washington    96    147         4 1793 Washington    George</a:t>
+            </a:r>
+          </a:p>
+          <a:p>
+            <a:pPr algn="l"/>
+            <a:r>
+              <a:rPr lang="en-US" sz="1000" dirty="0">
+                <a:latin typeface="Monaco" charset="0"/>
+                <a:ea typeface="Monaco" charset="0"/>
+                <a:cs typeface="Monaco" charset="0"/>
+              </a:rPr>
               <a:t>#</a:t>
             </a:r>
-            <a:r>
-              <a:rPr lang="en-US" sz="1000" dirty="0" smtClean="0">
-                <a:latin typeface="Monaco" charset="0"/>
-                <a:ea typeface="Monaco" charset="0"/>
-                <a:cs typeface="Monaco" charset="0"/>
-              </a:rPr>
-              <a:t>            </a:t>
-            </a:r>
+          </a:p>
+          <a:p>
+            <a:pPr algn="l"/>
             <a:r>
               <a:rPr lang="en-US" sz="1000" dirty="0">
                 <a:latin typeface="Monaco" charset="0"/>
                 <a:ea typeface="Monaco" charset="0"/>
                 <a:cs typeface="Monaco" charset="0"/>
               </a:rPr>
-              <a:t>Text Types Tokens Sentences Year  President </a:t>
+              <a:t># Source:  Gerhard Peters and John T. Woolley. The American Presidency Project.</a:t>
+            </a:r>
+          </a:p>
+          <a:p>
+            <a:pPr algn="l"/>
+            <a:r>
+              <a:rPr lang="en-US" sz="1000" dirty="0">
+                <a:latin typeface="Monaco" charset="0"/>
+                <a:ea typeface="Monaco" charset="0"/>
+                <a:cs typeface="Monaco" charset="0"/>
+              </a:rPr>
+              <a:t># Created: Tue Jun 13 14:51:47 2017</a:t>
+            </a:r>
+          </a:p>
+          <a:p>
+            <a:pPr algn="l"/>
+            <a:r>
+              <a:rPr lang="en-US" sz="1000" dirty="0">
+                <a:latin typeface="Monaco" charset="0"/>
+                <a:ea typeface="Monaco" charset="0"/>
+                <a:cs typeface="Monaco" charset="0"/>
+              </a:rPr>
+              <a:t># Notes:   http://</a:t>
             </a:r>
             <a:r>
               <a:rPr lang="en-US" sz="1000" dirty="0" err="1">
@@ -3296,7 +3129,7 @@
                 <a:ea typeface="Monaco" charset="0"/>
                 <a:cs typeface="Monaco" charset="0"/>
               </a:rPr>
-              <a:t>FirstName</a:t>
+              <a:t>www.presidency.ucsb.edu</a:t>
             </a:r>
             <a:r>
               <a:rPr lang="en-US" sz="1000" dirty="0">
@@ -3304,237 +3137,25 @@
                 <a:ea typeface="Monaco" charset="0"/>
                 <a:cs typeface="Monaco" charset="0"/>
               </a:rPr>
+              <a:t>/</a:t>
+            </a:r>
+            <a:r>
+              <a:rPr lang="en-US" sz="1000" dirty="0" err="1">
+                <a:latin typeface="Monaco" charset="0"/>
+                <a:ea typeface="Monaco" charset="0"/>
+                <a:cs typeface="Monaco" charset="0"/>
+              </a:rPr>
+              <a:t>inaugurals.php</a:t>
+            </a:r>
+            <a:r>
+              <a:rPr lang="en-US" sz="1000" dirty="0">
+                <a:latin typeface="Monaco" charset="0"/>
+                <a:ea typeface="Monaco" charset="0"/>
+                <a:cs typeface="Monaco" charset="0"/>
+              </a:rPr>
               <a:t> </a:t>
             </a:r>
-            <a:endParaRPr lang="en-US" sz="1000" dirty="0" smtClean="0">
-              <a:latin typeface="Monaco" charset="0"/>
-              <a:ea typeface="Monaco" charset="0"/>
-              <a:cs typeface="Monaco" charset="0"/>
-            </a:endParaRPr>
-          </a:p>
-          <a:p>
-            <a:pPr algn="l"/>
-            <a:r>
-              <a:rPr lang="en-US" sz="1000" dirty="0">
-                <a:latin typeface="Monaco" charset="0"/>
-                <a:ea typeface="Monaco" charset="0"/>
-                <a:cs typeface="Monaco" charset="0"/>
-              </a:rPr>
-              <a:t>#</a:t>
-            </a:r>
-            <a:r>
-              <a:rPr lang="en-US" sz="1000" dirty="0" smtClean="0">
-                <a:latin typeface="Monaco" charset="0"/>
-                <a:ea typeface="Monaco" charset="0"/>
-                <a:cs typeface="Monaco" charset="0"/>
-              </a:rPr>
-              <a:t> 1789-Washington   </a:t>
-            </a:r>
-            <a:r>
-              <a:rPr lang="en-US" sz="1000" dirty="0">
-                <a:latin typeface="Monaco" charset="0"/>
-                <a:ea typeface="Monaco" charset="0"/>
-                <a:cs typeface="Monaco" charset="0"/>
-              </a:rPr>
-              <a:t>625   1538        23 1789 Washington    George </a:t>
-            </a:r>
-            <a:endParaRPr lang="en-US" sz="1000" dirty="0" smtClean="0">
-              <a:latin typeface="Monaco" charset="0"/>
-              <a:ea typeface="Monaco" charset="0"/>
-              <a:cs typeface="Monaco" charset="0"/>
-            </a:endParaRPr>
-          </a:p>
-          <a:p>
-            <a:pPr algn="l"/>
-            <a:r>
-              <a:rPr lang="en-US" sz="1000" dirty="0">
-                <a:latin typeface="Monaco" charset="0"/>
-                <a:ea typeface="Monaco" charset="0"/>
-                <a:cs typeface="Monaco" charset="0"/>
-              </a:rPr>
-              <a:t>#</a:t>
-            </a:r>
-            <a:r>
-              <a:rPr lang="en-US" sz="1000" dirty="0" smtClean="0">
-                <a:latin typeface="Monaco" charset="0"/>
-                <a:ea typeface="Monaco" charset="0"/>
-                <a:cs typeface="Monaco" charset="0"/>
-              </a:rPr>
-              <a:t> 1793-Washington    </a:t>
-            </a:r>
-            <a:r>
-              <a:rPr lang="en-US" sz="1000" dirty="0">
-                <a:latin typeface="Monaco" charset="0"/>
-                <a:ea typeface="Monaco" charset="0"/>
-                <a:cs typeface="Monaco" charset="0"/>
-              </a:rPr>
-              <a:t>96    147         4 1793 Washington    </a:t>
-            </a:r>
-            <a:r>
-              <a:rPr lang="en-US" sz="1000" dirty="0" smtClean="0">
-                <a:latin typeface="Monaco" charset="0"/>
-                <a:ea typeface="Monaco" charset="0"/>
-                <a:cs typeface="Monaco" charset="0"/>
-              </a:rPr>
-              <a:t>George</a:t>
-            </a:r>
-          </a:p>
-          <a:p>
-            <a:pPr algn="l"/>
-            <a:r>
-              <a:rPr lang="en-US" sz="1000" dirty="0">
-                <a:latin typeface="Monaco" charset="0"/>
-                <a:ea typeface="Monaco" charset="0"/>
-                <a:cs typeface="Monaco" charset="0"/>
-              </a:rPr>
-              <a:t>#</a:t>
-            </a:r>
-          </a:p>
-          <a:p>
-            <a:pPr algn="l"/>
-            <a:r>
-              <a:rPr lang="en-US" sz="1000" dirty="0">
-                <a:latin typeface="Monaco" charset="0"/>
-                <a:ea typeface="Monaco" charset="0"/>
-                <a:cs typeface="Monaco" charset="0"/>
-              </a:rPr>
-              <a:t># </a:t>
-            </a:r>
-            <a:r>
-              <a:rPr lang="en-US" sz="1000" dirty="0" smtClean="0">
-                <a:latin typeface="Monaco" charset="0"/>
-                <a:ea typeface="Monaco" charset="0"/>
-                <a:cs typeface="Monaco" charset="0"/>
-              </a:rPr>
-              <a:t>Source</a:t>
-            </a:r>
-            <a:r>
-              <a:rPr lang="en-US" sz="1000" dirty="0">
-                <a:latin typeface="Monaco" charset="0"/>
-                <a:ea typeface="Monaco" charset="0"/>
-                <a:cs typeface="Monaco" charset="0"/>
-              </a:rPr>
-              <a:t>:  Gerhard Peters and John T. Woolley. The American </a:t>
-            </a:r>
-            <a:r>
-              <a:rPr lang="en-US" sz="1000" dirty="0" smtClean="0">
-                <a:latin typeface="Monaco" charset="0"/>
-                <a:ea typeface="Monaco" charset="0"/>
-                <a:cs typeface="Monaco" charset="0"/>
-              </a:rPr>
-              <a:t>Presidency </a:t>
-            </a:r>
-            <a:r>
-              <a:rPr lang="en-US" sz="1000" dirty="0">
-                <a:latin typeface="Monaco" charset="0"/>
-                <a:ea typeface="Monaco" charset="0"/>
-                <a:cs typeface="Monaco" charset="0"/>
-              </a:rPr>
-              <a:t>Project</a:t>
-            </a:r>
-            <a:r>
-              <a:rPr lang="en-US" sz="1000" dirty="0" smtClean="0">
-                <a:latin typeface="Monaco" charset="0"/>
-                <a:ea typeface="Monaco" charset="0"/>
-                <a:cs typeface="Monaco" charset="0"/>
-              </a:rPr>
-              <a:t>.</a:t>
-            </a:r>
-          </a:p>
-          <a:p>
-            <a:pPr algn="l"/>
-            <a:r>
-              <a:rPr lang="en-US" sz="1000" dirty="0">
-                <a:latin typeface="Monaco" charset="0"/>
-                <a:ea typeface="Monaco" charset="0"/>
-                <a:cs typeface="Monaco" charset="0"/>
-              </a:rPr>
-              <a:t># </a:t>
-            </a:r>
-            <a:r>
-              <a:rPr lang="en-US" sz="1000" dirty="0" smtClean="0">
-                <a:latin typeface="Monaco" charset="0"/>
-                <a:ea typeface="Monaco" charset="0"/>
-                <a:cs typeface="Monaco" charset="0"/>
-              </a:rPr>
-              <a:t>Created</a:t>
-            </a:r>
-            <a:r>
-              <a:rPr lang="en-US" sz="1000" dirty="0">
-                <a:latin typeface="Monaco" charset="0"/>
-                <a:ea typeface="Monaco" charset="0"/>
-                <a:cs typeface="Monaco" charset="0"/>
-              </a:rPr>
-              <a:t>: Tue Jun 13 14:51:47 </a:t>
-            </a:r>
-            <a:r>
-              <a:rPr lang="en-US" sz="1000" dirty="0" smtClean="0">
-                <a:latin typeface="Monaco" charset="0"/>
-                <a:ea typeface="Monaco" charset="0"/>
-                <a:cs typeface="Monaco" charset="0"/>
-              </a:rPr>
-              <a:t>2017</a:t>
-            </a:r>
-          </a:p>
-          <a:p>
-            <a:pPr algn="l"/>
-            <a:r>
-              <a:rPr lang="en-US" sz="1000" dirty="0">
-                <a:latin typeface="Monaco" charset="0"/>
-                <a:ea typeface="Monaco" charset="0"/>
-                <a:cs typeface="Monaco" charset="0"/>
-              </a:rPr>
-              <a:t># </a:t>
-            </a:r>
-            <a:r>
-              <a:rPr lang="en-US" sz="1000" dirty="0" smtClean="0">
-                <a:latin typeface="Monaco" charset="0"/>
-                <a:ea typeface="Monaco" charset="0"/>
-                <a:cs typeface="Monaco" charset="0"/>
-              </a:rPr>
-              <a:t>Notes</a:t>
-            </a:r>
-            <a:r>
-              <a:rPr lang="en-US" sz="1000" dirty="0">
-                <a:latin typeface="Monaco" charset="0"/>
-                <a:ea typeface="Monaco" charset="0"/>
-                <a:cs typeface="Monaco" charset="0"/>
-              </a:rPr>
-              <a:t>:   http://</a:t>
-            </a:r>
-            <a:r>
-              <a:rPr lang="en-US" sz="1000" dirty="0" err="1">
-                <a:latin typeface="Monaco" charset="0"/>
-                <a:ea typeface="Monaco" charset="0"/>
-                <a:cs typeface="Monaco" charset="0"/>
-              </a:rPr>
-              <a:t>www.presidency.ucsb.edu</a:t>
-            </a:r>
-            <a:r>
-              <a:rPr lang="en-US" sz="1000" dirty="0">
-                <a:latin typeface="Monaco" charset="0"/>
-                <a:ea typeface="Monaco" charset="0"/>
-                <a:cs typeface="Monaco" charset="0"/>
-              </a:rPr>
-              <a:t>/</a:t>
-            </a:r>
-            <a:r>
-              <a:rPr lang="en-US" sz="1000" dirty="0" err="1">
-                <a:latin typeface="Monaco" charset="0"/>
-                <a:ea typeface="Monaco" charset="0"/>
-                <a:cs typeface="Monaco" charset="0"/>
-              </a:rPr>
-              <a:t>inaugurals.php</a:t>
-            </a:r>
-            <a:r>
-              <a:rPr lang="en-US" sz="1000" dirty="0">
-                <a:latin typeface="Monaco" charset="0"/>
-                <a:ea typeface="Monaco" charset="0"/>
-                <a:cs typeface="Monaco" charset="0"/>
-              </a:rPr>
-              <a:t> </a:t>
-            </a:r>
-            <a:endParaRPr lang="en-US" sz="1000" b="1" dirty="0" smtClean="0">
+            <a:endParaRPr lang="en-US" sz="1000" b="1" dirty="0">
               <a:latin typeface="Source Sans Pro" charset="0"/>
               <a:ea typeface="Source Sans Pro" charset="0"/>
               <a:cs typeface="Source Sans Pro" charset="0"/>
@@ -3547,7 +3168,7 @@
               </a:spcBef>
             </a:pPr>
             <a:r>
-              <a:rPr lang="en-US" sz="1500" b="1" dirty="0" smtClean="0">
+              <a:rPr lang="en-US" sz="1500" b="1" dirty="0">
                 <a:latin typeface="Source Sans Pro" charset="0"/>
                 <a:ea typeface="Source Sans Pro" charset="0"/>
                 <a:cs typeface="Source Sans Pro" charset="0"/>
@@ -3555,14 +3176,14 @@
               <a:t>Extract or add document-level variables</a:t>
             </a:r>
             <a:br>
-              <a:rPr lang="en-US" sz="1500" b="1" dirty="0" smtClean="0">
+              <a:rPr lang="en-US" sz="1500" b="1" dirty="0">
                 <a:latin typeface="Source Sans Pro" charset="0"/>
                 <a:ea typeface="Source Sans Pro" charset="0"/>
                 <a:cs typeface="Source Sans Pro" charset="0"/>
               </a:rPr>
             </a:br>
             <a:r>
-              <a:rPr lang="en-US" sz="1300" dirty="0" smtClean="0">
+              <a:rPr lang="en-US" sz="1300" dirty="0">
                 <a:solidFill>
                   <a:srgbClr val="006AC7"/>
                 </a:solidFill>
@@ -3573,7 +3194,7 @@
               <a:t>party &lt;- </a:t>
             </a:r>
             <a:r>
-              <a:rPr lang="en-US" sz="1300" dirty="0" err="1" smtClean="0">
+              <a:rPr lang="en-US" sz="1300" dirty="0" err="1">
                 <a:solidFill>
                   <a:srgbClr val="006AC7"/>
                 </a:solidFill>
@@ -3584,7 +3205,7 @@
               <a:t>docvars</a:t>
             </a:r>
             <a:r>
-              <a:rPr lang="en-US" sz="1300" dirty="0" smtClean="0">
+              <a:rPr lang="en-US" sz="1300" dirty="0">
                 <a:latin typeface="Monaco" charset="0"/>
                 <a:ea typeface="Monaco" charset="0"/>
                 <a:cs typeface="Monaco" charset="0"/>
@@ -3592,7 +3213,7 @@
               <a:t>(</a:t>
             </a:r>
             <a:r>
-              <a:rPr lang="en-US" sz="1300" dirty="0" err="1" smtClean="0">
+              <a:rPr lang="en-US" sz="1300" dirty="0" err="1">
                 <a:latin typeface="Monaco" charset="0"/>
                 <a:ea typeface="Monaco" charset="0"/>
                 <a:cs typeface="Monaco" charset="0"/>
@@ -3600,7 +3221,7 @@
               <a:t>data_corpus_inaugural</a:t>
             </a:r>
             <a:r>
-              <a:rPr lang="en-US" sz="1300" dirty="0" smtClean="0">
+              <a:rPr lang="en-US" sz="1300" dirty="0">
                 <a:latin typeface="Monaco" charset="0"/>
                 <a:ea typeface="Monaco" charset="0"/>
                 <a:cs typeface="Monaco" charset="0"/>
@@ -3608,14 +3229,14 @@
               <a:t>, "Party")</a:t>
             </a:r>
             <a:br>
-              <a:rPr lang="en-US" sz="1300" dirty="0" smtClean="0">
+              <a:rPr lang="en-US" sz="1300" dirty="0">
                 <a:latin typeface="Monaco" charset="0"/>
                 <a:ea typeface="Monaco" charset="0"/>
                 <a:cs typeface="Monaco" charset="0"/>
               </a:rPr>
             </a:br>
             <a:r>
-              <a:rPr lang="en-US" sz="1300" dirty="0" err="1" smtClean="0">
+              <a:rPr lang="en-US" sz="1300" dirty="0" err="1">
                 <a:solidFill>
                   <a:srgbClr val="006AC7"/>
                 </a:solidFill>
@@ -3626,7 +3247,7 @@
               <a:t>docvars</a:t>
             </a:r>
             <a:r>
-              <a:rPr lang="en-US" sz="1300" dirty="0" smtClean="0">
+              <a:rPr lang="en-US" sz="1300" dirty="0">
                 <a:solidFill>
                   <a:schemeClr val="tx1"/>
                 </a:solidFill>
@@ -3637,7 +3258,7 @@
               <a:t>(x, "</a:t>
             </a:r>
             <a:r>
-              <a:rPr lang="en-US" sz="1300" dirty="0" err="1" smtClean="0">
+              <a:rPr lang="en-US" sz="1300" dirty="0" err="1">
                 <a:solidFill>
                   <a:schemeClr val="tx1"/>
                 </a:solidFill>
@@ -3648,7 +3269,7 @@
               <a:t>serial_number</a:t>
             </a:r>
             <a:r>
-              <a:rPr lang="en-US" sz="1300" dirty="0" smtClean="0">
+              <a:rPr lang="en-US" sz="1300" dirty="0">
                 <a:solidFill>
                   <a:schemeClr val="tx1"/>
                 </a:solidFill>
@@ -3674,26 +3295,18 @@
               </a:spcBef>
             </a:pPr>
             <a:r>
-              <a:rPr lang="en-US" sz="1500" b="1" dirty="0" smtClean="0">
-                <a:latin typeface="Source Sans Pro" charset="0"/>
-                <a:ea typeface="Source Sans Pro" charset="0"/>
-                <a:cs typeface="Source Sans Pro" charset="0"/>
-              </a:rPr>
-              <a:t>Bind or </a:t>
-            </a:r>
-            <a:r>
               <a:rPr lang="en-US" sz="1500" b="1" dirty="0">
                 <a:latin typeface="Source Sans Pro" charset="0"/>
                 <a:ea typeface="Source Sans Pro" charset="0"/>
                 <a:cs typeface="Source Sans Pro" charset="0"/>
               </a:rPr>
-              <a:t>subset corpora</a:t>
+              <a:t>Bind or subset corpora</a:t>
             </a:r>
           </a:p>
           <a:p>
             <a:pPr algn="l"/>
             <a:r>
-              <a:rPr lang="en-US" sz="1300" dirty="0" smtClean="0">
+              <a:rPr lang="en-US" sz="1300" dirty="0">
                 <a:solidFill>
                   <a:srgbClr val="006AC7"/>
                 </a:solidFill>
@@ -3704,23 +3317,15 @@
               <a:t>corpus</a:t>
             </a:r>
             <a:r>
-              <a:rPr lang="en-US" sz="1300" dirty="0" smtClean="0">
-                <a:latin typeface="Monaco" charset="0"/>
-                <a:ea typeface="Monaco" charset="0"/>
-                <a:cs typeface="Monaco" charset="0"/>
-              </a:rPr>
-              <a:t>(x[1:5]) </a:t>
-            </a:r>
-            <a:r>
               <a:rPr lang="en-US" sz="1300" dirty="0">
                 <a:latin typeface="Monaco" charset="0"/>
                 <a:ea typeface="Monaco" charset="0"/>
                 <a:cs typeface="Monaco" charset="0"/>
               </a:rPr>
-              <a:t>+ </a:t>
-            </a:r>
-            <a:r>
-              <a:rPr lang="en-US" sz="1300" dirty="0" smtClean="0">
+              <a:t>(x[1:5]) + </a:t>
+            </a:r>
+            <a:r>
+              <a:rPr lang="en-US" sz="1300" dirty="0">
                 <a:solidFill>
                   <a:srgbClr val="006AC7"/>
                 </a:solidFill>
@@ -3731,26 +3336,18 @@
               <a:t>corpus</a:t>
             </a:r>
             <a:r>
-              <a:rPr lang="en-US" sz="1300" dirty="0" smtClean="0">
-                <a:latin typeface="Monaco" charset="0"/>
-                <a:ea typeface="Monaco" charset="0"/>
-                <a:cs typeface="Monaco" charset="0"/>
-              </a:rPr>
-              <a:t>(x[7:9</a:t>
-            </a:r>
-            <a:r>
               <a:rPr lang="en-US" sz="1300" dirty="0">
                 <a:latin typeface="Monaco" charset="0"/>
                 <a:ea typeface="Monaco" charset="0"/>
                 <a:cs typeface="Monaco" charset="0"/>
               </a:rPr>
-              <a:t>])</a:t>
+              <a:t>(x[7:9])</a:t>
             </a:r>
           </a:p>
           <a:p>
             <a:pPr algn="l"/>
             <a:r>
-              <a:rPr lang="en-US" sz="1300" dirty="0" err="1" smtClean="0">
+              <a:rPr lang="en-US" sz="1300" dirty="0" err="1">
                 <a:solidFill>
                   <a:srgbClr val="006AC7"/>
                 </a:solidFill>
@@ -3761,7 +3358,7 @@
               <a:t>corpus_subset</a:t>
             </a:r>
             <a:r>
-              <a:rPr lang="en-US" sz="1300" dirty="0" smtClean="0">
+              <a:rPr lang="en-US" sz="1300" dirty="0">
                 <a:latin typeface="Monaco" charset="0"/>
                 <a:ea typeface="Monaco" charset="0"/>
                 <a:cs typeface="Monaco" charset="0"/>
@@ -3769,7 +3366,7 @@
               <a:t>(x</a:t>
             </a:r>
             <a:r>
-              <a:rPr lang="en-US" sz="1300" i="1" dirty="0" smtClean="0">
+              <a:rPr lang="en-US" sz="1300" i="1" dirty="0">
                 <a:latin typeface="Monaco" charset="0"/>
                 <a:ea typeface="Monaco" charset="0"/>
                 <a:cs typeface="Monaco" charset="0"/>
@@ -3785,7 +3382,7 @@
               <a:t>Year &gt; 1990</a:t>
             </a:r>
             <a:r>
-              <a:rPr lang="en-US" sz="1300" i="1" dirty="0" smtClean="0">
+              <a:rPr lang="en-US" sz="1300" i="1" dirty="0">
                 <a:latin typeface="Monaco" charset="0"/>
                 <a:ea typeface="Monaco" charset="0"/>
                 <a:cs typeface="Monaco" charset="0"/>
@@ -3816,7 +3413,7 @@
           <a:p>
             <a:pPr algn="l"/>
             <a:r>
-              <a:rPr lang="en-US" sz="1300" dirty="0" err="1" smtClean="0">
+              <a:rPr lang="en-US" sz="1300" dirty="0" err="1">
                 <a:solidFill>
                   <a:srgbClr val="006AC7"/>
                 </a:solidFill>
@@ -3827,34 +3424,13 @@
               <a:t>corpus_reshape</a:t>
             </a:r>
             <a:r>
-              <a:rPr lang="en-US" sz="1300" dirty="0" smtClean="0">
-                <a:latin typeface="Monaco" charset="0"/>
-                <a:ea typeface="Monaco" charset="0"/>
-                <a:cs typeface="Monaco" charset="0"/>
-              </a:rPr>
-              <a:t>(x, to </a:t>
-            </a:r>
-            <a:r>
               <a:rPr lang="en-US" sz="1300" dirty="0">
                 <a:latin typeface="Monaco" charset="0"/>
                 <a:ea typeface="Monaco" charset="0"/>
                 <a:cs typeface="Monaco" charset="0"/>
               </a:rPr>
-              <a:t>= </a:t>
-            </a:r>
-            <a:r>
-              <a:rPr lang="en-US" sz="1300" dirty="0" smtClean="0">
-                <a:latin typeface="Monaco" charset="0"/>
-                <a:ea typeface="Monaco" charset="0"/>
-                <a:cs typeface="Monaco" charset="0"/>
-              </a:rPr>
-              <a:t>c("sentences", "paragraphs"))</a:t>
-            </a:r>
-            <a:endParaRPr lang="en-US" sz="1300" dirty="0">
-              <a:latin typeface="Monaco" charset="0"/>
-              <a:ea typeface="Monaco" charset="0"/>
-              <a:cs typeface="Monaco" charset="0"/>
-            </a:endParaRPr>
+              <a:t>(x, to = c("sentences", "paragraphs"))</a:t>
+            </a:r>
           </a:p>
           <a:p>
             <a:pPr algn="l">
@@ -3868,37 +3444,13 @@
                 <a:ea typeface="Source Sans Pro" charset="0"/>
                 <a:cs typeface="Source Sans Pro" charset="0"/>
               </a:rPr>
-              <a:t>S</a:t>
-            </a:r>
-            <a:r>
-              <a:rPr lang="en-US" sz="1500" b="1" dirty="0" smtClean="0">
-                <a:latin typeface="Source Sans Pro" charset="0"/>
-                <a:ea typeface="Source Sans Pro" charset="0"/>
-                <a:cs typeface="Source Sans Pro" charset="0"/>
-              </a:rPr>
-              <a:t>egment </a:t>
-            </a:r>
-            <a:r>
-              <a:rPr lang="en-US" sz="1500" b="1" dirty="0">
-                <a:latin typeface="Source Sans Pro" charset="0"/>
-                <a:ea typeface="Source Sans Pro" charset="0"/>
-                <a:cs typeface="Source Sans Pro" charset="0"/>
-              </a:rPr>
-              <a:t>texts on a pattern </a:t>
-            </a:r>
-            <a:r>
-              <a:rPr lang="en-US" sz="1500" b="1" dirty="0" smtClean="0">
-                <a:latin typeface="Source Sans Pro" charset="0"/>
-                <a:ea typeface="Source Sans Pro" charset="0"/>
-                <a:cs typeface="Source Sans Pro" charset="0"/>
-              </a:rPr>
-              <a:t>match</a:t>
+              <a:t>Segment texts on a pattern match</a:t>
             </a:r>
           </a:p>
           <a:p>
             <a:pPr algn="l"/>
             <a:r>
-              <a:rPr lang="en-US" sz="1300" dirty="0" err="1" smtClean="0">
+              <a:rPr lang="en-US" sz="1300" dirty="0" err="1">
                 <a:solidFill>
                   <a:srgbClr val="006AC7"/>
                 </a:solidFill>
@@ -3909,7 +3461,7 @@
               <a:t>corpus_segment</a:t>
             </a:r>
             <a:r>
-              <a:rPr lang="en-US" sz="1300" dirty="0" smtClean="0">
+              <a:rPr lang="en-US" sz="1300" dirty="0">
                 <a:latin typeface="Monaco" charset="0"/>
                 <a:ea typeface="Monaco" charset="0"/>
                 <a:cs typeface="Monaco" charset="0"/>
@@ -3917,7 +3469,7 @@
               <a:t>(x, pattern, </a:t>
             </a:r>
             <a:r>
-              <a:rPr lang="en-US" sz="1300" dirty="0" err="1" smtClean="0">
+              <a:rPr lang="en-US" sz="1300" dirty="0" err="1">
                 <a:latin typeface="Monaco" charset="0"/>
                 <a:ea typeface="Monaco" charset="0"/>
                 <a:cs typeface="Monaco" charset="0"/>
@@ -3946,21 +3498,8 @@
                 <a:ea typeface="Monaco" charset="0"/>
                 <a:cs typeface="Monaco" charset="0"/>
               </a:rPr>
-              <a:t> = TRUE</a:t>
-            </a:r>
-            <a:r>
-              <a:rPr lang="en-US" sz="1300" dirty="0" smtClean="0">
-                <a:latin typeface="Monaco" charset="0"/>
-                <a:ea typeface="Monaco" charset="0"/>
-                <a:cs typeface="Monaco" charset="0"/>
-              </a:rPr>
-              <a:t>)</a:t>
-            </a:r>
-            <a:endParaRPr lang="en-US" sz="1300" dirty="0">
-              <a:latin typeface="Monaco" charset="0"/>
-              <a:ea typeface="Monaco" charset="0"/>
-              <a:cs typeface="Monaco" charset="0"/>
-            </a:endParaRPr>
+              <a:t> = TRUE)</a:t>
+            </a:r>
           </a:p>
           <a:p>
             <a:pPr algn="l">
@@ -3974,26 +3513,13 @@
                 <a:ea typeface="Source Sans Pro" charset="0"/>
                 <a:cs typeface="Source Sans Pro" charset="0"/>
               </a:rPr>
-              <a:t>Take a random sample of </a:t>
-            </a:r>
-            <a:r>
-              <a:rPr lang="en-US" sz="1500" b="1" dirty="0" smtClean="0">
-                <a:latin typeface="Source Sans Pro" charset="0"/>
-                <a:ea typeface="Source Sans Pro" charset="0"/>
-                <a:cs typeface="Source Sans Pro" charset="0"/>
-              </a:rPr>
-              <a:t>corpus texts</a:t>
-            </a:r>
-            <a:endParaRPr lang="en-US" sz="1500" b="1" dirty="0">
-              <a:latin typeface="Source Sans Pro" charset="0"/>
-              <a:ea typeface="Source Sans Pro" charset="0"/>
-              <a:cs typeface="Source Sans Pro" charset="0"/>
-            </a:endParaRPr>
+              <a:t>Take a random sample of corpus texts</a:t>
+            </a:r>
           </a:p>
           <a:p>
             <a:pPr algn="l"/>
             <a:r>
-              <a:rPr lang="en-US" sz="1300" dirty="0" err="1" smtClean="0">
+              <a:rPr lang="en-US" sz="1300" dirty="0" err="1">
                 <a:solidFill>
                   <a:srgbClr val="006AC7"/>
                 </a:solidFill>
@@ -4004,129 +3530,13 @@
               <a:t>corpus_sample</a:t>
             </a:r>
             <a:r>
-              <a:rPr lang="en-US" sz="1300" dirty="0" smtClean="0">
-                <a:latin typeface="Monaco" charset="0"/>
-                <a:ea typeface="Monaco" charset="0"/>
-                <a:cs typeface="Monaco" charset="0"/>
-              </a:rPr>
-              <a:t>(x, </a:t>
-            </a:r>
-            <a:r>
               <a:rPr lang="en-US" sz="1300" dirty="0">
                 <a:latin typeface="Monaco" charset="0"/>
                 <a:ea typeface="Monaco" charset="0"/>
                 <a:cs typeface="Monaco" charset="0"/>
               </a:rPr>
-              <a:t>size = 10, replace = FALSE</a:t>
-            </a:r>
-            <a:r>
-              <a:rPr lang="en-US" sz="1300" dirty="0" smtClean="0">
-                <a:latin typeface="Monaco" charset="0"/>
-                <a:ea typeface="Monaco" charset="0"/>
-                <a:cs typeface="Monaco" charset="0"/>
-              </a:rPr>
-              <a:t>)</a:t>
-            </a:r>
-            <a:endParaRPr lang="en-US" sz="1300" dirty="0">
-              <a:latin typeface="Monaco" charset="0"/>
-              <a:ea typeface="Monaco" charset="0"/>
-              <a:cs typeface="Monaco" charset="0"/>
-            </a:endParaRPr>
-          </a:p>
-        </p:txBody>
-      </p:sp>
-      <p:sp>
-        <p:nvSpPr>
-          <p:cNvPr id="302" name="Shape 38"/>
-          <p:cNvSpPr/>
-          <p:nvPr/>
-        </p:nvSpPr>
-        <p:spPr>
-          <a:xfrm>
-            <a:off x="223865" y="4049688"/>
-            <a:ext cx="6670800" cy="486431"/>
-          </a:xfrm>
-          <a:prstGeom prst="roundRect">
-            <a:avLst>
-              <a:gd name="adj" fmla="val 20098"/>
-            </a:avLst>
-          </a:prstGeom>
-          <a:solidFill>
-            <a:srgbClr val="006AC7"/>
-          </a:solidFill>
-          <a:ln w="12700">
-            <a:miter lim="400000"/>
-          </a:ln>
-          <a:extLst>
-            <a:ext uri="{C572A759-6A51-4108-AA02-DFA0A04FC94B}">
-              <ma14:wrappingTextBoxFlag xmlns:ma14="http://schemas.microsoft.com/office/mac/drawingml/2011/main" val="1"/>
-            </a:ext>
-          </a:extLst>
-        </p:spPr>
-        <p:txBody>
-          <a:bodyPr lIns="0" tIns="0" rIns="0" bIns="0" anchor="ctr"/>
-          <a:lstStyle/>
-          <a:p>
-            <a:pPr lvl="1" indent="0">
-              <a:defRPr sz="1800"/>
-            </a:pPr>
-            <a:r>
-              <a:rPr lang="en-US" sz="2400" dirty="0">
-                <a:solidFill>
-                  <a:srgbClr val="FFFFFF"/>
-                </a:solidFill>
-                <a:latin typeface="Source Sans Pro"/>
-                <a:ea typeface="Source Sans Pro"/>
-                <a:cs typeface="Source Sans Pro"/>
-                <a:sym typeface="Source Sans Pro"/>
-              </a:rPr>
-              <a:t>Create a corpus from texts (</a:t>
-            </a:r>
-            <a:r>
-              <a:rPr lang="en-US" sz="2000" dirty="0">
-                <a:solidFill>
-                  <a:srgbClr val="FFFFFF"/>
-                </a:solidFill>
-                <a:latin typeface="Monaco" charset="0"/>
-                <a:ea typeface="Monaco" charset="0"/>
-                <a:cs typeface="Monaco" charset="0"/>
-                <a:sym typeface="Source Sans Pro"/>
-              </a:rPr>
-              <a:t>corpus</a:t>
-            </a:r>
-            <a:r>
-              <a:rPr lang="en-US" sz="2000" dirty="0" smtClean="0">
-                <a:solidFill>
-                  <a:srgbClr val="FFFFFF"/>
-                </a:solidFill>
-                <a:latin typeface="Monaco" charset="0"/>
-                <a:ea typeface="Monaco" charset="0"/>
-                <a:cs typeface="Monaco" charset="0"/>
-                <a:sym typeface="Source Sans Pro"/>
-              </a:rPr>
-              <a:t>_*</a:t>
-            </a:r>
-            <a:r>
-              <a:rPr lang="en-US" sz="2400" dirty="0" smtClean="0">
-                <a:solidFill>
-                  <a:srgbClr val="FFFFFF"/>
-                </a:solidFill>
-                <a:latin typeface="Source Sans Pro" charset="0"/>
-                <a:ea typeface="Source Sans Pro" charset="0"/>
-                <a:cs typeface="Source Sans Pro" charset="0"/>
-                <a:sym typeface="Source Sans Pro"/>
-              </a:rPr>
-              <a:t>)</a:t>
-            </a:r>
-            <a:endParaRPr lang="en-US" sz="2400" dirty="0">
-              <a:solidFill>
-                <a:srgbClr val="FFFFFF"/>
-              </a:solidFill>
-              <a:latin typeface="Source Sans Pro"/>
-              <a:ea typeface="Source Sans Pro"/>
-              <a:cs typeface="Source Sans Pro"/>
-              <a:sym typeface="Source Sans Pro"/>
-            </a:endParaRPr>
+              <a:t>(x, size = 10, replace = FALSE)</a:t>
+            </a:r>
           </a:p>
         </p:txBody>
       </p:sp>
@@ -4152,14 +3562,102 @@
         </p:blipFill>
         <p:spPr>
           <a:xfrm>
-            <a:off x="244866" y="160"/>
+            <a:off x="244866" y="34885"/>
             <a:ext cx="3268239" cy="936000"/>
           </a:xfrm>
           <a:prstGeom prst="rect">
             <a:avLst/>
           </a:prstGeom>
+          <a:ln>
+            <a:solidFill>
+              <a:schemeClr val="bg1"/>
+            </a:solidFill>
+          </a:ln>
         </p:spPr>
       </p:pic>
+      <p:sp>
+        <p:nvSpPr>
+          <p:cNvPr id="302" name="Shape 38"/>
+          <p:cNvSpPr/>
+          <p:nvPr/>
+        </p:nvSpPr>
+        <p:spPr>
+          <a:xfrm>
+            <a:off x="229085" y="4049688"/>
+            <a:ext cx="6655475" cy="486431"/>
+          </a:xfrm>
+          <a:prstGeom prst="roundRect">
+            <a:avLst>
+              <a:gd name="adj" fmla="val 20098"/>
+            </a:avLst>
+          </a:prstGeom>
+          <a:solidFill>
+            <a:srgbClr val="006AC7"/>
+          </a:solidFill>
+          <a:ln w="12700">
+            <a:miter lim="400000"/>
+          </a:ln>
+          <a:extLst>
+            <a:ext uri="{C572A759-6A51-4108-AA02-DFA0A04FC94B}">
+              <ma14:wrappingTextBoxFlag xmlns:ma14="http://schemas.microsoft.com/office/mac/drawingml/2011/main" xmlns="" val="1"/>
+            </a:ext>
+          </a:extLst>
+        </p:spPr>
+        <p:txBody>
+          <a:bodyPr lIns="0" tIns="0" rIns="0" bIns="0" anchor="ctr"/>
+          <a:lstStyle/>
+          <a:p>
+            <a:pPr lvl="1" indent="0">
+              <a:defRPr sz="1800"/>
+            </a:pPr>
+            <a:r>
+              <a:rPr lang="en-US" sz="2400" dirty="0">
+                <a:solidFill>
+                  <a:srgbClr val="FFFFFF"/>
+                </a:solidFill>
+                <a:latin typeface="Source Sans Pro"/>
+                <a:ea typeface="Source Sans Pro"/>
+                <a:cs typeface="Source Sans Pro"/>
+                <a:sym typeface="Source Sans Pro"/>
+              </a:rPr>
+              <a:t>Create a corpus from texts (</a:t>
+            </a:r>
+            <a:r>
+              <a:rPr lang="en-US" sz="2000" dirty="0">
+                <a:solidFill>
+                  <a:srgbClr val="FFFFFF"/>
+                </a:solidFill>
+                <a:latin typeface="Monaco" charset="0"/>
+                <a:ea typeface="Monaco" charset="0"/>
+                <a:cs typeface="Monaco" charset="0"/>
+                <a:sym typeface="Source Sans Pro"/>
+              </a:rPr>
+              <a:t>corpus_*</a:t>
+            </a:r>
+            <a:r>
+              <a:rPr lang="en-US" sz="2400" dirty="0">
+                <a:solidFill>
+                  <a:srgbClr val="FFFFFF"/>
+                </a:solidFill>
+                <a:latin typeface="Source Sans Pro" charset="0"/>
+                <a:ea typeface="Source Sans Pro" charset="0"/>
+                <a:cs typeface="Source Sans Pro" charset="0"/>
+                <a:sym typeface="Source Sans Pro"/>
+              </a:rPr>
+              <a:t>)</a:t>
+            </a:r>
+            <a:endParaRPr lang="en-US" sz="2400" dirty="0">
+              <a:solidFill>
+                <a:srgbClr val="FFFFFF"/>
+              </a:solidFill>
+              <a:latin typeface="Source Sans Pro"/>
+              <a:ea typeface="Source Sans Pro"/>
+              <a:cs typeface="Source Sans Pro"/>
+              <a:sym typeface="Source Sans Pro"/>
+            </a:endParaRPr>
+          </a:p>
+        </p:txBody>
+      </p:sp>
       <p:sp>
         <p:nvSpPr>
           <p:cNvPr id="43" name="Shape 35"/>
@@ -4168,8 +3666,8 @@
         </p:nvSpPr>
         <p:spPr>
           <a:xfrm>
-            <a:off x="7352820" y="581222"/>
-            <a:ext cx="6645071" cy="7617470"/>
+            <a:off x="7352820" y="639097"/>
+            <a:ext cx="6645071" cy="7083991"/>
           </a:xfrm>
           <a:prstGeom prst="rect">
             <a:avLst/>
@@ -4179,7 +3677,7 @@
           </a:ln>
           <a:extLst>
             <a:ext uri="{C572A759-6A51-4108-AA02-DFA0A04FC94B}">
-              <ma14:wrappingTextBoxFlag xmlns:ma14="http://schemas.microsoft.com/office/mac/drawingml/2011/main" val="1"/>
+              <ma14:wrappingTextBoxFlag xmlns:ma14="http://schemas.microsoft.com/office/mac/drawingml/2011/main" xmlns="" val="1"/>
             </a:ext>
           </a:extLst>
         </p:spPr>
@@ -4196,18 +3694,10 @@
                 <a:ea typeface="Source Sans Pro" charset="0"/>
                 <a:cs typeface="Source Sans Pro" charset="0"/>
               </a:rPr>
-              <a:t>Create a </a:t>
-            </a:r>
-            <a:r>
-              <a:rPr lang="en-GB" sz="1500" b="1" dirty="0" smtClean="0">
-                <a:latin typeface="Source Sans Pro" charset="0"/>
-                <a:ea typeface="Source Sans Pro" charset="0"/>
-                <a:cs typeface="Source Sans Pro" charset="0"/>
-              </a:rPr>
-              <a:t>document-feature matrix (</a:t>
-            </a:r>
-            <a:r>
-              <a:rPr lang="en-GB" sz="1500" b="1" dirty="0" err="1" smtClean="0">
+              <a:t>Create a document-feature matrix (</a:t>
+            </a:r>
+            <a:r>
+              <a:rPr lang="en-GB" sz="1500" b="1" dirty="0" err="1">
                 <a:latin typeface="Source Sans Pro" charset="0"/>
                 <a:ea typeface="Source Sans Pro" charset="0"/>
                 <a:cs typeface="Source Sans Pro" charset="0"/>
@@ -4215,7 +3705,7 @@
               <a:t>dfm</a:t>
             </a:r>
             <a:r>
-              <a:rPr lang="en-GB" sz="1500" b="1" dirty="0" smtClean="0">
+              <a:rPr lang="en-GB" sz="1500" b="1" dirty="0">
                 <a:latin typeface="Source Sans Pro" charset="0"/>
                 <a:ea typeface="Source Sans Pro" charset="0"/>
                 <a:cs typeface="Source Sans Pro" charset="0"/>
@@ -4226,7 +3716,7 @@
           <a:p>
             <a:pPr algn="l"/>
             <a:r>
-              <a:rPr lang="en-GB" sz="1300" dirty="0" smtClean="0">
+              <a:rPr lang="en-GB" sz="1300" dirty="0">
                 <a:latin typeface="Monaco" charset="0"/>
                 <a:ea typeface="Monaco" charset="0"/>
                 <a:cs typeface="Monaco" charset="0"/>
@@ -4268,11 +3758,6 @@
               </a:rPr>
               <a:t>, </a:t>
             </a:r>
-            <a:endParaRPr lang="en-GB" sz="1300" dirty="0" smtClean="0">
-              <a:latin typeface="Monaco" charset="0"/>
-              <a:ea typeface="Monaco" charset="0"/>
-              <a:cs typeface="Monaco" charset="0"/>
-            </a:endParaRPr>
           </a:p>
           <a:p>
             <a:pPr algn="l"/>
@@ -4282,18 +3767,10 @@
                 <a:ea typeface="Monaco" charset="0"/>
                 <a:cs typeface="Monaco" charset="0"/>
               </a:rPr>
-              <a:t>	 </a:t>
-            </a:r>
-            <a:r>
-              <a:rPr lang="en-GB" sz="1300" dirty="0" smtClean="0">
-                <a:latin typeface="Monaco" charset="0"/>
-                <a:ea typeface="Monaco" charset="0"/>
-                <a:cs typeface="Monaco" charset="0"/>
-              </a:rPr>
-              <a:t>  </a:t>
-            </a:r>
-            <a:r>
-              <a:rPr lang="en-GB" sz="1300" dirty="0" err="1" smtClean="0">
+              <a:t>	   </a:t>
+            </a:r>
+            <a:r>
+              <a:rPr lang="en-GB" sz="1300" dirty="0" err="1">
                 <a:latin typeface="Monaco" charset="0"/>
                 <a:ea typeface="Monaco" charset="0"/>
                 <a:cs typeface="Monaco" charset="0"/>
@@ -4301,7 +3778,7 @@
               <a:t>tolower</a:t>
             </a:r>
             <a:r>
-              <a:rPr lang="en-GB" sz="1300" dirty="0" smtClean="0">
+              <a:rPr lang="en-GB" sz="1300" dirty="0">
                 <a:latin typeface="Monaco" charset="0"/>
                 <a:ea typeface="Monaco" charset="0"/>
                 <a:cs typeface="Monaco" charset="0"/>
@@ -4309,7 +3786,7 @@
               <a:t> = TRUE, stem = FALSE, </a:t>
             </a:r>
             <a:r>
-              <a:rPr lang="en-GB" sz="1300" dirty="0" err="1" smtClean="0">
+              <a:rPr lang="en-GB" sz="1300" dirty="0" err="1">
                 <a:latin typeface="Monaco" charset="0"/>
                 <a:ea typeface="Monaco" charset="0"/>
                 <a:cs typeface="Monaco" charset="0"/>
@@ -4317,28 +3794,23 @@
               <a:t>remove_punct</a:t>
             </a:r>
             <a:r>
-              <a:rPr lang="en-GB" sz="1300" dirty="0" smtClean="0">
-                <a:latin typeface="Monaco" charset="0"/>
-                <a:ea typeface="Monaco" charset="0"/>
-                <a:cs typeface="Monaco" charset="0"/>
-              </a:rPr>
-              <a:t> </a:t>
-            </a:r>
-            <a:r>
               <a:rPr lang="en-GB" sz="1300" dirty="0">
                 <a:latin typeface="Monaco" charset="0"/>
                 <a:ea typeface="Monaco" charset="0"/>
                 <a:cs typeface="Monaco" charset="0"/>
               </a:rPr>
-              <a:t>= TRUE</a:t>
-            </a:r>
-            <a:r>
-              <a:rPr lang="en-GB" sz="1300" dirty="0" smtClean="0">
-                <a:latin typeface="Monaco" charset="0"/>
-                <a:ea typeface="Monaco" charset="0"/>
-                <a:cs typeface="Monaco" charset="0"/>
-              </a:rPr>
-              <a:t>, 	   	   remove </a:t>
+              <a:t> = TRUE, 	   	   remove = </a:t>
+            </a:r>
+            <a:r>
+              <a:rPr lang="en-GB" sz="1300" dirty="0" err="1">
+                <a:solidFill>
+                  <a:schemeClr val="tx1"/>
+                </a:solidFill>
+                <a:latin typeface="Monaco" charset="0"/>
+                <a:ea typeface="Monaco" charset="0"/>
+                <a:cs typeface="Monaco" charset="0"/>
+              </a:rPr>
+              <a:t>stopwords</a:t>
             </a:r>
             <a:r>
               <a:rPr lang="en-GB" sz="1300" dirty="0">
@@ -4346,18 +3818,15 @@
                 <a:ea typeface="Monaco" charset="0"/>
                 <a:cs typeface="Monaco" charset="0"/>
               </a:rPr>
-              <a:t>= </a:t>
-            </a:r>
-            <a:r>
-              <a:rPr lang="en-GB" sz="1300" dirty="0" err="1" smtClean="0">
-                <a:solidFill>
-                  <a:schemeClr val="tx1"/>
-                </a:solidFill>
-                <a:latin typeface="Monaco" charset="0"/>
-                <a:ea typeface="Monaco" charset="0"/>
-                <a:cs typeface="Monaco" charset="0"/>
-              </a:rPr>
-              <a:t>stopwords</a:t>
+              <a:t>("</a:t>
+            </a:r>
+            <a:r>
+              <a:rPr lang="en-GB" sz="1300" dirty="0" err="1">
+                <a:latin typeface="Monaco" charset="0"/>
+                <a:ea typeface="Monaco" charset="0"/>
+                <a:cs typeface="Monaco" charset="0"/>
+              </a:rPr>
+              <a:t>english</a:t>
             </a:r>
             <a:r>
               <a:rPr lang="en-GB" sz="1300" dirty="0">
@@ -4365,28 +3834,12 @@
                 <a:ea typeface="Monaco" charset="0"/>
                 <a:cs typeface="Monaco" charset="0"/>
               </a:rPr>
-              <a:t>("</a:t>
-            </a:r>
-            <a:r>
-              <a:rPr lang="en-GB" sz="1300" dirty="0" err="1">
-                <a:latin typeface="Monaco" charset="0"/>
-                <a:ea typeface="Monaco" charset="0"/>
-                <a:cs typeface="Monaco" charset="0"/>
-              </a:rPr>
-              <a:t>english</a:t>
-            </a:r>
-            <a:r>
-              <a:rPr lang="en-GB" sz="1300" dirty="0">
-                <a:latin typeface="Monaco" charset="0"/>
-                <a:ea typeface="Monaco" charset="0"/>
-                <a:cs typeface="Monaco" charset="0"/>
-              </a:rPr>
               <a:t>"))</a:t>
             </a:r>
           </a:p>
           <a:p>
             <a:pPr algn="l"/>
-            <a:endParaRPr lang="en-GB" sz="1300" dirty="0" smtClean="0">
+            <a:endParaRPr lang="en-GB" sz="1300" dirty="0">
               <a:latin typeface="Source Sans Pro" charset="0"/>
               <a:ea typeface="Source Sans Pro" charset="0"/>
               <a:cs typeface="Source Sans Pro" charset="0"/>
@@ -4427,18 +3880,10 @@
                 <a:ea typeface="Monaco" charset="0"/>
                 <a:cs typeface="Monaco" charset="0"/>
               </a:rPr>
-              <a:t> = </a:t>
-            </a:r>
-            <a:r>
-              <a:rPr lang="de-DE" sz="1300" dirty="0" smtClean="0">
-                <a:latin typeface="Monaco" charset="0"/>
-                <a:ea typeface="Monaco" charset="0"/>
-                <a:cs typeface="Monaco" charset="0"/>
-              </a:rPr>
-              <a:t>2, </a:t>
-            </a:r>
-            <a:r>
-              <a:rPr lang="de-DE" sz="1300" dirty="0" err="1" smtClean="0">
+              <a:t> = 2, </a:t>
+            </a:r>
+            <a:r>
+              <a:rPr lang="de-DE" sz="1300" dirty="0" err="1">
                 <a:latin typeface="Monaco" charset="0"/>
                 <a:ea typeface="Monaco" charset="0"/>
                 <a:cs typeface="Monaco" charset="0"/>
@@ -4446,20 +3891,12 @@
               <a:t>nf</a:t>
             </a:r>
             <a:r>
-              <a:rPr lang="de-DE" sz="1300" dirty="0" smtClean="0">
-                <a:latin typeface="Monaco" charset="0"/>
-                <a:ea typeface="Monaco" charset="0"/>
-                <a:cs typeface="Monaco" charset="0"/>
-              </a:rPr>
-              <a:t> = </a:t>
-            </a:r>
-            <a:r>
               <a:rPr lang="de-DE" sz="1300" dirty="0">
                 <a:latin typeface="Monaco" charset="0"/>
                 <a:ea typeface="Monaco" charset="0"/>
                 <a:cs typeface="Monaco" charset="0"/>
               </a:rPr>
-              <a:t>4)</a:t>
+              <a:t> = 4)</a:t>
             </a:r>
           </a:p>
           <a:p>
@@ -4505,7 +3942,7 @@
               <a:t> of: </a:t>
             </a:r>
             <a:r>
-              <a:rPr lang="de-DE" sz="1000" dirty="0" smtClean="0">
+              <a:rPr lang="de-DE" sz="1000" dirty="0">
                 <a:latin typeface="Monaco" charset="0"/>
                 <a:ea typeface="Monaco" charset="0"/>
                 <a:cs typeface="Monaco" charset="0"/>
@@ -4513,7 +3950,7 @@
               <a:t>2</a:t>
             </a:r>
             <a:r>
-              <a:rPr lang="mr-IN" sz="1000" dirty="0" smtClean="0">
+              <a:rPr lang="mr-IN" sz="1000" dirty="0">
                 <a:latin typeface="Monaco" charset="0"/>
                 <a:ea typeface="Monaco" charset="0"/>
                 <a:cs typeface="Monaco" charset="0"/>
@@ -4577,7 +4014,7 @@
           <a:p>
             <a:pPr lvl="0" algn="l"/>
             <a:r>
-              <a:rPr lang="mr-IN" sz="1000" dirty="0" smtClean="0">
+              <a:rPr lang="mr-IN" sz="1000" dirty="0">
                 <a:latin typeface="Monaco" charset="0"/>
                 <a:ea typeface="Monaco" charset="0"/>
                 <a:cs typeface="Monaco" charset="0"/>
@@ -4609,7 +4046,7 @@
               <a:t>## </a:t>
             </a:r>
             <a:r>
-              <a:rPr lang="mr-IN" sz="1000" dirty="0" err="1" smtClean="0">
+              <a:rPr lang="mr-IN" sz="1000" dirty="0" err="1">
                 <a:latin typeface="Monaco" charset="0"/>
                 <a:ea typeface="Monaco" charset="0"/>
                 <a:cs typeface="Monaco" charset="0"/>
@@ -4617,7 +4054,7 @@
               <a:t>docs</a:t>
             </a:r>
             <a:r>
-              <a:rPr lang="mr-IN" sz="1000" dirty="0" smtClean="0">
+              <a:rPr lang="mr-IN" sz="1000" dirty="0">
                 <a:latin typeface="Monaco" charset="0"/>
                 <a:ea typeface="Monaco" charset="0"/>
                 <a:cs typeface="Monaco" charset="0"/>
@@ -4725,20 +4162,12 @@
               </a:spcBef>
             </a:pPr>
             <a:r>
-              <a:rPr lang="en-GB" sz="1500" b="1" dirty="0" smtClean="0">
-                <a:latin typeface="Source Sans Pro" charset="0"/>
-                <a:ea typeface="Source Sans Pro" charset="0"/>
-                <a:cs typeface="Source Sans Pro" charset="0"/>
-              </a:rPr>
-              <a:t>Create a </a:t>
-            </a:r>
-            <a:r>
               <a:rPr lang="en-GB" sz="1500" b="1" dirty="0">
                 <a:latin typeface="Source Sans Pro" charset="0"/>
                 <a:ea typeface="Source Sans Pro" charset="0"/>
                 <a:cs typeface="Source Sans Pro" charset="0"/>
               </a:rPr>
-              <a:t>dictionary</a:t>
+              <a:t>Create a dictionary</a:t>
             </a:r>
             <a:endParaRPr lang="en-GB" sz="1500" dirty="0">
               <a:latin typeface="Source Sans Pro" charset="0"/>
@@ -4749,7 +4178,7 @@
           <a:p>
             <a:pPr algn="l"/>
             <a:r>
-              <a:rPr lang="en-GB" sz="1300" dirty="0" smtClean="0">
+              <a:rPr lang="en-GB" sz="1300" dirty="0">
                 <a:solidFill>
                   <a:srgbClr val="006AC7"/>
                 </a:solidFill>
@@ -4760,71 +4189,23 @@
               <a:t>dictionary</a:t>
             </a:r>
             <a:r>
-              <a:rPr lang="en-GB" sz="1300" dirty="0" smtClean="0">
-                <a:latin typeface="Monaco" charset="0"/>
-                <a:ea typeface="Monaco" charset="0"/>
-                <a:cs typeface="Monaco" charset="0"/>
-              </a:rPr>
-              <a:t>(list(negative </a:t>
-            </a:r>
-            <a:r>
               <a:rPr lang="en-GB" sz="1300" dirty="0">
                 <a:latin typeface="Monaco" charset="0"/>
                 <a:ea typeface="Monaco" charset="0"/>
                 <a:cs typeface="Monaco" charset="0"/>
               </a:rPr>
-              <a:t>= c</a:t>
-            </a:r>
-            <a:r>
-              <a:rPr lang="en-GB" sz="1300" dirty="0" smtClean="0">
-                <a:latin typeface="Monaco" charset="0"/>
-                <a:ea typeface="Monaco" charset="0"/>
-                <a:cs typeface="Monaco" charset="0"/>
-              </a:rPr>
-              <a:t>("bad", </a:t>
-            </a:r>
+              <a:t>(list(negative = c("bad", "awful", "sad"),</a:t>
+            </a:r>
+          </a:p>
+          <a:p>
+            <a:pPr algn="l"/>
             <a:r>
               <a:rPr lang="en-GB" sz="1300" dirty="0">
                 <a:latin typeface="Monaco" charset="0"/>
                 <a:ea typeface="Monaco" charset="0"/>
                 <a:cs typeface="Monaco" charset="0"/>
               </a:rPr>
-              <a:t>"awful", "sad</a:t>
-            </a:r>
-            <a:r>
-              <a:rPr lang="en-GB" sz="1300" dirty="0" smtClean="0">
-                <a:latin typeface="Monaco" charset="0"/>
-                <a:ea typeface="Monaco" charset="0"/>
-                <a:cs typeface="Monaco" charset="0"/>
-              </a:rPr>
-              <a:t>"),</a:t>
-            </a:r>
-          </a:p>
-          <a:p>
-            <a:pPr algn="l"/>
-            <a:r>
-              <a:rPr lang="en-GB" sz="1300" dirty="0" smtClean="0">
-                <a:latin typeface="Monaco" charset="0"/>
-                <a:ea typeface="Monaco" charset="0"/>
-                <a:cs typeface="Monaco" charset="0"/>
-              </a:rPr>
-              <a:t>	          positive = </a:t>
-            </a:r>
-            <a:r>
-              <a:rPr lang="en-GB" sz="1300" dirty="0">
-                <a:latin typeface="Monaco" charset="0"/>
-                <a:ea typeface="Monaco" charset="0"/>
-                <a:cs typeface="Monaco" charset="0"/>
-              </a:rPr>
-              <a:t>c</a:t>
-            </a:r>
-            <a:r>
-              <a:rPr lang="en-GB" sz="1300" dirty="0" smtClean="0">
-                <a:latin typeface="Monaco" charset="0"/>
-                <a:ea typeface="Monaco" charset="0"/>
-                <a:cs typeface="Monaco" charset="0"/>
-              </a:rPr>
-              <a:t>("good", "wonderful", "happy")))</a:t>
+              <a:t>	          positive = c("good", "wonderful", "happy")))</a:t>
             </a:r>
           </a:p>
           <a:p>
@@ -4834,7 +4215,7 @@
               </a:spcBef>
             </a:pPr>
             <a:r>
-              <a:rPr lang="en-GB" sz="1400" b="1" dirty="0" smtClean="0">
+              <a:rPr lang="en-GB" sz="1400" b="1" dirty="0">
                 <a:latin typeface="Source Sans Pro" charset="0"/>
                 <a:ea typeface="Source Sans Pro" charset="0"/>
                 <a:cs typeface="Source Sans Pro" charset="0"/>
@@ -4850,7 +4231,7 @@
           <a:p>
             <a:pPr algn="l"/>
             <a:r>
-              <a:rPr lang="en-GB" sz="1300" dirty="0" err="1" smtClean="0">
+              <a:rPr lang="en-GB" sz="1300" dirty="0" err="1">
                 <a:solidFill>
                   <a:srgbClr val="006AC7"/>
                 </a:solidFill>
@@ -4861,28 +4242,12 @@
               <a:t>dfm_lookup</a:t>
             </a:r>
             <a:r>
-              <a:rPr lang="en-GB" sz="1300" dirty="0" smtClean="0">
-                <a:latin typeface="Monaco" charset="0"/>
-                <a:ea typeface="Monaco" charset="0"/>
-                <a:cs typeface="Monaco" charset="0"/>
-              </a:rPr>
-              <a:t>(x, </a:t>
-            </a:r>
-            <a:r>
               <a:rPr lang="en-GB" sz="1300" dirty="0">
                 <a:latin typeface="Monaco" charset="0"/>
                 <a:ea typeface="Monaco" charset="0"/>
                 <a:cs typeface="Monaco" charset="0"/>
               </a:rPr>
-              <a:t>dictionary = </a:t>
-            </a:r>
-            <a:r>
-              <a:rPr lang="en-GB" sz="1300" dirty="0" smtClean="0">
-                <a:latin typeface="Monaco" charset="0"/>
-                <a:ea typeface="Monaco" charset="0"/>
-                <a:cs typeface="Monaco" charset="0"/>
-              </a:rPr>
-              <a:t>data_dictionary_LSD2015)</a:t>
+              <a:t>(x, dictionary = data_dictionary_LSD2015)</a:t>
             </a:r>
           </a:p>
           <a:p>
@@ -4892,23 +4257,12 @@
               </a:spcBef>
             </a:pPr>
             <a:r>
-              <a:rPr lang="en-GB" sz="1500" b="1" dirty="0" smtClean="0">
+              <a:rPr lang="en-GB" sz="1500" b="1" dirty="0">
                 <a:latin typeface="Source Sans Pro" charset="0"/>
                 <a:ea typeface="Source Sans Pro" charset="0"/>
                 <a:cs typeface="Source Sans Pro" charset="0"/>
               </a:rPr>
               <a:t>Select features</a:t>
-            </a:r>
-            <a:r>
-              <a:rPr lang="en-GB" sz="1300" dirty="0">
-                <a:solidFill>
-                  <a:srgbClr val="006AC7"/>
-                </a:solidFill>
-                <a:latin typeface="Source Sans Pro" charset="0"/>
-                <a:ea typeface="Source Sans Pro" charset="0"/>
-                <a:cs typeface="Source Sans Pro" charset="0"/>
-              </a:rPr>
-              <a:t/>
             </a:r>
             <a:br>
               <a:rPr lang="en-GB" sz="1300" dirty="0">
@@ -4921,7 +4275,7 @@
               </a:rPr>
             </a:br>
             <a:r>
-              <a:rPr lang="en-GB" sz="1300" dirty="0" err="1" smtClean="0">
+              <a:rPr lang="en-GB" sz="1300" dirty="0" err="1">
                 <a:solidFill>
                   <a:srgbClr val="006AC7"/>
                 </a:solidFill>
@@ -4932,28 +4286,12 @@
               <a:t>dfm_select</a:t>
             </a:r>
             <a:r>
-              <a:rPr lang="en-GB" sz="1300" dirty="0" smtClean="0">
-                <a:latin typeface="Monaco" charset="0"/>
-                <a:ea typeface="Monaco" charset="0"/>
-                <a:cs typeface="Monaco" charset="0"/>
-              </a:rPr>
-              <a:t>(x, </a:t>
-            </a:r>
-            <a:r>
               <a:rPr lang="en-GB" sz="1300" dirty="0">
                 <a:latin typeface="Monaco" charset="0"/>
                 <a:ea typeface="Monaco" charset="0"/>
                 <a:cs typeface="Monaco" charset="0"/>
               </a:rPr>
-              <a:t>dictionary = data_dictionary_LSD2015</a:t>
-            </a:r>
-            <a:r>
-              <a:rPr lang="en-GB" sz="1300" dirty="0" smtClean="0">
-                <a:latin typeface="Monaco" charset="0"/>
-                <a:ea typeface="Monaco" charset="0"/>
-                <a:cs typeface="Monaco" charset="0"/>
-              </a:rPr>
-              <a:t>)</a:t>
+              <a:t>(x, dictionary = data_dictionary_LSD2015)</a:t>
             </a:r>
           </a:p>
           <a:p>
@@ -4963,34 +4301,18 @@
               </a:spcBef>
             </a:pPr>
             <a:r>
-              <a:rPr lang="en-GB" sz="1500" b="1" dirty="0" smtClean="0">
-                <a:latin typeface="Source Sans Pro" charset="0"/>
-                <a:ea typeface="Source Sans Pro" charset="0"/>
-                <a:cs typeface="Source Sans Pro" charset="0"/>
-              </a:rPr>
-              <a:t>Compress a </a:t>
-            </a:r>
-            <a:r>
-              <a:rPr lang="en-GB" sz="1500" b="1" dirty="0" err="1" smtClean="0">
-                <a:latin typeface="Source Sans Pro" charset="0"/>
-                <a:ea typeface="Source Sans Pro" charset="0"/>
-                <a:cs typeface="Source Sans Pro" charset="0"/>
-              </a:rPr>
-              <a:t>dfm</a:t>
-            </a:r>
-            <a:r>
-              <a:rPr lang="en-GB" sz="1500" b="1" dirty="0" smtClean="0">
-                <a:latin typeface="Source Sans Pro" charset="0"/>
-                <a:ea typeface="Source Sans Pro" charset="0"/>
-                <a:cs typeface="Source Sans Pro" charset="0"/>
-              </a:rPr>
-              <a:t> by combining identical elements</a:t>
+              <a:rPr lang="en-GB" sz="1500" b="1" dirty="0">
+                <a:latin typeface="Source Sans Pro" charset="0"/>
+                <a:ea typeface="Source Sans Pro" charset="0"/>
+                <a:cs typeface="Source Sans Pro" charset="0"/>
+              </a:rPr>
+              <a:t>Randomly sample documents or features </a:t>
             </a:r>
           </a:p>
           <a:p>
             <a:pPr algn="l"/>
             <a:r>
-              <a:rPr lang="en-GB" sz="1300" dirty="0" err="1" smtClean="0">
+              <a:rPr lang="en-GB" sz="1300" dirty="0" err="1">
                 <a:solidFill>
                   <a:srgbClr val="006AC7"/>
                 </a:solidFill>
@@ -4998,15 +4320,7 @@
                 <a:ea typeface="Monaco" charset="0"/>
                 <a:cs typeface="Monaco" charset="0"/>
               </a:rPr>
-              <a:t>dfm_compress</a:t>
-            </a:r>
-            <a:r>
-              <a:rPr lang="en-GB" sz="1300" dirty="0" smtClean="0">
-                <a:latin typeface="Monaco" charset="0"/>
-                <a:ea typeface="Monaco" charset="0"/>
-                <a:cs typeface="Monaco" charset="0"/>
-              </a:rPr>
-              <a:t>(x, </a:t>
+              <a:t>dfm_sample</a:t>
             </a:r>
             <a:r>
               <a:rPr lang="en-GB" sz="1300" dirty="0">
@@ -5014,7 +4328,7 @@
                 <a:ea typeface="Monaco" charset="0"/>
                 <a:cs typeface="Monaco" charset="0"/>
               </a:rPr>
-              <a:t>margin = c("both", "documents", "features"))</a:t>
+              <a:t>(x, what = c("documents", "features"))</a:t>
             </a:r>
           </a:p>
           <a:p>
@@ -5024,18 +4338,23 @@
               </a:spcBef>
             </a:pPr>
             <a:r>
-              <a:rPr lang="en-GB" sz="1500" b="1" dirty="0" smtClean="0">
-                <a:latin typeface="Source Sans Pro" charset="0"/>
-                <a:ea typeface="Source Sans Pro" charset="0"/>
-                <a:cs typeface="Source Sans Pro" charset="0"/>
-              </a:rPr>
-              <a:t>Randomly sample documents or features </a:t>
-            </a:r>
+              <a:rPr lang="en-GB" sz="1500" b="1" dirty="0">
+                <a:latin typeface="Source Sans Pro" charset="0"/>
+                <a:ea typeface="Source Sans Pro" charset="0"/>
+                <a:cs typeface="Source Sans Pro" charset="0"/>
+              </a:rPr>
+              <a:t>Weight or smooth the feature frequencies</a:t>
+            </a:r>
+            <a:endParaRPr lang="en-GB" sz="1500" dirty="0">
+              <a:latin typeface="Source Sans Pro" charset="0"/>
+              <a:ea typeface="Source Sans Pro" charset="0"/>
+              <a:cs typeface="Source Sans Pro" charset="0"/>
+            </a:endParaRPr>
           </a:p>
           <a:p>
             <a:pPr algn="l"/>
             <a:r>
-              <a:rPr lang="en-GB" sz="1300" dirty="0" err="1" smtClean="0">
+              <a:rPr lang="en-GB" sz="1300" dirty="0" err="1">
                 <a:solidFill>
                   <a:srgbClr val="006AC7"/>
                 </a:solidFill>
@@ -5043,15 +4362,7 @@
                 <a:ea typeface="Monaco" charset="0"/>
                 <a:cs typeface="Monaco" charset="0"/>
               </a:rPr>
-              <a:t>dfm_sample</a:t>
-            </a:r>
-            <a:r>
-              <a:rPr lang="en-GB" sz="1300" dirty="0" smtClean="0">
-                <a:latin typeface="Monaco" charset="0"/>
-                <a:ea typeface="Monaco" charset="0"/>
-                <a:cs typeface="Monaco" charset="0"/>
-              </a:rPr>
-              <a:t>(x, what </a:t>
+              <a:t>dfm_weight</a:t>
             </a:r>
             <a:r>
               <a:rPr lang="en-GB" sz="1300" dirty="0">
@@ -5059,20 +4370,31 @@
                 <a:ea typeface="Monaco" charset="0"/>
                 <a:cs typeface="Monaco" charset="0"/>
               </a:rPr>
-              <a:t>= c("documents", "features</a:t>
-            </a:r>
-            <a:r>
-              <a:rPr lang="en-GB" sz="1300" dirty="0" smtClean="0">
-                <a:latin typeface="Monaco" charset="0"/>
-                <a:ea typeface="Monaco" charset="0"/>
-                <a:cs typeface="Monaco" charset="0"/>
-              </a:rPr>
-              <a:t>"))</a:t>
+              <a:t>(x, type = "prop") | </a:t>
+            </a:r>
+            <a:r>
+              <a:rPr lang="en-GB" sz="1300" dirty="0" err="1">
+                <a:solidFill>
+                  <a:srgbClr val="006AC7"/>
+                </a:solidFill>
+                <a:latin typeface="Monaco" charset="0"/>
+                <a:ea typeface="Monaco" charset="0"/>
+                <a:cs typeface="Monaco" charset="0"/>
+              </a:rPr>
+              <a:t>dfm_smooth</a:t>
+            </a:r>
+            <a:r>
+              <a:rPr lang="en-GB" sz="1300" dirty="0">
+                <a:latin typeface="Monaco" charset="0"/>
+                <a:ea typeface="Monaco" charset="0"/>
+                <a:cs typeface="Monaco" charset="0"/>
+              </a:rPr>
+              <a:t>(x, smoothing = 0.5)</a:t>
             </a:r>
             <a:endParaRPr lang="en-GB" sz="1300" dirty="0">
-              <a:latin typeface="Monaco" charset="0"/>
-              <a:ea typeface="Monaco" charset="0"/>
-              <a:cs typeface="Monaco" charset="0"/>
+              <a:latin typeface="Source Sans Pro" charset="0"/>
+              <a:ea typeface="Source Sans Pro" charset="0"/>
+              <a:cs typeface="Source Sans Pro" charset="0"/>
             </a:endParaRPr>
           </a:p>
           <a:p>
@@ -5082,22 +4404,22 @@
               </a:spcBef>
             </a:pPr>
             <a:r>
-              <a:rPr lang="en-GB" sz="1500" b="1" dirty="0" smtClean="0">
-                <a:latin typeface="Source Sans Pro" charset="0"/>
-                <a:ea typeface="Source Sans Pro" charset="0"/>
-                <a:cs typeface="Source Sans Pro" charset="0"/>
-              </a:rPr>
-              <a:t>Weight or smooth the </a:t>
-            </a:r>
-            <a:r>
               <a:rPr lang="en-GB" sz="1500" b="1" dirty="0">
                 <a:latin typeface="Source Sans Pro" charset="0"/>
                 <a:ea typeface="Source Sans Pro" charset="0"/>
                 <a:cs typeface="Source Sans Pro" charset="0"/>
               </a:rPr>
-              <a:t>feature frequencies</a:t>
-            </a:r>
-            <a:endParaRPr lang="en-GB" sz="1500" dirty="0">
+              <a:t>Sort or group a </a:t>
+            </a:r>
+            <a:r>
+              <a:rPr lang="en-GB" sz="1500" b="1" dirty="0" err="1">
+                <a:latin typeface="Source Sans Pro" charset="0"/>
+                <a:ea typeface="Source Sans Pro" charset="0"/>
+                <a:cs typeface="Source Sans Pro" charset="0"/>
+              </a:rPr>
+              <a:t>dfm</a:t>
+            </a:r>
+            <a:endParaRPr lang="en-GB" sz="1500" b="1" dirty="0">
               <a:latin typeface="Source Sans Pro" charset="0"/>
               <a:ea typeface="Source Sans Pro" charset="0"/>
               <a:cs typeface="Source Sans Pro" charset="0"/>
@@ -5106,7 +4428,7 @@
           <a:p>
             <a:pPr algn="l"/>
             <a:r>
-              <a:rPr lang="en-GB" sz="1300" dirty="0" err="1" smtClean="0">
+              <a:rPr lang="en-GB" sz="1300" dirty="0" err="1">
                 <a:solidFill>
                   <a:srgbClr val="006AC7"/>
                 </a:solidFill>
@@ -5114,15 +4436,7 @@
                 <a:ea typeface="Monaco" charset="0"/>
                 <a:cs typeface="Monaco" charset="0"/>
               </a:rPr>
-              <a:t>dfm_weight</a:t>
-            </a:r>
-            <a:r>
-              <a:rPr lang="en-GB" sz="1300" dirty="0" smtClean="0">
-                <a:latin typeface="Monaco" charset="0"/>
-                <a:ea typeface="Monaco" charset="0"/>
-                <a:cs typeface="Monaco" charset="0"/>
-              </a:rPr>
-              <a:t>(x, </a:t>
+              <a:t>dfm_sort</a:t>
             </a:r>
             <a:r>
               <a:rPr lang="en-GB" sz="1300" dirty="0">
@@ -5130,16 +4444,15 @@
                 <a:ea typeface="Monaco" charset="0"/>
                 <a:cs typeface="Monaco" charset="0"/>
               </a:rPr>
-              <a:t>type = "prop</a:t>
-            </a:r>
-            <a:r>
-              <a:rPr lang="en-GB" sz="1300" dirty="0" smtClean="0">
-                <a:latin typeface="Monaco" charset="0"/>
-                <a:ea typeface="Monaco" charset="0"/>
-                <a:cs typeface="Monaco" charset="0"/>
-              </a:rPr>
-              <a:t>") | </a:t>
-            </a:r>
+              <a:t>(x, margin = c("features", "documents", "both"))</a:t>
+            </a:r>
+            <a:br>
+              <a:rPr lang="en-GB" sz="1300" dirty="0">
+                <a:latin typeface="Monaco" charset="0"/>
+                <a:ea typeface="Monaco" charset="0"/>
+                <a:cs typeface="Monaco" charset="0"/>
+              </a:rPr>
+            </a:br>
             <a:r>
               <a:rPr lang="en-GB" sz="1300" dirty="0" err="1">
                 <a:solidFill>
@@ -5149,7 +4462,7 @@
                 <a:ea typeface="Monaco" charset="0"/>
                 <a:cs typeface="Monaco" charset="0"/>
               </a:rPr>
-              <a:t>dfm_smooth</a:t>
+              <a:t>dfm_group</a:t>
             </a:r>
             <a:r>
               <a:rPr lang="en-GB" sz="1300" dirty="0">
@@ -5157,15 +4470,7 @@
                 <a:ea typeface="Monaco" charset="0"/>
                 <a:cs typeface="Monaco" charset="0"/>
               </a:rPr>
-              <a:t>(x, smoothing = 0.5</a:t>
-            </a:r>
-            <a:r>
-              <a:rPr lang="en-GB" sz="1300" dirty="0" smtClean="0">
-                <a:latin typeface="Monaco" charset="0"/>
-                <a:ea typeface="Monaco" charset="0"/>
-                <a:cs typeface="Monaco" charset="0"/>
-              </a:rPr>
-              <a:t>)</a:t>
+              <a:t>(x, groups = "President")</a:t>
             </a:r>
             <a:endParaRPr lang="en-GB" sz="1300" dirty="0">
               <a:latin typeface="Source Sans Pro" charset="0"/>
@@ -5185,7 +4490,7 @@
                 <a:ea typeface="Source Sans Pro" charset="0"/>
                 <a:cs typeface="Source Sans Pro" charset="0"/>
               </a:rPr>
-              <a:t>Sort or group a </a:t>
+              <a:t>Combine identical dimension elements of a </a:t>
             </a:r>
             <a:r>
               <a:rPr lang="en-GB" sz="1500" b="1" dirty="0" err="1">
@@ -5195,16 +4500,15 @@
               </a:rPr>
               <a:t>dfm</a:t>
             </a:r>
-            <a:endParaRPr lang="en-GB" sz="1500" b="1" dirty="0">
-              <a:latin typeface="Source Sans Pro" charset="0"/>
-              <a:ea typeface="Source Sans Pro" charset="0"/>
-              <a:cs typeface="Source Sans Pro" charset="0"/>
-            </a:endParaRPr>
-          </a:p>
-          <a:p>
-            <a:pPr algn="l"/>
-            <a:r>
-              <a:rPr lang="en-GB" sz="1300" dirty="0" err="1" smtClean="0">
+            <a:br>
+              <a:rPr lang="en-GB" sz="1500" b="1" dirty="0">
+                <a:latin typeface="Source Sans Pro" charset="0"/>
+                <a:ea typeface="Source Sans Pro" charset="0"/>
+                <a:cs typeface="Source Sans Pro" charset="0"/>
+              </a:rPr>
+            </a:br>
+            <a:r>
+              <a:rPr lang="en-GB" sz="1300" dirty="0" err="1">
                 <a:solidFill>
                   <a:srgbClr val="006AC7"/>
                 </a:solidFill>
@@ -5212,15 +4516,7 @@
                 <a:ea typeface="Monaco" charset="0"/>
                 <a:cs typeface="Monaco" charset="0"/>
               </a:rPr>
-              <a:t>dfm_sort</a:t>
-            </a:r>
-            <a:r>
-              <a:rPr lang="en-GB" sz="1300" dirty="0" smtClean="0">
-                <a:latin typeface="Monaco" charset="0"/>
-                <a:ea typeface="Monaco" charset="0"/>
-                <a:cs typeface="Monaco" charset="0"/>
-              </a:rPr>
-              <a:t>(x, </a:t>
+              <a:t>dfm_compress</a:t>
             </a:r>
             <a:r>
               <a:rPr lang="en-GB" sz="1300" dirty="0">
@@ -5228,57 +4524,7 @@
                 <a:ea typeface="Monaco" charset="0"/>
                 <a:cs typeface="Monaco" charset="0"/>
               </a:rPr>
-              <a:t>margin = c("features", "documents", "both</a:t>
-            </a:r>
-            <a:r>
-              <a:rPr lang="en-GB" sz="1300" dirty="0" smtClean="0">
-                <a:latin typeface="Monaco" charset="0"/>
-                <a:ea typeface="Monaco" charset="0"/>
-                <a:cs typeface="Monaco" charset="0"/>
-              </a:rPr>
-              <a:t>"))</a:t>
-            </a:r>
-            <a:br>
-              <a:rPr lang="en-GB" sz="1300" dirty="0" smtClean="0">
-                <a:latin typeface="Monaco" charset="0"/>
-                <a:ea typeface="Monaco" charset="0"/>
-                <a:cs typeface="Monaco" charset="0"/>
-              </a:rPr>
-            </a:br>
-            <a:r>
-              <a:rPr lang="en-GB" sz="1300" dirty="0" err="1" smtClean="0">
-                <a:solidFill>
-                  <a:srgbClr val="006AC7"/>
-                </a:solidFill>
-                <a:latin typeface="Monaco" charset="0"/>
-                <a:ea typeface="Monaco" charset="0"/>
-                <a:cs typeface="Monaco" charset="0"/>
-              </a:rPr>
-              <a:t>dfm_group</a:t>
-            </a:r>
-            <a:r>
-              <a:rPr lang="en-GB" sz="1300" dirty="0" smtClean="0">
-                <a:latin typeface="Monaco" charset="0"/>
-                <a:ea typeface="Monaco" charset="0"/>
-                <a:cs typeface="Monaco" charset="0"/>
-              </a:rPr>
-              <a:t>(x, </a:t>
-            </a:r>
-            <a:r>
-              <a:rPr lang="en-GB" sz="1300" dirty="0">
-                <a:latin typeface="Monaco" charset="0"/>
-                <a:ea typeface="Monaco" charset="0"/>
-                <a:cs typeface="Monaco" charset="0"/>
-              </a:rPr>
-              <a:t>groups = "</a:t>
-            </a:r>
-            <a:r>
-              <a:rPr lang="en-GB" sz="1300" dirty="0" smtClean="0">
-                <a:latin typeface="Monaco" charset="0"/>
-                <a:ea typeface="Monaco" charset="0"/>
-                <a:cs typeface="Monaco" charset="0"/>
-              </a:rPr>
-              <a:t>President")</a:t>
+              <a:t>(x, margin = c("both", "documents", "features")) </a:t>
             </a:r>
             <a:endParaRPr lang="en-GB" sz="1300" dirty="0">
               <a:latin typeface="Source Sans Pro" charset="0"/>
@@ -5293,28 +4539,20 @@
               </a:spcBef>
             </a:pPr>
             <a:r>
-              <a:rPr lang="en-GB" sz="1500" b="1" dirty="0" smtClean="0">
-                <a:latin typeface="Source Sans Pro" charset="0"/>
-                <a:ea typeface="Source Sans Pro" charset="0"/>
-                <a:cs typeface="Source Sans Pro" charset="0"/>
-              </a:rPr>
-              <a:t>Combine </a:t>
-            </a:r>
-            <a:r>
               <a:rPr lang="en-GB" sz="1500" b="1" dirty="0">
                 <a:latin typeface="Source Sans Pro" charset="0"/>
                 <a:ea typeface="Source Sans Pro" charset="0"/>
                 <a:cs typeface="Source Sans Pro" charset="0"/>
               </a:rPr>
-              <a:t>identical dimension elements of a </a:t>
-            </a:r>
-            <a:r>
-              <a:rPr lang="en-GB" sz="1500" b="1" dirty="0" err="1" smtClean="0">
-                <a:latin typeface="Source Sans Pro" charset="0"/>
-                <a:ea typeface="Source Sans Pro" charset="0"/>
-                <a:cs typeface="Source Sans Pro" charset="0"/>
-              </a:rPr>
-              <a:t>dfm</a:t>
+              <a:t>Create a feature co-occurrence matrix (</a:t>
+            </a:r>
+            <a:r>
+              <a:rPr lang="en-GB" sz="1500" b="1" dirty="0" err="1">
+                <a:latin typeface="Source Sans Pro" charset="0"/>
+                <a:ea typeface="Source Sans Pro" charset="0"/>
+                <a:cs typeface="Source Sans Pro" charset="0"/>
+              </a:rPr>
+              <a:t>fcm</a:t>
             </a:r>
             <a:r>
               <a:rPr lang="en-GB" sz="1500" b="1" dirty="0">
@@ -5322,17 +4560,21 @@
                 <a:ea typeface="Source Sans Pro" charset="0"/>
                 <a:cs typeface="Source Sans Pro" charset="0"/>
               </a:rPr>
-              <a:t/>
-            </a:r>
-            <a:br>
-              <a:rPr lang="en-GB" sz="1500" b="1" dirty="0">
-                <a:latin typeface="Source Sans Pro" charset="0"/>
-                <a:ea typeface="Source Sans Pro" charset="0"/>
-                <a:cs typeface="Source Sans Pro" charset="0"/>
-              </a:rPr>
-            </a:br>
-            <a:r>
-              <a:rPr lang="en-GB" sz="1300" dirty="0" err="1" smtClean="0">
+              <a:t>)</a:t>
+            </a:r>
+          </a:p>
+          <a:p>
+            <a:pPr algn="l"/>
+            <a:r>
+              <a:rPr lang="de-DE" sz="1300" dirty="0">
+                <a:latin typeface="Monaco" charset="0"/>
+                <a:ea typeface="Monaco" charset="0"/>
+                <a:cs typeface="Monaco" charset="0"/>
+              </a:rPr>
+              <a:t>x &lt;- </a:t>
+            </a:r>
+            <a:r>
+              <a:rPr lang="de-DE" sz="1300" dirty="0" err="1">
                 <a:solidFill>
                   <a:srgbClr val="006AC7"/>
                 </a:solidFill>
@@ -5340,73 +4582,85 @@
                 <a:ea typeface="Monaco" charset="0"/>
                 <a:cs typeface="Monaco" charset="0"/>
               </a:rPr>
-              <a:t>dfm_compress</a:t>
-            </a:r>
-            <a:r>
-              <a:rPr lang="en-GB" sz="1300" dirty="0" smtClean="0">
-                <a:latin typeface="Monaco" charset="0"/>
-                <a:ea typeface="Monaco" charset="0"/>
-                <a:cs typeface="Monaco" charset="0"/>
-              </a:rPr>
-              <a:t>(x, </a:t>
-            </a:r>
-            <a:r>
-              <a:rPr lang="en-GB" sz="1300" dirty="0">
-                <a:latin typeface="Monaco" charset="0"/>
-                <a:ea typeface="Monaco" charset="0"/>
-                <a:cs typeface="Monaco" charset="0"/>
-              </a:rPr>
-              <a:t>margin = c("both", "documents", "features")) </a:t>
-            </a:r>
-            <a:endParaRPr lang="en-GB" sz="1300" dirty="0">
-              <a:latin typeface="Source Sans Pro" charset="0"/>
-              <a:ea typeface="Source Sans Pro" charset="0"/>
-              <a:cs typeface="Source Sans Pro" charset="0"/>
-            </a:endParaRPr>
-          </a:p>
-          <a:p>
-            <a:pPr algn="l">
-              <a:spcBef>
-                <a:spcPts val="800"/>
-              </a:spcBef>
-            </a:pPr>
-            <a:r>
-              <a:rPr lang="en-GB" sz="1500" b="1" dirty="0">
-                <a:latin typeface="Source Sans Pro" charset="0"/>
-                <a:ea typeface="Source Sans Pro" charset="0"/>
-                <a:cs typeface="Source Sans Pro" charset="0"/>
-              </a:rPr>
-              <a:t>Create a feature co-occurrence matrix (</a:t>
-            </a:r>
-            <a:r>
-              <a:rPr lang="en-GB" sz="1500" b="1" dirty="0" err="1">
-                <a:latin typeface="Source Sans Pro" charset="0"/>
-                <a:ea typeface="Source Sans Pro" charset="0"/>
-                <a:cs typeface="Source Sans Pro" charset="0"/>
-              </a:rPr>
               <a:t>fcm</a:t>
             </a:r>
             <a:r>
-              <a:rPr lang="en-GB" sz="1500" b="1" dirty="0">
-                <a:latin typeface="Source Sans Pro" charset="0"/>
-                <a:ea typeface="Source Sans Pro" charset="0"/>
-                <a:cs typeface="Source Sans Pro" charset="0"/>
-              </a:rPr>
-              <a:t>)</a:t>
+              <a:rPr lang="de-DE" sz="1300" dirty="0">
+                <a:latin typeface="Monaco" charset="0"/>
+                <a:ea typeface="Monaco" charset="0"/>
+                <a:cs typeface="Monaco" charset="0"/>
+              </a:rPr>
+              <a:t>(</a:t>
+            </a:r>
+            <a:r>
+              <a:rPr lang="de-DE" sz="1300" dirty="0" err="1">
+                <a:latin typeface="Monaco" charset="0"/>
+                <a:ea typeface="Monaco" charset="0"/>
+                <a:cs typeface="Monaco" charset="0"/>
+              </a:rPr>
+              <a:t>data_corpus_inaugural</a:t>
+            </a:r>
+            <a:r>
+              <a:rPr lang="de-DE" sz="1300" dirty="0">
+                <a:latin typeface="Monaco" charset="0"/>
+                <a:ea typeface="Monaco" charset="0"/>
+                <a:cs typeface="Monaco" charset="0"/>
+              </a:rPr>
+              <a:t>, </a:t>
+            </a:r>
+            <a:r>
+              <a:rPr lang="de-DE" sz="1300" dirty="0" err="1">
+                <a:latin typeface="Monaco" charset="0"/>
+                <a:ea typeface="Monaco" charset="0"/>
+                <a:cs typeface="Monaco" charset="0"/>
+              </a:rPr>
+              <a:t>context</a:t>
+            </a:r>
+            <a:r>
+              <a:rPr lang="de-DE" sz="1300" dirty="0">
+                <a:latin typeface="Monaco" charset="0"/>
+                <a:ea typeface="Monaco" charset="0"/>
+                <a:cs typeface="Monaco" charset="0"/>
+              </a:rPr>
+              <a:t> = "</a:t>
+            </a:r>
+            <a:r>
+              <a:rPr lang="de-DE" sz="1300" dirty="0" err="1">
+                <a:latin typeface="Monaco" charset="0"/>
+                <a:ea typeface="Monaco" charset="0"/>
+                <a:cs typeface="Monaco" charset="0"/>
+              </a:rPr>
+              <a:t>window</a:t>
+            </a:r>
+            <a:r>
+              <a:rPr lang="de-DE" sz="1300" dirty="0">
+                <a:latin typeface="Monaco" charset="0"/>
+                <a:ea typeface="Monaco" charset="0"/>
+                <a:cs typeface="Monaco" charset="0"/>
+              </a:rPr>
+              <a:t>", </a:t>
+            </a:r>
+            <a:r>
+              <a:rPr lang="de-DE" sz="1300" dirty="0" err="1">
+                <a:latin typeface="Monaco" charset="0"/>
+                <a:ea typeface="Monaco" charset="0"/>
+                <a:cs typeface="Monaco" charset="0"/>
+              </a:rPr>
+              <a:t>size</a:t>
+            </a:r>
+            <a:r>
+              <a:rPr lang="de-DE" sz="1300" dirty="0">
+                <a:latin typeface="Monaco" charset="0"/>
+                <a:ea typeface="Monaco" charset="0"/>
+                <a:cs typeface="Monaco" charset="0"/>
+              </a:rPr>
+              <a:t> = 5)</a:t>
             </a:r>
           </a:p>
           <a:p>
             <a:pPr algn="l"/>
             <a:r>
               <a:rPr lang="de-DE" sz="1300" dirty="0">
-                <a:latin typeface="Monaco" charset="0"/>
-                <a:ea typeface="Monaco" charset="0"/>
-                <a:cs typeface="Monaco" charset="0"/>
-              </a:rPr>
-              <a:t>x &lt;- </a:t>
-            </a:r>
-            <a:r>
-              <a:rPr lang="de-DE" sz="1300" dirty="0" err="1">
                 <a:solidFill>
                   <a:srgbClr val="006AC7"/>
                 </a:solidFill>
@@ -5414,93 +4668,10 @@
                 <a:ea typeface="Monaco" charset="0"/>
                 <a:cs typeface="Monaco" charset="0"/>
               </a:rPr>
-              <a:t>fcm</a:t>
-            </a:r>
-            <a:r>
-              <a:rPr lang="de-DE" sz="1300" dirty="0">
-                <a:latin typeface="Monaco" charset="0"/>
-                <a:ea typeface="Monaco" charset="0"/>
-                <a:cs typeface="Monaco" charset="0"/>
-              </a:rPr>
-              <a:t>(</a:t>
-            </a:r>
-            <a:r>
-              <a:rPr lang="de-DE" sz="1300" dirty="0" err="1">
-                <a:latin typeface="Monaco" charset="0"/>
-                <a:ea typeface="Monaco" charset="0"/>
-                <a:cs typeface="Monaco" charset="0"/>
-              </a:rPr>
-              <a:t>data_corpus_inaugural</a:t>
-            </a:r>
-            <a:r>
-              <a:rPr lang="de-DE" sz="1300" dirty="0">
-                <a:latin typeface="Monaco" charset="0"/>
-                <a:ea typeface="Monaco" charset="0"/>
-                <a:cs typeface="Monaco" charset="0"/>
-              </a:rPr>
-              <a:t>, </a:t>
-            </a:r>
-            <a:r>
-              <a:rPr lang="de-DE" sz="1300" dirty="0" err="1">
-                <a:latin typeface="Monaco" charset="0"/>
-                <a:ea typeface="Monaco" charset="0"/>
-                <a:cs typeface="Monaco" charset="0"/>
-              </a:rPr>
-              <a:t>context</a:t>
-            </a:r>
-            <a:r>
-              <a:rPr lang="de-DE" sz="1300" dirty="0">
-                <a:latin typeface="Monaco" charset="0"/>
-                <a:ea typeface="Monaco" charset="0"/>
-                <a:cs typeface="Monaco" charset="0"/>
-              </a:rPr>
-              <a:t> = "</a:t>
-            </a:r>
-            <a:r>
-              <a:rPr lang="de-DE" sz="1300" dirty="0" err="1">
-                <a:latin typeface="Monaco" charset="0"/>
-                <a:ea typeface="Monaco" charset="0"/>
-                <a:cs typeface="Monaco" charset="0"/>
-              </a:rPr>
-              <a:t>window</a:t>
-            </a:r>
-            <a:r>
-              <a:rPr lang="de-DE" sz="1300" dirty="0">
-                <a:latin typeface="Monaco" charset="0"/>
-                <a:ea typeface="Monaco" charset="0"/>
-                <a:cs typeface="Monaco" charset="0"/>
-              </a:rPr>
-              <a:t>", </a:t>
-            </a:r>
-            <a:r>
-              <a:rPr lang="de-DE" sz="1300" dirty="0" err="1">
-                <a:latin typeface="Monaco" charset="0"/>
-                <a:ea typeface="Monaco" charset="0"/>
-                <a:cs typeface="Monaco" charset="0"/>
-              </a:rPr>
-              <a:t>size</a:t>
-            </a:r>
-            <a:r>
-              <a:rPr lang="de-DE" sz="1300" dirty="0">
-                <a:latin typeface="Monaco" charset="0"/>
-                <a:ea typeface="Monaco" charset="0"/>
-                <a:cs typeface="Monaco" charset="0"/>
-              </a:rPr>
-              <a:t> = 5</a:t>
-            </a:r>
-            <a:r>
-              <a:rPr lang="de-DE" sz="1300" dirty="0" smtClean="0">
-                <a:latin typeface="Monaco" charset="0"/>
-                <a:ea typeface="Monaco" charset="0"/>
-                <a:cs typeface="Monaco" charset="0"/>
-              </a:rPr>
-              <a:t>)</a:t>
-            </a:r>
-          </a:p>
-          <a:p>
-            <a:pPr algn="l"/>
-            <a:r>
-              <a:rPr lang="de-DE" sz="1300" dirty="0">
+              <a:t>f</a:t>
+            </a:r>
+            <a:r>
+              <a:rPr lang="en-US" sz="1300" dirty="0" err="1">
                 <a:solidFill>
                   <a:srgbClr val="006AC7"/>
                 </a:solidFill>
@@ -5508,10 +4679,21 @@
                 <a:ea typeface="Monaco" charset="0"/>
                 <a:cs typeface="Monaco" charset="0"/>
               </a:rPr>
-              <a:t>f</a:t>
-            </a:r>
-            <a:r>
-              <a:rPr lang="en-US" sz="1300" dirty="0" err="1" smtClean="0">
+              <a:t>cm_compress</a:t>
+            </a:r>
+            <a:r>
+              <a:rPr lang="en-US" sz="1300" dirty="0">
+                <a:solidFill>
+                  <a:schemeClr val="tx1"/>
+                </a:solidFill>
+                <a:latin typeface="Monaco" charset="0"/>
+                <a:ea typeface="Monaco" charset="0"/>
+                <a:cs typeface="Monaco" charset="0"/>
+              </a:rPr>
+              <a:t>/</a:t>
+            </a:r>
+            <a:r>
+              <a:rPr lang="en-US" sz="1300" dirty="0">
                 <a:solidFill>
                   <a:srgbClr val="006AC7"/>
                 </a:solidFill>
@@ -5519,10 +4701,10 @@
                 <a:ea typeface="Monaco" charset="0"/>
                 <a:cs typeface="Monaco" charset="0"/>
               </a:rPr>
-              <a:t>cm_compress</a:t>
-            </a:r>
-            <a:r>
-              <a:rPr lang="en-US" sz="1300" dirty="0" smtClean="0">
+              <a:t>remove</a:t>
+            </a:r>
+            <a:r>
+              <a:rPr lang="en-US" sz="1300" dirty="0">
                 <a:solidFill>
                   <a:schemeClr val="tx1"/>
                 </a:solidFill>
@@ -5533,7 +4715,7 @@
               <a:t>/</a:t>
             </a:r>
             <a:r>
-              <a:rPr lang="en-US" sz="1300" dirty="0" smtClean="0">
+              <a:rPr lang="en-US" sz="1300" dirty="0">
                 <a:solidFill>
                   <a:srgbClr val="006AC7"/>
                 </a:solidFill>
@@ -5541,10 +4723,10 @@
                 <a:ea typeface="Monaco" charset="0"/>
                 <a:cs typeface="Monaco" charset="0"/>
               </a:rPr>
-              <a:t>remove</a:t>
-            </a:r>
-            <a:r>
-              <a:rPr lang="en-US" sz="1300" dirty="0" smtClean="0">
+              <a:t>select</a:t>
+            </a:r>
+            <a:r>
+              <a:rPr lang="en-US" sz="1300" dirty="0">
                 <a:solidFill>
                   <a:schemeClr val="tx1"/>
                 </a:solidFill>
@@ -5555,7 +4737,7 @@
               <a:t>/</a:t>
             </a:r>
             <a:r>
-              <a:rPr lang="en-US" sz="1300" dirty="0" smtClean="0">
+              <a:rPr lang="en-US" sz="1300" dirty="0" err="1">
                 <a:solidFill>
                   <a:srgbClr val="006AC7"/>
                 </a:solidFill>
@@ -5563,10 +4745,10 @@
                 <a:ea typeface="Monaco" charset="0"/>
                 <a:cs typeface="Monaco" charset="0"/>
               </a:rPr>
-              <a:t>select</a:t>
-            </a:r>
-            <a:r>
-              <a:rPr lang="en-US" sz="1300" dirty="0" smtClean="0">
+              <a:t>toupper</a:t>
+            </a:r>
+            <a:r>
+              <a:rPr lang="en-US" sz="1300" dirty="0">
                 <a:solidFill>
                   <a:schemeClr val="tx1"/>
                 </a:solidFill>
@@ -5577,7 +4759,7 @@
               <a:t>/</a:t>
             </a:r>
             <a:r>
-              <a:rPr lang="en-US" sz="1300" dirty="0" err="1" smtClean="0">
+              <a:rPr lang="en-US" sz="1300" dirty="0" err="1">
                 <a:solidFill>
                   <a:srgbClr val="006AC7"/>
                 </a:solidFill>
@@ -5585,21 +4767,10 @@
                 <a:ea typeface="Monaco" charset="0"/>
                 <a:cs typeface="Monaco" charset="0"/>
               </a:rPr>
-              <a:t>toupper</a:t>
-            </a:r>
-            <a:r>
-              <a:rPr lang="en-US" sz="1300" dirty="0" smtClean="0">
-                <a:solidFill>
-                  <a:schemeClr val="tx1"/>
-                </a:solidFill>
-                <a:latin typeface="Monaco" charset="0"/>
-                <a:ea typeface="Monaco" charset="0"/>
-                <a:cs typeface="Monaco" charset="0"/>
-              </a:rPr>
-              <a:t>/</a:t>
-            </a:r>
-            <a:r>
-              <a:rPr lang="en-US" sz="1300" dirty="0" err="1" smtClean="0">
+              <a:t>tolower</a:t>
+            </a:r>
+            <a:r>
+              <a:rPr lang="en-US" sz="1300" dirty="0">
                 <a:solidFill>
                   <a:srgbClr val="006AC7"/>
                 </a:solidFill>
@@ -5607,21 +4778,10 @@
                 <a:ea typeface="Monaco" charset="0"/>
                 <a:cs typeface="Monaco" charset="0"/>
               </a:rPr>
-              <a:t>tolower</a:t>
-            </a:r>
-            <a:r>
-              <a:rPr lang="en-US" sz="1300" dirty="0" smtClean="0">
-                <a:solidFill>
-                  <a:srgbClr val="006AC7"/>
-                </a:solidFill>
-                <a:latin typeface="Monaco" charset="0"/>
-                <a:ea typeface="Monaco" charset="0"/>
-                <a:cs typeface="Monaco" charset="0"/>
-              </a:rPr>
               <a:t> </a:t>
             </a:r>
             <a:r>
-              <a:rPr lang="en-GB" sz="1500" dirty="0" smtClean="0">
+              <a:rPr lang="en-GB" sz="1500" dirty="0">
                 <a:solidFill>
                   <a:schemeClr val="tx1"/>
                 </a:solidFill>
@@ -5661,7 +4821,7 @@
           </a:ln>
           <a:extLst>
             <a:ext uri="{C572A759-6A51-4108-AA02-DFA0A04FC94B}">
-              <ma14:wrappingTextBoxFlag xmlns:ma14="http://schemas.microsoft.com/office/mac/drawingml/2011/main" val="1"/>
+              <ma14:wrappingTextBoxFlag xmlns:ma14="http://schemas.microsoft.com/office/mac/drawingml/2011/main" xmlns="" val="1"/>
             </a:ext>
           </a:extLst>
         </p:spPr>
@@ -5678,18 +4838,10 @@
                 <a:ea typeface="Source Sans Pro" charset="0"/>
                 <a:cs typeface="Source Sans Pro" charset="0"/>
               </a:rPr>
-              <a:t>q</a:t>
-            </a:r>
-            <a:r>
-              <a:rPr lang="en-US" sz="1400" b="1" dirty="0" err="1" smtClean="0">
-                <a:latin typeface="Source Sans Pro" charset="0"/>
-                <a:ea typeface="Source Sans Pro" charset="0"/>
-                <a:cs typeface="Source Sans Pro" charset="0"/>
-              </a:rPr>
-              <a:t>uanteda</a:t>
-            </a:r>
-            <a:r>
-              <a:rPr lang="en-US" sz="1400" b="1" dirty="0" smtClean="0">
+              <a:t>quanteda</a:t>
+            </a:r>
+            <a:r>
+              <a:rPr lang="en-US" sz="1400" b="1" dirty="0">
                 <a:latin typeface="Source Sans Pro" charset="0"/>
                 <a:ea typeface="Source Sans Pro" charset="0"/>
                 <a:cs typeface="Source Sans Pro" charset="0"/>
@@ -5697,7 +4849,7 @@
               <a:t> </a:t>
             </a:r>
             <a:r>
-              <a:rPr lang="en-US" sz="1400" dirty="0" smtClean="0">
+              <a:rPr lang="en-US" sz="1400" dirty="0">
                 <a:latin typeface="Source Sans Pro" charset="0"/>
                 <a:ea typeface="Source Sans Pro" charset="0"/>
                 <a:cs typeface="Source Sans Pro" charset="0"/>
@@ -5711,7 +4863,7 @@
               <a:buChar char="•"/>
             </a:pPr>
             <a:r>
-              <a:rPr lang="en-US" sz="1400" b="1" dirty="0" err="1" smtClean="0">
+              <a:rPr lang="en-US" sz="1400" b="1" dirty="0" err="1">
                 <a:latin typeface="Source Sans Pro" charset="0"/>
                 <a:ea typeface="Source Sans Pro" charset="0"/>
                 <a:cs typeface="Source Sans Pro" charset="0"/>
@@ -5719,12 +4871,12 @@
               <a:t>readtext</a:t>
             </a:r>
             <a:r>
-              <a:rPr lang="en-US" sz="1400" dirty="0" smtClean="0">
-                <a:latin typeface="Source Sans Pro" charset="0"/>
-                <a:ea typeface="Source Sans Pro" charset="0"/>
-                <a:cs typeface="Source Sans Pro" charset="0"/>
-              </a:rPr>
-              <a:t>: An easy way to read text data</a:t>
+              <a:rPr lang="en-US" sz="1400" dirty="0">
+                <a:latin typeface="Source Sans Pro" charset="0"/>
+                <a:ea typeface="Source Sans Pro" charset="0"/>
+                <a:cs typeface="Source Sans Pro" charset="0"/>
+              </a:rPr>
+              <a:t>: an easy way to read text data</a:t>
             </a:r>
           </a:p>
           <a:p>
@@ -5733,7 +4885,7 @@
               <a:buChar char="•"/>
             </a:pPr>
             <a:r>
-              <a:rPr lang="en-US" sz="1400" b="1" dirty="0" err="1" smtClean="0">
+              <a:rPr lang="en-US" sz="1400" b="1" dirty="0" err="1">
                 <a:latin typeface="Source Sans Pro" charset="0"/>
                 <a:ea typeface="Source Sans Pro" charset="0"/>
                 <a:cs typeface="Source Sans Pro" charset="0"/>
@@ -5741,7 +4893,7 @@
               <a:t>spacyr</a:t>
             </a:r>
             <a:r>
-              <a:rPr lang="en-US" sz="1400" dirty="0" smtClean="0">
+              <a:rPr lang="en-US" sz="1400" dirty="0">
                 <a:latin typeface="Source Sans Pro" charset="0"/>
                 <a:ea typeface="Source Sans Pro" charset="0"/>
                 <a:cs typeface="Source Sans Pro" charset="0"/>
@@ -5749,7 +4901,7 @@
               <a:t>: NLP using the </a:t>
             </a:r>
             <a:r>
-              <a:rPr lang="en-US" sz="1400" dirty="0" err="1" smtClean="0">
+              <a:rPr lang="en-US" sz="1400" dirty="0" err="1">
                 <a:latin typeface="Source Sans Pro" charset="0"/>
                 <a:ea typeface="Source Sans Pro" charset="0"/>
                 <a:cs typeface="Source Sans Pro" charset="0"/>
@@ -5757,7 +4909,7 @@
               <a:t>spaCy</a:t>
             </a:r>
             <a:r>
-              <a:rPr lang="en-US" sz="1400" dirty="0" smtClean="0">
+              <a:rPr lang="en-US" sz="1400" dirty="0">
                 <a:latin typeface="Source Sans Pro" charset="0"/>
                 <a:ea typeface="Source Sans Pro" charset="0"/>
                 <a:cs typeface="Source Sans Pro" charset="0"/>
@@ -5771,20 +4923,20 @@
               <a:buChar char="•"/>
             </a:pPr>
             <a:r>
-              <a:rPr lang="en-US" sz="1400" b="1" dirty="0" err="1" smtClean="0">
-                <a:latin typeface="Source Sans Pro" charset="0"/>
-                <a:ea typeface="Source Sans Pro" charset="0"/>
-                <a:cs typeface="Source Sans Pro" charset="0"/>
-              </a:rPr>
-              <a:t>quanteda.data</a:t>
-            </a:r>
-            <a:r>
-              <a:rPr lang="en-US" sz="1400" dirty="0" smtClean="0">
-                <a:latin typeface="Source Sans Pro" charset="0"/>
-                <a:ea typeface="Source Sans Pro" charset="0"/>
-                <a:cs typeface="Source Sans Pro" charset="0"/>
-              </a:rPr>
-              <a:t>: additional textual data</a:t>
+              <a:rPr lang="en-US" sz="1400" b="1" dirty="0" err="1">
+                <a:latin typeface="Source Sans Pro" charset="0"/>
+                <a:ea typeface="Source Sans Pro" charset="0"/>
+                <a:cs typeface="Source Sans Pro" charset="0"/>
+              </a:rPr>
+              <a:t>quanteda.corpora</a:t>
+            </a:r>
+            <a:r>
+              <a:rPr lang="en-US" sz="1400" dirty="0">
+                <a:latin typeface="Source Sans Pro" charset="0"/>
+                <a:ea typeface="Source Sans Pro" charset="0"/>
+                <a:cs typeface="Source Sans Pro" charset="0"/>
+              </a:rPr>
+              <a:t>: additional text corpora</a:t>
             </a:r>
           </a:p>
           <a:p>
@@ -5793,7 +4945,7 @@
               <a:buChar char="•"/>
             </a:pPr>
             <a:r>
-              <a:rPr lang="en-US" sz="1400" b="1" dirty="0" err="1" smtClean="0">
+              <a:rPr lang="en-US" sz="1400" b="1" dirty="0" err="1">
                 <a:latin typeface="Source Sans Pro" charset="0"/>
                 <a:ea typeface="Source Sans Pro" charset="0"/>
                 <a:cs typeface="Source Sans Pro" charset="0"/>
@@ -5801,7 +4953,7 @@
               <a:t>stopwords</a:t>
             </a:r>
             <a:r>
-              <a:rPr lang="en-US" sz="1400" dirty="0" smtClean="0">
+              <a:rPr lang="en-US" sz="1400" dirty="0">
                 <a:latin typeface="Source Sans Pro" charset="0"/>
                 <a:ea typeface="Source Sans Pro" charset="0"/>
                 <a:cs typeface="Source Sans Pro" charset="0"/>
@@ -5809,7 +4961,7 @@
               <a:t>: multilingual </a:t>
             </a:r>
             <a:r>
-              <a:rPr lang="en-US" sz="1400" dirty="0" err="1" smtClean="0">
+              <a:rPr lang="en-US" sz="1400" dirty="0" err="1">
                 <a:latin typeface="Source Sans Pro" charset="0"/>
                 <a:ea typeface="Source Sans Pro" charset="0"/>
                 <a:cs typeface="Source Sans Pro" charset="0"/>
@@ -5817,14 +4969,14 @@
               <a:t>stopword</a:t>
             </a:r>
             <a:r>
-              <a:rPr lang="en-US" sz="1400" dirty="0" smtClean="0">
+              <a:rPr lang="en-US" sz="1400" dirty="0">
                 <a:latin typeface="Source Sans Pro" charset="0"/>
                 <a:ea typeface="Source Sans Pro" charset="0"/>
                 <a:cs typeface="Source Sans Pro" charset="0"/>
               </a:rPr>
               <a:t> lists in R</a:t>
             </a:r>
-            <a:endParaRPr lang="en-US" sz="1400" b="1" dirty="0" smtClean="0">
+            <a:endParaRPr lang="en-US" sz="1400" b="1" dirty="0">
               <a:latin typeface="Source Sans Pro" charset="0"/>
               <a:ea typeface="Source Sans Pro" charset="0"/>
               <a:cs typeface="Source Sans Pro" charset="0"/>
@@ -5856,7 +5008,7 @@
           </a:ln>
           <a:extLst>
             <a:ext uri="{C572A759-6A51-4108-AA02-DFA0A04FC94B}">
-              <ma14:wrappingTextBoxFlag xmlns:ma14="http://schemas.microsoft.com/office/mac/drawingml/2011/main" val="1"/>
+              <ma14:wrappingTextBoxFlag xmlns:ma14="http://schemas.microsoft.com/office/mac/drawingml/2011/main" xmlns="" val="1"/>
             </a:ext>
           </a:extLst>
         </p:spPr>
@@ -5868,7 +5020,7 @@
               <a:defRPr sz="1800"/>
             </a:pPr>
             <a:r>
-              <a:rPr lang="en-US" sz="2400" smtClean="0">
+              <a:rPr lang="en-US" sz="2400">
                 <a:solidFill>
                   <a:srgbClr val="FFFFFF"/>
                 </a:solidFill>
@@ -5879,15 +5031,6 @@
               </a:rPr>
               <a:t>Extensions</a:t>
             </a:r>
-            <a:endParaRPr lang="en-US" sz="2400">
-              <a:solidFill>
-                <a:srgbClr val="FFFFFF"/>
-              </a:solidFill>
-              <a:latin typeface="Source Sans Pro"/>
-              <a:ea typeface="Source Sans Pro"/>
-              <a:cs typeface="Source Sans Pro"/>
-              <a:sym typeface="Source Sans Pro"/>
-            </a:endParaRPr>
           </a:p>
         </p:txBody>
       </p:sp>
@@ -5899,8 +5042,8 @@
         </p:nvSpPr>
         <p:spPr>
           <a:xfrm>
-            <a:off x="7099944" y="8168827"/>
-            <a:ext cx="6771600" cy="478998"/>
+            <a:off x="7103808" y="7804223"/>
+            <a:ext cx="6762683" cy="478998"/>
           </a:xfrm>
           <a:prstGeom prst="roundRect">
             <a:avLst>
@@ -5915,7 +5058,7 @@
           </a:ln>
           <a:extLst>
             <a:ext uri="{C572A759-6A51-4108-AA02-DFA0A04FC94B}">
-              <ma14:wrappingTextBoxFlag xmlns:ma14="http://schemas.microsoft.com/office/mac/drawingml/2011/main" val="1"/>
+              <ma14:wrappingTextBoxFlag xmlns:ma14="http://schemas.microsoft.com/office/mac/drawingml/2011/main" xmlns="" val="1"/>
             </a:ext>
           </a:extLst>
         </p:spPr>
@@ -5927,7 +5070,7 @@
               <a:defRPr sz="1800"/>
             </a:pPr>
             <a:r>
-              <a:rPr lang="en-US" sz="2400" dirty="0" smtClean="0">
+              <a:rPr lang="en-US" sz="2400" dirty="0">
                 <a:solidFill>
                   <a:srgbClr val="FFFFFF"/>
                 </a:solidFill>
@@ -5938,15 +5081,6 @@
               </a:rPr>
               <a:t>Useful additional functions</a:t>
             </a:r>
-            <a:endParaRPr lang="en-US" sz="2400" dirty="0">
-              <a:solidFill>
-                <a:srgbClr val="FFFFFF"/>
-              </a:solidFill>
-              <a:latin typeface="Source Sans Pro"/>
-              <a:ea typeface="Source Sans Pro"/>
-              <a:cs typeface="Source Sans Pro"/>
-              <a:sym typeface="Source Sans Pro"/>
-            </a:endParaRPr>
           </a:p>
         </p:txBody>
       </p:sp>
@@ -5958,7 +5092,7 @@
         </p:nvSpPr>
         <p:spPr>
           <a:xfrm>
-            <a:off x="10555295" y="9950027"/>
+            <a:off x="10555295" y="9585423"/>
             <a:ext cx="3000271" cy="200055"/>
           </a:xfrm>
           <a:prstGeom prst="rect">
@@ -5969,7 +5103,7 @@
           </a:ln>
           <a:extLst>
             <a:ext uri="{C572A759-6A51-4108-AA02-DFA0A04FC94B}">
-              <ma14:wrappingTextBoxFlag xmlns:ma14="http://schemas.microsoft.com/office/mac/drawingml/2011/main" val="1"/>
+              <ma14:wrappingTextBoxFlag xmlns:ma14="http://schemas.microsoft.com/office/mac/drawingml/2011/main" xmlns="" val="1"/>
             </a:ext>
           </a:extLst>
         </p:spPr>
@@ -5997,7 +5131,7 @@
         <p:spPr>
           <a:xfrm>
             <a:off x="7149245" y="141938"/>
-            <a:ext cx="6696000" cy="7930698"/>
+            <a:ext cx="6696000" cy="7444880"/>
           </a:xfrm>
           <a:prstGeom prst="rect">
             <a:avLst/>
@@ -6082,7 +5216,7 @@
           </a:ln>
           <a:extLst>
             <a:ext uri="{C572A759-6A51-4108-AA02-DFA0A04FC94B}">
-              <ma14:wrappingTextBoxFlag xmlns:ma14="http://schemas.microsoft.com/office/mac/drawingml/2011/main" val="1"/>
+              <ma14:wrappingTextBoxFlag xmlns:ma14="http://schemas.microsoft.com/office/mac/drawingml/2011/main" xmlns="" val="1"/>
             </a:ext>
           </a:extLst>
         </p:spPr>
@@ -6094,7 +5228,7 @@
               <a:defRPr sz="1800"/>
             </a:pPr>
             <a:r>
-              <a:rPr lang="en-US" sz="2400" dirty="0" smtClean="0">
+              <a:rPr lang="en-US" sz="2400" dirty="0">
                 <a:solidFill>
                   <a:srgbClr val="FFFFFF"/>
                 </a:solidFill>
@@ -6106,7 +5240,7 @@
               <a:t>Extract features (</a:t>
             </a:r>
             <a:r>
-              <a:rPr lang="en-US" sz="2000" dirty="0" err="1" smtClean="0">
+              <a:rPr lang="en-US" sz="2000" dirty="0" err="1">
                 <a:solidFill>
                   <a:srgbClr val="FFFFFF"/>
                 </a:solidFill>
@@ -6118,7 +5252,7 @@
               <a:t>dfm</a:t>
             </a:r>
             <a:r>
-              <a:rPr lang="en-US" sz="2000" dirty="0" smtClean="0">
+              <a:rPr lang="en-US" sz="2000" dirty="0">
                 <a:solidFill>
                   <a:srgbClr val="FFFFFF"/>
                 </a:solidFill>
@@ -6130,7 +5264,7 @@
               <a:t>_*; </a:t>
             </a:r>
             <a:r>
-              <a:rPr lang="en-US" sz="2000" dirty="0" err="1" smtClean="0">
+              <a:rPr lang="en-US" sz="2000" dirty="0" err="1">
                 <a:solidFill>
                   <a:srgbClr val="FFFFFF"/>
                 </a:solidFill>
@@ -6142,7 +5276,7 @@
               <a:t>fcm</a:t>
             </a:r>
             <a:r>
-              <a:rPr lang="en-US" sz="2000" dirty="0" smtClean="0">
+              <a:rPr lang="en-US" sz="2000" dirty="0">
                 <a:solidFill>
                   <a:srgbClr val="FFFFFF"/>
                 </a:solidFill>
@@ -6154,7 +5288,7 @@
               <a:t>_*</a:t>
             </a:r>
             <a:r>
-              <a:rPr lang="en-US" sz="2400" dirty="0" smtClean="0">
+              <a:rPr lang="en-US" sz="2400" dirty="0">
                 <a:solidFill>
                   <a:srgbClr val="FFFFFF"/>
                 </a:solidFill>
@@ -6165,15 +5299,6 @@
               </a:rPr>
               <a:t>)</a:t>
             </a:r>
-            <a:endParaRPr lang="en-US" sz="2400" dirty="0">
-              <a:solidFill>
-                <a:srgbClr val="FFFFFF"/>
-              </a:solidFill>
-              <a:latin typeface="Source Sans Pro"/>
-              <a:ea typeface="Source Sans Pro"/>
-              <a:cs typeface="Source Sans Pro"/>
-              <a:sym typeface="Source Sans Pro"/>
-            </a:endParaRPr>
           </a:p>
         </p:txBody>
       </p:sp>
@@ -6185,7 +5310,7 @@
         </p:nvSpPr>
         <p:spPr>
           <a:xfrm>
-            <a:off x="7340628" y="8632633"/>
+            <a:off x="7340628" y="8337479"/>
             <a:ext cx="5565144" cy="1926168"/>
           </a:xfrm>
           <a:prstGeom prst="rect">
@@ -6196,7 +5321,7 @@
           </a:ln>
           <a:extLst>
             <a:ext uri="{C572A759-6A51-4108-AA02-DFA0A04FC94B}">
-              <ma14:wrappingTextBoxFlag xmlns:ma14="http://schemas.microsoft.com/office/mac/drawingml/2011/main" val="1"/>
+              <ma14:wrappingTextBoxFlag xmlns:ma14="http://schemas.microsoft.com/office/mac/drawingml/2011/main" xmlns="" val="1"/>
             </a:ext>
           </a:extLst>
         </p:spPr>
@@ -6283,7 +5408,7 @@
               <a:t>, "</a:t>
             </a:r>
             <a:r>
-              <a:rPr lang="en-US" sz="1300" dirty="0" err="1" smtClean="0">
+              <a:rPr lang="en-US" sz="1300" dirty="0" err="1">
                 <a:uFill>
                   <a:solidFill>
                     <a:schemeClr val="bg1"/>
@@ -6296,7 +5421,7 @@
               <a:t>america</a:t>
             </a:r>
             <a:r>
-              <a:rPr lang="en-US" sz="1300" dirty="0" smtClean="0">
+              <a:rPr lang="en-US" sz="1300" dirty="0">
                 <a:uFill>
                   <a:solidFill>
                     <a:schemeClr val="bg1"/>
@@ -6309,7 +5434,7 @@
               <a:t>*"</a:t>
             </a:r>
             <a:r>
-              <a:rPr lang="en-GB" sz="1300" dirty="0" smtClean="0">
+              <a:rPr lang="en-GB" sz="1300" dirty="0">
                 <a:uFill>
                   <a:solidFill>
                     <a:schemeClr val="bg1"/>
@@ -6334,15 +5459,7 @@
                 <a:ea typeface="Source Sans Pro" charset="0"/>
                 <a:cs typeface="Source Sans Pro" charset="0"/>
               </a:rPr>
-              <a:t>Utility </a:t>
-            </a:r>
-            <a:r>
-              <a:rPr lang="en-US" sz="1500" b="1" dirty="0" smtClean="0">
-                <a:latin typeface="Source Sans Pro" charset="0"/>
-                <a:ea typeface="Source Sans Pro" charset="0"/>
-                <a:cs typeface="Source Sans Pro" charset="0"/>
-              </a:rPr>
-              <a:t>functions</a:t>
+              <a:t>Utility functions</a:t>
             </a:r>
           </a:p>
           <a:p>
@@ -6364,10 +5481,186 @@
                 <a:ea typeface="Monaco" charset="0"/>
                 <a:cs typeface="Monaco" charset="0"/>
               </a:rPr>
-              <a:t>(corpus</a:t>
-            </a:r>
-            <a:r>
-              <a:rPr lang="en-US" sz="1300" dirty="0" smtClean="0">
+              <a:t>(corpus)			</a:t>
+            </a:r>
+            <a:r>
+              <a:rPr lang="en-US" sz="1300" i="1" dirty="0">
+                <a:latin typeface="Source Sans Pro" charset="0"/>
+                <a:ea typeface="Source Sans Pro" charset="0"/>
+                <a:cs typeface="Source Sans Pro" charset="0"/>
+              </a:rPr>
+              <a:t>Show texts of a corpus</a:t>
+            </a:r>
+          </a:p>
+          <a:p>
+            <a:pPr algn="l"/>
+            <a:r>
+              <a:rPr lang="en-US" sz="1300" dirty="0" err="1">
+                <a:solidFill>
+                  <a:srgbClr val="006AC7"/>
+                </a:solidFill>
+                <a:latin typeface="Monaco" charset="0"/>
+                <a:ea typeface="Monaco" charset="0"/>
+                <a:cs typeface="Monaco" charset="0"/>
+              </a:rPr>
+              <a:t>ndoc</a:t>
+            </a:r>
+            <a:r>
+              <a:rPr lang="en-US" sz="1300" dirty="0">
+                <a:latin typeface="Monaco" charset="0"/>
+                <a:ea typeface="Monaco" charset="0"/>
+                <a:cs typeface="Monaco" charset="0"/>
+              </a:rPr>
+              <a:t>(corpus/</a:t>
+            </a:r>
+            <a:r>
+              <a:rPr lang="en-US" sz="1300" dirty="0" err="1">
+                <a:latin typeface="Monaco" charset="0"/>
+                <a:ea typeface="Monaco" charset="0"/>
+                <a:cs typeface="Monaco" charset="0"/>
+              </a:rPr>
+              <a:t>dfm</a:t>
+            </a:r>
+            <a:r>
+              <a:rPr lang="en-US" sz="1300" dirty="0">
+                <a:latin typeface="Monaco" charset="0"/>
+                <a:ea typeface="Monaco" charset="0"/>
+                <a:cs typeface="Monaco" charset="0"/>
+              </a:rPr>
+              <a:t>/tokens)		</a:t>
+            </a:r>
+            <a:r>
+              <a:rPr lang="en-US" sz="1300" i="1" dirty="0">
+                <a:latin typeface="Source Sans Pro" charset="0"/>
+                <a:ea typeface="Source Sans Pro" charset="0"/>
+                <a:cs typeface="Source Sans Pro" charset="0"/>
+              </a:rPr>
+              <a:t>Count documents/features</a:t>
+            </a:r>
+          </a:p>
+          <a:p>
+            <a:pPr algn="l"/>
+            <a:r>
+              <a:rPr lang="en-US" sz="1300" dirty="0" err="1">
+                <a:solidFill>
+                  <a:srgbClr val="006AC7"/>
+                </a:solidFill>
+                <a:latin typeface="Monaco" charset="0"/>
+                <a:ea typeface="Monaco" charset="0"/>
+                <a:cs typeface="Monaco" charset="0"/>
+              </a:rPr>
+              <a:t>nfeat</a:t>
+            </a:r>
+            <a:r>
+              <a:rPr lang="en-US" sz="1300" dirty="0">
+                <a:latin typeface="Monaco" charset="0"/>
+                <a:ea typeface="Monaco" charset="0"/>
+                <a:cs typeface="Monaco" charset="0"/>
+              </a:rPr>
+              <a:t>(corpus/</a:t>
+            </a:r>
+            <a:r>
+              <a:rPr lang="en-US" sz="1300" dirty="0" err="1">
+                <a:latin typeface="Monaco" charset="0"/>
+                <a:ea typeface="Monaco" charset="0"/>
+                <a:cs typeface="Monaco" charset="0"/>
+              </a:rPr>
+              <a:t>dfm</a:t>
+            </a:r>
+            <a:r>
+              <a:rPr lang="en-US" sz="1300" dirty="0">
+                <a:latin typeface="Monaco" charset="0"/>
+                <a:ea typeface="Monaco" charset="0"/>
+                <a:cs typeface="Monaco" charset="0"/>
+              </a:rPr>
+              <a:t>/tokens)	</a:t>
+            </a:r>
+            <a:r>
+              <a:rPr lang="en-US" sz="1300" i="1" dirty="0">
+                <a:latin typeface="Source Sans Pro" charset="0"/>
+                <a:ea typeface="Source Sans Pro" charset="0"/>
+                <a:cs typeface="Source Sans Pro" charset="0"/>
+              </a:rPr>
+              <a:t>Count features</a:t>
+            </a:r>
+          </a:p>
+          <a:p>
+            <a:pPr algn="l"/>
+            <a:r>
+              <a:rPr lang="en-US" sz="1300" dirty="0">
+                <a:solidFill>
+                  <a:srgbClr val="006AC7"/>
+                </a:solidFill>
+                <a:latin typeface="Monaco" charset="0"/>
+                <a:ea typeface="Monaco" charset="0"/>
+                <a:cs typeface="Monaco" charset="0"/>
+              </a:rPr>
+              <a:t>summary</a:t>
+            </a:r>
+            <a:r>
+              <a:rPr lang="en-US" sz="1300" dirty="0">
+                <a:latin typeface="Monaco" charset="0"/>
+                <a:ea typeface="Monaco" charset="0"/>
+                <a:cs typeface="Monaco" charset="0"/>
+              </a:rPr>
+              <a:t>(corpus/</a:t>
+            </a:r>
+            <a:r>
+              <a:rPr lang="en-US" sz="1300" dirty="0" err="1">
+                <a:latin typeface="Monaco" charset="0"/>
+                <a:ea typeface="Monaco" charset="0"/>
+                <a:cs typeface="Monaco" charset="0"/>
+              </a:rPr>
+              <a:t>dfm</a:t>
+            </a:r>
+            <a:r>
+              <a:rPr lang="en-US" sz="1300" dirty="0">
+                <a:latin typeface="Monaco" charset="0"/>
+                <a:ea typeface="Monaco" charset="0"/>
+                <a:cs typeface="Monaco" charset="0"/>
+              </a:rPr>
+              <a:t>)		</a:t>
+            </a:r>
+            <a:r>
+              <a:rPr lang="en-US" sz="1300" i="1" dirty="0">
+                <a:latin typeface="Source Sans Pro" charset="0"/>
+                <a:ea typeface="Source Sans Pro" charset="0"/>
+                <a:cs typeface="Source Sans Pro" charset="0"/>
+              </a:rPr>
+              <a:t>Print summary</a:t>
+            </a:r>
+          </a:p>
+          <a:p>
+            <a:pPr algn="l"/>
+            <a:r>
+              <a:rPr lang="en-US" sz="1300" dirty="0">
+                <a:solidFill>
+                  <a:srgbClr val="006AC7"/>
+                </a:solidFill>
+                <a:latin typeface="Monaco" charset="0"/>
+                <a:ea typeface="Monaco" charset="0"/>
+                <a:cs typeface="Monaco" charset="0"/>
+              </a:rPr>
+              <a:t>head</a:t>
+            </a:r>
+            <a:r>
+              <a:rPr lang="en-US" sz="1300" dirty="0">
+                <a:latin typeface="Monaco" charset="0"/>
+                <a:ea typeface="Monaco" charset="0"/>
+                <a:cs typeface="Monaco" charset="0"/>
+              </a:rPr>
+              <a:t>(corpus/</a:t>
+            </a:r>
+            <a:r>
+              <a:rPr lang="en-US" sz="1300" dirty="0" err="1">
+                <a:latin typeface="Monaco" charset="0"/>
+                <a:ea typeface="Monaco" charset="0"/>
+                <a:cs typeface="Monaco" charset="0"/>
+              </a:rPr>
+              <a:t>dfm</a:t>
+            </a:r>
+            <a:r>
+              <a:rPr lang="en-US" sz="1300" dirty="0">
                 <a:latin typeface="Monaco" charset="0"/>
                 <a:ea typeface="Monaco" charset="0"/>
                 <a:cs typeface="Monaco" charset="0"/>
@@ -6375,23 +5668,18 @@
               <a:t>)			</a:t>
             </a:r>
             <a:r>
-              <a:rPr lang="en-US" sz="1300" i="1" dirty="0" smtClean="0">
-                <a:latin typeface="Source Sans Pro" charset="0"/>
-                <a:ea typeface="Source Sans Pro" charset="0"/>
-                <a:cs typeface="Source Sans Pro" charset="0"/>
-              </a:rPr>
-              <a:t>Show texts of a corpus</a:t>
-            </a:r>
-            <a:endParaRPr lang="en-US" sz="1300" i="1" dirty="0">
-              <a:latin typeface="Source Sans Pro" charset="0"/>
-              <a:ea typeface="Source Sans Pro" charset="0"/>
-              <a:cs typeface="Source Sans Pro" charset="0"/>
-            </a:endParaRPr>
+              <a:rPr lang="en-US" sz="1300" i="1" dirty="0">
+                <a:latin typeface="Source Sans Pro" charset="0"/>
+                <a:ea typeface="Source Sans Pro" charset="0"/>
+                <a:cs typeface="Source Sans Pro" charset="0"/>
+              </a:rPr>
+              <a:t>Return first part</a:t>
+            </a:r>
           </a:p>
           <a:p>
             <a:pPr algn="l"/>
             <a:r>
-              <a:rPr lang="en-US" sz="1300" dirty="0" err="1" smtClean="0">
+              <a:rPr lang="en-US" sz="1300" dirty="0">
                 <a:solidFill>
                   <a:srgbClr val="006AC7"/>
                 </a:solidFill>
@@ -6399,10 +5687,10 @@
                 <a:ea typeface="Monaco" charset="0"/>
                 <a:cs typeface="Monaco" charset="0"/>
               </a:rPr>
-              <a:t>ndoc</a:t>
-            </a:r>
-            <a:r>
-              <a:rPr lang="en-US" sz="1300" dirty="0" smtClean="0">
+              <a:t>tail</a:t>
+            </a:r>
+            <a:r>
+              <a:rPr lang="en-US" sz="1300" dirty="0">
                 <a:latin typeface="Monaco" charset="0"/>
                 <a:ea typeface="Monaco" charset="0"/>
                 <a:cs typeface="Monaco" charset="0"/>
@@ -6410,7 +5698,7 @@
               <a:t>(corpus/</a:t>
             </a:r>
             <a:r>
-              <a:rPr lang="en-US" sz="1300" dirty="0" err="1" smtClean="0">
+              <a:rPr lang="en-US" sz="1300" dirty="0" err="1">
                 <a:latin typeface="Monaco" charset="0"/>
                 <a:ea typeface="Monaco" charset="0"/>
                 <a:cs typeface="Monaco" charset="0"/>
@@ -6418,150 +5706,7 @@
               <a:t>dfm</a:t>
             </a:r>
             <a:r>
-              <a:rPr lang="en-US" sz="1300" dirty="0" smtClean="0">
-                <a:latin typeface="Monaco" charset="0"/>
-                <a:ea typeface="Monaco" charset="0"/>
-                <a:cs typeface="Monaco" charset="0"/>
-              </a:rPr>
-              <a:t>/tokens)		</a:t>
-            </a:r>
-            <a:r>
-              <a:rPr lang="en-US" sz="1300" i="1" dirty="0" smtClean="0">
-                <a:latin typeface="Source Sans Pro" charset="0"/>
-                <a:ea typeface="Source Sans Pro" charset="0"/>
-                <a:cs typeface="Source Sans Pro" charset="0"/>
-              </a:rPr>
-              <a:t>Count documents/features</a:t>
-            </a:r>
-          </a:p>
-          <a:p>
-            <a:pPr algn="l"/>
-            <a:r>
-              <a:rPr lang="en-US" sz="1300" dirty="0" err="1" smtClean="0">
-                <a:solidFill>
-                  <a:srgbClr val="006AC7"/>
-                </a:solidFill>
-                <a:latin typeface="Monaco" charset="0"/>
-                <a:ea typeface="Monaco" charset="0"/>
-                <a:cs typeface="Monaco" charset="0"/>
-              </a:rPr>
-              <a:t>nfeat</a:t>
-            </a:r>
-            <a:r>
-              <a:rPr lang="en-US" sz="1300" dirty="0" smtClean="0">
-                <a:latin typeface="Monaco" charset="0"/>
-                <a:ea typeface="Monaco" charset="0"/>
-                <a:cs typeface="Monaco" charset="0"/>
-              </a:rPr>
-              <a:t>(corpus/</a:t>
-            </a:r>
-            <a:r>
-              <a:rPr lang="en-US" sz="1300" dirty="0" err="1" smtClean="0">
-                <a:latin typeface="Monaco" charset="0"/>
-                <a:ea typeface="Monaco" charset="0"/>
-                <a:cs typeface="Monaco" charset="0"/>
-              </a:rPr>
-              <a:t>dfm</a:t>
-            </a:r>
-            <a:r>
-              <a:rPr lang="en-US" sz="1300" dirty="0" smtClean="0">
-                <a:latin typeface="Monaco" charset="0"/>
-                <a:ea typeface="Monaco" charset="0"/>
-                <a:cs typeface="Monaco" charset="0"/>
-              </a:rPr>
-              <a:t>/tokens)	</a:t>
-            </a:r>
-            <a:r>
-              <a:rPr lang="en-US" sz="1300" i="1" dirty="0" smtClean="0">
-                <a:latin typeface="Source Sans Pro" charset="0"/>
-                <a:ea typeface="Source Sans Pro" charset="0"/>
-                <a:cs typeface="Source Sans Pro" charset="0"/>
-              </a:rPr>
-              <a:t>Count features</a:t>
-            </a:r>
-          </a:p>
-          <a:p>
-            <a:pPr algn="l"/>
-            <a:r>
               <a:rPr lang="en-US" sz="1300" dirty="0">
-                <a:solidFill>
-                  <a:srgbClr val="006AC7"/>
-                </a:solidFill>
-                <a:latin typeface="Monaco" charset="0"/>
-                <a:ea typeface="Monaco" charset="0"/>
-                <a:cs typeface="Monaco" charset="0"/>
-              </a:rPr>
-              <a:t>summary</a:t>
-            </a:r>
-            <a:r>
-              <a:rPr lang="en-US" sz="1300" dirty="0">
-                <a:latin typeface="Monaco" charset="0"/>
-                <a:ea typeface="Monaco" charset="0"/>
-                <a:cs typeface="Monaco" charset="0"/>
-              </a:rPr>
-              <a:t>(corpus/</a:t>
-            </a:r>
-            <a:r>
-              <a:rPr lang="en-US" sz="1300" dirty="0" err="1">
-                <a:latin typeface="Monaco" charset="0"/>
-                <a:ea typeface="Monaco" charset="0"/>
-                <a:cs typeface="Monaco" charset="0"/>
-              </a:rPr>
-              <a:t>dfm</a:t>
-            </a:r>
-            <a:r>
-              <a:rPr lang="en-US" sz="1300" dirty="0" smtClean="0">
-                <a:latin typeface="Monaco" charset="0"/>
-                <a:ea typeface="Monaco" charset="0"/>
-                <a:cs typeface="Monaco" charset="0"/>
-              </a:rPr>
-              <a:t>)		</a:t>
-            </a:r>
-            <a:r>
-              <a:rPr lang="en-US" sz="1300" i="1" dirty="0" smtClean="0">
-                <a:latin typeface="Source Sans Pro" charset="0"/>
-                <a:ea typeface="Source Sans Pro" charset="0"/>
-                <a:cs typeface="Source Sans Pro" charset="0"/>
-              </a:rPr>
-              <a:t>Print summary</a:t>
-            </a:r>
-            <a:endParaRPr lang="en-US" sz="1300" i="1" dirty="0">
-              <a:latin typeface="Source Sans Pro" charset="0"/>
-              <a:ea typeface="Source Sans Pro" charset="0"/>
-              <a:cs typeface="Source Sans Pro" charset="0"/>
-            </a:endParaRPr>
-          </a:p>
-          <a:p>
-            <a:pPr algn="l"/>
-            <a:r>
-              <a:rPr lang="en-US" sz="1300" dirty="0">
-                <a:solidFill>
-                  <a:srgbClr val="006AC7"/>
-                </a:solidFill>
-                <a:latin typeface="Monaco" charset="0"/>
-                <a:ea typeface="Monaco" charset="0"/>
-                <a:cs typeface="Monaco" charset="0"/>
-              </a:rPr>
-              <a:t>head</a:t>
-            </a:r>
-            <a:r>
-              <a:rPr lang="en-US" sz="1300" dirty="0">
-                <a:latin typeface="Monaco" charset="0"/>
-                <a:ea typeface="Monaco" charset="0"/>
-                <a:cs typeface="Monaco" charset="0"/>
-              </a:rPr>
-              <a:t>(corpus/</a:t>
-            </a:r>
-            <a:r>
-              <a:rPr lang="en-US" sz="1300" dirty="0" err="1">
-                <a:latin typeface="Monaco" charset="0"/>
-                <a:ea typeface="Monaco" charset="0"/>
-                <a:cs typeface="Monaco" charset="0"/>
-              </a:rPr>
-              <a:t>dfm</a:t>
-            </a:r>
-            <a:r>
-              <a:rPr lang="en-US" sz="1300" dirty="0" smtClean="0">
                 <a:latin typeface="Monaco" charset="0"/>
                 <a:ea typeface="Monaco" charset="0"/>
                 <a:cs typeface="Monaco" charset="0"/>
@@ -6569,58 +5714,7 @@
               <a:t>)			</a:t>
             </a:r>
             <a:r>
-              <a:rPr lang="en-US" sz="1300" i="1" dirty="0" smtClean="0">
-                <a:latin typeface="Source Sans Pro" charset="0"/>
-                <a:ea typeface="Source Sans Pro" charset="0"/>
-                <a:cs typeface="Source Sans Pro" charset="0"/>
-              </a:rPr>
-              <a:t>Return first part</a:t>
-            </a:r>
-            <a:endParaRPr lang="en-US" sz="1300" i="1" dirty="0">
-              <a:latin typeface="Source Sans Pro" charset="0"/>
-              <a:ea typeface="Source Sans Pro" charset="0"/>
-              <a:cs typeface="Source Sans Pro" charset="0"/>
-            </a:endParaRPr>
-          </a:p>
-          <a:p>
-            <a:pPr algn="l"/>
-            <a:r>
-              <a:rPr lang="en-US" sz="1300" dirty="0">
-                <a:solidFill>
-                  <a:srgbClr val="006AC7"/>
-                </a:solidFill>
-                <a:latin typeface="Monaco" charset="0"/>
-                <a:ea typeface="Monaco" charset="0"/>
-                <a:cs typeface="Monaco" charset="0"/>
-              </a:rPr>
-              <a:t>tail</a:t>
-            </a:r>
-            <a:r>
-              <a:rPr lang="en-US" sz="1300" dirty="0">
-                <a:latin typeface="Monaco" charset="0"/>
-                <a:ea typeface="Monaco" charset="0"/>
-                <a:cs typeface="Monaco" charset="0"/>
-              </a:rPr>
-              <a:t>(corpus/</a:t>
-            </a:r>
-            <a:r>
-              <a:rPr lang="en-US" sz="1300" dirty="0" err="1">
-                <a:latin typeface="Monaco" charset="0"/>
-                <a:ea typeface="Monaco" charset="0"/>
-                <a:cs typeface="Monaco" charset="0"/>
-              </a:rPr>
-              <a:t>dfm</a:t>
-            </a:r>
-            <a:r>
-              <a:rPr lang="en-US" sz="1300" dirty="0" smtClean="0">
-                <a:latin typeface="Monaco" charset="0"/>
-                <a:ea typeface="Monaco" charset="0"/>
-                <a:cs typeface="Monaco" charset="0"/>
-              </a:rPr>
-              <a:t>)			</a:t>
-            </a:r>
-            <a:r>
-              <a:rPr lang="en-US" sz="1300" i="1" dirty="0" smtClean="0">
+              <a:rPr lang="en-US" sz="1300" i="1" dirty="0">
                 <a:latin typeface="Source Sans Pro" charset="0"/>
                 <a:ea typeface="Source Sans Pro" charset="0"/>
                 <a:cs typeface="Source Sans Pro" charset="0"/>
@@ -6643,7 +5737,7 @@
         </p:nvSpPr>
         <p:spPr>
           <a:xfrm>
-            <a:off x="88151" y="10583088"/>
+            <a:off x="10485053" y="10386648"/>
             <a:ext cx="3340068" cy="272382"/>
           </a:xfrm>
           <a:prstGeom prst="rect">
@@ -6707,13 +5801,6 @@
     <a:masterClrMapping/>
   </p:clrMapOvr>
   <p:transition spd="med"/>
-  <p:timing>
-    <p:tnLst>
-      <p:par>
-        <p:cTn id="1" dur="indefinite" restart="never" nodeType="tmRoot"/>
-      </p:par>
-    </p:tnLst>
-  </p:timing>
 </p:sld>
 </file>
 
@@ -7033,7 +6120,7 @@
           </a:ln>
           <a:extLst>
             <a:ext uri="{C572A759-6A51-4108-AA02-DFA0A04FC94B}">
-              <ma14:wrappingTextBoxFlag xmlns:ma14="http://schemas.microsoft.com/office/mac/drawingml/2011/main" val="1"/>
+              <ma14:wrappingTextBoxFlag xmlns:ma14="http://schemas.microsoft.com/office/mac/drawingml/2011/main" xmlns="" val="1"/>
             </a:ext>
           </a:extLst>
         </p:spPr>
@@ -7045,26 +6132,18 @@
           <a:p>
             <a:pPr algn="l"/>
             <a:r>
-              <a:rPr lang="en-GB" sz="1500" b="1" dirty="0" smtClean="0">
-                <a:latin typeface="Source Sans Pro" charset="0"/>
-                <a:ea typeface="Source Sans Pro" charset="0"/>
-                <a:cs typeface="Source Sans Pro" charset="0"/>
-              </a:rPr>
-              <a:t>Correspondence Analysis </a:t>
-            </a:r>
-            <a:r>
               <a:rPr lang="en-GB" sz="1500" b="1" dirty="0">
                 <a:latin typeface="Source Sans Pro" charset="0"/>
                 <a:ea typeface="Source Sans Pro" charset="0"/>
                 <a:cs typeface="Source Sans Pro" charset="0"/>
               </a:rPr>
-              <a:t>(CA)</a:t>
+              <a:t>Correspondence Analysis (CA)</a:t>
             </a:r>
           </a:p>
           <a:p>
             <a:pPr algn="l"/>
             <a:r>
-              <a:rPr lang="en-GB" sz="1300" dirty="0" err="1" smtClean="0">
+              <a:rPr lang="en-GB" sz="1300" dirty="0" err="1">
                 <a:solidFill>
                   <a:srgbClr val="006AC7"/>
                 </a:solidFill>
@@ -7075,28 +6154,20 @@
               <a:t>textmodel_ca</a:t>
             </a:r>
             <a:r>
-              <a:rPr lang="en-GB" sz="1300" dirty="0" smtClean="0">
-                <a:latin typeface="Monaco" charset="0"/>
-                <a:ea typeface="Monaco" charset="0"/>
-                <a:cs typeface="Monaco" charset="0"/>
-              </a:rPr>
-              <a:t>(x</a:t>
-            </a:r>
-            <a:r>
               <a:rPr lang="en-GB" sz="1300" dirty="0">
                 <a:latin typeface="Monaco" charset="0"/>
                 <a:ea typeface="Monaco" charset="0"/>
                 <a:cs typeface="Monaco" charset="0"/>
               </a:rPr>
-              <a:t>, </a:t>
-            </a:r>
-            <a:r>
-              <a:rPr lang="en-GB" sz="1300" dirty="0" smtClean="0">
-                <a:latin typeface="Monaco" charset="0"/>
-                <a:ea typeface="Monaco" charset="0"/>
-                <a:cs typeface="Monaco" charset="0"/>
-              </a:rPr>
-              <a:t>threads </a:t>
+              <a:t>(x, threads = 2, sparse = TRUE, </a:t>
+            </a:r>
+            <a:r>
+              <a:rPr lang="en-GB" sz="1300" dirty="0" err="1">
+                <a:latin typeface="Monaco" charset="0"/>
+                <a:ea typeface="Monaco" charset="0"/>
+                <a:cs typeface="Monaco" charset="0"/>
+              </a:rPr>
+              <a:t>residual_floor</a:t>
             </a:r>
             <a:r>
               <a:rPr lang="en-GB" sz="1300" dirty="0">
@@ -7104,39 +6175,7 @@
                 <a:ea typeface="Monaco" charset="0"/>
                 <a:cs typeface="Monaco" charset="0"/>
               </a:rPr>
-              <a:t>= </a:t>
-            </a:r>
-            <a:r>
-              <a:rPr lang="en-GB" sz="1300" dirty="0" smtClean="0">
-                <a:latin typeface="Monaco" charset="0"/>
-                <a:ea typeface="Monaco" charset="0"/>
-                <a:cs typeface="Monaco" charset="0"/>
-              </a:rPr>
-              <a:t>2, sparse = TRUE, </a:t>
-            </a:r>
-            <a:r>
-              <a:rPr lang="en-GB" sz="1300" dirty="0" err="1" smtClean="0">
-                <a:latin typeface="Monaco" charset="0"/>
-                <a:ea typeface="Monaco" charset="0"/>
-                <a:cs typeface="Monaco" charset="0"/>
-              </a:rPr>
-              <a:t>residual_floor</a:t>
-            </a:r>
-            <a:r>
-              <a:rPr lang="en-GB" sz="1300" dirty="0" smtClean="0">
-                <a:latin typeface="Monaco" charset="0"/>
-                <a:ea typeface="Monaco" charset="0"/>
-                <a:cs typeface="Monaco" charset="0"/>
-              </a:rPr>
-              <a:t> </a:t>
-            </a:r>
-            <a:r>
-              <a:rPr lang="en-GB" sz="1300" dirty="0">
-                <a:latin typeface="Monaco" charset="0"/>
-                <a:ea typeface="Monaco" charset="0"/>
-                <a:cs typeface="Monaco" charset="0"/>
-              </a:rPr>
-              <a:t>= 0.1)</a:t>
+              <a:t> = 0.1)</a:t>
             </a:r>
           </a:p>
           <a:p>
@@ -7146,26 +6185,18 @@
               </a:spcBef>
             </a:pPr>
             <a:r>
-              <a:rPr lang="en-GB" sz="1500" b="1" dirty="0" smtClean="0">
-                <a:latin typeface="Source Sans Pro" charset="0"/>
-                <a:ea typeface="Source Sans Pro" charset="0"/>
-                <a:cs typeface="Source Sans Pro" charset="0"/>
-              </a:rPr>
-              <a:t>Naïve </a:t>
-            </a:r>
-            <a:r>
               <a:rPr lang="en-GB" sz="1500" b="1" dirty="0">
                 <a:latin typeface="Source Sans Pro" charset="0"/>
                 <a:ea typeface="Source Sans Pro" charset="0"/>
                 <a:cs typeface="Source Sans Pro" charset="0"/>
               </a:rPr>
-              <a:t>Bayes classifier for texts</a:t>
+              <a:t>Naïve Bayes classifier for texts</a:t>
             </a:r>
           </a:p>
           <a:p>
             <a:pPr algn="l"/>
             <a:r>
-              <a:rPr lang="en-GB" sz="1300" dirty="0" err="1" smtClean="0">
+              <a:rPr lang="en-GB" sz="1300" dirty="0" err="1">
                 <a:solidFill>
                   <a:srgbClr val="006AC7"/>
                 </a:solidFill>
@@ -7176,7 +6207,7 @@
               <a:t>textmodel_nb</a:t>
             </a:r>
             <a:r>
-              <a:rPr lang="en-GB" sz="1300" dirty="0" smtClean="0">
+              <a:rPr lang="en-GB" sz="1300" dirty="0">
                 <a:solidFill>
                   <a:schemeClr val="tx1"/>
                 </a:solidFill>
@@ -7184,7 +6215,18 @@
                 <a:ea typeface="Monaco" charset="0"/>
                 <a:cs typeface="Monaco" charset="0"/>
               </a:rPr>
-              <a:t>(x, </a:t>
+              <a:t>(x, y = </a:t>
+            </a:r>
+            <a:r>
+              <a:rPr lang="en-GB" sz="1300" dirty="0" err="1">
+                <a:solidFill>
+                  <a:schemeClr val="tx1"/>
+                </a:solidFill>
+                <a:latin typeface="Monaco" charset="0"/>
+                <a:ea typeface="Monaco" charset="0"/>
+                <a:cs typeface="Monaco" charset="0"/>
+              </a:rPr>
+              <a:t>training_labels</a:t>
             </a:r>
             <a:r>
               <a:rPr lang="en-GB" sz="1300" dirty="0">
@@ -7195,32 +6237,42 @@
                 <a:ea typeface="Monaco" charset="0"/>
                 <a:cs typeface="Monaco" charset="0"/>
               </a:rPr>
-              <a:t>y </a:t>
-            </a:r>
-            <a:r>
-              <a:rPr lang="en-GB" sz="1300" dirty="0" smtClean="0">
+              <a:t>, distribution = "multinomial")</a:t>
+            </a:r>
+          </a:p>
+          <a:p>
+            <a:pPr algn="l">
+              <a:spcBef>
+                <a:spcPts val="800"/>
+              </a:spcBef>
+            </a:pPr>
+            <a:r>
+              <a:rPr lang="en-GB" sz="1500" b="1" dirty="0" err="1">
                 <a:solidFill>
                   <a:schemeClr val="tx1"/>
                 </a:solidFill>
-                <a:latin typeface="Monaco" charset="0"/>
-                <a:ea typeface="Monaco" charset="0"/>
-                <a:cs typeface="Monaco" charset="0"/>
-              </a:rPr>
-              <a:t>= </a:t>
-            </a:r>
-            <a:r>
-              <a:rPr lang="en-GB" sz="1300" dirty="0" err="1" smtClean="0">
+                <a:latin typeface="Source Sans Pro" charset="0"/>
+                <a:ea typeface="Source Sans Pro" charset="0"/>
+                <a:cs typeface="Source Sans Pro" charset="0"/>
+              </a:rPr>
+              <a:t>Wordscores</a:t>
+            </a:r>
+            <a:r>
+              <a:rPr lang="en-GB" sz="1500" b="1" dirty="0">
                 <a:solidFill>
                   <a:schemeClr val="tx1"/>
                 </a:solidFill>
-                <a:latin typeface="Monaco" charset="0"/>
-                <a:ea typeface="Monaco" charset="0"/>
-                <a:cs typeface="Monaco" charset="0"/>
-              </a:rPr>
-              <a:t>training_labels</a:t>
-            </a:r>
-            <a:r>
-              <a:rPr lang="en-GB" sz="1300" dirty="0" smtClean="0">
+                <a:latin typeface="Source Sans Pro" charset="0"/>
+                <a:ea typeface="Source Sans Pro" charset="0"/>
+                <a:cs typeface="Source Sans Pro" charset="0"/>
+              </a:rPr>
+              <a:t> text model</a:t>
+            </a:r>
+          </a:p>
+          <a:p>
+            <a:pPr algn="l"/>
+            <a:r>
+              <a:rPr lang="en-GB" sz="1300" dirty="0" err="1">
                 <a:solidFill>
                   <a:schemeClr val="tx1"/>
                 </a:solidFill>
@@ -7228,7 +6280,62 @@
                 <a:ea typeface="Monaco" charset="0"/>
                 <a:cs typeface="Monaco" charset="0"/>
               </a:rPr>
-              <a:t>, distribution = "multinomial")</a:t>
+              <a:t>refscores</a:t>
+            </a:r>
+            <a:r>
+              <a:rPr lang="en-GB" sz="1300" dirty="0">
+                <a:solidFill>
+                  <a:schemeClr val="tx1"/>
+                </a:solidFill>
+                <a:latin typeface="Monaco" charset="0"/>
+                <a:ea typeface="Monaco" charset="0"/>
+                <a:cs typeface="Monaco" charset="0"/>
+              </a:rPr>
+              <a:t> &lt;- </a:t>
+            </a:r>
+            <a:r>
+              <a:rPr lang="mr-IN" sz="1300" dirty="0" err="1">
+                <a:solidFill>
+                  <a:schemeClr val="tx1"/>
+                </a:solidFill>
+                <a:latin typeface="Monaco" charset="0"/>
+                <a:ea typeface="Monaco" charset="0"/>
+                <a:cs typeface="Monaco" charset="0"/>
+              </a:rPr>
+              <a:t>c</a:t>
+            </a:r>
+            <a:r>
+              <a:rPr lang="mr-IN" sz="1300" dirty="0">
+                <a:solidFill>
+                  <a:schemeClr val="tx1"/>
+                </a:solidFill>
+                <a:latin typeface="Monaco" charset="0"/>
+                <a:ea typeface="Monaco" charset="0"/>
+                <a:cs typeface="Monaco" charset="0"/>
+              </a:rPr>
+              <a:t>(</a:t>
+            </a:r>
+            <a:r>
+              <a:rPr lang="mr-IN" sz="1300" dirty="0" err="1">
+                <a:solidFill>
+                  <a:schemeClr val="tx1"/>
+                </a:solidFill>
+                <a:latin typeface="Monaco" charset="0"/>
+                <a:ea typeface="Monaco" charset="0"/>
+                <a:cs typeface="Monaco" charset="0"/>
+              </a:rPr>
+              <a:t>seq</a:t>
+            </a:r>
+            <a:r>
+              <a:rPr lang="mr-IN" sz="1300" dirty="0">
+                <a:solidFill>
+                  <a:schemeClr val="tx1"/>
+                </a:solidFill>
+                <a:latin typeface="Monaco" charset="0"/>
+                <a:ea typeface="Monaco" charset="0"/>
+                <a:cs typeface="Monaco" charset="0"/>
+              </a:rPr>
+              <a:t>(-1.5, 1.5, .75), NA))</a:t>
             </a:r>
             <a:endParaRPr lang="en-GB" sz="1300" dirty="0">
               <a:solidFill>
@@ -7240,63 +6347,56 @@
             </a:endParaRPr>
           </a:p>
           <a:p>
-            <a:pPr algn="l">
-              <a:spcBef>
-                <a:spcPts val="800"/>
-              </a:spcBef>
-            </a:pPr>
-            <a:r>
-              <a:rPr lang="en-GB" sz="1500" b="1" dirty="0" err="1" smtClean="0">
+            <a:pPr algn="l"/>
+            <a:r>
+              <a:rPr lang="en-GB" sz="1300" dirty="0" err="1">
+                <a:solidFill>
+                  <a:srgbClr val="006AC7"/>
+                </a:solidFill>
+                <a:latin typeface="Monaco" charset="0"/>
+                <a:ea typeface="Monaco" charset="0"/>
+                <a:cs typeface="Monaco" charset="0"/>
+              </a:rPr>
+              <a:t>textmodel_wordscores</a:t>
+            </a:r>
+            <a:r>
+              <a:rPr lang="en-GB" sz="1300" dirty="0">
                 <a:solidFill>
                   <a:schemeClr val="tx1"/>
                 </a:solidFill>
-                <a:latin typeface="Source Sans Pro" charset="0"/>
-                <a:ea typeface="Source Sans Pro" charset="0"/>
-                <a:cs typeface="Source Sans Pro" charset="0"/>
-              </a:rPr>
-              <a:t>Wordscores</a:t>
-            </a:r>
-            <a:r>
-              <a:rPr lang="en-GB" sz="1500" b="1" dirty="0" smtClean="0">
+                <a:latin typeface="Monaco" charset="0"/>
+                <a:ea typeface="Monaco" charset="0"/>
+                <a:cs typeface="Monaco" charset="0"/>
+              </a:rPr>
+              <a:t>(</a:t>
+            </a:r>
+            <a:r>
+              <a:rPr lang="en-GB" sz="1300" dirty="0" err="1">
                 <a:solidFill>
                   <a:schemeClr val="tx1"/>
                 </a:solidFill>
-                <a:latin typeface="Source Sans Pro" charset="0"/>
-                <a:ea typeface="Source Sans Pro" charset="0"/>
-                <a:cs typeface="Source Sans Pro" charset="0"/>
-              </a:rPr>
-              <a:t> </a:t>
-            </a:r>
-            <a:r>
-              <a:rPr lang="en-GB" sz="1500" b="1" dirty="0">
+                <a:latin typeface="Monaco" charset="0"/>
+                <a:ea typeface="Monaco" charset="0"/>
+                <a:cs typeface="Monaco" charset="0"/>
+              </a:rPr>
+              <a:t>data_dfm_lbgexample</a:t>
+            </a:r>
+            <a:r>
+              <a:rPr lang="en-GB" sz="1300" dirty="0">
                 <a:solidFill>
                   <a:schemeClr val="tx1"/>
                 </a:solidFill>
-                <a:latin typeface="Source Sans Pro" charset="0"/>
-                <a:ea typeface="Source Sans Pro" charset="0"/>
-                <a:cs typeface="Source Sans Pro" charset="0"/>
-              </a:rPr>
-              <a:t>text </a:t>
-            </a:r>
-            <a:r>
-              <a:rPr lang="en-GB" sz="1500" b="1" dirty="0" smtClean="0">
+                <a:latin typeface="Monaco" charset="0"/>
+                <a:ea typeface="Monaco" charset="0"/>
+                <a:cs typeface="Monaco" charset="0"/>
+              </a:rPr>
+              <a:t>, </a:t>
+            </a:r>
+            <a:r>
+              <a:rPr lang="en-GB" sz="1300" dirty="0" err="1">
                 <a:solidFill>
                   <a:schemeClr val="tx1"/>
                 </a:solidFill>
-                <a:latin typeface="Source Sans Pro" charset="0"/>
-                <a:ea typeface="Source Sans Pro" charset="0"/>
-                <a:cs typeface="Source Sans Pro" charset="0"/>
-              </a:rPr>
-              <a:t>model</a:t>
-            </a:r>
-          </a:p>
-          <a:p>
-            <a:pPr algn="l"/>
-            <a:r>
-              <a:rPr lang="en-GB" sz="1300" dirty="0" err="1" smtClean="0">
-                <a:solidFill>
-                  <a:schemeClr val="tx1"/>
-                </a:solidFill>
                 <a:latin typeface="Monaco" charset="0"/>
                 <a:ea typeface="Monaco" charset="0"/>
                 <a:cs typeface="Monaco" charset="0"/>
@@ -7304,128 +6404,7 @@
               <a:t>refscores</a:t>
             </a:r>
             <a:r>
-              <a:rPr lang="en-GB" sz="1300" dirty="0" smtClean="0">
-                <a:solidFill>
-                  <a:schemeClr val="tx1"/>
-                </a:solidFill>
-                <a:latin typeface="Monaco" charset="0"/>
-                <a:ea typeface="Monaco" charset="0"/>
-                <a:cs typeface="Monaco" charset="0"/>
-              </a:rPr>
-              <a:t> &lt;- </a:t>
-            </a:r>
-            <a:r>
-              <a:rPr lang="mr-IN" sz="1300" dirty="0" err="1">
-                <a:solidFill>
-                  <a:schemeClr val="tx1"/>
-                </a:solidFill>
-                <a:latin typeface="Monaco" charset="0"/>
-                <a:ea typeface="Monaco" charset="0"/>
-                <a:cs typeface="Monaco" charset="0"/>
-              </a:rPr>
-              <a:t>c</a:t>
-            </a:r>
-            <a:r>
-              <a:rPr lang="mr-IN" sz="1300" dirty="0">
-                <a:solidFill>
-                  <a:schemeClr val="tx1"/>
-                </a:solidFill>
-                <a:latin typeface="Monaco" charset="0"/>
-                <a:ea typeface="Monaco" charset="0"/>
-                <a:cs typeface="Monaco" charset="0"/>
-              </a:rPr>
-              <a:t>(</a:t>
-            </a:r>
-            <a:r>
-              <a:rPr lang="mr-IN" sz="1300" dirty="0" err="1">
-                <a:solidFill>
-                  <a:schemeClr val="tx1"/>
-                </a:solidFill>
-                <a:latin typeface="Monaco" charset="0"/>
-                <a:ea typeface="Monaco" charset="0"/>
-                <a:cs typeface="Monaco" charset="0"/>
-              </a:rPr>
-              <a:t>seq</a:t>
-            </a:r>
-            <a:r>
-              <a:rPr lang="mr-IN" sz="1300" dirty="0">
-                <a:solidFill>
-                  <a:schemeClr val="tx1"/>
-                </a:solidFill>
-                <a:latin typeface="Monaco" charset="0"/>
-                <a:ea typeface="Monaco" charset="0"/>
-                <a:cs typeface="Monaco" charset="0"/>
-              </a:rPr>
-              <a:t>(-1.5, 1.5, .75), NA))</a:t>
-            </a:r>
-            <a:endParaRPr lang="en-GB" sz="1300" dirty="0">
-              <a:solidFill>
-                <a:schemeClr val="tx1"/>
-              </a:solidFill>
-              <a:latin typeface="Monaco" charset="0"/>
-              <a:ea typeface="Monaco" charset="0"/>
-              <a:cs typeface="Monaco" charset="0"/>
-            </a:endParaRPr>
-          </a:p>
-          <a:p>
-            <a:pPr algn="l"/>
-            <a:r>
-              <a:rPr lang="en-GB" sz="1300" dirty="0" err="1" smtClean="0">
-                <a:solidFill>
-                  <a:srgbClr val="006AC7"/>
-                </a:solidFill>
-                <a:latin typeface="Monaco" charset="0"/>
-                <a:ea typeface="Monaco" charset="0"/>
-                <a:cs typeface="Monaco" charset="0"/>
-              </a:rPr>
-              <a:t>textmodel_wordscores</a:t>
-            </a:r>
-            <a:r>
-              <a:rPr lang="en-GB" sz="1300" dirty="0" smtClean="0">
-                <a:solidFill>
-                  <a:schemeClr val="tx1"/>
-                </a:solidFill>
-                <a:latin typeface="Monaco" charset="0"/>
-                <a:ea typeface="Monaco" charset="0"/>
-                <a:cs typeface="Monaco" charset="0"/>
-              </a:rPr>
-              <a:t>(</a:t>
-            </a:r>
-            <a:r>
-              <a:rPr lang="en-GB" sz="1300" dirty="0" err="1" smtClean="0">
-                <a:solidFill>
-                  <a:schemeClr val="tx1"/>
-                </a:solidFill>
-                <a:latin typeface="Monaco" charset="0"/>
-                <a:ea typeface="Monaco" charset="0"/>
-                <a:cs typeface="Monaco" charset="0"/>
-              </a:rPr>
-              <a:t>data_dfm_lbgexample</a:t>
-            </a:r>
-            <a:r>
-              <a:rPr lang="en-GB" sz="1300" dirty="0" smtClean="0">
-                <a:solidFill>
-                  <a:schemeClr val="tx1"/>
-                </a:solidFill>
-                <a:latin typeface="Monaco" charset="0"/>
-                <a:ea typeface="Monaco" charset="0"/>
-                <a:cs typeface="Monaco" charset="0"/>
-              </a:rPr>
-              <a:t>, </a:t>
-            </a:r>
-            <a:r>
-              <a:rPr lang="en-GB" sz="1300" dirty="0" err="1" smtClean="0">
-                <a:solidFill>
-                  <a:schemeClr val="tx1"/>
-                </a:solidFill>
-                <a:latin typeface="Monaco" charset="0"/>
-                <a:ea typeface="Monaco" charset="0"/>
-                <a:cs typeface="Monaco" charset="0"/>
-              </a:rPr>
-              <a:t>refscores</a:t>
-            </a:r>
-            <a:r>
-              <a:rPr lang="en-GB" sz="1300" dirty="0" smtClean="0">
+              <a:rPr lang="en-GB" sz="1300" dirty="0">
                 <a:solidFill>
                   <a:schemeClr val="tx1"/>
                 </a:solidFill>
@@ -7476,7 +6455,7 @@
           <a:p>
             <a:pPr algn="l"/>
             <a:r>
-              <a:rPr lang="en-GB" sz="1300" dirty="0" err="1" smtClean="0">
+              <a:rPr lang="en-GB" sz="1300" dirty="0" err="1">
                 <a:solidFill>
                   <a:srgbClr val="006AC7"/>
                 </a:solidFill>
@@ -7487,7 +6466,7 @@
               <a:t>textmodel_wordfish</a:t>
             </a:r>
             <a:r>
-              <a:rPr lang="en-GB" sz="1300" dirty="0" smtClean="0">
+              <a:rPr lang="en-GB" sz="1300" dirty="0">
                 <a:solidFill>
                   <a:schemeClr val="tx1"/>
                 </a:solidFill>
@@ -7498,7 +6477,7 @@
               <a:t>(</a:t>
             </a:r>
             <a:r>
-              <a:rPr lang="en-GB" sz="1300" dirty="0" err="1" smtClean="0">
+              <a:rPr lang="en-GB" sz="1300" dirty="0" err="1">
                 <a:solidFill>
                   <a:schemeClr val="tx1"/>
                 </a:solidFill>
@@ -7509,7 +6488,7 @@
               <a:t>dfm</a:t>
             </a:r>
             <a:r>
-              <a:rPr lang="en-GB" sz="1300" dirty="0" smtClean="0">
+              <a:rPr lang="en-GB" sz="1300" dirty="0">
                 <a:solidFill>
                   <a:schemeClr val="tx1"/>
                 </a:solidFill>
@@ -7539,18 +6518,7 @@
                 <a:ea typeface="Monaco" charset="0"/>
                 <a:cs typeface="Monaco" charset="0"/>
               </a:rPr>
-              <a:t> = c(6,5</a:t>
-            </a:r>
-            <a:r>
-              <a:rPr lang="en-GB" sz="1300" dirty="0" smtClean="0">
-                <a:solidFill>
-                  <a:schemeClr val="tx1"/>
-                </a:solidFill>
-                <a:latin typeface="Monaco" charset="0"/>
-                <a:ea typeface="Monaco" charset="0"/>
-                <a:cs typeface="Monaco" charset="0"/>
-              </a:rPr>
-              <a:t>))</a:t>
+              <a:t> = c(6,5))</a:t>
             </a:r>
           </a:p>
           <a:p>
@@ -7560,7 +6528,7 @@
               </a:spcBef>
             </a:pPr>
             <a:r>
-              <a:rPr lang="en-GB" sz="1500" b="1" dirty="0" err="1" smtClean="0">
+              <a:rPr lang="en-GB" sz="1500" b="1" dirty="0" err="1">
                 <a:solidFill>
                   <a:schemeClr val="tx1"/>
                 </a:solidFill>
@@ -7571,7 +6539,7 @@
               <a:t>Textmodel</a:t>
             </a:r>
             <a:r>
-              <a:rPr lang="en-GB" sz="1500" b="1" dirty="0" smtClean="0">
+              <a:rPr lang="en-GB" sz="1500" b="1" dirty="0">
                 <a:solidFill>
                   <a:schemeClr val="tx1"/>
                 </a:solidFill>
@@ -7579,21 +6547,32 @@
                 <a:ea typeface="Source Sans Pro" charset="0"/>
                 <a:cs typeface="Source Sans Pro" charset="0"/>
               </a:rPr>
-              <a:t> </a:t>
-            </a:r>
-            <a:r>
-              <a:rPr lang="en-GB" sz="1500" b="1" dirty="0">
+              <a:t> methods: </a:t>
+            </a:r>
+            <a:r>
+              <a:rPr lang="en-GB" sz="1300" dirty="0">
+                <a:solidFill>
+                  <a:srgbClr val="006AC7"/>
+                </a:solidFill>
+                <a:latin typeface="Monaco" charset="0"/>
+                <a:ea typeface="Monaco" charset="0"/>
+                <a:cs typeface="Monaco" charset="0"/>
+              </a:rPr>
+              <a:t>predict</a:t>
+            </a:r>
+            <a:r>
+              <a:rPr lang="en-GB" sz="1300" dirty="0">
                 <a:solidFill>
                   <a:schemeClr val="tx1"/>
                 </a:solidFill>
-                <a:latin typeface="Source Sans Pro" charset="0"/>
-                <a:ea typeface="Source Sans Pro" charset="0"/>
-                <a:cs typeface="Source Sans Pro" charset="0"/>
-              </a:rPr>
-              <a:t>methods: </a:t>
-            </a:r>
-            <a:r>
-              <a:rPr lang="en-GB" sz="1300" dirty="0" smtClean="0">
+                <a:latin typeface="Monaco" charset="0"/>
+                <a:ea typeface="Monaco" charset="0"/>
+                <a:cs typeface="Monaco" charset="0"/>
+              </a:rPr>
+              <a:t>(), </a:t>
+            </a:r>
+            <a:r>
+              <a:rPr lang="en-GB" sz="1300" dirty="0" err="1">
                 <a:solidFill>
                   <a:srgbClr val="006AC7"/>
                 </a:solidFill>
@@ -7601,10 +6580,10 @@
                 <a:ea typeface="Monaco" charset="0"/>
                 <a:cs typeface="Monaco" charset="0"/>
               </a:rPr>
-              <a:t>predict</a:t>
-            </a:r>
-            <a:r>
-              <a:rPr lang="en-GB" sz="1300" dirty="0" smtClean="0">
+              <a:t>coef</a:t>
+            </a:r>
+            <a:r>
+              <a:rPr lang="en-GB" sz="1300" dirty="0">
                 <a:solidFill>
                   <a:schemeClr val="tx1"/>
                 </a:solidFill>
@@ -7615,7 +6594,7 @@
               <a:t>(), </a:t>
             </a:r>
             <a:r>
-              <a:rPr lang="en-GB" sz="1300" dirty="0" err="1" smtClean="0">
+              <a:rPr lang="en-GB" sz="1300" dirty="0">
                 <a:solidFill>
                   <a:srgbClr val="006AC7"/>
                 </a:solidFill>
@@ -7623,10 +6602,10 @@
                 <a:ea typeface="Monaco" charset="0"/>
                 <a:cs typeface="Monaco" charset="0"/>
               </a:rPr>
-              <a:t>coef</a:t>
-            </a:r>
-            <a:r>
-              <a:rPr lang="en-GB" sz="1300" dirty="0" smtClean="0">
+              <a:t>summary</a:t>
+            </a:r>
+            <a:r>
+              <a:rPr lang="en-GB" sz="1300" dirty="0">
                 <a:solidFill>
                   <a:schemeClr val="tx1"/>
                 </a:solidFill>
@@ -7637,7 +6616,7 @@
               <a:t>(), </a:t>
             </a:r>
             <a:r>
-              <a:rPr lang="en-GB" sz="1300" dirty="0" smtClean="0">
+              <a:rPr lang="en-GB" sz="1300" dirty="0">
                 <a:solidFill>
                   <a:srgbClr val="006AC7"/>
                 </a:solidFill>
@@ -7645,32 +6624,10 @@
                 <a:ea typeface="Monaco" charset="0"/>
                 <a:cs typeface="Monaco" charset="0"/>
               </a:rPr>
-              <a:t>summary</a:t>
-            </a:r>
-            <a:r>
-              <a:rPr lang="en-GB" sz="1300" dirty="0" smtClean="0">
-                <a:solidFill>
-                  <a:schemeClr val="tx1"/>
-                </a:solidFill>
-                <a:latin typeface="Monaco" charset="0"/>
-                <a:ea typeface="Monaco" charset="0"/>
-                <a:cs typeface="Monaco" charset="0"/>
-              </a:rPr>
-              <a:t>(), </a:t>
-            </a:r>
-            <a:r>
-              <a:rPr lang="en-GB" sz="1300" dirty="0" smtClean="0">
-                <a:solidFill>
-                  <a:srgbClr val="006AC7"/>
-                </a:solidFill>
-                <a:latin typeface="Monaco" charset="0"/>
-                <a:ea typeface="Monaco" charset="0"/>
-                <a:cs typeface="Monaco" charset="0"/>
-              </a:rPr>
               <a:t>print</a:t>
             </a:r>
             <a:r>
-              <a:rPr lang="en-GB" sz="1300" dirty="0" smtClean="0">
+              <a:rPr lang="en-GB" sz="1300" dirty="0">
                 <a:solidFill>
                   <a:schemeClr val="tx1"/>
                 </a:solidFill>
@@ -7702,7 +6659,7 @@
           </a:ln>
           <a:extLst>
             <a:ext uri="{C572A759-6A51-4108-AA02-DFA0A04FC94B}">
-              <ma14:wrappingTextBoxFlag xmlns:ma14="http://schemas.microsoft.com/office/mac/drawingml/2011/main" val="1"/>
+              <ma14:wrappingTextBoxFlag xmlns:ma14="http://schemas.microsoft.com/office/mac/drawingml/2011/main" xmlns="" val="1"/>
             </a:ext>
           </a:extLst>
         </p:spPr>
@@ -7722,7 +6679,7 @@
               <a:t>Plot features as a </a:t>
             </a:r>
             <a:r>
-              <a:rPr lang="en-GB" sz="1500" b="1" dirty="0" err="1" smtClean="0">
+              <a:rPr lang="en-GB" sz="1500" b="1" dirty="0" err="1">
                 <a:latin typeface="Source Sans Pro" charset="0"/>
                 <a:ea typeface="Source Sans Pro" charset="0"/>
                 <a:cs typeface="Source Sans Pro" charset="0"/>
@@ -7738,7 +6695,7 @@
           <a:p>
             <a:pPr algn="l"/>
             <a:r>
-              <a:rPr lang="en-GB" sz="1300" dirty="0" err="1" smtClean="0">
+              <a:rPr lang="en-GB" sz="1300" dirty="0" err="1">
                 <a:latin typeface="Monaco" charset="0"/>
                 <a:ea typeface="Monaco" charset="0"/>
                 <a:cs typeface="Monaco" charset="0"/>
@@ -7746,7 +6703,7 @@
               <a:t>data_corpus_inaugural</a:t>
             </a:r>
             <a:r>
-              <a:rPr lang="en-GB" sz="1300" dirty="0" smtClean="0">
+              <a:rPr lang="en-GB" sz="1300" dirty="0">
                 <a:latin typeface="Monaco" charset="0"/>
                 <a:ea typeface="Monaco" charset="0"/>
                 <a:cs typeface="Monaco" charset="0"/>
@@ -7762,18 +6719,10 @@
                 <a:ea typeface="Monaco" charset="0"/>
                 <a:cs typeface="Monaco" charset="0"/>
               </a:rPr>
-              <a:t> </a:t>
-            </a:r>
-            <a:r>
-              <a:rPr lang="en-GB" sz="1300" dirty="0" smtClean="0">
-                <a:latin typeface="Monaco" charset="0"/>
-                <a:ea typeface="Monaco" charset="0"/>
-                <a:cs typeface="Monaco" charset="0"/>
-              </a:rPr>
-              <a:t> </a:t>
-            </a:r>
-            <a:r>
-              <a:rPr lang="en-GB" sz="1300" dirty="0" err="1" smtClean="0">
+              <a:t>  </a:t>
+            </a:r>
+            <a:r>
+              <a:rPr lang="en-GB" sz="1300" dirty="0" err="1">
                 <a:solidFill>
                   <a:srgbClr val="006AC7"/>
                 </a:solidFill>
@@ -7784,7 +6733,7 @@
               <a:t>corpus_subset</a:t>
             </a:r>
             <a:r>
-              <a:rPr lang="en-GB" sz="1300" dirty="0" smtClean="0">
+              <a:rPr lang="en-GB" sz="1300" dirty="0">
                 <a:latin typeface="Monaco" charset="0"/>
                 <a:ea typeface="Monaco" charset="0"/>
                 <a:cs typeface="Monaco" charset="0"/>
@@ -7800,18 +6749,10 @@
                 <a:ea typeface="Monaco" charset="0"/>
                 <a:cs typeface="Monaco" charset="0"/>
               </a:rPr>
-              <a:t> </a:t>
-            </a:r>
-            <a:r>
-              <a:rPr lang="en-GB" sz="1300" dirty="0" smtClean="0">
-                <a:latin typeface="Monaco" charset="0"/>
-                <a:ea typeface="Monaco" charset="0"/>
-                <a:cs typeface="Monaco" charset="0"/>
-              </a:rPr>
-              <a:t> </a:t>
-            </a:r>
-            <a:r>
-              <a:rPr lang="en-GB" sz="1300" dirty="0" err="1" smtClean="0">
+              <a:t>  </a:t>
+            </a:r>
+            <a:r>
+              <a:rPr lang="en-GB" sz="1300" dirty="0" err="1">
                 <a:solidFill>
                   <a:srgbClr val="006AC7"/>
                 </a:solidFill>
@@ -7822,7 +6763,7 @@
               <a:t>dfm</a:t>
             </a:r>
             <a:r>
-              <a:rPr lang="en-GB" sz="1300" dirty="0" smtClean="0">
+              <a:rPr lang="en-GB" sz="1300" dirty="0">
                 <a:latin typeface="Monaco" charset="0"/>
                 <a:ea typeface="Monaco" charset="0"/>
                 <a:cs typeface="Monaco" charset="0"/>
@@ -7830,7 +6771,7 @@
               <a:t>(remove = </a:t>
             </a:r>
             <a:r>
-              <a:rPr lang="en-GB" sz="1300" dirty="0" err="1" smtClean="0">
+              <a:rPr lang="en-GB" sz="1300" dirty="0" err="1">
                 <a:solidFill>
                   <a:schemeClr val="tx1"/>
                 </a:solidFill>
@@ -7841,7 +6782,7 @@
               <a:t>stopwords</a:t>
             </a:r>
             <a:r>
-              <a:rPr lang="en-GB" sz="1300" dirty="0" smtClean="0">
+              <a:rPr lang="en-GB" sz="1300" dirty="0">
                 <a:latin typeface="Monaco" charset="0"/>
                 <a:ea typeface="Monaco" charset="0"/>
                 <a:cs typeface="Monaco" charset="0"/>
@@ -7849,7 +6790,7 @@
               <a:t>("</a:t>
             </a:r>
             <a:r>
-              <a:rPr lang="en-GB" sz="1300" dirty="0" err="1" smtClean="0">
+              <a:rPr lang="en-GB" sz="1300" dirty="0" err="1">
                 <a:latin typeface="Monaco" charset="0"/>
                 <a:ea typeface="Monaco" charset="0"/>
                 <a:cs typeface="Monaco" charset="0"/>
@@ -7857,7 +6798,7 @@
               <a:t>english</a:t>
             </a:r>
             <a:r>
-              <a:rPr lang="en-GB" sz="1300" dirty="0" smtClean="0">
+              <a:rPr lang="en-GB" sz="1300" dirty="0">
                 <a:latin typeface="Monaco" charset="0"/>
                 <a:ea typeface="Monaco" charset="0"/>
                 <a:cs typeface="Monaco" charset="0"/>
@@ -7873,18 +6814,10 @@
                 <a:ea typeface="Monaco" charset="0"/>
                 <a:cs typeface="Monaco" charset="0"/>
               </a:rPr>
-              <a:t> </a:t>
-            </a:r>
-            <a:r>
-              <a:rPr lang="en-GB" sz="1300" dirty="0" smtClean="0">
-                <a:latin typeface="Monaco" charset="0"/>
-                <a:ea typeface="Monaco" charset="0"/>
-                <a:cs typeface="Monaco" charset="0"/>
-              </a:rPr>
-              <a:t> </a:t>
-            </a:r>
-            <a:r>
-              <a:rPr lang="en-GB" sz="1300" dirty="0" err="1" smtClean="0">
+              <a:t>  </a:t>
+            </a:r>
+            <a:r>
+              <a:rPr lang="en-GB" sz="1300" dirty="0" err="1">
                 <a:solidFill>
                   <a:srgbClr val="006AC7"/>
                 </a:solidFill>
@@ -7895,7 +6828,7 @@
               <a:t>textplot_wordcloud</a:t>
             </a:r>
             <a:r>
-              <a:rPr lang="en-GB" sz="1300" dirty="0" smtClean="0">
+              <a:rPr lang="en-GB" sz="1300" dirty="0">
                 <a:latin typeface="Monaco" charset="0"/>
                 <a:ea typeface="Monaco" charset="0"/>
                 <a:cs typeface="Monaco" charset="0"/>
@@ -7917,20 +6850,12 @@
           <a:p>
             <a:pPr algn="l"/>
             <a:r>
-              <a:rPr lang="en-GB" sz="1500" b="1" dirty="0" smtClean="0">
-                <a:latin typeface="Source Sans Pro" charset="0"/>
-                <a:ea typeface="Source Sans Pro" charset="0"/>
-                <a:cs typeface="Source Sans Pro" charset="0"/>
-              </a:rPr>
-              <a:t>Plot </a:t>
-            </a:r>
-            <a:r>
               <a:rPr lang="en-GB" sz="1500" b="1" dirty="0">
                 <a:latin typeface="Source Sans Pro" charset="0"/>
                 <a:ea typeface="Source Sans Pro" charset="0"/>
                 <a:cs typeface="Source Sans Pro" charset="0"/>
               </a:rPr>
-              <a:t>the dispersion of key word(s)</a:t>
+              <a:t>Plot the dispersion of key word(s)</a:t>
             </a:r>
             <a:endParaRPr lang="en-GB" sz="1500" dirty="0">
               <a:latin typeface="Source Sans Pro" charset="0"/>
@@ -7962,14 +6887,6 @@
               </a:rPr>
               <a:t> %&gt;%   </a:t>
             </a:r>
-            <a:endParaRPr lang="en-GB" sz="1300" dirty="0" smtClean="0">
-              <a:solidFill>
-                <a:schemeClr val="tx1"/>
-              </a:solidFill>
-              <a:latin typeface="Monaco" charset="0"/>
-              <a:ea typeface="Monaco" charset="0"/>
-              <a:cs typeface="Monaco" charset="0"/>
-            </a:endParaRPr>
           </a:p>
           <a:p>
             <a:pPr algn="l"/>
@@ -7982,10 +6899,21 @@
                 <a:ea typeface="Monaco" charset="0"/>
                 <a:cs typeface="Monaco" charset="0"/>
               </a:rPr>
-              <a:t> </a:t>
-            </a:r>
-            <a:r>
-              <a:rPr lang="en-GB" sz="1300" dirty="0" smtClean="0">
+              <a:t>  </a:t>
+            </a:r>
+            <a:r>
+              <a:rPr lang="en-GB" sz="1300" dirty="0" err="1">
+                <a:solidFill>
+                  <a:srgbClr val="006AC7"/>
+                </a:solidFill>
+                <a:latin typeface="Monaco" charset="0"/>
+                <a:ea typeface="Monaco" charset="0"/>
+                <a:cs typeface="Monaco" charset="0"/>
+              </a:rPr>
+              <a:t>corpus_subset</a:t>
+            </a:r>
+            <a:r>
+              <a:rPr lang="en-GB" sz="1300" dirty="0">
                 <a:solidFill>
                   <a:schemeClr val="tx1"/>
                 </a:solidFill>
@@ -7993,10 +6921,24 @@
                 <a:ea typeface="Monaco" charset="0"/>
                 <a:cs typeface="Monaco" charset="0"/>
               </a:rPr>
-              <a:t> </a:t>
-            </a:r>
-            <a:r>
-              <a:rPr lang="en-GB" sz="1300" dirty="0" err="1" smtClean="0">
+              <a:t>(Year &gt; 1945) %&gt;%   </a:t>
+            </a:r>
+          </a:p>
+          <a:p>
+            <a:pPr algn="l"/>
+            <a:r>
+              <a:rPr lang="en-GB" sz="1300" dirty="0">
+                <a:solidFill>
+                  <a:schemeClr val="tx1"/>
+                </a:solidFill>
+                <a:latin typeface="Monaco" charset="0"/>
+                <a:ea typeface="Monaco" charset="0"/>
+                <a:cs typeface="Monaco" charset="0"/>
+              </a:rPr>
+              <a:t>  </a:t>
+            </a:r>
+            <a:r>
+              <a:rPr lang="en-GB" sz="1300" dirty="0" err="1">
                 <a:solidFill>
                   <a:srgbClr val="006AC7"/>
                 </a:solidFill>
@@ -8004,10 +6946,10 @@
                 <a:ea typeface="Monaco" charset="0"/>
                 <a:cs typeface="Monaco" charset="0"/>
               </a:rPr>
-              <a:t>corpus_subset</a:t>
-            </a:r>
-            <a:r>
-              <a:rPr lang="en-GB" sz="1300" dirty="0" smtClean="0">
+              <a:t>kwic</a:t>
+            </a:r>
+            <a:r>
+              <a:rPr lang="en-GB" sz="1300" dirty="0">
                 <a:solidFill>
                   <a:schemeClr val="tx1"/>
                 </a:solidFill>
@@ -8015,7 +6957,18 @@
                 <a:ea typeface="Monaco" charset="0"/>
                 <a:cs typeface="Monaco" charset="0"/>
               </a:rPr>
-              <a:t>(Year </a:t>
+              <a:t>("</a:t>
+            </a:r>
+            <a:r>
+              <a:rPr lang="en-GB" sz="1300" dirty="0" err="1">
+                <a:solidFill>
+                  <a:schemeClr val="tx1"/>
+                </a:solidFill>
+                <a:latin typeface="Monaco" charset="0"/>
+                <a:ea typeface="Monaco" charset="0"/>
+                <a:cs typeface="Monaco" charset="0"/>
+              </a:rPr>
+              <a:t>american</a:t>
             </a:r>
             <a:r>
               <a:rPr lang="en-GB" sz="1300" dirty="0">
@@ -8026,16 +6979,8 @@
                 <a:ea typeface="Monaco" charset="0"/>
                 <a:cs typeface="Monaco" charset="0"/>
               </a:rPr>
-              <a:t>&gt; 1945) %&gt;%   </a:t>
-            </a:r>
-            <a:endParaRPr lang="en-GB" sz="1300" dirty="0" smtClean="0">
-              <a:solidFill>
-                <a:schemeClr val="tx1"/>
-              </a:solidFill>
-              <a:latin typeface="Monaco" charset="0"/>
-              <a:ea typeface="Monaco" charset="0"/>
-              <a:cs typeface="Monaco" charset="0"/>
-            </a:endParaRPr>
+              <a:t>") %&gt;%   </a:t>
+            </a:r>
           </a:p>
           <a:p>
             <a:pPr algn="l"/>
@@ -8048,98 +6993,10 @@
                 <a:ea typeface="Monaco" charset="0"/>
                 <a:cs typeface="Monaco" charset="0"/>
               </a:rPr>
-              <a:t> </a:t>
-            </a:r>
-            <a:r>
-              <a:rPr lang="en-GB" sz="1300" dirty="0" smtClean="0">
-                <a:solidFill>
-                  <a:schemeClr val="tx1"/>
-                </a:solidFill>
-                <a:latin typeface="Monaco" charset="0"/>
-                <a:ea typeface="Monaco" charset="0"/>
-                <a:cs typeface="Monaco" charset="0"/>
-              </a:rPr>
-              <a:t> </a:t>
-            </a:r>
-            <a:r>
-              <a:rPr lang="en-GB" sz="1300" dirty="0" err="1" smtClean="0">
-                <a:solidFill>
-                  <a:srgbClr val="006AC7"/>
-                </a:solidFill>
-                <a:latin typeface="Monaco" charset="0"/>
-                <a:ea typeface="Monaco" charset="0"/>
-                <a:cs typeface="Monaco" charset="0"/>
-              </a:rPr>
-              <a:t>kwic</a:t>
-            </a:r>
-            <a:r>
-              <a:rPr lang="en-GB" sz="1300" dirty="0">
-                <a:solidFill>
-                  <a:schemeClr val="tx1"/>
-                </a:solidFill>
-                <a:latin typeface="Monaco" charset="0"/>
-                <a:ea typeface="Monaco" charset="0"/>
-                <a:cs typeface="Monaco" charset="0"/>
-              </a:rPr>
-              <a:t>("</a:t>
+              <a:t>  </a:t>
             </a:r>
             <a:r>
               <a:rPr lang="en-GB" sz="1300" dirty="0" err="1">
-                <a:solidFill>
-                  <a:schemeClr val="tx1"/>
-                </a:solidFill>
-                <a:latin typeface="Monaco" charset="0"/>
-                <a:ea typeface="Monaco" charset="0"/>
-                <a:cs typeface="Monaco" charset="0"/>
-              </a:rPr>
-              <a:t>american</a:t>
-            </a:r>
-            <a:r>
-              <a:rPr lang="en-GB" sz="1300" dirty="0">
-                <a:solidFill>
-                  <a:schemeClr val="tx1"/>
-                </a:solidFill>
-                <a:latin typeface="Monaco" charset="0"/>
-                <a:ea typeface="Monaco" charset="0"/>
-                <a:cs typeface="Monaco" charset="0"/>
-              </a:rPr>
-              <a:t>") %&gt;%   </a:t>
-            </a:r>
-            <a:endParaRPr lang="en-GB" sz="1300" dirty="0" smtClean="0">
-              <a:solidFill>
-                <a:schemeClr val="tx1"/>
-              </a:solidFill>
-              <a:latin typeface="Monaco" charset="0"/>
-              <a:ea typeface="Monaco" charset="0"/>
-              <a:cs typeface="Monaco" charset="0"/>
-            </a:endParaRPr>
-          </a:p>
-          <a:p>
-            <a:pPr algn="l"/>
-            <a:r>
-              <a:rPr lang="en-GB" sz="1300" dirty="0">
-                <a:solidFill>
-                  <a:schemeClr val="tx1"/>
-                </a:solidFill>
-                <a:latin typeface="Monaco" charset="0"/>
-                <a:ea typeface="Monaco" charset="0"/>
-                <a:cs typeface="Monaco" charset="0"/>
-              </a:rPr>
-              <a:t> </a:t>
-            </a:r>
-            <a:r>
-              <a:rPr lang="en-GB" sz="1300" dirty="0" smtClean="0">
-                <a:solidFill>
-                  <a:schemeClr val="tx1"/>
-                </a:solidFill>
-                <a:latin typeface="Monaco" charset="0"/>
-                <a:ea typeface="Monaco" charset="0"/>
-                <a:cs typeface="Monaco" charset="0"/>
-              </a:rPr>
-              <a:t> </a:t>
-            </a:r>
-            <a:r>
-              <a:rPr lang="en-GB" sz="1300" dirty="0" err="1" smtClean="0">
                 <a:solidFill>
                   <a:srgbClr val="006AC7"/>
                 </a:solidFill>
@@ -8171,7 +7028,7 @@
           </a:p>
           <a:p>
             <a:pPr algn="l"/>
-            <a:endParaRPr lang="en-GB" sz="1300" b="1" dirty="0" smtClean="0">
+            <a:endParaRPr lang="en-GB" sz="1300" b="1" dirty="0">
               <a:latin typeface="Source Sans Pro" charset="0"/>
               <a:ea typeface="Source Sans Pro" charset="0"/>
               <a:cs typeface="Source Sans Pro" charset="0"/>
@@ -8180,20 +7037,12 @@
           <a:p>
             <a:pPr algn="l"/>
             <a:r>
-              <a:rPr lang="en-GB" sz="1500" b="1" dirty="0" smtClean="0">
-                <a:latin typeface="Source Sans Pro" charset="0"/>
-                <a:ea typeface="Source Sans Pro" charset="0"/>
-                <a:cs typeface="Source Sans Pro" charset="0"/>
-              </a:rPr>
-              <a:t>Plot </a:t>
-            </a:r>
-            <a:r>
               <a:rPr lang="en-GB" sz="1500" b="1" dirty="0">
                 <a:latin typeface="Source Sans Pro" charset="0"/>
                 <a:ea typeface="Source Sans Pro" charset="0"/>
                 <a:cs typeface="Source Sans Pro" charset="0"/>
               </a:rPr>
-              <a:t>word </a:t>
+              <a:t>Plot word </a:t>
             </a:r>
             <a:r>
               <a:rPr lang="en-GB" sz="1500" b="1" dirty="0" err="1">
@@ -8227,11 +7076,6 @@
               </a:rPr>
               <a:t> %&gt;%   </a:t>
             </a:r>
-            <a:endParaRPr lang="en-GB" sz="1300" dirty="0" smtClean="0">
-              <a:latin typeface="Monaco" charset="0"/>
-              <a:ea typeface="Monaco" charset="0"/>
-              <a:cs typeface="Monaco" charset="0"/>
-            </a:endParaRPr>
           </a:p>
           <a:p>
             <a:pPr algn="l"/>
@@ -8241,18 +7085,10 @@
                 <a:ea typeface="Monaco" charset="0"/>
                 <a:cs typeface="Monaco" charset="0"/>
               </a:rPr>
-              <a:t> </a:t>
-            </a:r>
-            <a:r>
-              <a:rPr lang="en-GB" sz="1300" dirty="0" smtClean="0">
-                <a:latin typeface="Monaco" charset="0"/>
-                <a:ea typeface="Monaco" charset="0"/>
-                <a:cs typeface="Monaco" charset="0"/>
-              </a:rPr>
-              <a:t> </a:t>
-            </a:r>
-            <a:r>
-              <a:rPr lang="en-GB" sz="1300" dirty="0" err="1" smtClean="0">
+              <a:t>  </a:t>
+            </a:r>
+            <a:r>
+              <a:rPr lang="en-GB" sz="1300" dirty="0" err="1">
                 <a:solidFill>
                   <a:srgbClr val="006AC7"/>
                 </a:solidFill>
@@ -8263,52 +7099,23 @@
               <a:t>corpus_subset</a:t>
             </a:r>
             <a:r>
-              <a:rPr lang="en-GB" sz="1300" dirty="0" smtClean="0">
-                <a:latin typeface="Monaco" charset="0"/>
-                <a:ea typeface="Monaco" charset="0"/>
-                <a:cs typeface="Monaco" charset="0"/>
-              </a:rPr>
-              <a:t>(President </a:t>
-            </a:r>
-            <a:r>
               <a:rPr lang="en-GB" sz="1300" dirty="0">
                 <a:latin typeface="Monaco" charset="0"/>
                 <a:ea typeface="Monaco" charset="0"/>
                 <a:cs typeface="Monaco" charset="0"/>
               </a:rPr>
-              <a:t>%in% </a:t>
-            </a:r>
-            <a:endParaRPr lang="en-GB" sz="1300" dirty="0" smtClean="0">
-              <a:latin typeface="Monaco" charset="0"/>
-              <a:ea typeface="Monaco" charset="0"/>
-              <a:cs typeface="Monaco" charset="0"/>
-            </a:endParaRPr>
+              <a:t>(President %in% </a:t>
+            </a:r>
           </a:p>
           <a:p>
             <a:pPr algn="l"/>
             <a:r>
-              <a:rPr lang="en-GB" sz="1300" dirty="0" smtClean="0">
-                <a:latin typeface="Monaco" charset="0"/>
-                <a:ea typeface="Monaco" charset="0"/>
-                <a:cs typeface="Monaco" charset="0"/>
-              </a:rPr>
-              <a:t>  		    c</a:t>
-            </a:r>
-            <a:r>
               <a:rPr lang="en-GB" sz="1300" dirty="0">
                 <a:latin typeface="Monaco" charset="0"/>
                 <a:ea typeface="Monaco" charset="0"/>
                 <a:cs typeface="Monaco" charset="0"/>
               </a:rPr>
-              <a:t>("Obama", "Trump")) </a:t>
-            </a:r>
-            <a:r>
-              <a:rPr lang="en-GB" sz="1300" dirty="0" smtClean="0">
-                <a:latin typeface="Monaco" charset="0"/>
-                <a:ea typeface="Monaco" charset="0"/>
-                <a:cs typeface="Monaco" charset="0"/>
-              </a:rPr>
-              <a:t>%&gt;%</a:t>
+              <a:t>  		    c("Obama", "Trump")) %&gt;%</a:t>
             </a:r>
           </a:p>
           <a:p>
@@ -8319,18 +7126,10 @@
                 <a:ea typeface="Monaco" charset="0"/>
                 <a:cs typeface="Monaco" charset="0"/>
               </a:rPr>
-              <a:t> </a:t>
-            </a:r>
-            <a:r>
-              <a:rPr lang="en-GB" sz="1300" dirty="0" smtClean="0">
-                <a:latin typeface="Monaco" charset="0"/>
-                <a:ea typeface="Monaco" charset="0"/>
-                <a:cs typeface="Monaco" charset="0"/>
-              </a:rPr>
-              <a:t> </a:t>
-            </a:r>
-            <a:r>
-              <a:rPr lang="en-GB" sz="1300" dirty="0" err="1" smtClean="0">
+              <a:t>  </a:t>
+            </a:r>
+            <a:r>
+              <a:rPr lang="en-GB" sz="1300" dirty="0" err="1">
                 <a:solidFill>
                   <a:srgbClr val="006AC7"/>
                 </a:solidFill>
@@ -8341,26 +7140,13 @@
               <a:t>dfm</a:t>
             </a:r>
             <a:r>
-              <a:rPr lang="en-GB" sz="1300" dirty="0" smtClean="0">
-                <a:latin typeface="Monaco" charset="0"/>
-                <a:ea typeface="Monaco" charset="0"/>
-                <a:cs typeface="Monaco" charset="0"/>
-              </a:rPr>
-              <a:t>(groups </a:t>
-            </a:r>
-            <a:r>
               <a:rPr lang="en-GB" sz="1300" dirty="0">
                 <a:latin typeface="Monaco" charset="0"/>
                 <a:ea typeface="Monaco" charset="0"/>
                 <a:cs typeface="Monaco" charset="0"/>
               </a:rPr>
-              <a:t>= "President", </a:t>
-            </a:r>
-            <a:endParaRPr lang="en-GB" sz="1300" dirty="0" smtClean="0">
-              <a:latin typeface="Monaco" charset="0"/>
-              <a:ea typeface="Monaco" charset="0"/>
-              <a:cs typeface="Monaco" charset="0"/>
-            </a:endParaRPr>
+              <a:t>(groups = "President", </a:t>
+            </a:r>
           </a:p>
           <a:p>
             <a:pPr algn="l"/>
@@ -8370,15 +7156,18 @@
                 <a:ea typeface="Monaco" charset="0"/>
                 <a:cs typeface="Monaco" charset="0"/>
               </a:rPr>
-              <a:t>	</a:t>
-            </a:r>
-            <a:r>
-              <a:rPr lang="en-GB" sz="1300" dirty="0" smtClean="0">
-                <a:latin typeface="Monaco" charset="0"/>
-                <a:ea typeface="Monaco" charset="0"/>
-                <a:cs typeface="Monaco" charset="0"/>
-              </a:rPr>
-              <a:t>remove </a:t>
+              <a:t>	remove = </a:t>
+            </a:r>
+            <a:r>
+              <a:rPr lang="en-GB" sz="1300" dirty="0" err="1">
+                <a:solidFill>
+                  <a:schemeClr val="tx1"/>
+                </a:solidFill>
+                <a:latin typeface="Monaco" charset="0"/>
+                <a:ea typeface="Monaco" charset="0"/>
+                <a:cs typeface="Monaco" charset="0"/>
+              </a:rPr>
+              <a:t>stopwords</a:t>
             </a:r>
             <a:r>
               <a:rPr lang="en-GB" sz="1300" dirty="0">
@@ -8386,18 +7175,15 @@
                 <a:ea typeface="Monaco" charset="0"/>
                 <a:cs typeface="Monaco" charset="0"/>
               </a:rPr>
-              <a:t>= </a:t>
-            </a:r>
-            <a:r>
-              <a:rPr lang="en-GB" sz="1300" dirty="0" err="1" smtClean="0">
-                <a:solidFill>
-                  <a:schemeClr val="tx1"/>
-                </a:solidFill>
-                <a:latin typeface="Monaco" charset="0"/>
-                <a:ea typeface="Monaco" charset="0"/>
-                <a:cs typeface="Monaco" charset="0"/>
-              </a:rPr>
-              <a:t>stopwords</a:t>
+              <a:t>("</a:t>
+            </a:r>
+            <a:r>
+              <a:rPr lang="en-GB" sz="1300" dirty="0" err="1">
+                <a:latin typeface="Monaco" charset="0"/>
+                <a:ea typeface="Monaco" charset="0"/>
+                <a:cs typeface="Monaco" charset="0"/>
+              </a:rPr>
+              <a:t>english</a:t>
             </a:r>
             <a:r>
               <a:rPr lang="en-GB" sz="1300" dirty="0">
@@ -8405,15 +7191,32 @@
                 <a:ea typeface="Monaco" charset="0"/>
                 <a:cs typeface="Monaco" charset="0"/>
               </a:rPr>
-              <a:t>("</a:t>
+              <a:t>")) %&gt;%   </a:t>
+            </a:r>
+          </a:p>
+          <a:p>
+            <a:pPr algn="l"/>
+            <a:r>
+              <a:rPr lang="en-GB" sz="1300" dirty="0">
+                <a:solidFill>
+                  <a:srgbClr val="006AC7"/>
+                </a:solidFill>
+                <a:latin typeface="Monaco" charset="0"/>
+                <a:ea typeface="Monaco" charset="0"/>
+                <a:cs typeface="Monaco" charset="0"/>
+              </a:rPr>
+              <a:t>  </a:t>
             </a:r>
             <a:r>
               <a:rPr lang="en-GB" sz="1300" dirty="0" err="1">
-                <a:latin typeface="Monaco" charset="0"/>
-                <a:ea typeface="Monaco" charset="0"/>
-                <a:cs typeface="Monaco" charset="0"/>
-              </a:rPr>
-              <a:t>english</a:t>
+                <a:solidFill>
+                  <a:srgbClr val="006AC7"/>
+                </a:solidFill>
+                <a:latin typeface="Monaco" charset="0"/>
+                <a:ea typeface="Monaco" charset="0"/>
+                <a:cs typeface="Monaco" charset="0"/>
+              </a:rPr>
+              <a:t>textstat_keyness</a:t>
             </a:r>
             <a:r>
               <a:rPr lang="en-GB" sz="1300" dirty="0">
@@ -8421,13 +7224,13 @@
                 <a:ea typeface="Monaco" charset="0"/>
                 <a:cs typeface="Monaco" charset="0"/>
               </a:rPr>
-              <a:t>")) %&gt;%   </a:t>
+              <a:t>(target = "Trump") %&gt;%   </a:t>
             </a:r>
           </a:p>
           <a:p>
             <a:pPr algn="l"/>
             <a:r>
-              <a:rPr lang="en-GB" sz="1300" dirty="0" smtClean="0">
+              <a:rPr lang="en-GB" sz="1300" dirty="0">
                 <a:solidFill>
                   <a:srgbClr val="006AC7"/>
                 </a:solidFill>
@@ -8438,7 +7241,7 @@
               <a:t>  </a:t>
             </a:r>
             <a:r>
-              <a:rPr lang="en-GB" sz="1300" dirty="0" err="1" smtClean="0">
+              <a:rPr lang="en-GB" sz="1300" dirty="0" err="1">
                 <a:solidFill>
                   <a:srgbClr val="006AC7"/>
                 </a:solidFill>
@@ -8446,15 +7249,7 @@
                 <a:ea typeface="Monaco" charset="0"/>
                 <a:cs typeface="Monaco" charset="0"/>
               </a:rPr>
-              <a:t>textstat_keyness</a:t>
-            </a:r>
-            <a:r>
-              <a:rPr lang="en-GB" sz="1300" dirty="0" smtClean="0">
-                <a:latin typeface="Monaco" charset="0"/>
-                <a:ea typeface="Monaco" charset="0"/>
-                <a:cs typeface="Monaco" charset="0"/>
-              </a:rPr>
-              <a:t>(target </a:t>
+              <a:t>textplot_keyness</a:t>
             </a:r>
             <a:r>
               <a:rPr lang="en-GB" sz="1300" dirty="0">
@@ -8462,45 +7257,12 @@
                 <a:ea typeface="Monaco" charset="0"/>
                 <a:cs typeface="Monaco" charset="0"/>
               </a:rPr>
-              <a:t>= "Trump") %&gt;%   </a:t>
+              <a:t>()</a:t>
             </a:r>
           </a:p>
           <a:p>
             <a:pPr algn="l"/>
-            <a:r>
-              <a:rPr lang="en-GB" sz="1300" dirty="0" smtClean="0">
-                <a:solidFill>
-                  <a:srgbClr val="006AC7"/>
-                </a:solidFill>
-                <a:latin typeface="Monaco" charset="0"/>
-                <a:ea typeface="Monaco" charset="0"/>
-                <a:cs typeface="Monaco" charset="0"/>
-              </a:rPr>
-              <a:t>  </a:t>
-            </a:r>
-            <a:r>
-              <a:rPr lang="en-GB" sz="1300" dirty="0" err="1" smtClean="0">
-                <a:solidFill>
-                  <a:srgbClr val="006AC7"/>
-                </a:solidFill>
-                <a:latin typeface="Monaco" charset="0"/>
-                <a:ea typeface="Monaco" charset="0"/>
-                <a:cs typeface="Monaco" charset="0"/>
-              </a:rPr>
-              <a:t>textplot_keyness</a:t>
-            </a:r>
-            <a:r>
-              <a:rPr lang="en-GB" sz="1300" dirty="0">
-                <a:latin typeface="Monaco" charset="0"/>
-                <a:ea typeface="Monaco" charset="0"/>
-                <a:cs typeface="Monaco" charset="0"/>
-              </a:rPr>
-              <a:t>()</a:t>
-            </a:r>
-          </a:p>
-          <a:p>
-            <a:pPr algn="l"/>
-            <a:endParaRPr lang="en-GB" sz="1300" b="1" dirty="0" smtClean="0">
+            <a:endParaRPr lang="en-GB" sz="1300" b="1" dirty="0">
               <a:latin typeface="Source Sans Pro" charset="0"/>
               <a:ea typeface="Source Sans Pro" charset="0"/>
               <a:cs typeface="Source Sans Pro" charset="0"/>
@@ -8509,7 +7271,7 @@
           <a:p>
             <a:pPr algn="l"/>
             <a:r>
-              <a:rPr lang="en-GB" sz="1500" b="1" dirty="0" smtClean="0">
+              <a:rPr lang="en-GB" sz="1500" b="1" dirty="0">
                 <a:latin typeface="Source Sans Pro" charset="0"/>
                 <a:ea typeface="Source Sans Pro" charset="0"/>
                 <a:cs typeface="Source Sans Pro" charset="0"/>
@@ -8517,7 +7279,7 @@
               <a:t>Plot </a:t>
             </a:r>
             <a:r>
-              <a:rPr lang="en-GB" sz="1500" b="1" dirty="0" err="1" smtClean="0">
+              <a:rPr lang="en-GB" sz="1500" b="1" dirty="0" err="1">
                 <a:latin typeface="Source Sans Pro" charset="0"/>
                 <a:ea typeface="Source Sans Pro" charset="0"/>
                 <a:cs typeface="Source Sans Pro" charset="0"/>
@@ -8546,26 +7308,13 @@
                 <a:ea typeface="Source Sans Pro" charset="0"/>
                 <a:cs typeface="Source Sans Pro" charset="0"/>
               </a:rPr>
-              <a:t> or CA </a:t>
-            </a:r>
-            <a:r>
-              <a:rPr lang="en-GB" sz="1500" b="1" dirty="0" smtClean="0">
-                <a:latin typeface="Source Sans Pro" charset="0"/>
-                <a:ea typeface="Source Sans Pro" charset="0"/>
-                <a:cs typeface="Source Sans Pro" charset="0"/>
-              </a:rPr>
-              <a:t>models</a:t>
-            </a:r>
-            <a:endParaRPr lang="en-GB" sz="1500" b="1" dirty="0">
-              <a:latin typeface="Source Sans Pro" charset="0"/>
-              <a:ea typeface="Source Sans Pro" charset="0"/>
-              <a:cs typeface="Source Sans Pro" charset="0"/>
-            </a:endParaRPr>
+              <a:t> or CA models</a:t>
+            </a:r>
           </a:p>
           <a:p>
             <a:pPr algn="l"/>
             <a:r>
-              <a:rPr lang="en-GB" sz="1300" dirty="0" smtClean="0">
+              <a:rPr lang="en-GB" sz="1300" dirty="0">
                 <a:solidFill>
                   <a:srgbClr val="006AC7"/>
                 </a:solidFill>
@@ -8576,7 +7325,7 @@
               <a:t>textplot_scale1d</a:t>
             </a:r>
             <a:r>
-              <a:rPr lang="en-GB" sz="1300" dirty="0" smtClean="0">
+              <a:rPr lang="en-GB" sz="1300" dirty="0">
                 <a:latin typeface="Monaco" charset="0"/>
                 <a:ea typeface="Monaco" charset="0"/>
                 <a:cs typeface="Monaco" charset="0"/>
@@ -8584,7 +7333,7 @@
               <a:t>(</a:t>
             </a:r>
             <a:r>
-              <a:rPr lang="en-GB" sz="1300" i="1" dirty="0" err="1" smtClean="0">
+              <a:rPr lang="en-GB" sz="1300" i="1" dirty="0" err="1">
                 <a:latin typeface="Monaco" charset="0"/>
                 <a:ea typeface="Monaco" charset="0"/>
                 <a:cs typeface="Monaco" charset="0"/>
@@ -8592,7 +7341,7 @@
               <a:t>scaling_model</a:t>
             </a:r>
             <a:r>
-              <a:rPr lang="en-GB" sz="1300" dirty="0" smtClean="0">
+              <a:rPr lang="en-GB" sz="1300" dirty="0">
                 <a:latin typeface="Monaco" charset="0"/>
                 <a:ea typeface="Monaco" charset="0"/>
                 <a:cs typeface="Monaco" charset="0"/>
@@ -8608,42 +7357,18 @@
                 <a:ea typeface="Monaco" charset="0"/>
                 <a:cs typeface="Monaco" charset="0"/>
               </a:rPr>
-              <a:t> </a:t>
-            </a:r>
-            <a:r>
-              <a:rPr lang="en-GB" sz="1300" dirty="0" smtClean="0">
-                <a:latin typeface="Monaco" charset="0"/>
-                <a:ea typeface="Monaco" charset="0"/>
-                <a:cs typeface="Monaco" charset="0"/>
-              </a:rPr>
-              <a:t> groups = party, </a:t>
+              <a:t>  groups = party, </a:t>
             </a:r>
           </a:p>
           <a:p>
             <a:pPr algn="l"/>
             <a:r>
-              <a:rPr lang="en-GB" sz="1300" dirty="0" smtClean="0">
-                <a:latin typeface="Monaco" charset="0"/>
-                <a:ea typeface="Monaco" charset="0"/>
-                <a:cs typeface="Monaco" charset="0"/>
-              </a:rPr>
-              <a:t>  margin </a:t>
-            </a:r>
-            <a:r>
               <a:rPr lang="en-GB" sz="1300" dirty="0">
                 <a:latin typeface="Monaco" charset="0"/>
                 <a:ea typeface="Monaco" charset="0"/>
                 <a:cs typeface="Monaco" charset="0"/>
               </a:rPr>
-              <a:t>= </a:t>
-            </a:r>
-            <a:r>
-              <a:rPr lang="en-GB" sz="1300" dirty="0" smtClean="0">
-                <a:latin typeface="Monaco" charset="0"/>
-                <a:ea typeface="Monaco" charset="0"/>
-                <a:cs typeface="Monaco" charset="0"/>
-              </a:rPr>
-              <a:t>"documents")</a:t>
+              <a:t>  margin = "documents")</a:t>
             </a:r>
             <a:r>
               <a:rPr lang="en-GB" sz="1300" dirty="0">
@@ -8683,7 +7408,7 @@
           </a:ln>
           <a:extLst>
             <a:ext uri="{C572A759-6A51-4108-AA02-DFA0A04FC94B}">
-              <ma14:wrappingTextBoxFlag xmlns:ma14="http://schemas.microsoft.com/office/mac/drawingml/2011/main" val="1"/>
+              <ma14:wrappingTextBoxFlag xmlns:ma14="http://schemas.microsoft.com/office/mac/drawingml/2011/main" xmlns="" val="1"/>
             </a:ext>
           </a:extLst>
         </p:spPr>
@@ -8727,7 +7452,7 @@
               <a:t> </a:t>
             </a:r>
             <a:r>
-              <a:rPr lang="de-DE" sz="1500" b="1" dirty="0" err="1" smtClean="0">
+              <a:rPr lang="de-DE" sz="1500" b="1" dirty="0" err="1">
                 <a:latin typeface="Source Sans Pro" charset="0"/>
                 <a:ea typeface="Source Sans Pro" charset="0"/>
                 <a:cs typeface="Source Sans Pro" charset="0"/>
@@ -8735,7 +7460,7 @@
               <a:t>frequencies</a:t>
             </a:r>
             <a:r>
-              <a:rPr lang="de-DE" sz="1500" b="1" dirty="0" smtClean="0">
+              <a:rPr lang="de-DE" sz="1500" b="1" dirty="0">
                 <a:latin typeface="Source Sans Pro" charset="0"/>
                 <a:ea typeface="Source Sans Pro" charset="0"/>
                 <a:cs typeface="Source Sans Pro" charset="0"/>
@@ -8743,7 +7468,7 @@
               <a:t> </a:t>
             </a:r>
             <a:r>
-              <a:rPr lang="de-DE" sz="1500" b="1" dirty="0" err="1" smtClean="0">
+              <a:rPr lang="de-DE" sz="1500" b="1" dirty="0" err="1">
                 <a:latin typeface="Source Sans Pro" charset="0"/>
                 <a:ea typeface="Source Sans Pro" charset="0"/>
                 <a:cs typeface="Source Sans Pro" charset="0"/>
@@ -8751,7 +7476,7 @@
               <a:t>from</a:t>
             </a:r>
             <a:r>
-              <a:rPr lang="de-DE" sz="1500" b="1" dirty="0" smtClean="0">
+              <a:rPr lang="de-DE" sz="1500" b="1" dirty="0">
                 <a:latin typeface="Source Sans Pro" charset="0"/>
                 <a:ea typeface="Source Sans Pro" charset="0"/>
                 <a:cs typeface="Source Sans Pro" charset="0"/>
@@ -8759,7 +7484,7 @@
               <a:t> a </a:t>
             </a:r>
             <a:r>
-              <a:rPr lang="de-DE" sz="1500" b="1" dirty="0" err="1" smtClean="0">
+              <a:rPr lang="de-DE" sz="1500" b="1" dirty="0" err="1">
                 <a:latin typeface="Source Sans Pro" charset="0"/>
                 <a:ea typeface="Source Sans Pro" charset="0"/>
                 <a:cs typeface="Source Sans Pro" charset="0"/>
@@ -8775,7 +7500,7 @@
           <a:p>
             <a:pPr algn="l"/>
             <a:r>
-              <a:rPr lang="en-GB" sz="1300" dirty="0" err="1" smtClean="0">
+              <a:rPr lang="en-GB" sz="1300" dirty="0" err="1">
                 <a:solidFill>
                   <a:srgbClr val="006AC7"/>
                 </a:solidFill>
@@ -8786,7 +7511,7 @@
               <a:t>textstat_frequency</a:t>
             </a:r>
             <a:r>
-              <a:rPr lang="en-GB" sz="1300" dirty="0" smtClean="0">
+              <a:rPr lang="en-GB" sz="1300" dirty="0">
                 <a:latin typeface="Monaco" charset="0"/>
                 <a:ea typeface="Monaco" charset="0"/>
                 <a:cs typeface="Monaco" charset="0"/>
@@ -8794,7 +7519,7 @@
               <a:t>(x) </a:t>
             </a:r>
             <a:r>
-              <a:rPr lang="en-GB" sz="1300" i="1" dirty="0" smtClean="0">
+              <a:rPr lang="en-GB" sz="1300" i="1" dirty="0">
                 <a:latin typeface="Source Sans Pro" charset="0"/>
                 <a:ea typeface="Source Sans Pro" charset="0"/>
                 <a:cs typeface="Source Sans Pro" charset="0"/>
@@ -8802,7 +7527,7 @@
               <a:t>|</a:t>
             </a:r>
             <a:r>
-              <a:rPr lang="en-GB" sz="1300" i="1" dirty="0" smtClean="0">
+              <a:rPr lang="en-GB" sz="1300" i="1" dirty="0">
                 <a:latin typeface="Monaco" charset="0"/>
                 <a:ea typeface="Monaco" charset="0"/>
                 <a:cs typeface="Monaco" charset="0"/>
@@ -8810,7 +7535,7 @@
               <a:t> </a:t>
             </a:r>
             <a:r>
-              <a:rPr lang="en-GB" sz="1300" dirty="0" err="1" smtClean="0">
+              <a:rPr lang="en-GB" sz="1300" dirty="0" err="1">
                 <a:solidFill>
                   <a:srgbClr val="006AC7"/>
                 </a:solidFill>
@@ -8821,18 +7546,13 @@
               <a:t>topfeatures</a:t>
             </a:r>
             <a:r>
-              <a:rPr lang="en-GB" sz="1300" dirty="0" smtClean="0">
+              <a:rPr lang="en-GB" sz="1300" dirty="0">
                 <a:latin typeface="Monaco" charset="0"/>
                 <a:ea typeface="Monaco" charset="0"/>
                 <a:cs typeface="Monaco" charset="0"/>
               </a:rPr>
               <a:t>(x)</a:t>
             </a:r>
-            <a:endParaRPr lang="en-GB" sz="1300" dirty="0">
-              <a:latin typeface="Monaco" charset="0"/>
-              <a:ea typeface="Monaco" charset="0"/>
-              <a:cs typeface="Monaco" charset="0"/>
-            </a:endParaRPr>
           </a:p>
           <a:p>
             <a:pPr algn="l">
@@ -8841,20 +7561,12 @@
               </a:spcBef>
             </a:pPr>
             <a:r>
-              <a:rPr lang="en-US" sz="1500" b="1" dirty="0" smtClean="0">
-                <a:latin typeface="Source Sans Pro" charset="0"/>
-                <a:ea typeface="Source Sans Pro" charset="0"/>
-                <a:cs typeface="Source Sans Pro" charset="0"/>
-              </a:rPr>
-              <a:t>Identify </a:t>
-            </a:r>
-            <a:r>
               <a:rPr lang="en-US" sz="1500" b="1" dirty="0">
                 <a:latin typeface="Source Sans Pro" charset="0"/>
                 <a:ea typeface="Source Sans Pro" charset="0"/>
                 <a:cs typeface="Source Sans Pro" charset="0"/>
               </a:rPr>
-              <a:t>and score collocations from a tokenized text</a:t>
+              <a:t>Identify and score collocations from a tokenized text</a:t>
             </a:r>
           </a:p>
           <a:p>
@@ -8911,7 +7623,7 @@
               <a:t> is a </a:t>
             </a:r>
             <a:r>
-              <a:rPr lang="en-US" sz="1300" dirty="0" err="1" smtClean="0">
+              <a:rPr lang="en-US" sz="1300" dirty="0" err="1">
                 <a:latin typeface="Monaco" charset="0"/>
                 <a:ea typeface="Monaco" charset="0"/>
                 <a:cs typeface="Monaco" charset="0"/>
@@ -8919,7 +7631,7 @@
               <a:t>pkg</a:t>
             </a:r>
             <a:r>
-              <a:rPr lang="en-US" sz="1300" dirty="0" smtClean="0">
+              <a:rPr lang="en-US" sz="1300" dirty="0">
                 <a:latin typeface="Monaco" charset="0"/>
                 <a:ea typeface="Monaco" charset="0"/>
                 <a:cs typeface="Monaco" charset="0"/>
@@ -8927,35 +7639,33 @@
               <a:t> for quant text analysis",</a:t>
             </a:r>
             <a:br>
-              <a:rPr lang="en-US" sz="1300" dirty="0" smtClean="0">
+              <a:rPr lang="en-US" sz="1300" dirty="0">
                 <a:latin typeface="Monaco" charset="0"/>
                 <a:ea typeface="Monaco" charset="0"/>
                 <a:cs typeface="Monaco" charset="0"/>
               </a:rPr>
             </a:br>
             <a:r>
-              <a:rPr lang="en-US" sz="1300" dirty="0" smtClean="0">
-                <a:latin typeface="Monaco" charset="0"/>
-                <a:ea typeface="Monaco" charset="0"/>
-                <a:cs typeface="Monaco" charset="0"/>
-              </a:rPr>
-              <a:t>                 "quant </a:t>
-            </a:r>
-            <a:r>
               <a:rPr lang="en-US" sz="1300" dirty="0">
                 <a:latin typeface="Monaco" charset="0"/>
                 <a:ea typeface="Monaco" charset="0"/>
                 <a:cs typeface="Monaco" charset="0"/>
               </a:rPr>
-              <a:t>text analysis is a </a:t>
-            </a:r>
-            <a:r>
-              <a:rPr lang="en-US" sz="1300" dirty="0" smtClean="0">
-                <a:latin typeface="Monaco" charset="0"/>
-                <a:ea typeface="Monaco" charset="0"/>
-                <a:cs typeface="Monaco" charset="0"/>
-              </a:rPr>
-              <a:t>growing field</a:t>
+              <a:t>                 "quant text analysis is a growing field"))</a:t>
+            </a:r>
+          </a:p>
+          <a:p>
+            <a:pPr algn="l"/>
+            <a:r>
+              <a:rPr lang="en-US" sz="1300" dirty="0" err="1">
+                <a:solidFill>
+                  <a:srgbClr val="006AC7"/>
+                </a:solidFill>
+                <a:latin typeface="Monaco" charset="0"/>
+                <a:ea typeface="Monaco" charset="0"/>
+                <a:cs typeface="Monaco" charset="0"/>
+              </a:rPr>
+              <a:t>textstat_collocations</a:t>
             </a:r>
             <a:r>
               <a:rPr lang="en-US" sz="1300" dirty="0">
@@ -8963,32 +7673,10 @@
                 <a:ea typeface="Monaco" charset="0"/>
                 <a:cs typeface="Monaco" charset="0"/>
               </a:rPr>
-              <a:t>"))</a:t>
-            </a:r>
-          </a:p>
-          <a:p>
-            <a:pPr algn="l"/>
-            <a:r>
-              <a:rPr lang="en-US" sz="1300" dirty="0" err="1" smtClean="0">
-                <a:solidFill>
-                  <a:srgbClr val="006AC7"/>
-                </a:solidFill>
-                <a:latin typeface="Monaco" charset="0"/>
-                <a:ea typeface="Monaco" charset="0"/>
-                <a:cs typeface="Monaco" charset="0"/>
-              </a:rPr>
-              <a:t>textstat_collocations</a:t>
-            </a:r>
-            <a:r>
-              <a:rPr lang="en-US" sz="1300" dirty="0" smtClean="0">
-                <a:latin typeface="Monaco" charset="0"/>
-                <a:ea typeface="Monaco" charset="0"/>
-                <a:cs typeface="Monaco" charset="0"/>
-              </a:rPr>
               <a:t>(</a:t>
             </a:r>
             <a:r>
-              <a:rPr lang="en-US" sz="1300" dirty="0" err="1" smtClean="0">
+              <a:rPr lang="en-US" sz="1300" dirty="0" err="1">
                 <a:latin typeface="Monaco" charset="0"/>
                 <a:ea typeface="Monaco" charset="0"/>
                 <a:cs typeface="Monaco" charset="0"/>
@@ -8996,7 +7684,7 @@
               <a:t>toks</a:t>
             </a:r>
             <a:r>
-              <a:rPr lang="en-US" sz="1300" dirty="0" smtClean="0">
+              <a:rPr lang="en-US" sz="1300" dirty="0">
                 <a:latin typeface="Monaco" charset="0"/>
                 <a:ea typeface="Monaco" charset="0"/>
                 <a:cs typeface="Monaco" charset="0"/>
@@ -9004,7 +7692,7 @@
               <a:t>, size = 3, </a:t>
             </a:r>
             <a:r>
-              <a:rPr lang="en-US" sz="1300" dirty="0" err="1" smtClean="0">
+              <a:rPr lang="en-US" sz="1300" dirty="0" err="1">
                 <a:latin typeface="Monaco" charset="0"/>
                 <a:ea typeface="Monaco" charset="0"/>
                 <a:cs typeface="Monaco" charset="0"/>
@@ -9012,7 +7700,7 @@
               <a:t>min_count</a:t>
             </a:r>
             <a:r>
-              <a:rPr lang="en-US" sz="1300" dirty="0" smtClean="0">
+              <a:rPr lang="en-US" sz="1300" dirty="0">
                 <a:latin typeface="Monaco" charset="0"/>
                 <a:ea typeface="Monaco" charset="0"/>
                 <a:cs typeface="Monaco" charset="0"/>
@@ -9020,7 +7708,7 @@
               <a:t> = 2</a:t>
             </a:r>
             <a:r>
-              <a:rPr lang="de-DE" sz="1300" dirty="0" smtClean="0">
+              <a:rPr lang="de-DE" sz="1300" dirty="0">
                 <a:latin typeface="Monaco" charset="0"/>
                 <a:ea typeface="Monaco" charset="0"/>
                 <a:cs typeface="Monaco" charset="0"/>
@@ -9035,26 +7723,18 @@
               </a:spcBef>
             </a:pPr>
             <a:r>
-              <a:rPr lang="en-GB" sz="1500" b="1" dirty="0" smtClean="0">
-                <a:latin typeface="Source Sans Pro" charset="0"/>
-                <a:ea typeface="Source Sans Pro" charset="0"/>
-                <a:cs typeface="Source Sans Pro" charset="0"/>
-              </a:rPr>
-              <a:t>Calculate </a:t>
-            </a:r>
-            <a:r>
               <a:rPr lang="en-GB" sz="1500" b="1" dirty="0">
                 <a:latin typeface="Source Sans Pro" charset="0"/>
                 <a:ea typeface="Source Sans Pro" charset="0"/>
                 <a:cs typeface="Source Sans Pro" charset="0"/>
               </a:rPr>
-              <a:t>readability of a corpus</a:t>
+              <a:t>Calculate readability of a corpus</a:t>
             </a:r>
           </a:p>
           <a:p>
             <a:pPr algn="l"/>
             <a:r>
-              <a:rPr lang="en-GB" sz="1300" dirty="0" err="1" smtClean="0">
+              <a:rPr lang="en-GB" sz="1300" dirty="0" err="1">
                 <a:solidFill>
                   <a:srgbClr val="006AC7"/>
                 </a:solidFill>
@@ -9065,7 +7745,7 @@
               <a:t>textstat_readability</a:t>
             </a:r>
             <a:r>
-              <a:rPr lang="en-GB" sz="1300" dirty="0" smtClean="0">
+              <a:rPr lang="en-GB" sz="1300" dirty="0">
                 <a:latin typeface="Monaco" charset="0"/>
                 <a:ea typeface="Monaco" charset="0"/>
                 <a:cs typeface="Monaco" charset="0"/>
@@ -9073,7 +7753,7 @@
               <a:t>(</a:t>
             </a:r>
             <a:r>
-              <a:rPr lang="en-GB" sz="1300" dirty="0" err="1" smtClean="0">
+              <a:rPr lang="en-GB" sz="1300" dirty="0" err="1">
                 <a:latin typeface="Monaco" charset="0"/>
                 <a:ea typeface="Monaco" charset="0"/>
                 <a:cs typeface="Monaco" charset="0"/>
@@ -9081,7 +7761,7 @@
               <a:t>data_corpus_inaugural</a:t>
             </a:r>
             <a:r>
-              <a:rPr lang="en-GB" sz="1300" dirty="0" smtClean="0">
+              <a:rPr lang="en-GB" sz="1300" dirty="0">
                 <a:latin typeface="Monaco" charset="0"/>
                 <a:ea typeface="Monaco" charset="0"/>
                 <a:cs typeface="Monaco" charset="0"/>
@@ -9089,7 +7769,7 @@
               <a:t>, measure = "</a:t>
             </a:r>
             <a:r>
-              <a:rPr lang="en-GB" sz="1300" dirty="0" err="1" smtClean="0">
+              <a:rPr lang="en-GB" sz="1300" dirty="0" err="1">
                 <a:latin typeface="Monaco" charset="0"/>
                 <a:ea typeface="Monaco" charset="0"/>
                 <a:cs typeface="Monaco" charset="0"/>
@@ -9097,18 +7777,13 @@
               <a:t>Flesch</a:t>
             </a:r>
             <a:r>
-              <a:rPr lang="en-GB" sz="1300" dirty="0" smtClean="0">
+              <a:rPr lang="en-GB" sz="1300" dirty="0">
                 <a:latin typeface="Monaco" charset="0"/>
                 <a:ea typeface="Monaco" charset="0"/>
                 <a:cs typeface="Monaco" charset="0"/>
               </a:rPr>
               <a:t>") </a:t>
             </a:r>
-            <a:endParaRPr lang="en-GB" sz="1300" dirty="0">
-              <a:latin typeface="Monaco" charset="0"/>
-              <a:ea typeface="Monaco" charset="0"/>
-              <a:cs typeface="Monaco" charset="0"/>
-            </a:endParaRPr>
           </a:p>
           <a:p>
             <a:pPr algn="l">
@@ -9117,31 +7792,15 @@
               </a:spcBef>
             </a:pPr>
             <a:r>
-              <a:rPr lang="en-GB" sz="1500" b="1" dirty="0" smtClean="0">
-                <a:latin typeface="Source Sans Pro" charset="0"/>
-                <a:ea typeface="Source Sans Pro" charset="0"/>
-                <a:cs typeface="Source Sans Pro" charset="0"/>
-              </a:rPr>
-              <a:t>Calculate </a:t>
-            </a:r>
-            <a:r>
               <a:rPr lang="en-GB" sz="1500" b="1" dirty="0">
                 <a:latin typeface="Source Sans Pro" charset="0"/>
                 <a:ea typeface="Source Sans Pro" charset="0"/>
                 <a:cs typeface="Source Sans Pro" charset="0"/>
               </a:rPr>
-              <a:t>lexical </a:t>
-            </a:r>
-            <a:r>
-              <a:rPr lang="en-GB" sz="1500" b="1" dirty="0" smtClean="0">
-                <a:latin typeface="Source Sans Pro" charset="0"/>
-                <a:ea typeface="Source Sans Pro" charset="0"/>
-                <a:cs typeface="Source Sans Pro" charset="0"/>
-              </a:rPr>
-              <a:t>diversity of a </a:t>
-            </a:r>
-            <a:r>
-              <a:rPr lang="en-GB" sz="1500" b="1" dirty="0" err="1" smtClean="0">
+              <a:t>Calculate lexical diversity of a </a:t>
+            </a:r>
+            <a:r>
+              <a:rPr lang="en-GB" sz="1500" b="1" dirty="0" err="1">
                 <a:latin typeface="Source Sans Pro" charset="0"/>
                 <a:ea typeface="Source Sans Pro" charset="0"/>
                 <a:cs typeface="Source Sans Pro" charset="0"/>
@@ -9157,7 +7816,7 @@
           <a:p>
             <a:pPr algn="l"/>
             <a:r>
-              <a:rPr lang="en-GB" sz="1300" dirty="0" err="1" smtClean="0">
+              <a:rPr lang="en-GB" sz="1300" dirty="0" err="1">
                 <a:solidFill>
                   <a:srgbClr val="006AC7"/>
                 </a:solidFill>
@@ -9168,18 +7827,13 @@
               <a:t>textstat_lexdiv</a:t>
             </a:r>
             <a:r>
-              <a:rPr lang="en-GB" sz="1300" dirty="0" smtClean="0">
+              <a:rPr lang="en-GB" sz="1300" dirty="0">
                 <a:latin typeface="Monaco" charset="0"/>
                 <a:ea typeface="Monaco" charset="0"/>
                 <a:cs typeface="Monaco" charset="0"/>
               </a:rPr>
               <a:t>(x, measure = "TTR")</a:t>
             </a:r>
-            <a:endParaRPr lang="en-GB" sz="1300" dirty="0">
-              <a:latin typeface="Monaco" charset="0"/>
-              <a:ea typeface="Monaco" charset="0"/>
-              <a:cs typeface="Monaco" charset="0"/>
-            </a:endParaRPr>
           </a:p>
           <a:p>
             <a:pPr algn="l">
@@ -9188,31 +7842,15 @@
               </a:spcBef>
             </a:pPr>
             <a:r>
-              <a:rPr lang="en-GB" sz="1500" b="1" dirty="0" smtClean="0">
-                <a:latin typeface="Source Sans Pro" charset="0"/>
-                <a:ea typeface="Source Sans Pro" charset="0"/>
-                <a:cs typeface="Source Sans Pro" charset="0"/>
-              </a:rPr>
-              <a:t>Measure distance </a:t>
-            </a:r>
-            <a:r>
               <a:rPr lang="en-GB" sz="1500" b="1" dirty="0">
                 <a:latin typeface="Source Sans Pro" charset="0"/>
                 <a:ea typeface="Source Sans Pro" charset="0"/>
                 <a:cs typeface="Source Sans Pro" charset="0"/>
               </a:rPr>
-              <a:t>or </a:t>
-            </a:r>
-            <a:r>
-              <a:rPr lang="en-GB" sz="1500" b="1" dirty="0" smtClean="0">
-                <a:latin typeface="Source Sans Pro" charset="0"/>
-                <a:ea typeface="Source Sans Pro" charset="0"/>
-                <a:cs typeface="Source Sans Pro" charset="0"/>
-              </a:rPr>
-              <a:t>similarity from a </a:t>
-            </a:r>
-            <a:r>
-              <a:rPr lang="en-GB" sz="1500" b="1" dirty="0" err="1" smtClean="0">
+              <a:t>Measure distance or similarity from a </a:t>
+            </a:r>
+            <a:r>
+              <a:rPr lang="en-GB" sz="1500" b="1" dirty="0" err="1">
                 <a:latin typeface="Source Sans Pro" charset="0"/>
                 <a:ea typeface="Source Sans Pro" charset="0"/>
                 <a:cs typeface="Source Sans Pro" charset="0"/>
@@ -9258,7 +7896,7 @@
           <a:p>
             <a:pPr algn="l"/>
             <a:r>
-              <a:rPr lang="en-GB" sz="1300" dirty="0" err="1" smtClean="0">
+              <a:rPr lang="en-GB" sz="1300" dirty="0" err="1">
                 <a:solidFill>
                   <a:srgbClr val="006AC7"/>
                 </a:solidFill>
@@ -9269,28 +7907,12 @@
               <a:t>textstat_dist</a:t>
             </a:r>
             <a:r>
-              <a:rPr lang="en-GB" sz="1300" dirty="0" smtClean="0">
-                <a:latin typeface="Monaco" charset="0"/>
-                <a:ea typeface="Monaco" charset="0"/>
-                <a:cs typeface="Monaco" charset="0"/>
-              </a:rPr>
-              <a:t>(x, "2017-Trump</a:t>
-            </a:r>
-            <a:r>
               <a:rPr lang="en-GB" sz="1300" dirty="0">
                 <a:latin typeface="Monaco" charset="0"/>
                 <a:ea typeface="Monaco" charset="0"/>
                 <a:cs typeface="Monaco" charset="0"/>
               </a:rPr>
-              <a:t>", margin = </a:t>
-            </a:r>
-            <a:r>
-              <a:rPr lang="en-GB" sz="1300" dirty="0" smtClean="0">
-                <a:latin typeface="Monaco" charset="0"/>
-                <a:ea typeface="Monaco" charset="0"/>
-                <a:cs typeface="Monaco" charset="0"/>
-              </a:rPr>
-              <a:t>"features")</a:t>
+              <a:t>(x, "2017-Trump", margin = "features")</a:t>
             </a:r>
             <a:endParaRPr lang="en-GB" sz="1300" i="1" dirty="0">
               <a:solidFill>
@@ -9308,7 +7930,7 @@
               </a:spcBef>
             </a:pPr>
             <a:r>
-              <a:rPr lang="en-GB" sz="1500" b="1" dirty="0" smtClean="0">
+              <a:rPr lang="en-GB" sz="1500" b="1" dirty="0">
                 <a:latin typeface="Source Sans Pro" charset="0"/>
                 <a:ea typeface="Source Sans Pro" charset="0"/>
                 <a:cs typeface="Source Sans Pro" charset="0"/>
@@ -9375,7 +7997,7 @@
           </a:ln>
           <a:extLst>
             <a:ext uri="{C572A759-6A51-4108-AA02-DFA0A04FC94B}">
-              <ma14:wrappingTextBoxFlag xmlns:ma14="http://schemas.microsoft.com/office/mac/drawingml/2011/main" val="1"/>
+              <ma14:wrappingTextBoxFlag xmlns:ma14="http://schemas.microsoft.com/office/mac/drawingml/2011/main" xmlns="" val="1"/>
             </a:ext>
           </a:extLst>
         </p:spPr>
@@ -9421,7 +8043,7 @@
           </a:ln>
           <a:extLst>
             <a:ext uri="{C572A759-6A51-4108-AA02-DFA0A04FC94B}">
-              <ma14:wrappingTextBoxFlag xmlns:ma14="http://schemas.microsoft.com/office/mac/drawingml/2011/main" val="1"/>
+              <ma14:wrappingTextBoxFlag xmlns:ma14="http://schemas.microsoft.com/office/mac/drawingml/2011/main" xmlns="" val="1"/>
             </a:ext>
           </a:extLst>
         </p:spPr>
@@ -9433,7 +8055,7 @@
               <a:defRPr sz="1800"/>
             </a:pPr>
             <a:r>
-              <a:rPr lang="en-US" sz="2400" dirty="0" smtClean="0">
+              <a:rPr lang="en-US" sz="2400" dirty="0">
                 <a:solidFill>
                   <a:srgbClr val="FFFFFF"/>
                 </a:solidFill>
@@ -9457,7 +8079,7 @@
               <a:t>textstat</a:t>
             </a:r>
             <a:r>
-              <a:rPr lang="en-US" sz="2000" dirty="0" smtClean="0">
+              <a:rPr lang="en-US" sz="2000" dirty="0">
                 <a:solidFill>
                   <a:srgbClr val="FFFFFF"/>
                 </a:solidFill>
@@ -9469,7 +8091,7 @@
               <a:t>_*</a:t>
             </a:r>
             <a:r>
-              <a:rPr lang="en-US" sz="2400" dirty="0" smtClean="0">
+              <a:rPr lang="en-US" sz="2400" dirty="0">
                 <a:solidFill>
                   <a:srgbClr val="FFFFFF"/>
                 </a:solidFill>
@@ -9480,15 +8102,6 @@
               </a:rPr>
               <a:t>)</a:t>
             </a:r>
-            <a:endParaRPr lang="en-US" sz="2400" dirty="0">
-              <a:solidFill>
-                <a:srgbClr val="FFFFFF"/>
-              </a:solidFill>
-              <a:latin typeface="Source Sans Pro"/>
-              <a:ea typeface="Source Sans Pro"/>
-              <a:cs typeface="Source Sans Pro"/>
-              <a:sym typeface="Source Sans Pro"/>
-            </a:endParaRPr>
           </a:p>
         </p:txBody>
       </p:sp>
@@ -9516,7 +8129,7 @@
           </a:ln>
           <a:extLst>
             <a:ext uri="{C572A759-6A51-4108-AA02-DFA0A04FC94B}">
-              <ma14:wrappingTextBoxFlag xmlns:ma14="http://schemas.microsoft.com/office/mac/drawingml/2011/main" val="1"/>
+              <ma14:wrappingTextBoxFlag xmlns:ma14="http://schemas.microsoft.com/office/mac/drawingml/2011/main" xmlns="" val="1"/>
             </a:ext>
           </a:extLst>
         </p:spPr>
@@ -9528,7 +8141,7 @@
               <a:defRPr sz="1800"/>
             </a:pPr>
             <a:r>
-              <a:rPr lang="en-US" sz="2400" dirty="0" smtClean="0">
+              <a:rPr lang="en-US" sz="2400" dirty="0">
                 <a:solidFill>
                   <a:srgbClr val="FFFFFF"/>
                 </a:solidFill>
@@ -9540,7 +8153,7 @@
               <a:t>Fit text models based on a </a:t>
             </a:r>
             <a:r>
-              <a:rPr lang="en-US" sz="2400" dirty="0" err="1" smtClean="0">
+              <a:rPr lang="en-US" sz="2400" dirty="0" err="1">
                 <a:solidFill>
                   <a:srgbClr val="FFFFFF"/>
                 </a:solidFill>
@@ -9552,7 +8165,7 @@
               <a:t>dfm</a:t>
             </a:r>
             <a:r>
-              <a:rPr lang="en-US" sz="2400" dirty="0" smtClean="0">
+              <a:rPr lang="en-US" sz="2400" dirty="0">
                 <a:solidFill>
                   <a:srgbClr val="FFFFFF"/>
                 </a:solidFill>
@@ -9564,7 +8177,7 @@
               <a:t> (</a:t>
             </a:r>
             <a:r>
-              <a:rPr lang="en-US" sz="2000" dirty="0" err="1" smtClean="0">
+              <a:rPr lang="en-US" sz="2000" dirty="0" err="1">
                 <a:solidFill>
                   <a:srgbClr val="FFFFFF"/>
                 </a:solidFill>
@@ -9576,7 +8189,7 @@
               <a:t>textmodel</a:t>
             </a:r>
             <a:r>
-              <a:rPr lang="en-US" sz="2000" dirty="0" smtClean="0">
+              <a:rPr lang="en-US" sz="2000" dirty="0">
                 <a:solidFill>
                   <a:srgbClr val="FFFFFF"/>
                 </a:solidFill>
@@ -9588,7 +8201,7 @@
               <a:t>_*</a:t>
             </a:r>
             <a:r>
-              <a:rPr lang="en-US" sz="2400" dirty="0" smtClean="0">
+              <a:rPr lang="en-US" sz="2400" dirty="0">
                 <a:solidFill>
                   <a:srgbClr val="FFFFFF"/>
                 </a:solidFill>
@@ -9599,15 +8212,6 @@
               </a:rPr>
               <a:t>)</a:t>
             </a:r>
-            <a:endParaRPr lang="en-US" sz="2400" dirty="0">
-              <a:solidFill>
-                <a:srgbClr val="FFFFFF"/>
-              </a:solidFill>
-              <a:latin typeface="Source Sans Pro"/>
-              <a:ea typeface="Source Sans Pro"/>
-              <a:cs typeface="Source Sans Pro"/>
-              <a:sym typeface="Source Sans Pro"/>
-            </a:endParaRPr>
           </a:p>
         </p:txBody>
       </p:sp>
@@ -9630,7 +8234,7 @@
           </a:ln>
           <a:extLst>
             <a:ext uri="{C572A759-6A51-4108-AA02-DFA0A04FC94B}">
-              <ma14:wrappingTextBoxFlag xmlns:ma14="http://schemas.microsoft.com/office/mac/drawingml/2011/main" val="1"/>
+              <ma14:wrappingTextBoxFlag xmlns:ma14="http://schemas.microsoft.com/office/mac/drawingml/2011/main" xmlns="" val="1"/>
             </a:ext>
           </a:extLst>
         </p:spPr>
@@ -9676,7 +8280,7 @@
           </a:ln>
           <a:extLst>
             <a:ext uri="{C572A759-6A51-4108-AA02-DFA0A04FC94B}">
-              <ma14:wrappingTextBoxFlag xmlns:ma14="http://schemas.microsoft.com/office/mac/drawingml/2011/main" val="1"/>
+              <ma14:wrappingTextBoxFlag xmlns:ma14="http://schemas.microsoft.com/office/mac/drawingml/2011/main" xmlns="" val="1"/>
             </a:ext>
           </a:extLst>
         </p:spPr>
@@ -9688,7 +8292,7 @@
               <a:defRPr sz="1800"/>
             </a:pPr>
             <a:r>
-              <a:rPr lang="en-US" sz="2400" dirty="0" smtClean="0">
+              <a:rPr lang="en-US" sz="2400" dirty="0">
                 <a:solidFill>
                   <a:srgbClr val="FFFFFF"/>
                 </a:solidFill>
@@ -9700,7 +8304,7 @@
               <a:t>Plot features or models (</a:t>
             </a:r>
             <a:r>
-              <a:rPr lang="en-US" sz="2000" dirty="0" err="1" smtClean="0">
+              <a:rPr lang="en-US" sz="2000" dirty="0" err="1">
                 <a:solidFill>
                   <a:srgbClr val="FFFFFF"/>
                 </a:solidFill>
@@ -9712,7 +8316,7 @@
               <a:t>textplot</a:t>
             </a:r>
             <a:r>
-              <a:rPr lang="en-US" sz="2000" dirty="0" smtClean="0">
+              <a:rPr lang="en-US" sz="2000" dirty="0">
                 <a:solidFill>
                   <a:srgbClr val="FFFFFF"/>
                 </a:solidFill>
@@ -9724,7 +8328,7 @@
               <a:t>_*</a:t>
             </a:r>
             <a:r>
-              <a:rPr lang="en-US" sz="2400" dirty="0" smtClean="0">
+              <a:rPr lang="en-US" sz="2400" dirty="0">
                 <a:solidFill>
                   <a:srgbClr val="FFFFFF"/>
                 </a:solidFill>
@@ -9735,15 +8339,6 @@
               </a:rPr>
               <a:t>)</a:t>
             </a:r>
-            <a:endParaRPr lang="en-US" sz="2400" dirty="0">
-              <a:solidFill>
-                <a:srgbClr val="FFFFFF"/>
-              </a:solidFill>
-              <a:latin typeface="Source Sans Pro"/>
-              <a:ea typeface="Source Sans Pro"/>
-              <a:cs typeface="Source Sans Pro"/>
-              <a:sym typeface="Source Sans Pro"/>
-            </a:endParaRPr>
           </a:p>
         </p:txBody>
       </p:sp>
@@ -9885,7 +8480,7 @@
           </a:ln>
           <a:extLst>
             <a:ext uri="{C572A759-6A51-4108-AA02-DFA0A04FC94B}">
-              <ma14:wrappingTextBoxFlag xmlns:ma14="http://schemas.microsoft.com/office/mac/drawingml/2011/main" val="1"/>
+              <ma14:wrappingTextBoxFlag xmlns:ma14="http://schemas.microsoft.com/office/mac/drawingml/2011/main" xmlns="" val="1"/>
             </a:ext>
           </a:extLst>
         </p:spPr>
@@ -9908,90 +8503,72 @@
                 <a:cs typeface="Source Sans Pro" charset="0"/>
                 <a:sym typeface="Source Sans Pro Light"/>
               </a:rPr>
-              <a:t>b</a:t>
-            </a:r>
-            <a:r>
-              <a:rPr lang="en-US" sz="1400" dirty="0" smtClean="0">
+              <a:t>by </a:t>
+            </a:r>
+            <a:r>
+              <a:rPr lang="en-US" sz="1400" b="1" dirty="0">
                 <a:latin typeface="Source Sans Pro" charset="0"/>
                 <a:ea typeface="Source Sans Pro" charset="0"/>
                 <a:cs typeface="Source Sans Pro" charset="0"/>
                 <a:sym typeface="Source Sans Pro Light"/>
               </a:rPr>
-              <a:t>y </a:t>
-            </a:r>
-            <a:r>
-              <a:rPr lang="en-US" sz="1400" b="1" dirty="0" smtClean="0">
+              <a:t>Stefan Müller </a:t>
+            </a:r>
+            <a:r>
+              <a:rPr lang="en-US" sz="1400" dirty="0">
                 <a:latin typeface="Source Sans Pro" charset="0"/>
                 <a:ea typeface="Source Sans Pro" charset="0"/>
                 <a:cs typeface="Source Sans Pro" charset="0"/>
                 <a:sym typeface="Source Sans Pro Light"/>
               </a:rPr>
-              <a:t>Stefan Müller </a:t>
-            </a:r>
-            <a:r>
-              <a:rPr lang="en-US" sz="1400" dirty="0" smtClean="0">
+              <a:t>and</a:t>
+            </a:r>
+            <a:r>
+              <a:rPr lang="en-US" sz="1400" b="1" dirty="0">
                 <a:latin typeface="Source Sans Pro" charset="0"/>
                 <a:ea typeface="Source Sans Pro" charset="0"/>
                 <a:cs typeface="Source Sans Pro" charset="0"/>
                 <a:sym typeface="Source Sans Pro Light"/>
               </a:rPr>
-              <a:t>and</a:t>
-            </a:r>
-            <a:r>
-              <a:rPr lang="en-US" sz="1400" b="1" dirty="0" smtClean="0">
+              <a:t> Kenneth Benoit </a:t>
+            </a:r>
+            <a:r>
+              <a:rPr lang="en-US" sz="1400" dirty="0">
                 <a:latin typeface="Source Sans Pro" charset="0"/>
                 <a:ea typeface="Source Sans Pro" charset="0"/>
                 <a:cs typeface="Source Sans Pro" charset="0"/>
                 <a:sym typeface="Source Sans Pro Light"/>
               </a:rPr>
-              <a:t> </a:t>
-            </a:r>
-            <a:r>
-              <a:rPr lang="en-US" sz="1400" b="1" dirty="0">
+              <a:t>• </a:t>
+            </a:r>
+            <a:r>
+              <a:rPr lang="en-US" sz="1400" i="1" dirty="0" err="1">
                 <a:latin typeface="Source Sans Pro" charset="0"/>
                 <a:ea typeface="Source Sans Pro" charset="0"/>
                 <a:cs typeface="Source Sans Pro" charset="0"/>
                 <a:sym typeface="Source Sans Pro Light"/>
               </a:rPr>
-              <a:t>Kenneth Benoit </a:t>
-            </a:r>
-            <a:r>
-              <a:rPr lang="en-US" sz="1400" dirty="0" smtClean="0">
+              <a:t>mullers@tcd.ie</a:t>
+            </a:r>
+            <a:r>
+              <a:rPr lang="en-US" sz="1400" dirty="0">
                 <a:latin typeface="Source Sans Pro" charset="0"/>
                 <a:ea typeface="Source Sans Pro" charset="0"/>
                 <a:cs typeface="Source Sans Pro" charset="0"/>
                 <a:sym typeface="Source Sans Pro Light"/>
               </a:rPr>
-              <a:t>• </a:t>
-            </a:r>
-            <a:r>
-              <a:rPr lang="en-US" sz="1400" i="1" dirty="0" err="1" smtClean="0">
+              <a:t>, </a:t>
+            </a:r>
+            <a:r>
+              <a:rPr lang="en-US" sz="1400" i="1" dirty="0" err="1">
                 <a:latin typeface="Source Sans Pro" charset="0"/>
                 <a:ea typeface="Source Sans Pro" charset="0"/>
                 <a:cs typeface="Source Sans Pro" charset="0"/>
                 <a:sym typeface="Source Sans Pro Light"/>
               </a:rPr>
-              <a:t>mullers@tcd.ie</a:t>
-            </a:r>
-            <a:r>
-              <a:rPr lang="en-US" sz="1400" dirty="0" smtClean="0">
-                <a:latin typeface="Source Sans Pro" charset="0"/>
-                <a:ea typeface="Source Sans Pro" charset="0"/>
-                <a:cs typeface="Source Sans Pro" charset="0"/>
-                <a:sym typeface="Source Sans Pro Light"/>
-              </a:rPr>
-              <a:t>, </a:t>
-            </a:r>
-            <a:r>
-              <a:rPr lang="en-US" sz="1400" i="1" dirty="0" err="1" smtClean="0">
-                <a:latin typeface="Source Sans Pro" charset="0"/>
-                <a:ea typeface="Source Sans Pro" charset="0"/>
-                <a:cs typeface="Source Sans Pro" charset="0"/>
-                <a:sym typeface="Source Sans Pro Light"/>
-              </a:rPr>
               <a:t>kbenoit@lse.ac.uk</a:t>
             </a:r>
-            <a:endParaRPr lang="en-US" sz="1400" i="1" dirty="0" smtClean="0">
+            <a:endParaRPr lang="en-US" sz="1400" i="1" dirty="0">
               <a:latin typeface="Source Sans Pro" charset="0"/>
               <a:ea typeface="Source Sans Pro" charset="0"/>
               <a:cs typeface="Source Sans Pro" charset="0"/>
@@ -10006,7 +8583,7 @@
               <a:defRPr sz="1800"/>
             </a:pPr>
             <a:r>
-              <a:rPr lang="en-US" sz="1300" i="1" dirty="0" smtClean="0">
+              <a:rPr lang="en-US" sz="1300" i="1" dirty="0">
                 <a:solidFill>
                   <a:schemeClr val="tx1"/>
                 </a:solidFill>
@@ -10015,7 +8592,19 @@
                 <a:cs typeface="Source Sans Pro" charset="0"/>
                 <a:sym typeface="Source Sans Pro Light"/>
               </a:rPr>
-              <a:t>https</a:t>
+              <a:t>https://</a:t>
+            </a:r>
+            <a:r>
+              <a:rPr lang="en-US" sz="1300" i="1" dirty="0" err="1">
+                <a:solidFill>
+                  <a:schemeClr val="tx1"/>
+                </a:solidFill>
+                <a:latin typeface="Source Sans Pro" charset="0"/>
+                <a:ea typeface="Source Sans Pro" charset="0"/>
+                <a:cs typeface="Source Sans Pro" charset="0"/>
+                <a:sym typeface="Source Sans Pro Light"/>
+              </a:rPr>
+              <a:t>creativecommons.org</a:t>
             </a:r>
             <a:r>
               <a:rPr lang="en-US" sz="1300" i="1" dirty="0">
@@ -10027,43 +8616,7 @@
                 <a:cs typeface="Source Sans Pro" charset="0"/>
                 <a:sym typeface="Source Sans Pro Light"/>
               </a:rPr>
-              <a:t>://</a:t>
-            </a:r>
-            <a:r>
-              <a:rPr lang="en-US" sz="1300" i="1" dirty="0" err="1">
-                <a:solidFill>
-                  <a:schemeClr val="tx1"/>
-                </a:solidFill>
-                <a:latin typeface="Source Sans Pro" charset="0"/>
-                <a:ea typeface="Source Sans Pro" charset="0"/>
-                <a:cs typeface="Source Sans Pro" charset="0"/>
-                <a:sym typeface="Source Sans Pro Light"/>
-              </a:rPr>
-              <a:t>creativecommons.org</a:t>
-            </a:r>
-            <a:r>
-              <a:rPr lang="en-US" sz="1300" i="1" dirty="0">
-                <a:solidFill>
-                  <a:schemeClr val="tx1"/>
-                </a:solidFill>
-                <a:latin typeface="Source Sans Pro" charset="0"/>
-                <a:ea typeface="Source Sans Pro" charset="0"/>
-                <a:cs typeface="Source Sans Pro" charset="0"/>
-                <a:sym typeface="Source Sans Pro Light"/>
-              </a:rPr>
-              <a:t>/licenses/by/4.0</a:t>
-            </a:r>
-            <a:r>
-              <a:rPr lang="en-US" sz="1300" i="1" dirty="0" smtClean="0">
-                <a:solidFill>
-                  <a:schemeClr val="tx1"/>
-                </a:solidFill>
-                <a:latin typeface="Source Sans Pro" charset="0"/>
-                <a:ea typeface="Source Sans Pro" charset="0"/>
-                <a:cs typeface="Source Sans Pro" charset="0"/>
-                <a:sym typeface="Source Sans Pro Light"/>
-              </a:rPr>
-              <a:t>/</a:t>
+              <a:t>/licenses/by/4.0/</a:t>
             </a:r>
           </a:p>
           <a:p>
@@ -10074,7 +8627,7 @@
               <a:defRPr sz="1800"/>
             </a:pPr>
             <a:r>
-              <a:rPr lang="en-US" sz="1400" i="1" dirty="0" smtClean="0">
+              <a:rPr lang="en-US" sz="1400" i="1" dirty="0">
                 <a:solidFill>
                   <a:schemeClr val="tx1"/>
                 </a:solidFill>
@@ -10086,7 +8639,7 @@
               <a:t>Learn more at: </a:t>
             </a:r>
             <a:r>
-              <a:rPr lang="en-US" sz="1400" i="1" dirty="0" smtClean="0">
+              <a:rPr lang="en-US" sz="1400" i="1" dirty="0">
                 <a:solidFill>
                   <a:srgbClr val="006AC7"/>
                 </a:solidFill>
@@ -10098,7 +8651,7 @@
               <a:t>http://</a:t>
             </a:r>
             <a:r>
-              <a:rPr lang="en-US" sz="1400" i="1" dirty="0" err="1" smtClean="0">
+              <a:rPr lang="en-US" sz="1400" i="1" dirty="0" err="1">
                 <a:solidFill>
                   <a:srgbClr val="006AC7"/>
                 </a:solidFill>
@@ -10110,7 +8663,7 @@
               <a:t>quanteda.io</a:t>
             </a:r>
             <a:r>
-              <a:rPr lang="en-US" sz="1400" i="1" dirty="0" smtClean="0">
+              <a:rPr lang="en-US" sz="1400" i="1" dirty="0">
                 <a:solidFill>
                   <a:srgbClr val="006AC7"/>
                 </a:solidFill>
@@ -10122,31 +8675,22 @@
               <a:t>  </a:t>
             </a:r>
             <a:r>
-              <a:rPr lang="en-US" sz="1400" dirty="0" smtClean="0">
+              <a:rPr lang="en-US" sz="1400" dirty="0">
                 <a:latin typeface="Source Sans Pro" charset="0"/>
                 <a:ea typeface="Source Sans Pro" charset="0"/>
                 <a:cs typeface="Source Sans Pro" charset="0"/>
                 <a:sym typeface="Source Sans Pro Light"/>
               </a:rPr>
-              <a:t>•  </a:t>
-            </a:r>
-            <a:r>
-              <a:rPr lang="en-US" sz="1400" dirty="0">
+              <a:t>•  updated</a:t>
+            </a:r>
+            <a:r>
+              <a:rPr lang="en-US" sz="1400">
                 <a:latin typeface="Source Sans Pro" charset="0"/>
                 <a:ea typeface="Source Sans Pro" charset="0"/>
                 <a:cs typeface="Source Sans Pro" charset="0"/>
                 <a:sym typeface="Source Sans Pro Light"/>
               </a:rPr>
-              <a:t>updated: </a:t>
-            </a:r>
-            <a:r>
-              <a:rPr lang="en-US" sz="1400" dirty="0" smtClean="0">
-                <a:latin typeface="Source Sans Pro" charset="0"/>
-                <a:ea typeface="Source Sans Pro" charset="0"/>
-                <a:cs typeface="Source Sans Pro" charset="0"/>
-                <a:sym typeface="Source Sans Pro Light"/>
-              </a:rPr>
-              <a:t>05/18</a:t>
+              <a:t>: 11/18</a:t>
             </a:r>
             <a:endParaRPr lang="en-US" sz="1400" dirty="0">
               <a:solidFill>
@@ -10180,7 +8724,7 @@
           </a:ln>
           <a:extLst>
             <a:ext uri="{C572A759-6A51-4108-AA02-DFA0A04FC94B}">
-              <ma14:wrappingTextBoxFlag xmlns:ma14="http://schemas.microsoft.com/office/mac/drawingml/2011/main" val="1"/>
+              <ma14:wrappingTextBoxFlag xmlns:ma14="http://schemas.microsoft.com/office/mac/drawingml/2011/main" xmlns="" val="1"/>
             </a:ext>
           </a:extLst>
         </p:spPr>
@@ -10196,7 +8740,7 @@
               </a:spcBef>
             </a:pPr>
             <a:r>
-              <a:rPr lang="en-GB" sz="1500" b="1" dirty="0" smtClean="0">
+              <a:rPr lang="en-GB" sz="1500" b="1" dirty="0">
                 <a:uFill>
                   <a:solidFill>
                     <a:schemeClr val="bg1"/>
@@ -10212,7 +8756,7 @@
           <a:p>
             <a:pPr algn="l"/>
             <a:r>
-              <a:rPr lang="en-GB" sz="1300" dirty="0" smtClean="0">
+              <a:rPr lang="en-GB" sz="1300" dirty="0">
                 <a:solidFill>
                   <a:schemeClr val="tx1"/>
                 </a:solidFill>
@@ -10228,7 +8772,7 @@
               <a:t>x &lt;- </a:t>
             </a:r>
             <a:r>
-              <a:rPr lang="en-GB" sz="1300" dirty="0" smtClean="0">
+              <a:rPr lang="en-GB" sz="1300" dirty="0">
                 <a:solidFill>
                   <a:srgbClr val="006AC7"/>
                 </a:solidFill>
@@ -10244,7 +8788,7 @@
               <a:t>tokens</a:t>
             </a:r>
             <a:r>
-              <a:rPr lang="en-GB" sz="1300" dirty="0" smtClean="0">
+              <a:rPr lang="en-GB" sz="1300" dirty="0">
                 <a:solidFill>
                   <a:schemeClr val="tx1"/>
                 </a:solidFill>
@@ -10276,10 +8820,10 @@
                 <a:ea typeface="Monaco" charset="0"/>
                 <a:cs typeface="Monaco" charset="0"/>
               </a:rPr>
-              <a:t> </a:t>
-            </a:r>
-            <a:r>
-              <a:rPr lang="en-GB" sz="1300" dirty="0" smtClean="0">
+              <a:t>             </a:t>
+            </a:r>
+            <a:r>
+              <a:rPr lang="en-GB" sz="1300" dirty="0" err="1">
                 <a:solidFill>
                   <a:schemeClr val="tx1"/>
                 </a:solidFill>
@@ -10292,10 +8836,10 @@
                 <a:ea typeface="Monaco" charset="0"/>
                 <a:cs typeface="Monaco" charset="0"/>
               </a:rPr>
-              <a:t>            </a:t>
-            </a:r>
-            <a:r>
-              <a:rPr lang="en-GB" sz="1300" dirty="0" err="1" smtClean="0">
+              <a:t>remove_punct</a:t>
+            </a:r>
+            <a:r>
+              <a:rPr lang="en-GB" sz="1300" dirty="0">
                 <a:solidFill>
                   <a:schemeClr val="tx1"/>
                 </a:solidFill>
@@ -10308,26 +8852,46 @@
                 <a:ea typeface="Monaco" charset="0"/>
                 <a:cs typeface="Monaco" charset="0"/>
               </a:rPr>
-              <a:t>remove_punct</a:t>
-            </a:r>
-            <a:r>
-              <a:rPr lang="en-GB" sz="1300" dirty="0" smtClean="0">
-                <a:solidFill>
-                  <a:schemeClr val="tx1"/>
-                </a:solidFill>
+              <a:t> = TRUE, stem = TRUE)</a:t>
+            </a:r>
+            <a:endParaRPr lang="en-GB" sz="1300" dirty="0">
+              <a:solidFill>
+                <a:srgbClr val="006AC7"/>
+              </a:solidFill>
+              <a:uFill>
+                <a:solidFill>
+                  <a:schemeClr val="bg1"/>
+                </a:solidFill>
+              </a:uFill>
+              <a:latin typeface="Monaco" charset="0"/>
+              <a:ea typeface="Monaco" charset="0"/>
+              <a:cs typeface="Monaco" charset="0"/>
+            </a:endParaRPr>
+          </a:p>
+          <a:p>
+            <a:pPr algn="l">
+              <a:spcBef>
+                <a:spcPts val="800"/>
+              </a:spcBef>
+            </a:pPr>
+            <a:r>
+              <a:rPr lang="en-GB" sz="1500" b="1" dirty="0">
                 <a:uFill>
                   <a:solidFill>
                     <a:schemeClr val="bg1"/>
                   </a:solidFill>
                 </a:uFill>
-                <a:latin typeface="Monaco" charset="0"/>
-                <a:ea typeface="Monaco" charset="0"/>
-                <a:cs typeface="Monaco" charset="0"/>
-              </a:rPr>
-              <a:t> </a:t>
-            </a:r>
-            <a:r>
-              <a:rPr lang="en-GB" sz="1300" dirty="0">
+                <a:latin typeface="Source Sans Pro" charset="0"/>
+                <a:ea typeface="Source Sans Pro" charset="0"/>
+                <a:cs typeface="Source Sans Pro" charset="0"/>
+              </a:rPr>
+              <a:t>Convert sequences into compound tokens</a:t>
+            </a:r>
+          </a:p>
+          <a:p>
+            <a:pPr algn="l"/>
+            <a:r>
+              <a:rPr lang="en-GB" sz="1300" dirty="0" err="1">
                 <a:solidFill>
                   <a:schemeClr val="tx1"/>
                 </a:solidFill>
@@ -10340,10 +8904,10 @@
                 <a:ea typeface="Monaco" charset="0"/>
                 <a:cs typeface="Monaco" charset="0"/>
               </a:rPr>
-              <a:t>= </a:t>
-            </a:r>
-            <a:r>
-              <a:rPr lang="en-GB" sz="1300" dirty="0" smtClean="0">
+              <a:t>myseqs</a:t>
+            </a:r>
+            <a:r>
+              <a:rPr lang="en-GB" sz="1300" dirty="0">
                 <a:solidFill>
                   <a:schemeClr val="tx1"/>
                 </a:solidFill>
@@ -10356,21 +8920,179 @@
                 <a:ea typeface="Monaco" charset="0"/>
                 <a:cs typeface="Monaco" charset="0"/>
               </a:rPr>
-              <a:t>TRUE, stem = TRUE)</a:t>
-            </a:r>
-            <a:endParaRPr lang="en-GB" sz="1300" dirty="0">
-              <a:solidFill>
-                <a:srgbClr val="006AC7"/>
-              </a:solidFill>
-              <a:uFill>
-                <a:solidFill>
-                  <a:schemeClr val="bg1"/>
-                </a:solidFill>
-              </a:uFill>
-              <a:latin typeface="Monaco" charset="0"/>
-              <a:ea typeface="Monaco" charset="0"/>
-              <a:cs typeface="Monaco" charset="0"/>
-            </a:endParaRPr>
+              <a:t> &lt;- </a:t>
+            </a:r>
+            <a:r>
+              <a:rPr lang="en-GB" sz="1300" dirty="0">
+                <a:solidFill>
+                  <a:srgbClr val="006AC7"/>
+                </a:solidFill>
+                <a:uFill>
+                  <a:solidFill>
+                    <a:schemeClr val="bg1"/>
+                  </a:solidFill>
+                </a:uFill>
+                <a:latin typeface="Monaco" charset="0"/>
+                <a:ea typeface="Monaco" charset="0"/>
+                <a:cs typeface="Monaco" charset="0"/>
+              </a:rPr>
+              <a:t>phrase</a:t>
+            </a:r>
+            <a:r>
+              <a:rPr lang="en-GB" sz="1300" dirty="0">
+                <a:solidFill>
+                  <a:schemeClr val="tx1"/>
+                </a:solidFill>
+                <a:uFill>
+                  <a:solidFill>
+                    <a:schemeClr val="bg1"/>
+                  </a:solidFill>
+                </a:uFill>
+                <a:latin typeface="Monaco" charset="0"/>
+                <a:ea typeface="Monaco" charset="0"/>
+                <a:cs typeface="Monaco" charset="0"/>
+              </a:rPr>
+              <a:t>(c(</a:t>
+            </a:r>
+            <a:r>
+              <a:rPr lang="en-GB" sz="1300" dirty="0">
+                <a:latin typeface="Monaco" charset="0"/>
+                <a:ea typeface="Monaco" charset="0"/>
+                <a:cs typeface="Monaco" charset="0"/>
+              </a:rPr>
+              <a:t>"</a:t>
+            </a:r>
+            <a:r>
+              <a:rPr lang="en-GB" sz="1300" dirty="0">
+                <a:solidFill>
+                  <a:schemeClr val="tx1"/>
+                </a:solidFill>
+                <a:uFill>
+                  <a:solidFill>
+                    <a:schemeClr val="bg1"/>
+                  </a:solidFill>
+                </a:uFill>
+                <a:latin typeface="Monaco" charset="0"/>
+                <a:ea typeface="Monaco" charset="0"/>
+                <a:cs typeface="Monaco" charset="0"/>
+              </a:rPr>
+              <a:t>powerful", </a:t>
+            </a:r>
+            <a:r>
+              <a:rPr lang="en-GB" sz="1300" dirty="0">
+                <a:latin typeface="Monaco" charset="0"/>
+                <a:ea typeface="Monaco" charset="0"/>
+                <a:cs typeface="Monaco" charset="0"/>
+              </a:rPr>
+              <a:t>"</a:t>
+            </a:r>
+            <a:r>
+              <a:rPr lang="en-GB" sz="1300" dirty="0">
+                <a:solidFill>
+                  <a:schemeClr val="tx1"/>
+                </a:solidFill>
+                <a:uFill>
+                  <a:solidFill>
+                    <a:schemeClr val="bg1"/>
+                  </a:solidFill>
+                </a:uFill>
+                <a:latin typeface="Monaco" charset="0"/>
+                <a:ea typeface="Monaco" charset="0"/>
+                <a:cs typeface="Monaco" charset="0"/>
+              </a:rPr>
+              <a:t>tool", </a:t>
+            </a:r>
+            <a:r>
+              <a:rPr lang="en-GB" sz="1300" dirty="0">
+                <a:latin typeface="Monaco" charset="0"/>
+                <a:ea typeface="Monaco" charset="0"/>
+                <a:cs typeface="Monaco" charset="0"/>
+              </a:rPr>
+              <a:t>"</a:t>
+            </a:r>
+            <a:r>
+              <a:rPr lang="en-GB" sz="1300" dirty="0">
+                <a:solidFill>
+                  <a:schemeClr val="tx1"/>
+                </a:solidFill>
+                <a:uFill>
+                  <a:solidFill>
+                    <a:schemeClr val="bg1"/>
+                  </a:solidFill>
+                </a:uFill>
+                <a:latin typeface="Monaco" charset="0"/>
+                <a:ea typeface="Monaco" charset="0"/>
+                <a:cs typeface="Monaco" charset="0"/>
+              </a:rPr>
+              <a:t>text analysis"))</a:t>
+            </a:r>
+          </a:p>
+          <a:p>
+            <a:pPr algn="l"/>
+            <a:r>
+              <a:rPr lang="en-GB" sz="1300" dirty="0" err="1">
+                <a:solidFill>
+                  <a:srgbClr val="006AC7"/>
+                </a:solidFill>
+                <a:uFill>
+                  <a:solidFill>
+                    <a:schemeClr val="bg1"/>
+                  </a:solidFill>
+                </a:uFill>
+                <a:latin typeface="Monaco" charset="0"/>
+                <a:ea typeface="Monaco" charset="0"/>
+                <a:cs typeface="Monaco" charset="0"/>
+              </a:rPr>
+              <a:t>tokens_compound</a:t>
+            </a:r>
+            <a:r>
+              <a:rPr lang="en-GB" sz="1300" dirty="0">
+                <a:solidFill>
+                  <a:schemeClr val="tx1"/>
+                </a:solidFill>
+                <a:uFill>
+                  <a:solidFill>
+                    <a:schemeClr val="bg1"/>
+                  </a:solidFill>
+                </a:uFill>
+                <a:latin typeface="Monaco" charset="0"/>
+                <a:ea typeface="Monaco" charset="0"/>
+                <a:cs typeface="Monaco" charset="0"/>
+              </a:rPr>
+              <a:t>(x, </a:t>
+            </a:r>
+            <a:r>
+              <a:rPr lang="en-GB" sz="1300" dirty="0" err="1">
+                <a:solidFill>
+                  <a:schemeClr val="tx1"/>
+                </a:solidFill>
+                <a:uFill>
+                  <a:solidFill>
+                    <a:schemeClr val="bg1"/>
+                  </a:solidFill>
+                </a:uFill>
+                <a:latin typeface="Monaco" charset="0"/>
+                <a:ea typeface="Monaco" charset="0"/>
+                <a:cs typeface="Monaco" charset="0"/>
+              </a:rPr>
+              <a:t>myseqs</a:t>
+            </a:r>
+            <a:r>
+              <a:rPr lang="en-GB" sz="1300" dirty="0">
+                <a:solidFill>
+                  <a:schemeClr val="tx1"/>
+                </a:solidFill>
+                <a:uFill>
+                  <a:solidFill>
+                    <a:schemeClr val="bg1"/>
+                  </a:solidFill>
+                </a:uFill>
+                <a:latin typeface="Monaco" charset="0"/>
+                <a:ea typeface="Monaco" charset="0"/>
+                <a:cs typeface="Monaco" charset="0"/>
+              </a:rPr>
+              <a:t>)</a:t>
+            </a:r>
           </a:p>
           <a:p>
             <a:pPr algn="l">
@@ -10379,7 +9101,10 @@
               </a:spcBef>
             </a:pPr>
             <a:r>
-              <a:rPr lang="en-GB" sz="1500" b="1" dirty="0" smtClean="0">
+              <a:rPr lang="en-GB" sz="1500" b="1" dirty="0">
+                <a:solidFill>
+                  <a:schemeClr val="tx1"/>
+                </a:solidFill>
                 <a:uFill>
                   <a:solidFill>
                     <a:schemeClr val="bg1"/>
@@ -10389,245 +9114,29 @@
                 <a:ea typeface="Source Sans Pro" charset="0"/>
                 <a:cs typeface="Source Sans Pro" charset="0"/>
               </a:rPr>
-              <a:t>Convert sequences into compound tokens</a:t>
+              <a:t>Select tokens</a:t>
             </a:r>
           </a:p>
           <a:p>
             <a:pPr algn="l"/>
             <a:r>
-              <a:rPr lang="en-GB" sz="1300" dirty="0" err="1" smtClean="0">
-                <a:solidFill>
-                  <a:schemeClr val="tx1"/>
-                </a:solidFill>
-                <a:uFill>
-                  <a:solidFill>
-                    <a:schemeClr val="bg1"/>
-                  </a:solidFill>
-                </a:uFill>
-                <a:latin typeface="Monaco" charset="0"/>
-                <a:ea typeface="Monaco" charset="0"/>
-                <a:cs typeface="Monaco" charset="0"/>
-              </a:rPr>
-              <a:t>myseqs</a:t>
-            </a:r>
-            <a:r>
-              <a:rPr lang="en-GB" sz="1300" dirty="0" smtClean="0">
-                <a:solidFill>
-                  <a:schemeClr val="tx1"/>
-                </a:solidFill>
-                <a:uFill>
-                  <a:solidFill>
-                    <a:schemeClr val="bg1"/>
-                  </a:solidFill>
-                </a:uFill>
-                <a:latin typeface="Monaco" charset="0"/>
-                <a:ea typeface="Monaco" charset="0"/>
-                <a:cs typeface="Monaco" charset="0"/>
-              </a:rPr>
-              <a:t> </a:t>
+              <a:rPr lang="en-GB" sz="1300" dirty="0" err="1">
+                <a:solidFill>
+                  <a:srgbClr val="006AC7"/>
+                </a:solidFill>
+                <a:latin typeface="Monaco" charset="0"/>
+                <a:ea typeface="Monaco" charset="0"/>
+                <a:cs typeface="Monaco" charset="0"/>
+              </a:rPr>
+              <a:t>tokens_select</a:t>
             </a:r>
             <a:r>
               <a:rPr lang="en-GB" sz="1300" dirty="0">
-                <a:solidFill>
-                  <a:schemeClr val="tx1"/>
-                </a:solidFill>
-                <a:uFill>
-                  <a:solidFill>
-                    <a:schemeClr val="bg1"/>
-                  </a:solidFill>
-                </a:uFill>
-                <a:latin typeface="Monaco" charset="0"/>
-                <a:ea typeface="Monaco" charset="0"/>
-                <a:cs typeface="Monaco" charset="0"/>
-              </a:rPr>
-              <a:t>&lt;- </a:t>
-            </a:r>
-            <a:r>
-              <a:rPr lang="en-GB" sz="1300" dirty="0" smtClean="0">
-                <a:solidFill>
-                  <a:srgbClr val="006AC7"/>
-                </a:solidFill>
-                <a:uFill>
-                  <a:solidFill>
-                    <a:schemeClr val="bg1"/>
-                  </a:solidFill>
-                </a:uFill>
-                <a:latin typeface="Monaco" charset="0"/>
-                <a:ea typeface="Monaco" charset="0"/>
-                <a:cs typeface="Monaco" charset="0"/>
-              </a:rPr>
-              <a:t>phrase</a:t>
-            </a:r>
-            <a:r>
-              <a:rPr lang="en-GB" sz="1300" dirty="0" smtClean="0">
-                <a:solidFill>
-                  <a:schemeClr val="tx1"/>
-                </a:solidFill>
-                <a:uFill>
-                  <a:solidFill>
-                    <a:schemeClr val="bg1"/>
-                  </a:solidFill>
-                </a:uFill>
-                <a:latin typeface="Monaco" charset="0"/>
-                <a:ea typeface="Monaco" charset="0"/>
-                <a:cs typeface="Monaco" charset="0"/>
-              </a:rPr>
-              <a:t>(c(</a:t>
-            </a:r>
-            <a:r>
-              <a:rPr lang="en-GB" sz="1300" dirty="0">
-                <a:latin typeface="Monaco" charset="0"/>
-                <a:ea typeface="Monaco" charset="0"/>
-                <a:cs typeface="Monaco" charset="0"/>
-              </a:rPr>
-              <a:t>"</a:t>
-            </a:r>
-            <a:r>
-              <a:rPr lang="en-GB" sz="1300" dirty="0" smtClean="0">
-                <a:solidFill>
-                  <a:schemeClr val="tx1"/>
-                </a:solidFill>
-                <a:uFill>
-                  <a:solidFill>
-                    <a:schemeClr val="bg1"/>
-                  </a:solidFill>
-                </a:uFill>
-                <a:latin typeface="Monaco" charset="0"/>
-                <a:ea typeface="Monaco" charset="0"/>
-                <a:cs typeface="Monaco" charset="0"/>
-              </a:rPr>
-              <a:t>powerful", </a:t>
-            </a:r>
-            <a:r>
-              <a:rPr lang="en-GB" sz="1300" dirty="0">
-                <a:latin typeface="Monaco" charset="0"/>
-                <a:ea typeface="Monaco" charset="0"/>
-                <a:cs typeface="Monaco" charset="0"/>
-              </a:rPr>
-              <a:t>"</a:t>
-            </a:r>
-            <a:r>
-              <a:rPr lang="en-GB" sz="1300" dirty="0" smtClean="0">
-                <a:solidFill>
-                  <a:schemeClr val="tx1"/>
-                </a:solidFill>
-                <a:uFill>
-                  <a:solidFill>
-                    <a:schemeClr val="bg1"/>
-                  </a:solidFill>
-                </a:uFill>
-                <a:latin typeface="Monaco" charset="0"/>
-                <a:ea typeface="Monaco" charset="0"/>
-                <a:cs typeface="Monaco" charset="0"/>
-              </a:rPr>
-              <a:t>tool</a:t>
-            </a:r>
-            <a:r>
-              <a:rPr lang="en-GB" sz="1300" dirty="0">
-                <a:solidFill>
-                  <a:schemeClr val="tx1"/>
-                </a:solidFill>
-                <a:uFill>
-                  <a:solidFill>
-                    <a:schemeClr val="bg1"/>
-                  </a:solidFill>
-                </a:uFill>
-                <a:latin typeface="Monaco" charset="0"/>
-                <a:ea typeface="Monaco" charset="0"/>
-                <a:cs typeface="Monaco" charset="0"/>
-              </a:rPr>
-              <a:t>", </a:t>
-            </a:r>
-            <a:r>
-              <a:rPr lang="en-GB" sz="1300" dirty="0">
-                <a:latin typeface="Monaco" charset="0"/>
-                <a:ea typeface="Monaco" charset="0"/>
-                <a:cs typeface="Monaco" charset="0"/>
-              </a:rPr>
-              <a:t>"</a:t>
-            </a:r>
-            <a:r>
-              <a:rPr lang="en-GB" sz="1300" dirty="0" smtClean="0">
-                <a:solidFill>
-                  <a:schemeClr val="tx1"/>
-                </a:solidFill>
-                <a:uFill>
-                  <a:solidFill>
-                    <a:schemeClr val="bg1"/>
-                  </a:solidFill>
-                </a:uFill>
-                <a:latin typeface="Monaco" charset="0"/>
-                <a:ea typeface="Monaco" charset="0"/>
-                <a:cs typeface="Monaco" charset="0"/>
-              </a:rPr>
-              <a:t>text analysis"))</a:t>
-            </a:r>
-          </a:p>
-          <a:p>
-            <a:pPr algn="l"/>
-            <a:r>
-              <a:rPr lang="en-GB" sz="1300" dirty="0" err="1" smtClean="0">
-                <a:solidFill>
-                  <a:srgbClr val="006AC7"/>
-                </a:solidFill>
-                <a:uFill>
-                  <a:solidFill>
-                    <a:schemeClr val="bg1"/>
-                  </a:solidFill>
-                </a:uFill>
-                <a:latin typeface="Monaco" charset="0"/>
-                <a:ea typeface="Monaco" charset="0"/>
-                <a:cs typeface="Monaco" charset="0"/>
-              </a:rPr>
-              <a:t>tokens_compound</a:t>
-            </a:r>
-            <a:r>
-              <a:rPr lang="en-GB" sz="1300" dirty="0" smtClean="0">
-                <a:solidFill>
-                  <a:schemeClr val="tx1"/>
-                </a:solidFill>
-                <a:uFill>
-                  <a:solidFill>
-                    <a:schemeClr val="bg1"/>
-                  </a:solidFill>
-                </a:uFill>
-                <a:latin typeface="Monaco" charset="0"/>
-                <a:ea typeface="Monaco" charset="0"/>
-                <a:cs typeface="Monaco" charset="0"/>
-              </a:rPr>
-              <a:t>(x, </a:t>
-            </a:r>
-            <a:r>
-              <a:rPr lang="en-GB" sz="1300" dirty="0" err="1">
-                <a:solidFill>
-                  <a:schemeClr val="tx1"/>
-                </a:solidFill>
-                <a:uFill>
-                  <a:solidFill>
-                    <a:schemeClr val="bg1"/>
-                  </a:solidFill>
-                </a:uFill>
-                <a:latin typeface="Monaco" charset="0"/>
-                <a:ea typeface="Monaco" charset="0"/>
-                <a:cs typeface="Monaco" charset="0"/>
-              </a:rPr>
-              <a:t>myseqs</a:t>
-            </a:r>
-            <a:r>
-              <a:rPr lang="en-GB" sz="1300" dirty="0" smtClean="0">
-                <a:solidFill>
-                  <a:schemeClr val="tx1"/>
-                </a:solidFill>
-                <a:uFill>
-                  <a:solidFill>
-                    <a:schemeClr val="bg1"/>
-                  </a:solidFill>
-                </a:uFill>
-                <a:latin typeface="Monaco" charset="0"/>
-                <a:ea typeface="Monaco" charset="0"/>
-                <a:cs typeface="Monaco" charset="0"/>
-              </a:rPr>
-              <a:t>)</a:t>
+                <a:latin typeface="Monaco" charset="0"/>
+                <a:ea typeface="Monaco" charset="0"/>
+                <a:cs typeface="Monaco" charset="0"/>
+              </a:rPr>
+              <a:t>(x, c("powerful", "text"), selection = "keep") </a:t>
             </a:r>
           </a:p>
           <a:p>
@@ -10637,89 +9146,7 @@
               </a:spcBef>
             </a:pPr>
             <a:r>
-              <a:rPr lang="en-GB" sz="1500" b="1" dirty="0" smtClean="0">
-                <a:solidFill>
-                  <a:schemeClr val="tx1"/>
-                </a:solidFill>
-                <a:uFill>
-                  <a:solidFill>
-                    <a:schemeClr val="bg1"/>
-                  </a:solidFill>
-                </a:uFill>
-                <a:latin typeface="Source Sans Pro" charset="0"/>
-                <a:ea typeface="Source Sans Pro" charset="0"/>
-                <a:cs typeface="Source Sans Pro" charset="0"/>
-              </a:rPr>
-              <a:t>Select tokens</a:t>
-            </a:r>
-          </a:p>
-          <a:p>
-            <a:pPr algn="l"/>
-            <a:r>
-              <a:rPr lang="en-GB" sz="1300" dirty="0" err="1" smtClean="0">
-                <a:solidFill>
-                  <a:srgbClr val="006AC7"/>
-                </a:solidFill>
-                <a:latin typeface="Monaco" charset="0"/>
-                <a:ea typeface="Monaco" charset="0"/>
-                <a:cs typeface="Monaco" charset="0"/>
-              </a:rPr>
-              <a:t>tokens_select</a:t>
-            </a:r>
-            <a:r>
-              <a:rPr lang="en-GB" sz="1300" dirty="0" smtClean="0">
-                <a:latin typeface="Monaco" charset="0"/>
-                <a:ea typeface="Monaco" charset="0"/>
-                <a:cs typeface="Monaco" charset="0"/>
-              </a:rPr>
-              <a:t>(x, </a:t>
-            </a:r>
-            <a:r>
-              <a:rPr lang="en-GB" sz="1300" dirty="0">
-                <a:latin typeface="Monaco" charset="0"/>
-                <a:ea typeface="Monaco" charset="0"/>
-                <a:cs typeface="Monaco" charset="0"/>
-              </a:rPr>
-              <a:t>c("powerful", </a:t>
-            </a:r>
-            <a:r>
-              <a:rPr lang="en-GB" sz="1300" dirty="0" smtClean="0">
-                <a:latin typeface="Monaco" charset="0"/>
-                <a:ea typeface="Monaco" charset="0"/>
-                <a:cs typeface="Monaco" charset="0"/>
-              </a:rPr>
-              <a:t>"text"), </a:t>
-            </a:r>
-            <a:r>
-              <a:rPr lang="en-GB" sz="1300" dirty="0">
-                <a:latin typeface="Monaco" charset="0"/>
-                <a:ea typeface="Monaco" charset="0"/>
-                <a:cs typeface="Monaco" charset="0"/>
-              </a:rPr>
-              <a:t>selection = "</a:t>
-            </a:r>
-            <a:r>
-              <a:rPr lang="en-GB" sz="1300" dirty="0" smtClean="0">
-                <a:latin typeface="Monaco" charset="0"/>
-                <a:ea typeface="Monaco" charset="0"/>
-                <a:cs typeface="Monaco" charset="0"/>
-              </a:rPr>
-              <a:t>keep") </a:t>
-            </a:r>
-            <a:endParaRPr lang="en-GB" sz="1300" dirty="0">
-              <a:latin typeface="Monaco" charset="0"/>
-              <a:ea typeface="Monaco" charset="0"/>
-              <a:cs typeface="Monaco" charset="0"/>
-            </a:endParaRPr>
-          </a:p>
-          <a:p>
-            <a:pPr algn="l">
-              <a:spcBef>
-                <a:spcPts val="800"/>
-              </a:spcBef>
-            </a:pPr>
-            <a:r>
-              <a:rPr lang="en-GB" sz="1500" b="1" dirty="0" smtClean="0">
+              <a:rPr lang="en-GB" sz="1500" b="1" dirty="0">
                 <a:uFill>
                   <a:solidFill>
                     <a:schemeClr val="bg1"/>
@@ -10787,7 +9214,7 @@
           <a:p>
             <a:pPr algn="l"/>
             <a:r>
-              <a:rPr lang="en-GB" sz="1400" dirty="0" err="1" smtClean="0">
+              <a:rPr lang="en-GB" sz="1400" dirty="0" err="1">
                 <a:solidFill>
                   <a:srgbClr val="006AC7"/>
                 </a:solidFill>
@@ -10803,7 +9230,7 @@
               <a:t>tokens_ngrams</a:t>
             </a:r>
             <a:r>
-              <a:rPr lang="en-GB" sz="1400" dirty="0" smtClean="0">
+              <a:rPr lang="en-GB" sz="1400" dirty="0">
                 <a:solidFill>
                   <a:schemeClr val="tx1"/>
                 </a:solidFill>
@@ -10816,23 +9243,7 @@
                 <a:ea typeface="Monaco" charset="0"/>
                 <a:cs typeface="Monaco" charset="0"/>
               </a:rPr>
-              <a:t>(x, </a:t>
-            </a:r>
-            <a:r>
-              <a:rPr lang="en-GB" sz="1400" dirty="0">
-                <a:solidFill>
-                  <a:schemeClr val="tx1"/>
-                </a:solidFill>
-                <a:uFill>
-                  <a:solidFill>
-                    <a:schemeClr val="bg1"/>
-                  </a:solidFill>
-                </a:uFill>
-                <a:latin typeface="Monaco" charset="0"/>
-                <a:ea typeface="Monaco" charset="0"/>
-                <a:cs typeface="Monaco" charset="0"/>
-              </a:rPr>
-              <a:t>n = 1:3) </a:t>
+              <a:t>(x, n = 1:3) </a:t>
             </a:r>
           </a:p>
           <a:p>
@@ -10890,20 +9301,91 @@
                 <a:ea typeface="Monaco" charset="0"/>
                 <a:cs typeface="Monaco" charset="0"/>
               </a:rPr>
-              <a:t>, n = 2, skip = </a:t>
-            </a:r>
-            <a:r>
-              <a:rPr lang="en-GB" sz="1400" dirty="0" smtClean="0">
+              <a:t>, n = 2, skip = 0:1) </a:t>
+            </a:r>
+          </a:p>
+          <a:p>
+            <a:pPr algn="l">
+              <a:spcBef>
+                <a:spcPts val="800"/>
+              </a:spcBef>
+            </a:pPr>
+            <a:r>
+              <a:rPr lang="en-GB" sz="1500" b="1" dirty="0">
+                <a:solidFill>
+                  <a:schemeClr val="tx1"/>
+                </a:solidFill>
                 <a:uFill>
                   <a:solidFill>
                     <a:schemeClr val="bg1"/>
                   </a:solidFill>
                 </a:uFill>
-                <a:latin typeface="Monaco" charset="0"/>
-                <a:ea typeface="Monaco" charset="0"/>
-                <a:cs typeface="Monaco" charset="0"/>
-              </a:rPr>
-              <a:t>0:1) </a:t>
+                <a:latin typeface="Source Sans Pro" charset="0"/>
+                <a:ea typeface="Source Sans Pro" charset="0"/>
+                <a:cs typeface="Source Sans Pro" charset="0"/>
+              </a:rPr>
+              <a:t>Convert case of tokens</a:t>
+            </a:r>
+          </a:p>
+          <a:p>
+            <a:pPr algn="l"/>
+            <a:r>
+              <a:rPr lang="en-GB" sz="1400" dirty="0" err="1">
+                <a:solidFill>
+                  <a:srgbClr val="006AC7"/>
+                </a:solidFill>
+                <a:uFill>
+                  <a:solidFill>
+                    <a:schemeClr val="bg1"/>
+                  </a:solidFill>
+                </a:uFill>
+                <a:latin typeface="Monaco" charset="0"/>
+                <a:ea typeface="Monaco" charset="0"/>
+                <a:cs typeface="Monaco" charset="0"/>
+              </a:rPr>
+              <a:t>tokens_tolower</a:t>
+            </a:r>
+            <a:r>
+              <a:rPr lang="en-GB" sz="1400" dirty="0">
+                <a:uFill>
+                  <a:solidFill>
+                    <a:schemeClr val="bg1"/>
+                  </a:solidFill>
+                </a:uFill>
+                <a:latin typeface="Monaco" charset="0"/>
+                <a:ea typeface="Monaco" charset="0"/>
+                <a:cs typeface="Monaco" charset="0"/>
+              </a:rPr>
+              <a:t>(x) | </a:t>
+            </a:r>
+            <a:r>
+              <a:rPr lang="en-GB" sz="1400" dirty="0" err="1">
+                <a:solidFill>
+                  <a:srgbClr val="006AC7"/>
+                </a:solidFill>
+                <a:uFill>
+                  <a:solidFill>
+                    <a:schemeClr val="bg1"/>
+                  </a:solidFill>
+                </a:uFill>
+                <a:latin typeface="Monaco" charset="0"/>
+                <a:ea typeface="Monaco" charset="0"/>
+                <a:cs typeface="Monaco" charset="0"/>
+              </a:rPr>
+              <a:t>tokens_topupper</a:t>
+            </a:r>
+            <a:r>
+              <a:rPr lang="en-GB" sz="1400" dirty="0">
+                <a:uFill>
+                  <a:solidFill>
+                    <a:schemeClr val="bg1"/>
+                  </a:solidFill>
+                </a:uFill>
+                <a:latin typeface="Monaco" charset="0"/>
+                <a:ea typeface="Monaco" charset="0"/>
+                <a:cs typeface="Monaco" charset="0"/>
+              </a:rPr>
+              <a:t>(x)</a:t>
             </a:r>
           </a:p>
           <a:p>
@@ -10913,7 +9395,7 @@
               </a:spcBef>
             </a:pPr>
             <a:r>
-              <a:rPr lang="en-GB" sz="1500" b="1" dirty="0" smtClean="0">
+              <a:rPr lang="en-GB" sz="1500" b="1" dirty="0">
                 <a:solidFill>
                   <a:schemeClr val="tx1"/>
                 </a:solidFill>
@@ -10926,26 +9408,13 @@
                 <a:ea typeface="Source Sans Pro" charset="0"/>
                 <a:cs typeface="Source Sans Pro" charset="0"/>
               </a:rPr>
-              <a:t>Convert case of tokens</a:t>
-            </a:r>
-            <a:endParaRPr lang="en-GB" sz="1500" b="1" dirty="0">
-              <a:solidFill>
-                <a:schemeClr val="tx1"/>
-              </a:solidFill>
-              <a:uFill>
-                <a:solidFill>
-                  <a:schemeClr val="bg1"/>
-                </a:solidFill>
-              </a:uFill>
-              <a:latin typeface="Source Sans Pro" charset="0"/>
-              <a:ea typeface="Source Sans Pro" charset="0"/>
-              <a:cs typeface="Source Sans Pro" charset="0"/>
-            </a:endParaRPr>
+              <a:t>Stem the terms in an object</a:t>
+            </a:r>
           </a:p>
           <a:p>
             <a:pPr algn="l"/>
             <a:r>
-              <a:rPr lang="en-GB" sz="1400" dirty="0" err="1" smtClean="0">
+              <a:rPr lang="en-GB" sz="1400" dirty="0" err="1">
                 <a:solidFill>
                   <a:srgbClr val="006AC7"/>
                 </a:solidFill>
@@ -10958,10 +9427,10 @@
                 <a:ea typeface="Monaco" charset="0"/>
                 <a:cs typeface="Monaco" charset="0"/>
               </a:rPr>
-              <a:t>tokens_tolower</a:t>
-            </a:r>
-            <a:r>
-              <a:rPr lang="en-GB" sz="1400" dirty="0" smtClean="0">
+              <a:t>tokens_wordstem</a:t>
+            </a:r>
+            <a:r>
+              <a:rPr lang="en-GB" sz="1400" dirty="0">
                 <a:uFill>
                   <a:solidFill>
                     <a:schemeClr val="bg1"/>
@@ -10971,125 +9440,8 @@
                 <a:ea typeface="Monaco" charset="0"/>
                 <a:cs typeface="Monaco" charset="0"/>
               </a:rPr>
-              <a:t>(x) | </a:t>
-            </a:r>
-            <a:r>
-              <a:rPr lang="en-GB" sz="1400" dirty="0" err="1" smtClean="0">
-                <a:solidFill>
-                  <a:srgbClr val="006AC7"/>
-                </a:solidFill>
-                <a:uFill>
-                  <a:solidFill>
-                    <a:schemeClr val="bg1"/>
-                  </a:solidFill>
-                </a:uFill>
-                <a:latin typeface="Monaco" charset="0"/>
-                <a:ea typeface="Monaco" charset="0"/>
-                <a:cs typeface="Monaco" charset="0"/>
-              </a:rPr>
-              <a:t>tokens_topupper</a:t>
-            </a:r>
-            <a:r>
-              <a:rPr lang="en-GB" sz="1400" dirty="0" smtClean="0">
-                <a:uFill>
-                  <a:solidFill>
-                    <a:schemeClr val="bg1"/>
-                  </a:solidFill>
-                </a:uFill>
-                <a:latin typeface="Monaco" charset="0"/>
-                <a:ea typeface="Monaco" charset="0"/>
-                <a:cs typeface="Monaco" charset="0"/>
-              </a:rPr>
               <a:t>(x)</a:t>
             </a:r>
-            <a:endParaRPr lang="en-GB" sz="1400" dirty="0">
-              <a:uFill>
-                <a:solidFill>
-                  <a:schemeClr val="bg1"/>
-                </a:solidFill>
-              </a:uFill>
-              <a:latin typeface="Monaco" charset="0"/>
-              <a:ea typeface="Monaco" charset="0"/>
-              <a:cs typeface="Monaco" charset="0"/>
-            </a:endParaRPr>
-          </a:p>
-          <a:p>
-            <a:pPr algn="l">
-              <a:spcBef>
-                <a:spcPts val="800"/>
-              </a:spcBef>
-            </a:pPr>
-            <a:r>
-              <a:rPr lang="en-GB" sz="1500" b="1" dirty="0" smtClean="0">
-                <a:solidFill>
-                  <a:schemeClr val="tx1"/>
-                </a:solidFill>
-                <a:uFill>
-                  <a:solidFill>
-                    <a:schemeClr val="bg1"/>
-                  </a:solidFill>
-                </a:uFill>
-                <a:latin typeface="Source Sans Pro" charset="0"/>
-                <a:ea typeface="Source Sans Pro" charset="0"/>
-                <a:cs typeface="Source Sans Pro" charset="0"/>
-              </a:rPr>
-              <a:t>Stem the terms in an object</a:t>
-            </a:r>
-            <a:endParaRPr lang="en-GB" sz="1500" b="1" dirty="0">
-              <a:solidFill>
-                <a:schemeClr val="tx1"/>
-              </a:solidFill>
-              <a:uFill>
-                <a:solidFill>
-                  <a:schemeClr val="bg1"/>
-                </a:solidFill>
-              </a:uFill>
-              <a:latin typeface="Source Sans Pro" charset="0"/>
-              <a:ea typeface="Source Sans Pro" charset="0"/>
-              <a:cs typeface="Source Sans Pro" charset="0"/>
-            </a:endParaRPr>
-          </a:p>
-          <a:p>
-            <a:pPr algn="l"/>
-            <a:r>
-              <a:rPr lang="en-GB" sz="1400" dirty="0" err="1" smtClean="0">
-                <a:solidFill>
-                  <a:srgbClr val="006AC7"/>
-                </a:solidFill>
-                <a:uFill>
-                  <a:solidFill>
-                    <a:schemeClr val="bg1"/>
-                  </a:solidFill>
-                </a:uFill>
-                <a:latin typeface="Monaco" charset="0"/>
-                <a:ea typeface="Monaco" charset="0"/>
-                <a:cs typeface="Monaco" charset="0"/>
-              </a:rPr>
-              <a:t>tokens_wordstem</a:t>
-            </a:r>
-            <a:r>
-              <a:rPr lang="en-GB" sz="1400" dirty="0" smtClean="0">
-                <a:uFill>
-                  <a:solidFill>
-                    <a:schemeClr val="bg1"/>
-                  </a:solidFill>
-                </a:uFill>
-                <a:latin typeface="Monaco" charset="0"/>
-                <a:ea typeface="Monaco" charset="0"/>
-                <a:cs typeface="Monaco" charset="0"/>
-              </a:rPr>
-              <a:t>(x)</a:t>
-            </a:r>
-            <a:endParaRPr lang="en-GB" sz="1400" dirty="0">
-              <a:uFill>
-                <a:solidFill>
-                  <a:schemeClr val="bg1"/>
-                </a:solidFill>
-              </a:uFill>
-              <a:latin typeface="Monaco" charset="0"/>
-              <a:ea typeface="Monaco" charset="0"/>
-              <a:cs typeface="Monaco" charset="0"/>
-            </a:endParaRPr>
           </a:p>
         </p:txBody>
       </p:sp>
@@ -11112,7 +9464,7 @@
           </a:ln>
           <a:extLst>
             <a:ext uri="{C572A759-6A51-4108-AA02-DFA0A04FC94B}">
-              <ma14:wrappingTextBoxFlag xmlns:ma14="http://schemas.microsoft.com/office/mac/drawingml/2011/main" val="1"/>
+              <ma14:wrappingTextBoxFlag xmlns:ma14="http://schemas.microsoft.com/office/mac/drawingml/2011/main" xmlns="" val="1"/>
             </a:ext>
           </a:extLst>
         </p:spPr>
@@ -11158,7 +9510,7 @@
           </a:ln>
           <a:extLst>
             <a:ext uri="{C572A759-6A51-4108-AA02-DFA0A04FC94B}">
-              <ma14:wrappingTextBoxFlag xmlns:ma14="http://schemas.microsoft.com/office/mac/drawingml/2011/main" val="1"/>
+              <ma14:wrappingTextBoxFlag xmlns:ma14="http://schemas.microsoft.com/office/mac/drawingml/2011/main" xmlns="" val="1"/>
             </a:ext>
           </a:extLst>
         </p:spPr>
@@ -11170,7 +9522,7 @@
               <a:defRPr sz="1800"/>
             </a:pPr>
             <a:r>
-              <a:rPr lang="en-US" sz="2400" dirty="0" smtClean="0">
+              <a:rPr lang="en-US" sz="2400" dirty="0">
                 <a:solidFill>
                   <a:srgbClr val="FFFFFF"/>
                 </a:solidFill>
@@ -11179,7 +9531,19 @@
                 <a:cs typeface="Source Sans Pro"/>
                 <a:sym typeface="Source Sans Pro"/>
               </a:rPr>
-              <a:t>Tokenize </a:t>
+              <a:t>Tokenize a set of texts (</a:t>
+            </a:r>
+            <a:r>
+              <a:rPr lang="en-US" sz="2000" dirty="0">
+                <a:solidFill>
+                  <a:srgbClr val="FFFFFF"/>
+                </a:solidFill>
+                <a:latin typeface="Monaco" charset="0"/>
+                <a:ea typeface="Monaco" charset="0"/>
+                <a:cs typeface="Monaco" charset="0"/>
+                <a:sym typeface="Source Sans Pro"/>
+              </a:rPr>
+              <a:t>tokens_*</a:t>
             </a:r>
             <a:r>
               <a:rPr lang="en-US" sz="2400" dirty="0">
@@ -11191,53 +9555,8 @@
                 <a:cs typeface="Source Sans Pro"/>
                 <a:sym typeface="Source Sans Pro"/>
               </a:rPr>
-              <a:t>a set of </a:t>
-            </a:r>
-            <a:r>
-              <a:rPr lang="en-US" sz="2400" dirty="0" smtClean="0">
-                <a:solidFill>
-                  <a:srgbClr val="FFFFFF"/>
-                </a:solidFill>
-                <a:latin typeface="Source Sans Pro"/>
-                <a:ea typeface="Source Sans Pro"/>
-                <a:cs typeface="Source Sans Pro"/>
-                <a:sym typeface="Source Sans Pro"/>
-              </a:rPr>
-              <a:t>texts (</a:t>
-            </a:r>
-            <a:r>
-              <a:rPr lang="en-US" sz="2000" dirty="0" smtClean="0">
-                <a:solidFill>
-                  <a:srgbClr val="FFFFFF"/>
-                </a:solidFill>
-                <a:latin typeface="Monaco" charset="0"/>
-                <a:ea typeface="Monaco" charset="0"/>
-                <a:cs typeface="Monaco" charset="0"/>
-                <a:sym typeface="Source Sans Pro"/>
-              </a:rPr>
-              <a:t>tokens_*</a:t>
-            </a:r>
-            <a:r>
-              <a:rPr lang="en-US" sz="2400" dirty="0" smtClean="0">
-                <a:solidFill>
-                  <a:srgbClr val="FFFFFF"/>
-                </a:solidFill>
-                <a:latin typeface="Source Sans Pro"/>
-                <a:ea typeface="Source Sans Pro"/>
-                <a:cs typeface="Source Sans Pro"/>
-                <a:sym typeface="Source Sans Pro"/>
-              </a:rPr>
               <a:t>)</a:t>
             </a:r>
-            <a:endParaRPr lang="en-US" sz="2400" dirty="0">
-              <a:solidFill>
-                <a:srgbClr val="FFFFFF"/>
-              </a:solidFill>
-              <a:latin typeface="Source Sans Pro"/>
-              <a:ea typeface="Source Sans Pro"/>
-              <a:cs typeface="Source Sans Pro"/>
-              <a:sym typeface="Source Sans Pro"/>
-            </a:endParaRPr>
           </a:p>
         </p:txBody>
       </p:sp>
@@ -11330,7 +9649,7 @@
           </a:ln>
           <a:extLst>
             <a:ext uri="{C572A759-6A51-4108-AA02-DFA0A04FC94B}">
-              <ma14:wrappingTextBoxFlag xmlns:ma14="http://schemas.microsoft.com/office/mac/drawingml/2011/main" val="1"/>
+              <ma14:wrappingTextBoxFlag xmlns:ma14="http://schemas.microsoft.com/office/mac/drawingml/2011/main" xmlns="" val="1"/>
             </a:ext>
           </a:extLst>
         </p:spPr>
@@ -11346,7 +9665,7 @@
               </a:spcBef>
             </a:pPr>
             <a:r>
-              <a:rPr lang="en-US" sz="1300" dirty="0" smtClean="0">
+              <a:rPr lang="en-US" sz="1300" dirty="0">
                 <a:solidFill>
                   <a:srgbClr val="006AC7"/>
                 </a:solidFill>
@@ -11357,7 +9676,7 @@
               <a:t>convert</a:t>
             </a:r>
             <a:r>
-              <a:rPr lang="en-US" sz="1300" dirty="0" smtClean="0">
+              <a:rPr lang="en-US" sz="1300" dirty="0">
                 <a:latin typeface="Monaco" charset="0"/>
                 <a:ea typeface="Monaco" charset="0"/>
                 <a:cs typeface="Monaco" charset="0"/>
@@ -11365,7 +9684,7 @@
               <a:t>(x, to = c("</a:t>
             </a:r>
             <a:r>
-              <a:rPr lang="en-US" sz="1300" dirty="0" err="1" smtClean="0">
+              <a:rPr lang="en-US" sz="1300" dirty="0" err="1">
                 <a:latin typeface="Monaco" charset="0"/>
                 <a:ea typeface="Monaco" charset="0"/>
                 <a:cs typeface="Monaco" charset="0"/>
@@ -11373,7 +9692,7 @@
               <a:t>lda</a:t>
             </a:r>
             <a:r>
-              <a:rPr lang="en-US" sz="1300" dirty="0" smtClean="0">
+              <a:rPr lang="en-US" sz="1300" dirty="0">
                 <a:latin typeface="Monaco" charset="0"/>
                 <a:ea typeface="Monaco" charset="0"/>
                 <a:cs typeface="Monaco" charset="0"/>
@@ -11381,7 +9700,7 @@
               <a:t>", "tm", "</a:t>
             </a:r>
             <a:r>
-              <a:rPr lang="en-US" sz="1300" dirty="0" err="1" smtClean="0">
+              <a:rPr lang="en-US" sz="1300" dirty="0" err="1">
                 <a:latin typeface="Monaco" charset="0"/>
                 <a:ea typeface="Monaco" charset="0"/>
                 <a:cs typeface="Monaco" charset="0"/>
@@ -11389,7 +9708,7 @@
               <a:t>stm</a:t>
             </a:r>
             <a:r>
-              <a:rPr lang="en-US" sz="1300" dirty="0" smtClean="0">
+              <a:rPr lang="en-US" sz="1300" dirty="0">
                 <a:latin typeface="Monaco" charset="0"/>
                 <a:ea typeface="Monaco" charset="0"/>
                 <a:cs typeface="Monaco" charset="0"/>
@@ -11397,7 +9716,7 @@
               <a:t>", "</a:t>
             </a:r>
             <a:r>
-              <a:rPr lang="en-US" sz="1300" dirty="0" err="1" smtClean="0">
+              <a:rPr lang="en-US" sz="1300" dirty="0" err="1">
                 <a:latin typeface="Monaco" charset="0"/>
                 <a:ea typeface="Monaco" charset="0"/>
                 <a:cs typeface="Monaco" charset="0"/>
@@ -11405,7 +9724,7 @@
               <a:t>austin</a:t>
             </a:r>
             <a:r>
-              <a:rPr lang="en-US" sz="1300" dirty="0" smtClean="0">
+              <a:rPr lang="en-US" sz="1300" dirty="0">
                 <a:latin typeface="Monaco" charset="0"/>
                 <a:ea typeface="Monaco" charset="0"/>
                 <a:cs typeface="Monaco" charset="0"/>
@@ -11413,7 +9732,7 @@
               <a:t>", "</a:t>
             </a:r>
             <a:r>
-              <a:rPr lang="en-US" sz="1300" dirty="0" err="1" smtClean="0">
+              <a:rPr lang="en-US" sz="1300" dirty="0" err="1">
                 <a:latin typeface="Monaco" charset="0"/>
                 <a:ea typeface="Monaco" charset="0"/>
                 <a:cs typeface="Monaco" charset="0"/>
@@ -11421,7 +9740,7 @@
               <a:t>topicmodels</a:t>
             </a:r>
             <a:r>
-              <a:rPr lang="en-US" sz="1300" dirty="0" smtClean="0">
+              <a:rPr lang="en-US" sz="1300" dirty="0">
                 <a:latin typeface="Monaco" charset="0"/>
                 <a:ea typeface="Monaco" charset="0"/>
                 <a:cs typeface="Monaco" charset="0"/>
@@ -11429,7 +9748,7 @@
               <a:t>", 	  		"</a:t>
             </a:r>
             <a:r>
-              <a:rPr lang="en-US" sz="1300" dirty="0" err="1" smtClean="0">
+              <a:rPr lang="en-US" sz="1300" dirty="0" err="1">
                 <a:latin typeface="Monaco" charset="0"/>
                 <a:ea typeface="Monaco" charset="0"/>
                 <a:cs typeface="Monaco" charset="0"/>
@@ -11437,7 +9756,7 @@
               <a:t>lsa</a:t>
             </a:r>
             <a:r>
-              <a:rPr lang="en-US" sz="1300" dirty="0" smtClean="0">
+              <a:rPr lang="en-US" sz="1300" dirty="0">
                 <a:latin typeface="Monaco" charset="0"/>
                 <a:ea typeface="Monaco" charset="0"/>
                 <a:cs typeface="Monaco" charset="0"/>
@@ -11445,7 +9764,7 @@
               <a:t>", "matrix", "</a:t>
             </a:r>
             <a:r>
-              <a:rPr lang="en-US" sz="1300" dirty="0" err="1" smtClean="0">
+              <a:rPr lang="en-US" sz="1300" dirty="0" err="1">
                 <a:latin typeface="Monaco" charset="0"/>
                 <a:ea typeface="Monaco" charset="0"/>
                 <a:cs typeface="Monaco" charset="0"/>
@@ -11453,7 +9772,7 @@
               <a:t>data.frame</a:t>
             </a:r>
             <a:r>
-              <a:rPr lang="en-US" sz="1300" dirty="0" smtClean="0">
+              <a:rPr lang="en-US" sz="1300" dirty="0">
                 <a:latin typeface="Monaco" charset="0"/>
                 <a:ea typeface="Monaco" charset="0"/>
                 <a:cs typeface="Monaco" charset="0"/>
@@ -11492,7 +9811,7 @@
           </a:ln>
           <a:extLst>
             <a:ext uri="{C572A759-6A51-4108-AA02-DFA0A04FC94B}">
-              <ma14:wrappingTextBoxFlag xmlns:ma14="http://schemas.microsoft.com/office/mac/drawingml/2011/main" val="1"/>
+              <ma14:wrappingTextBoxFlag xmlns:ma14="http://schemas.microsoft.com/office/mac/drawingml/2011/main" xmlns="" val="1"/>
             </a:ext>
           </a:extLst>
         </p:spPr>
@@ -11504,7 +9823,7 @@
               <a:defRPr sz="1800"/>
             </a:pPr>
             <a:r>
-              <a:rPr lang="en-US" sz="2400" dirty="0" smtClean="0">
+              <a:rPr lang="en-US" sz="2400" dirty="0">
                 <a:solidFill>
                   <a:srgbClr val="FFFFFF"/>
                 </a:solidFill>
@@ -11516,7 +9835,7 @@
               <a:t>Convert </a:t>
             </a:r>
             <a:r>
-              <a:rPr lang="en-US" sz="2400" dirty="0" err="1" smtClean="0">
+              <a:rPr lang="en-US" sz="2400" dirty="0" err="1">
                 <a:solidFill>
                   <a:srgbClr val="FFFFFF"/>
                 </a:solidFill>
@@ -11528,7 +9847,7 @@
               <a:t>dfm</a:t>
             </a:r>
             <a:r>
-              <a:rPr lang="en-US" sz="2400" dirty="0" smtClean="0">
+              <a:rPr lang="en-US" sz="2400" dirty="0">
                 <a:solidFill>
                   <a:srgbClr val="FFFFFF"/>
                 </a:solidFill>
@@ -11540,7 +9859,7 @@
               <a:t> to a non-</a:t>
             </a:r>
             <a:r>
-              <a:rPr lang="en-US" sz="2400" dirty="0" err="1" smtClean="0">
+              <a:rPr lang="en-US" sz="2400" dirty="0" err="1">
                 <a:solidFill>
                   <a:srgbClr val="FFFFFF"/>
                 </a:solidFill>
@@ -11552,7 +9871,7 @@
               <a:t>quanteda</a:t>
             </a:r>
             <a:r>
-              <a:rPr lang="en-US" sz="2400" dirty="0" smtClean="0">
+              <a:rPr lang="en-US" sz="2400" dirty="0">
                 <a:solidFill>
                   <a:srgbClr val="FFFFFF"/>
                 </a:solidFill>
@@ -11563,15 +9882,6 @@
               </a:rPr>
               <a:t> format</a:t>
             </a:r>
-            <a:endParaRPr lang="en-US" sz="2400" dirty="0">
-              <a:solidFill>
-                <a:srgbClr val="FFFFFF"/>
-              </a:solidFill>
-              <a:latin typeface="Source Sans Pro"/>
-              <a:ea typeface="Source Sans Pro"/>
-              <a:cs typeface="Source Sans Pro"/>
-              <a:sym typeface="Source Sans Pro"/>
-            </a:endParaRPr>
           </a:p>
         </p:txBody>
       </p:sp>

--- a/powerpoints/quanteda.pptx
+++ b/powerpoints/quanteda.pptx
@@ -107,36 +107,16 @@
 
 <file path=ppt/commentAuthors.xml><?xml version="1.0" encoding="utf-8"?>
 <p:cmAuthorLst xmlns:a="http://schemas.openxmlformats.org/drawingml/2006/main" xmlns:r="http://schemas.openxmlformats.org/officeDocument/2006/relationships" xmlns:p="http://schemas.openxmlformats.org/presentationml/2006/main">
-  <p:cmAuthor id="7" name="Benoit,KR" initials="B [7]" lastIdx="1" clrIdx="6">
-    <p:extLst/>
-  </p:cmAuthor>
-  <p:cmAuthor id="1" name="Benoit,KR" initials="B" lastIdx="1" clrIdx="0">
-    <p:extLst/>
-  </p:cmAuthor>
-  <p:cmAuthor id="8" name="Benoit,KR" initials="B [8]" lastIdx="1" clrIdx="7">
-    <p:extLst/>
-  </p:cmAuthor>
-  <p:cmAuthor id="2" name="Benoit,KR" initials="B [2]" lastIdx="1" clrIdx="1">
-    <p:extLst/>
-  </p:cmAuthor>
-  <p:cmAuthor id="9" name="Benoit,KR" initials="B [9]" lastIdx="1" clrIdx="8">
-    <p:extLst/>
-  </p:cmAuthor>
-  <p:cmAuthor id="3" name="Benoit,KR" initials="B [3]" lastIdx="1" clrIdx="2">
-    <p:extLst/>
-  </p:cmAuthor>
-  <p:cmAuthor id="10" name="Benoit,KR" initials="B [10]" lastIdx="1" clrIdx="9">
-    <p:extLst/>
-  </p:cmAuthor>
-  <p:cmAuthor id="4" name="Benoit,KR" initials="B [4]" lastIdx="1" clrIdx="3">
-    <p:extLst/>
-  </p:cmAuthor>
-  <p:cmAuthor id="5" name="Benoit,KR" initials="B [5]" lastIdx="1" clrIdx="4">
-    <p:extLst/>
-  </p:cmAuthor>
-  <p:cmAuthor id="6" name="Benoit,KR" initials="B [6]" lastIdx="1" clrIdx="5">
-    <p:extLst/>
-  </p:cmAuthor>
+  <p:cmAuthor id="7" name="Benoit,KR" initials="B [7]" lastIdx="1" clrIdx="6"/>
+  <p:cmAuthor id="1" name="Benoit,KR" initials="B" lastIdx="1" clrIdx="0"/>
+  <p:cmAuthor id="8" name="Benoit,KR" initials="B [8]" lastIdx="1" clrIdx="7"/>
+  <p:cmAuthor id="2" name="Benoit,KR" initials="B [2]" lastIdx="1" clrIdx="1"/>
+  <p:cmAuthor id="9" name="Benoit,KR" initials="B [9]" lastIdx="1" clrIdx="8"/>
+  <p:cmAuthor id="3" name="Benoit,KR" initials="B [3]" lastIdx="1" clrIdx="2"/>
+  <p:cmAuthor id="10" name="Benoit,KR" initials="B [10]" lastIdx="1" clrIdx="9"/>
+  <p:cmAuthor id="4" name="Benoit,KR" initials="B [4]" lastIdx="1" clrIdx="3"/>
+  <p:cmAuthor id="5" name="Benoit,KR" initials="B [5]" lastIdx="1" clrIdx="4"/>
+  <p:cmAuthor id="6" name="Benoit,KR" initials="B [6]" lastIdx="1" clrIdx="5"/>
 </p:cmAuthorLst>
 </file>
 
@@ -2114,8 +2094,8 @@
         </p:nvSpPr>
         <p:spPr>
           <a:xfrm>
-            <a:off x="3928502" y="1212238"/>
-            <a:ext cx="2966163" cy="2728346"/>
+            <a:off x="3831787" y="1212238"/>
+            <a:ext cx="3052773" cy="2728346"/>
           </a:xfrm>
           <a:prstGeom prst="rect">
             <a:avLst/>
@@ -2258,8 +2238,8 @@
         </p:nvSpPr>
         <p:spPr>
           <a:xfrm>
-            <a:off x="7137053" y="8064987"/>
-            <a:ext cx="6696000" cy="2305932"/>
+            <a:off x="7037878" y="8064987"/>
+            <a:ext cx="6840676" cy="2305932"/>
           </a:xfrm>
           <a:prstGeom prst="rect">
             <a:avLst/>
@@ -2328,7 +2308,7 @@
         </p:nvSpPr>
         <p:spPr>
           <a:xfrm>
-            <a:off x="262621" y="1712046"/>
+            <a:off x="288983" y="1607350"/>
             <a:ext cx="3503467" cy="2257028"/>
           </a:xfrm>
           <a:prstGeom prst="rect">
@@ -2514,23 +2494,7 @@
                 <a:ea typeface="Source Sans Pro" charset="0"/>
                 <a:cs typeface="Source Sans Pro" charset="0"/>
               </a:rPr>
-              <a:t>* fit (un-</a:t>
-            </a:r>
-            <a:r>
-              <a:rPr lang="en-US" sz="1400">
-                <a:latin typeface="Source Sans Pro" charset="0"/>
-                <a:ea typeface="Source Sans Pro" charset="0"/>
-                <a:cs typeface="Source Sans Pro" charset="0"/>
-              </a:rPr>
-              <a:t>)supervised </a:t>
-            </a:r>
-            <a:r>
-              <a:rPr lang="en-US" sz="1400" dirty="0">
-                <a:latin typeface="Source Sans Pro" charset="0"/>
-                <a:ea typeface="Source Sans Pro" charset="0"/>
-                <a:cs typeface="Source Sans Pro" charset="0"/>
-              </a:rPr>
-              <a:t>models</a:t>
+              <a:t>* fit (un-)supervised models</a:t>
             </a:r>
           </a:p>
           <a:p>
@@ -2677,7 +2641,7 @@
         </p:nvSpPr>
         <p:spPr>
           <a:xfrm>
-            <a:off x="3625144" y="154129"/>
+            <a:off x="3559271" y="192638"/>
             <a:ext cx="3511910" cy="536848"/>
           </a:xfrm>
           <a:prstGeom prst="rect">
@@ -2772,7 +2736,7 @@
         <p:spPr>
           <a:xfrm>
             <a:off x="520861" y="4738679"/>
-            <a:ext cx="6216624" cy="5996513"/>
+            <a:ext cx="6216624" cy="5457904"/>
           </a:xfrm>
           <a:prstGeom prst="rect">
             <a:avLst/>
@@ -3023,143 +2987,57 @@
           <a:p>
             <a:pPr algn="l"/>
             <a:r>
-              <a:rPr lang="en-US" sz="1000" dirty="0">
-                <a:latin typeface="Monaco" charset="0"/>
-                <a:ea typeface="Monaco" charset="0"/>
-                <a:cs typeface="Monaco" charset="0"/>
-              </a:rPr>
-              <a:t># Corpus consisting of 58 documents, showing 2 documents:</a:t>
+              <a:rPr lang="en-US" sz="900" dirty="0">
+                <a:latin typeface="Monaco" charset="0"/>
+                <a:ea typeface="Monaco" charset="0"/>
+                <a:cs typeface="Monaco" charset="0"/>
+              </a:rPr>
+              <a:t>## Corpus consisting of 58 documents, showing 2 documents:</a:t>
             </a:r>
           </a:p>
           <a:p>
             <a:pPr algn="l"/>
             <a:r>
-              <a:rPr lang="en-US" sz="1000" dirty="0">
-                <a:latin typeface="Monaco" charset="0"/>
-                <a:ea typeface="Monaco" charset="0"/>
-                <a:cs typeface="Monaco" charset="0"/>
-              </a:rPr>
-              <a:t>#            Text Types Tokens Sentences Year  President </a:t>
-            </a:r>
-            <a:r>
-              <a:rPr lang="en-US" sz="1000" dirty="0" err="1">
-                <a:latin typeface="Monaco" charset="0"/>
-                <a:ea typeface="Monaco" charset="0"/>
-                <a:cs typeface="Monaco" charset="0"/>
-              </a:rPr>
-              <a:t>FirstName</a:t>
-            </a:r>
-            <a:r>
-              <a:rPr lang="en-US" sz="1000" dirty="0">
-                <a:latin typeface="Monaco" charset="0"/>
-                <a:ea typeface="Monaco" charset="0"/>
-                <a:cs typeface="Monaco" charset="0"/>
-              </a:rPr>
-              <a:t> </a:t>
+              <a:rPr lang="en-US" sz="900" dirty="0">
+                <a:latin typeface="Monaco" charset="0"/>
+                <a:ea typeface="Monaco" charset="0"/>
+                <a:cs typeface="Monaco" charset="0"/>
+              </a:rPr>
+              <a:t>## </a:t>
             </a:r>
           </a:p>
           <a:p>
             <a:pPr algn="l"/>
             <a:r>
-              <a:rPr lang="en-US" sz="1000" dirty="0">
-                <a:latin typeface="Monaco" charset="0"/>
-                <a:ea typeface="Monaco" charset="0"/>
-                <a:cs typeface="Monaco" charset="0"/>
-              </a:rPr>
-              <a:t># 1789-Washington   625   1538        23 1789 Washington    George </a:t>
+              <a:rPr lang="en-US" sz="900" dirty="0">
+                <a:latin typeface="Monaco" charset="0"/>
+                <a:ea typeface="Monaco" charset="0"/>
+                <a:cs typeface="Monaco" charset="0"/>
+              </a:rPr>
+              <a:t>##             Text Types Tokens Sentences Year  President FirstName Party</a:t>
             </a:r>
           </a:p>
           <a:p>
             <a:pPr algn="l"/>
             <a:r>
-              <a:rPr lang="en-US" sz="1000" dirty="0">
-                <a:latin typeface="Monaco" charset="0"/>
-                <a:ea typeface="Monaco" charset="0"/>
-                <a:cs typeface="Monaco" charset="0"/>
-              </a:rPr>
-              <a:t># 1793-Washington    96    147         4 1793 Washington    George</a:t>
+              <a:rPr lang="en-US" sz="900" dirty="0">
+                <a:latin typeface="Monaco" charset="0"/>
+                <a:ea typeface="Monaco" charset="0"/>
+                <a:cs typeface="Monaco" charset="0"/>
+              </a:rPr>
+              <a:t>##  1789-Washington   625   1537        23 1789 Washington    George  none</a:t>
             </a:r>
           </a:p>
           <a:p>
             <a:pPr algn="l"/>
             <a:r>
-              <a:rPr lang="en-US" sz="1000" dirty="0">
-                <a:latin typeface="Monaco" charset="0"/>
-                <a:ea typeface="Monaco" charset="0"/>
-                <a:cs typeface="Monaco" charset="0"/>
-              </a:rPr>
-              <a:t>#</a:t>
-            </a:r>
-          </a:p>
-          <a:p>
-            <a:pPr algn="l"/>
-            <a:r>
-              <a:rPr lang="en-US" sz="1000" dirty="0">
-                <a:latin typeface="Monaco" charset="0"/>
-                <a:ea typeface="Monaco" charset="0"/>
-                <a:cs typeface="Monaco" charset="0"/>
-              </a:rPr>
-              <a:t># Source:  Gerhard Peters and John T. Woolley. The American Presidency Project.</a:t>
-            </a:r>
-          </a:p>
-          <a:p>
-            <a:pPr algn="l"/>
-            <a:r>
-              <a:rPr lang="en-US" sz="1000" dirty="0">
-                <a:latin typeface="Monaco" charset="0"/>
-                <a:ea typeface="Monaco" charset="0"/>
-                <a:cs typeface="Monaco" charset="0"/>
-              </a:rPr>
-              <a:t># Created: Tue Jun 13 14:51:47 2017</a:t>
-            </a:r>
-          </a:p>
-          <a:p>
-            <a:pPr algn="l"/>
-            <a:r>
-              <a:rPr lang="en-US" sz="1000" dirty="0">
-                <a:latin typeface="Monaco" charset="0"/>
-                <a:ea typeface="Monaco" charset="0"/>
-                <a:cs typeface="Monaco" charset="0"/>
-              </a:rPr>
-              <a:t># Notes:   http://</a:t>
-            </a:r>
-            <a:r>
-              <a:rPr lang="en-US" sz="1000" dirty="0" err="1">
-                <a:latin typeface="Monaco" charset="0"/>
-                <a:ea typeface="Monaco" charset="0"/>
-                <a:cs typeface="Monaco" charset="0"/>
-              </a:rPr>
-              <a:t>www.presidency.ucsb.edu</a:t>
-            </a:r>
-            <a:r>
-              <a:rPr lang="en-US" sz="1000" dirty="0">
-                <a:latin typeface="Monaco" charset="0"/>
-                <a:ea typeface="Monaco" charset="0"/>
-                <a:cs typeface="Monaco" charset="0"/>
-              </a:rPr>
-              <a:t>/</a:t>
-            </a:r>
-            <a:r>
-              <a:rPr lang="en-US" sz="1000" dirty="0" err="1">
-                <a:latin typeface="Monaco" charset="0"/>
-                <a:ea typeface="Monaco" charset="0"/>
-                <a:cs typeface="Monaco" charset="0"/>
-              </a:rPr>
-              <a:t>inaugurals.php</a:t>
-            </a:r>
-            <a:r>
-              <a:rPr lang="en-US" sz="1000" dirty="0">
-                <a:latin typeface="Monaco" charset="0"/>
-                <a:ea typeface="Monaco" charset="0"/>
-                <a:cs typeface="Monaco" charset="0"/>
-              </a:rPr>
-              <a:t> </a:t>
-            </a:r>
-            <a:endParaRPr lang="en-US" sz="1000" b="1" dirty="0">
-              <a:latin typeface="Source Sans Pro" charset="0"/>
-              <a:ea typeface="Source Sans Pro" charset="0"/>
-              <a:cs typeface="Source Sans Pro" charset="0"/>
-            </a:endParaRPr>
+              <a:rPr lang="en-US" sz="900" dirty="0">
+                <a:latin typeface="Monaco" charset="0"/>
+                <a:ea typeface="Monaco" charset="0"/>
+                <a:cs typeface="Monaco" charset="0"/>
+              </a:rPr>
+              <a:t>##  1793-Washington    96    147         4 1793 Washington    George  none</a:t>
+            </a:r>
           </a:p>
           <a:p>
             <a:pPr algn="l">
@@ -3185,7 +3063,7 @@
             <a:r>
               <a:rPr lang="en-US" sz="1300" dirty="0">
                 <a:solidFill>
-                  <a:srgbClr val="006AC7"/>
+                  <a:schemeClr val="tx1"/>
                 </a:solidFill>
                 <a:latin typeface="Monaco" charset="0"/>
                 <a:ea typeface="Monaco" charset="0"/>
@@ -3196,37 +3074,13 @@
             <a:r>
               <a:rPr lang="en-US" sz="1300" dirty="0" err="1">
                 <a:solidFill>
-                  <a:srgbClr val="006AC7"/>
-                </a:solidFill>
-                <a:latin typeface="Monaco" charset="0"/>
-                <a:ea typeface="Monaco" charset="0"/>
-                <a:cs typeface="Monaco" charset="0"/>
-              </a:rPr>
-              <a:t>docvars</a:t>
-            </a:r>
-            <a:r>
-              <a:rPr lang="en-US" sz="1300" dirty="0">
-                <a:latin typeface="Monaco" charset="0"/>
-                <a:ea typeface="Monaco" charset="0"/>
-                <a:cs typeface="Monaco" charset="0"/>
-              </a:rPr>
-              <a:t>(</a:t>
-            </a:r>
-            <a:r>
-              <a:rPr lang="en-US" sz="1300" dirty="0" err="1">
-                <a:latin typeface="Monaco" charset="0"/>
-                <a:ea typeface="Monaco" charset="0"/>
-                <a:cs typeface="Monaco" charset="0"/>
-              </a:rPr>
-              <a:t>data_corpus_inaugural</a:t>
-            </a:r>
-            <a:r>
-              <a:rPr lang="en-US" sz="1300" dirty="0">
-                <a:latin typeface="Monaco" charset="0"/>
-                <a:ea typeface="Monaco" charset="0"/>
-                <a:cs typeface="Monaco" charset="0"/>
-              </a:rPr>
-              <a:t>, "Party")</a:t>
+                  <a:schemeClr val="tx1"/>
+                </a:solidFill>
+                <a:latin typeface="Monaco" charset="0"/>
+                <a:ea typeface="Monaco" charset="0"/>
+                <a:cs typeface="Monaco" charset="0"/>
+              </a:rPr>
+              <a:t>data_corpus_inaugural$Party</a:t>
             </a:r>
             <a:br>
               <a:rPr lang="en-US" sz="1300" dirty="0">
@@ -3237,9 +3091,61 @@
             </a:br>
             <a:r>
               <a:rPr lang="en-US" sz="1300" dirty="0" err="1">
-                <a:solidFill>
-                  <a:srgbClr val="006AC7"/>
-                </a:solidFill>
+                <a:latin typeface="Monaco" charset="0"/>
+                <a:ea typeface="Monaco" charset="0"/>
+                <a:cs typeface="Monaco" charset="0"/>
+              </a:rPr>
+              <a:t>x$serial_number</a:t>
+            </a:r>
+            <a:r>
+              <a:rPr lang="en-US" sz="1300" dirty="0">
+                <a:latin typeface="Monaco" charset="0"/>
+                <a:ea typeface="Monaco" charset="0"/>
+                <a:cs typeface="Monaco" charset="0"/>
+              </a:rPr>
+              <a:t> &lt;- </a:t>
+            </a:r>
+            <a:r>
+              <a:rPr lang="en-US" sz="1300" dirty="0" err="1">
+                <a:latin typeface="Monaco" charset="0"/>
+                <a:ea typeface="Monaco" charset="0"/>
+                <a:cs typeface="Monaco" charset="0"/>
+              </a:rPr>
+              <a:t>seq_len</a:t>
+            </a:r>
+            <a:r>
+              <a:rPr lang="en-US" sz="1300" dirty="0">
+                <a:latin typeface="Monaco" charset="0"/>
+                <a:ea typeface="Monaco" charset="0"/>
+                <a:cs typeface="Monaco" charset="0"/>
+              </a:rPr>
+              <a:t>(</a:t>
+            </a:r>
+            <a:r>
+              <a:rPr lang="en-US" sz="1300" dirty="0" err="1">
+                <a:latin typeface="Monaco" charset="0"/>
+                <a:ea typeface="Monaco" charset="0"/>
+                <a:cs typeface="Monaco" charset="0"/>
+              </a:rPr>
+              <a:t>ndoc</a:t>
+            </a:r>
+            <a:r>
+              <a:rPr lang="en-US" sz="1300" dirty="0">
+                <a:latin typeface="Monaco" charset="0"/>
+                <a:ea typeface="Monaco" charset="0"/>
+                <a:cs typeface="Monaco" charset="0"/>
+              </a:rPr>
+              <a:t>(x))</a:t>
+            </a:r>
+            <a:br>
+              <a:rPr lang="en-US" sz="1300" dirty="0">
+                <a:latin typeface="Monaco" charset="0"/>
+                <a:ea typeface="Monaco" charset="0"/>
+                <a:cs typeface="Monaco" charset="0"/>
+              </a:rPr>
+            </a:br>
+            <a:r>
+              <a:rPr lang="en-US" sz="1300" dirty="0" err="1">
                 <a:latin typeface="Monaco" charset="0"/>
                 <a:ea typeface="Monaco" charset="0"/>
                 <a:cs typeface="Monaco" charset="0"/>
@@ -3248,9 +3154,6 @@
             </a:r>
             <a:r>
               <a:rPr lang="en-US" sz="1300" dirty="0">
-                <a:solidFill>
-                  <a:schemeClr val="tx1"/>
-                </a:solidFill>
                 <a:latin typeface="Monaco" charset="0"/>
                 <a:ea typeface="Monaco" charset="0"/>
                 <a:cs typeface="Monaco" charset="0"/>
@@ -3259,9 +3162,6 @@
             </a:r>
             <a:r>
               <a:rPr lang="en-US" sz="1300" dirty="0" err="1">
-                <a:solidFill>
-                  <a:schemeClr val="tx1"/>
-                </a:solidFill>
                 <a:latin typeface="Monaco" charset="0"/>
                 <a:ea typeface="Monaco" charset="0"/>
                 <a:cs typeface="Monaco" charset="0"/>
@@ -3270,22 +3170,51 @@
             </a:r>
             <a:r>
               <a:rPr lang="en-US" sz="1300" dirty="0">
-                <a:solidFill>
-                  <a:schemeClr val="tx1"/>
-                </a:solidFill>
-                <a:latin typeface="Monaco" charset="0"/>
-                <a:ea typeface="Monaco" charset="0"/>
-                <a:cs typeface="Monaco" charset="0"/>
-              </a:rPr>
-              <a:t>") &lt;- 1:ndoc(x)</a:t>
+                <a:latin typeface="Monaco" charset="0"/>
+                <a:ea typeface="Monaco" charset="0"/>
+                <a:cs typeface="Monaco" charset="0"/>
+              </a:rPr>
+              <a:t>") &lt;- </a:t>
+            </a:r>
+            <a:r>
+              <a:rPr lang="en-US" sz="1300" dirty="0" err="1">
+                <a:latin typeface="Monaco" charset="0"/>
+                <a:ea typeface="Monaco" charset="0"/>
+                <a:cs typeface="Monaco" charset="0"/>
+              </a:rPr>
+              <a:t>seq_len</a:t>
+            </a:r>
+            <a:r>
+              <a:rPr lang="en-US" sz="1300" dirty="0">
+                <a:latin typeface="Monaco" charset="0"/>
+                <a:ea typeface="Monaco" charset="0"/>
+                <a:cs typeface="Monaco" charset="0"/>
+              </a:rPr>
+              <a:t>(</a:t>
+            </a:r>
+            <a:r>
+              <a:rPr lang="en-US" sz="1300" dirty="0" err="1">
+                <a:latin typeface="Monaco" charset="0"/>
+                <a:ea typeface="Monaco" charset="0"/>
+                <a:cs typeface="Monaco" charset="0"/>
+              </a:rPr>
+              <a:t>ndoc</a:t>
+            </a:r>
+            <a:r>
+              <a:rPr lang="en-US" sz="1300" dirty="0">
+                <a:latin typeface="Monaco" charset="0"/>
+                <a:ea typeface="Monaco" charset="0"/>
+                <a:cs typeface="Monaco" charset="0"/>
+              </a:rPr>
+              <a:t>(x)) # alternative</a:t>
             </a:r>
             <a:endParaRPr lang="en-US" sz="1300" dirty="0">
               <a:solidFill>
-                <a:schemeClr val="tx1"/>
+                <a:srgbClr val="006AC7"/>
               </a:solidFill>
-              <a:latin typeface="Source Sans Pro" charset="0"/>
-              <a:ea typeface="Source Sans Pro" charset="0"/>
-              <a:cs typeface="Source Sans Pro" charset="0"/>
+              <a:latin typeface="Monaco" charset="0"/>
+              <a:ea typeface="Monaco" charset="0"/>
+              <a:cs typeface="Monaco" charset="0"/>
             </a:endParaRPr>
           </a:p>
           <a:p>
@@ -3429,7 +3358,7 @@
                 <a:ea typeface="Monaco" charset="0"/>
                 <a:cs typeface="Monaco" charset="0"/>
               </a:rPr>
-              <a:t>(x, to = c("sentences", "paragraphs"))</a:t>
+              <a:t>(x, to = "sentences")</a:t>
             </a:r>
           </a:p>
           <a:p>
@@ -3583,8 +3512,8 @@
         </p:nvSpPr>
         <p:spPr>
           <a:xfrm>
-            <a:off x="229085" y="4049688"/>
-            <a:ext cx="6655475" cy="486431"/>
+            <a:off x="234138" y="4049688"/>
+            <a:ext cx="6650422" cy="486431"/>
           </a:xfrm>
           <a:prstGeom prst="roundRect">
             <a:avLst>
@@ -3666,8 +3595,8 @@
         </p:nvSpPr>
         <p:spPr>
           <a:xfrm>
-            <a:off x="7352820" y="639097"/>
-            <a:ext cx="6645071" cy="7083991"/>
+            <a:off x="7153641" y="554077"/>
+            <a:ext cx="6743492" cy="7360989"/>
           </a:xfrm>
           <a:prstGeom prst="rect">
             <a:avLst/>
@@ -3856,7 +3785,7 @@
                 <a:ea typeface="Monaco" charset="0"/>
                 <a:cs typeface="Monaco" charset="0"/>
               </a:rPr>
-              <a:t>head</a:t>
+              <a:t>print</a:t>
             </a:r>
             <a:r>
               <a:rPr lang="de-DE" sz="1300" dirty="0">
@@ -3872,7 +3801,7 @@
                 <a:ea typeface="Monaco" charset="0"/>
                 <a:cs typeface="Monaco" charset="0"/>
               </a:rPr>
-              <a:t>n</a:t>
+              <a:t>max</a:t>
             </a:r>
             <a:r>
               <a:rPr lang="de-DE" sz="1300" dirty="0">
@@ -3880,6 +3809,22 @@
                 <a:ea typeface="Monaco" charset="0"/>
                 <a:cs typeface="Monaco" charset="0"/>
               </a:rPr>
+              <a:t>-_</a:t>
+            </a:r>
+            <a:r>
+              <a:rPr lang="de-DE" sz="1300" dirty="0" err="1">
+                <a:latin typeface="Monaco" charset="0"/>
+                <a:ea typeface="Monaco" charset="0"/>
+                <a:cs typeface="Monaco" charset="0"/>
+              </a:rPr>
+              <a:t>ndoc</a:t>
+            </a:r>
+            <a:r>
+              <a:rPr lang="de-DE" sz="1300" dirty="0">
+                <a:latin typeface="Monaco" charset="0"/>
+                <a:ea typeface="Monaco" charset="0"/>
+                <a:cs typeface="Monaco" charset="0"/>
+              </a:rPr>
               <a:t> = 2, </a:t>
             </a:r>
             <a:r>
@@ -3888,7 +3833,7 @@
                 <a:ea typeface="Monaco" charset="0"/>
                 <a:cs typeface="Monaco" charset="0"/>
               </a:rPr>
-              <a:t>nf</a:t>
+              <a:t>max_nfeat</a:t>
             </a:r>
             <a:r>
               <a:rPr lang="de-DE" sz="1300" dirty="0">
@@ -3902,254 +3847,117 @@
           <a:p>
             <a:pPr lvl="0" algn="l"/>
             <a:r>
-              <a:rPr lang="mr-IN" sz="1000" dirty="0">
-                <a:latin typeface="Monaco" charset="0"/>
-                <a:ea typeface="Monaco" charset="0"/>
-                <a:cs typeface="Monaco" charset="0"/>
-              </a:rPr>
-              <a:t>## </a:t>
-            </a:r>
-            <a:r>
-              <a:rPr lang="mr-IN" sz="1000" dirty="0" err="1">
-                <a:latin typeface="Monaco" charset="0"/>
-                <a:ea typeface="Monaco" charset="0"/>
-                <a:cs typeface="Monaco" charset="0"/>
-              </a:rPr>
-              <a:t>Document-feature</a:t>
-            </a:r>
-            <a:r>
-              <a:rPr lang="mr-IN" sz="1000" dirty="0">
-                <a:latin typeface="Monaco" charset="0"/>
-                <a:ea typeface="Monaco" charset="0"/>
-                <a:cs typeface="Monaco" charset="0"/>
-              </a:rPr>
-              <a:t> </a:t>
-            </a:r>
-            <a:r>
-              <a:rPr lang="mr-IN" sz="1000" dirty="0" err="1">
-                <a:latin typeface="Monaco" charset="0"/>
-                <a:ea typeface="Monaco" charset="0"/>
-                <a:cs typeface="Monaco" charset="0"/>
-              </a:rPr>
-              <a:t>matrix</a:t>
-            </a:r>
-            <a:r>
-              <a:rPr lang="mr-IN" sz="1000" dirty="0">
-                <a:latin typeface="Monaco" charset="0"/>
-                <a:ea typeface="Monaco" charset="0"/>
-                <a:cs typeface="Monaco" charset="0"/>
-              </a:rPr>
-              <a:t> of: </a:t>
-            </a:r>
-            <a:r>
-              <a:rPr lang="de-DE" sz="1000" dirty="0">
-                <a:latin typeface="Monaco" charset="0"/>
-                <a:ea typeface="Monaco" charset="0"/>
-                <a:cs typeface="Monaco" charset="0"/>
-              </a:rPr>
-              <a:t>2</a:t>
-            </a:r>
-            <a:r>
-              <a:rPr lang="mr-IN" sz="1000" dirty="0">
-                <a:latin typeface="Monaco" charset="0"/>
-                <a:ea typeface="Monaco" charset="0"/>
-                <a:cs typeface="Monaco" charset="0"/>
-              </a:rPr>
-              <a:t> </a:t>
-            </a:r>
-            <a:r>
-              <a:rPr lang="mr-IN" sz="1000" dirty="0" err="1">
-                <a:latin typeface="Monaco" charset="0"/>
-                <a:ea typeface="Monaco" charset="0"/>
-                <a:cs typeface="Monaco" charset="0"/>
-              </a:rPr>
-              <a:t>documents</a:t>
-            </a:r>
-            <a:r>
-              <a:rPr lang="mr-IN" sz="1000" dirty="0">
-                <a:latin typeface="Monaco" charset="0"/>
-                <a:ea typeface="Monaco" charset="0"/>
-                <a:cs typeface="Monaco" charset="0"/>
-              </a:rPr>
-              <a:t>, 4 </a:t>
-            </a:r>
-            <a:r>
-              <a:rPr lang="mr-IN" sz="1000" dirty="0" err="1">
-                <a:latin typeface="Monaco" charset="0"/>
-                <a:ea typeface="Monaco" charset="0"/>
-                <a:cs typeface="Monaco" charset="0"/>
-              </a:rPr>
-              <a:t>features</a:t>
-            </a:r>
-            <a:r>
-              <a:rPr lang="mr-IN" sz="1000" dirty="0">
-                <a:latin typeface="Monaco" charset="0"/>
-                <a:ea typeface="Monaco" charset="0"/>
-                <a:cs typeface="Monaco" charset="0"/>
-              </a:rPr>
-              <a:t> (41.7% </a:t>
-            </a:r>
-            <a:r>
-              <a:rPr lang="mr-IN" sz="1000" dirty="0" err="1">
-                <a:latin typeface="Monaco" charset="0"/>
-                <a:ea typeface="Monaco" charset="0"/>
-                <a:cs typeface="Monaco" charset="0"/>
-              </a:rPr>
-              <a:t>sparse</a:t>
-            </a:r>
-            <a:r>
-              <a:rPr lang="mr-IN" sz="1000" dirty="0">
-                <a:latin typeface="Monaco" charset="0"/>
-                <a:ea typeface="Monaco" charset="0"/>
-                <a:cs typeface="Monaco" charset="0"/>
-              </a:rPr>
-              <a:t>).</a:t>
-            </a:r>
-            <a:endParaRPr lang="en-GB" sz="1000" dirty="0">
-              <a:latin typeface="Monaco" charset="0"/>
-              <a:ea typeface="Monaco" charset="0"/>
-              <a:cs typeface="Monaco" charset="0"/>
-            </a:endParaRPr>
+              <a:rPr lang="en-IE" sz="900" dirty="0">
+                <a:latin typeface="Monaco" charset="0"/>
+                <a:ea typeface="Monaco" charset="0"/>
+                <a:cs typeface="Monaco" charset="0"/>
+              </a:rPr>
+              <a:t>## Document-feature matrix of: 58 documents, 9,210 features (92.6% sparse) and 4 </a:t>
+            </a:r>
+            <a:r>
+              <a:rPr lang="en-IE" sz="900" dirty="0" err="1">
+                <a:latin typeface="Monaco" charset="0"/>
+                <a:ea typeface="Monaco" charset="0"/>
+                <a:cs typeface="Monaco" charset="0"/>
+              </a:rPr>
+              <a:t>docvars</a:t>
+            </a:r>
+            <a:r>
+              <a:rPr lang="en-IE" sz="900" dirty="0">
+                <a:latin typeface="Monaco" charset="0"/>
+                <a:ea typeface="Monaco" charset="0"/>
+                <a:cs typeface="Monaco" charset="0"/>
+              </a:rPr>
+              <a:t>.</a:t>
+            </a:r>
           </a:p>
           <a:p>
             <a:pPr lvl="0" algn="l"/>
             <a:r>
-              <a:rPr lang="mr-IN" sz="1000" dirty="0">
-                <a:latin typeface="Monaco" charset="0"/>
-                <a:ea typeface="Monaco" charset="0"/>
-                <a:cs typeface="Monaco" charset="0"/>
-              </a:rPr>
-              <a:t>##                  </a:t>
-            </a:r>
-            <a:r>
-              <a:rPr lang="mr-IN" sz="1000" dirty="0" err="1">
-                <a:latin typeface="Monaco" charset="0"/>
-                <a:ea typeface="Monaco" charset="0"/>
-                <a:cs typeface="Monaco" charset="0"/>
-              </a:rPr>
-              <a:t>features</a:t>
-            </a:r>
-            <a:endParaRPr lang="en-GB" sz="1000" dirty="0">
-              <a:latin typeface="Monaco" charset="0"/>
-              <a:ea typeface="Monaco" charset="0"/>
-              <a:cs typeface="Monaco" charset="0"/>
-            </a:endParaRPr>
+              <a:rPr lang="en-IE" sz="900" dirty="0">
+                <a:latin typeface="Monaco" charset="0"/>
+                <a:ea typeface="Monaco" charset="0"/>
+                <a:cs typeface="Monaco" charset="0"/>
+              </a:rPr>
+              <a:t>##                  features</a:t>
+            </a:r>
           </a:p>
           <a:p>
             <a:pPr lvl="0" algn="l"/>
             <a:r>
-              <a:rPr lang="mr-IN" sz="1000" dirty="0">
-                <a:latin typeface="Monaco" charset="0"/>
-                <a:ea typeface="Monaco" charset="0"/>
-                <a:cs typeface="Monaco" charset="0"/>
-              </a:rPr>
-              <a:t>## </a:t>
-            </a:r>
-            <a:r>
-              <a:rPr lang="mr-IN" sz="1000" dirty="0" err="1">
-                <a:latin typeface="Monaco" charset="0"/>
-                <a:ea typeface="Monaco" charset="0"/>
-                <a:cs typeface="Monaco" charset="0"/>
-              </a:rPr>
-              <a:t>docs</a:t>
-            </a:r>
-            <a:r>
-              <a:rPr lang="mr-IN" sz="1000" dirty="0">
-                <a:latin typeface="Monaco" charset="0"/>
-                <a:ea typeface="Monaco" charset="0"/>
-                <a:cs typeface="Monaco" charset="0"/>
-              </a:rPr>
-              <a:t>              </a:t>
-            </a:r>
-            <a:r>
-              <a:rPr lang="mr-IN" sz="1000" dirty="0" err="1">
-                <a:latin typeface="Monaco" charset="0"/>
-                <a:ea typeface="Monaco" charset="0"/>
-                <a:cs typeface="Monaco" charset="0"/>
-              </a:rPr>
-              <a:t>fellow-citizens</a:t>
-            </a:r>
-            <a:r>
-              <a:rPr lang="mr-IN" sz="1000" dirty="0">
-                <a:latin typeface="Monaco" charset="0"/>
-                <a:ea typeface="Monaco" charset="0"/>
-                <a:cs typeface="Monaco" charset="0"/>
-              </a:rPr>
-              <a:t> </a:t>
-            </a:r>
-            <a:r>
-              <a:rPr lang="mr-IN" sz="1000" dirty="0" err="1">
-                <a:latin typeface="Monaco" charset="0"/>
-                <a:ea typeface="Monaco" charset="0"/>
-                <a:cs typeface="Monaco" charset="0"/>
-              </a:rPr>
-              <a:t>senate</a:t>
-            </a:r>
-            <a:r>
-              <a:rPr lang="mr-IN" sz="1000" dirty="0">
-                <a:latin typeface="Monaco" charset="0"/>
-                <a:ea typeface="Monaco" charset="0"/>
-                <a:cs typeface="Monaco" charset="0"/>
-              </a:rPr>
-              <a:t> </a:t>
-            </a:r>
-            <a:r>
-              <a:rPr lang="mr-IN" sz="1000" dirty="0" err="1">
-                <a:latin typeface="Monaco" charset="0"/>
-                <a:ea typeface="Monaco" charset="0"/>
-                <a:cs typeface="Monaco" charset="0"/>
-              </a:rPr>
-              <a:t>house</a:t>
-            </a:r>
-            <a:r>
-              <a:rPr lang="mr-IN" sz="1000" dirty="0">
-                <a:latin typeface="Monaco" charset="0"/>
-                <a:ea typeface="Monaco" charset="0"/>
-                <a:cs typeface="Monaco" charset="0"/>
-              </a:rPr>
-              <a:t> </a:t>
-            </a:r>
-            <a:r>
-              <a:rPr lang="mr-IN" sz="1000" dirty="0" err="1">
-                <a:latin typeface="Monaco" charset="0"/>
-                <a:ea typeface="Monaco" charset="0"/>
-                <a:cs typeface="Monaco" charset="0"/>
-              </a:rPr>
-              <a:t>representatives</a:t>
-            </a:r>
-            <a:endParaRPr lang="en-GB" sz="1000" dirty="0">
-              <a:latin typeface="Monaco" charset="0"/>
-              <a:ea typeface="Monaco" charset="0"/>
-              <a:cs typeface="Monaco" charset="0"/>
-            </a:endParaRPr>
+              <a:rPr lang="en-IE" sz="900" dirty="0">
+                <a:latin typeface="Monaco" charset="0"/>
+                <a:ea typeface="Monaco" charset="0"/>
+                <a:cs typeface="Monaco" charset="0"/>
+              </a:rPr>
+              <a:t>## docs              fellow-citizens senate house representatives</a:t>
+            </a:r>
           </a:p>
           <a:p>
             <a:pPr lvl="0" algn="l"/>
             <a:r>
-              <a:rPr lang="mr-IN" sz="1000" dirty="0">
+              <a:rPr lang="en-IE" sz="900" dirty="0">
                 <a:latin typeface="Monaco" charset="0"/>
                 <a:ea typeface="Monaco" charset="0"/>
                 <a:cs typeface="Monaco" charset="0"/>
               </a:rPr>
               <a:t>##   1789-Washington               1      1     2               2</a:t>
             </a:r>
-            <a:endParaRPr lang="en-GB" sz="1000" dirty="0">
-              <a:latin typeface="Monaco" charset="0"/>
-              <a:ea typeface="Monaco" charset="0"/>
-              <a:cs typeface="Monaco" charset="0"/>
-            </a:endParaRPr>
           </a:p>
           <a:p>
             <a:pPr lvl="0" algn="l"/>
             <a:r>
-              <a:rPr lang="mr-IN" sz="1000" dirty="0">
+              <a:rPr lang="en-IE" sz="900" dirty="0">
                 <a:latin typeface="Monaco" charset="0"/>
                 <a:ea typeface="Monaco" charset="0"/>
                 <a:cs typeface="Monaco" charset="0"/>
               </a:rPr>
               <a:t>##   1793-Washington               0      0     0               0</a:t>
             </a:r>
-            <a:endParaRPr lang="en-GB" sz="1000" dirty="0">
+          </a:p>
+          <a:p>
+            <a:pPr lvl="0" algn="l"/>
+            <a:r>
+              <a:rPr lang="en-IE" sz="900" dirty="0">
+                <a:latin typeface="Monaco" charset="0"/>
+                <a:ea typeface="Monaco" charset="0"/>
+                <a:cs typeface="Monaco" charset="0"/>
+              </a:rPr>
+              <a:t>## [ reached </a:t>
+            </a:r>
+            <a:r>
+              <a:rPr lang="en-IE" sz="900" dirty="0" err="1">
+                <a:latin typeface="Monaco" charset="0"/>
+                <a:ea typeface="Monaco" charset="0"/>
+                <a:cs typeface="Monaco" charset="0"/>
+              </a:rPr>
+              <a:t>max_ndoc</a:t>
+            </a:r>
+            <a:r>
+              <a:rPr lang="en-IE" sz="900" dirty="0">
+                <a:latin typeface="Monaco" charset="0"/>
+                <a:ea typeface="Monaco" charset="0"/>
+                <a:cs typeface="Monaco" charset="0"/>
+              </a:rPr>
+              <a:t> ... 56 more documents, reached </a:t>
+            </a:r>
+            <a:r>
+              <a:rPr lang="en-IE" sz="900" dirty="0" err="1">
+                <a:latin typeface="Monaco" charset="0"/>
+                <a:ea typeface="Monaco" charset="0"/>
+                <a:cs typeface="Monaco" charset="0"/>
+              </a:rPr>
+              <a:t>max_nfeat</a:t>
+            </a:r>
+            <a:r>
+              <a:rPr lang="en-IE" sz="900" dirty="0">
+                <a:latin typeface="Monaco" charset="0"/>
+                <a:ea typeface="Monaco" charset="0"/>
+                <a:cs typeface="Monaco" charset="0"/>
+              </a:rPr>
+              <a:t> ... 9,206 more features ]</a:t>
+            </a:r>
+            <a:endParaRPr lang="en-GB" sz="900" dirty="0">
               <a:latin typeface="Monaco" charset="0"/>
               <a:ea typeface="Monaco" charset="0"/>
               <a:cs typeface="Monaco" charset="0"/>
@@ -4291,7 +4099,7 @@
                 <a:ea typeface="Monaco" charset="0"/>
                 <a:cs typeface="Monaco" charset="0"/>
               </a:rPr>
-              <a:t>(x, dictionary = data_dictionary_LSD2015)</a:t>
+              <a:t>(x, pattern = data_dictionary_LSD2015, selection = "keep")</a:t>
             </a:r>
           </a:p>
           <a:p>
@@ -4370,7 +4178,37 @@
                 <a:ea typeface="Monaco" charset="0"/>
                 <a:cs typeface="Monaco" charset="0"/>
               </a:rPr>
-              <a:t>(x, type = "prop") | </a:t>
+              <a:t>(x</a:t>
+            </a:r>
+            <a:r>
+              <a:rPr lang="en-GB" sz="1300" dirty="0">
+                <a:latin typeface="Monaco" pitchFamily="2" charset="77"/>
+                <a:ea typeface="Monaco" charset="0"/>
+                <a:cs typeface="Monaco" charset="0"/>
+              </a:rPr>
+              <a:t>, </a:t>
+            </a:r>
+            <a:r>
+              <a:rPr lang="en-IE" sz="1400" dirty="0">
+                <a:latin typeface="Monaco" pitchFamily="2" charset="77"/>
+              </a:rPr>
+              <a:t>scheme</a:t>
+            </a:r>
+            <a:r>
+              <a:rPr lang="en-GB" sz="1300" dirty="0">
+                <a:latin typeface="Monaco" pitchFamily="2" charset="77"/>
+                <a:ea typeface="Monaco" charset="0"/>
+                <a:cs typeface="Monaco" charset="0"/>
+              </a:rPr>
+              <a:t> = "prop") </a:t>
+            </a:r>
+            <a:r>
+              <a:rPr lang="en-GB" sz="1300" dirty="0">
+                <a:latin typeface="Monaco" charset="0"/>
+                <a:ea typeface="Monaco" charset="0"/>
+                <a:cs typeface="Monaco" charset="0"/>
+              </a:rPr>
+              <a:t>| </a:t>
             </a:r>
             <a:r>
               <a:rPr lang="en-GB" sz="1300" dirty="0" err="1">
@@ -4810,8 +4648,8 @@
         </p:nvSpPr>
         <p:spPr>
           <a:xfrm>
-            <a:off x="4023836" y="1697976"/>
-            <a:ext cx="3053316" cy="1938992"/>
+            <a:off x="3931008" y="1577042"/>
+            <a:ext cx="3053316" cy="2369880"/>
           </a:xfrm>
           <a:prstGeom prst="rect">
             <a:avLst/>
@@ -4868,6 +4706,33 @@
                 <a:ea typeface="Source Sans Pro" charset="0"/>
                 <a:cs typeface="Source Sans Pro" charset="0"/>
               </a:rPr>
+              <a:t>quanteda.textmodels</a:t>
+            </a:r>
+            <a:r>
+              <a:rPr lang="en-US" sz="1400" dirty="0">
+                <a:latin typeface="Source Sans Pro" charset="0"/>
+                <a:ea typeface="Source Sans Pro" charset="0"/>
+                <a:cs typeface="Source Sans Pro" charset="0"/>
+              </a:rPr>
+              <a:t>: Text scaling and classification models</a:t>
+            </a:r>
+            <a:endParaRPr lang="en-US" sz="1400" b="1" dirty="0">
+              <a:latin typeface="Source Sans Pro" charset="0"/>
+              <a:ea typeface="Source Sans Pro" charset="0"/>
+              <a:cs typeface="Source Sans Pro" charset="0"/>
+            </a:endParaRPr>
+          </a:p>
+          <a:p>
+            <a:pPr marL="171450" indent="-171450" algn="l">
+              <a:buFont typeface="Arial" charset="0"/>
+              <a:buChar char="•"/>
+            </a:pPr>
+            <a:r>
+              <a:rPr lang="en-US" sz="1400" b="1" dirty="0" err="1">
+                <a:latin typeface="Source Sans Pro" charset="0"/>
+                <a:ea typeface="Source Sans Pro" charset="0"/>
+                <a:cs typeface="Source Sans Pro" charset="0"/>
+              </a:rPr>
               <a:t>readtext</a:t>
             </a:r>
             <a:r>
@@ -4992,8 +4857,8 @@
         </p:nvSpPr>
         <p:spPr>
           <a:xfrm>
-            <a:off x="3928502" y="1052562"/>
-            <a:ext cx="2966164" cy="460830"/>
+            <a:off x="3831787" y="1052562"/>
+            <a:ext cx="3052774" cy="460830"/>
           </a:xfrm>
           <a:prstGeom prst="roundRect">
             <a:avLst>
@@ -5042,8 +4907,8 @@
         </p:nvSpPr>
         <p:spPr>
           <a:xfrm>
-            <a:off x="7103808" y="7804223"/>
-            <a:ext cx="6762683" cy="478998"/>
+            <a:off x="7009130" y="7804223"/>
+            <a:ext cx="6903234" cy="478998"/>
           </a:xfrm>
           <a:prstGeom prst="roundRect">
             <a:avLst>
@@ -5092,8 +4957,8 @@
         </p:nvSpPr>
         <p:spPr>
           <a:xfrm>
-            <a:off x="10555295" y="9585423"/>
-            <a:ext cx="3000271" cy="200055"/>
+            <a:off x="10510859" y="9585423"/>
+            <a:ext cx="3044708" cy="200055"/>
           </a:xfrm>
           <a:prstGeom prst="rect">
             <a:avLst/>
@@ -5130,8 +4995,8 @@
         </p:nvSpPr>
         <p:spPr>
           <a:xfrm>
-            <a:off x="7149245" y="141938"/>
-            <a:ext cx="6696000" cy="7444880"/>
+            <a:off x="7043041" y="272053"/>
+            <a:ext cx="6835513" cy="7424897"/>
           </a:xfrm>
           <a:prstGeom prst="rect">
             <a:avLst/>
@@ -5200,8 +5065,8 @@
         </p:nvSpPr>
         <p:spPr>
           <a:xfrm>
-            <a:off x="7110219" y="42189"/>
-            <a:ext cx="6771600" cy="491636"/>
+            <a:off x="7009130" y="42189"/>
+            <a:ext cx="6910791" cy="491636"/>
           </a:xfrm>
           <a:prstGeom prst="roundRect">
             <a:avLst>
@@ -5310,8 +5175,8 @@
         </p:nvSpPr>
         <p:spPr>
           <a:xfrm>
-            <a:off x="7340628" y="8337479"/>
-            <a:ext cx="5565144" cy="1926168"/>
+            <a:off x="7142151" y="8347979"/>
+            <a:ext cx="6306988" cy="1926168"/>
           </a:xfrm>
           <a:prstGeom prst="rect">
             <a:avLst/>
@@ -5405,7 +5270,7 @@
                 <a:ea typeface="Monaco" charset="0"/>
                 <a:cs typeface="Monaco" charset="0"/>
               </a:rPr>
-              <a:t>, "</a:t>
+              <a:t>, pattern = "</a:t>
             </a:r>
             <a:r>
               <a:rPr lang="en-US" sz="1300" dirty="0" err="1">
@@ -5481,10 +5346,26 @@
                 <a:ea typeface="Monaco" charset="0"/>
                 <a:cs typeface="Monaco" charset="0"/>
               </a:rPr>
-              <a:t>(corpus)			</a:t>
+              <a:t>(</a:t>
             </a:r>
             <a:r>
               <a:rPr lang="en-US" sz="1300" i="1" dirty="0">
+                <a:latin typeface="Monaco" charset="0"/>
+                <a:ea typeface="Monaco" charset="0"/>
+                <a:cs typeface="Monaco" charset="0"/>
+              </a:rPr>
+              <a:t>corpus</a:t>
+            </a:r>
+            <a:r>
+              <a:rPr lang="en-US" sz="1300" dirty="0">
+                <a:latin typeface="Monaco" charset="0"/>
+                <a:ea typeface="Monaco" charset="0"/>
+                <a:cs typeface="Monaco" charset="0"/>
+              </a:rPr>
+              <a:t>)			</a:t>
+            </a:r>
+            <a:r>
+              <a:rPr lang="en-US" sz="1300" i="1" dirty="0">
                 <a:latin typeface="Source Sans Pro" charset="0"/>
                 <a:ea typeface="Source Sans Pro" charset="0"/>
                 <a:cs typeface="Source Sans Pro" charset="0"/>
@@ -5511,10 +5392,112 @@
                 <a:ea typeface="Monaco" charset="0"/>
                 <a:cs typeface="Monaco" charset="0"/>
               </a:rPr>
-              <a:t>(corpus/</a:t>
-            </a:r>
+              <a:t>(</a:t>
+            </a:r>
+            <a:r>
+              <a:rPr lang="en-US" sz="1300" i="1" dirty="0">
+                <a:latin typeface="Monaco" charset="0"/>
+                <a:ea typeface="Monaco" charset="0"/>
+                <a:cs typeface="Monaco" charset="0"/>
+              </a:rPr>
+              <a:t>corpus </a:t>
+            </a:r>
+            <a:r>
+              <a:rPr lang="en-US" sz="1300" dirty="0">
+                <a:latin typeface="Monaco" charset="0"/>
+                <a:ea typeface="Monaco" charset="0"/>
+                <a:cs typeface="Monaco" charset="0"/>
+              </a:rPr>
+              <a:t>/</a:t>
+            </a:r>
+            <a:r>
+              <a:rPr lang="en-US" sz="1300" i="1" dirty="0" err="1">
+                <a:latin typeface="Monaco" charset="0"/>
+                <a:ea typeface="Monaco" charset="0"/>
+                <a:cs typeface="Monaco" charset="0"/>
+              </a:rPr>
+              <a:t>dfm</a:t>
+            </a:r>
+            <a:r>
+              <a:rPr lang="en-US" sz="1300" i="1" dirty="0">
+                <a:latin typeface="Monaco" charset="0"/>
+                <a:ea typeface="Monaco" charset="0"/>
+                <a:cs typeface="Monaco" charset="0"/>
+              </a:rPr>
+              <a:t> </a:t>
+            </a:r>
+            <a:r>
+              <a:rPr lang="en-US" sz="1300" dirty="0">
+                <a:latin typeface="Monaco" charset="0"/>
+                <a:ea typeface="Monaco" charset="0"/>
+                <a:cs typeface="Monaco" charset="0"/>
+              </a:rPr>
+              <a:t>/</a:t>
+            </a:r>
+            <a:r>
+              <a:rPr lang="en-US" sz="1300" i="1" dirty="0">
+                <a:latin typeface="Monaco" charset="0"/>
+                <a:ea typeface="Monaco" charset="0"/>
+                <a:cs typeface="Monaco" charset="0"/>
+              </a:rPr>
+              <a:t>tokens</a:t>
+            </a:r>
+            <a:r>
+              <a:rPr lang="en-US" sz="1300" dirty="0">
+                <a:latin typeface="Monaco" charset="0"/>
+                <a:ea typeface="Monaco" charset="0"/>
+                <a:cs typeface="Monaco" charset="0"/>
+              </a:rPr>
+              <a:t>)	</a:t>
+            </a:r>
+            <a:r>
+              <a:rPr lang="en-US" sz="1300" i="1" dirty="0">
+                <a:latin typeface="Source Sans Pro" charset="0"/>
+                <a:ea typeface="Source Sans Pro" charset="0"/>
+                <a:cs typeface="Source Sans Pro" charset="0"/>
+              </a:rPr>
+              <a:t>Count documents/features</a:t>
+            </a:r>
+          </a:p>
+          <a:p>
+            <a:pPr algn="l"/>
             <a:r>
               <a:rPr lang="en-US" sz="1300" dirty="0" err="1">
+                <a:solidFill>
+                  <a:srgbClr val="006AC7"/>
+                </a:solidFill>
+                <a:latin typeface="Monaco" charset="0"/>
+                <a:ea typeface="Monaco" charset="0"/>
+                <a:cs typeface="Monaco" charset="0"/>
+              </a:rPr>
+              <a:t>nfeat</a:t>
+            </a:r>
+            <a:r>
+              <a:rPr lang="en-US" sz="1300" dirty="0">
+                <a:latin typeface="Monaco" charset="0"/>
+                <a:ea typeface="Monaco" charset="0"/>
+                <a:cs typeface="Monaco" charset="0"/>
+              </a:rPr>
+              <a:t>(</a:t>
+            </a:r>
+            <a:r>
+              <a:rPr lang="en-US" sz="1300" i="1" dirty="0">
+                <a:latin typeface="Monaco" charset="0"/>
+                <a:ea typeface="Monaco" charset="0"/>
+                <a:cs typeface="Monaco" charset="0"/>
+              </a:rPr>
+              <a:t>corpus </a:t>
+            </a:r>
+            <a:r>
+              <a:rPr lang="en-US" sz="1300" dirty="0">
+                <a:latin typeface="Monaco" charset="0"/>
+                <a:ea typeface="Monaco" charset="0"/>
+                <a:cs typeface="Monaco" charset="0"/>
+              </a:rPr>
+              <a:t>/</a:t>
+            </a:r>
+            <a:r>
+              <a:rPr lang="en-US" sz="1300" i="1" dirty="0" err="1">
                 <a:latin typeface="Monaco" charset="0"/>
                 <a:ea typeface="Monaco" charset="0"/>
                 <a:cs typeface="Monaco" charset="0"/>
@@ -5522,26 +5505,50 @@
               <a:t>dfm</a:t>
             </a:r>
             <a:r>
+              <a:rPr lang="en-US" sz="1300" i="1" dirty="0">
+                <a:latin typeface="Monaco" charset="0"/>
+                <a:ea typeface="Monaco" charset="0"/>
+                <a:cs typeface="Monaco" charset="0"/>
+              </a:rPr>
+              <a:t> </a:t>
+            </a:r>
+            <a:r>
               <a:rPr lang="en-US" sz="1300" dirty="0">
                 <a:latin typeface="Monaco" charset="0"/>
                 <a:ea typeface="Monaco" charset="0"/>
                 <a:cs typeface="Monaco" charset="0"/>
               </a:rPr>
-              <a:t>/tokens)		</a:t>
+              <a:t>/</a:t>
             </a:r>
             <a:r>
               <a:rPr lang="en-US" sz="1300" i="1" dirty="0">
-                <a:latin typeface="Source Sans Pro" charset="0"/>
-                <a:ea typeface="Source Sans Pro" charset="0"/>
-                <a:cs typeface="Source Sans Pro" charset="0"/>
-              </a:rPr>
-              <a:t>Count documents/features</a:t>
+                <a:latin typeface="Monaco" charset="0"/>
+                <a:ea typeface="Monaco" charset="0"/>
+                <a:cs typeface="Monaco" charset="0"/>
+              </a:rPr>
+              <a:t>tokens</a:t>
+            </a:r>
+            <a:r>
+              <a:rPr lang="en-US" sz="1300" dirty="0">
+                <a:latin typeface="Monaco" charset="0"/>
+                <a:ea typeface="Monaco" charset="0"/>
+                <a:cs typeface="Monaco" charset="0"/>
+              </a:rPr>
+              <a:t>)	</a:t>
+            </a:r>
+            <a:r>
+              <a:rPr lang="en-US" sz="1300" i="1" dirty="0">
+                <a:latin typeface="Source Sans Pro" charset="0"/>
+                <a:ea typeface="Source Sans Pro" charset="0"/>
+                <a:cs typeface="Source Sans Pro" charset="0"/>
+              </a:rPr>
+              <a:t>Count features</a:t>
             </a:r>
           </a:p>
           <a:p>
             <a:pPr algn="l"/>
             <a:r>
-              <a:rPr lang="en-US" sz="1300" dirty="0" err="1">
+              <a:rPr lang="en-US" sz="1300" dirty="0">
                 <a:solidFill>
                   <a:srgbClr val="006AC7"/>
                 </a:solidFill>
@@ -5549,7 +5556,7 @@
                 <a:ea typeface="Monaco" charset="0"/>
                 <a:cs typeface="Monaco" charset="0"/>
               </a:rPr>
-              <a:t>nfeat</a:t>
+              <a:t>summary</a:t>
             </a:r>
             <a:r>
               <a:rPr lang="en-US" sz="1300" dirty="0">
@@ -5557,10 +5564,26 @@
                 <a:ea typeface="Monaco" charset="0"/>
                 <a:cs typeface="Monaco" charset="0"/>
               </a:rPr>
-              <a:t>(corpus/</a:t>
-            </a:r>
-            <a:r>
-              <a:rPr lang="en-US" sz="1300" dirty="0" err="1">
+              <a:t>(</a:t>
+            </a:r>
+            <a:r>
+              <a:rPr lang="en-US" sz="1300" i="1" dirty="0">
+                <a:latin typeface="Monaco" charset="0"/>
+                <a:ea typeface="Monaco" charset="0"/>
+                <a:cs typeface="Monaco" charset="0"/>
+              </a:rPr>
+              <a:t>corpus </a:t>
+            </a:r>
+            <a:r>
+              <a:rPr lang="en-US" sz="1300" dirty="0">
+                <a:latin typeface="Monaco" charset="0"/>
+                <a:ea typeface="Monaco" charset="0"/>
+                <a:cs typeface="Monaco" charset="0"/>
+              </a:rPr>
+              <a:t>/ </a:t>
+            </a:r>
+            <a:r>
+              <a:rPr lang="en-US" sz="1300" i="1" dirty="0" err="1">
                 <a:latin typeface="Monaco" charset="0"/>
                 <a:ea typeface="Monaco" charset="0"/>
                 <a:cs typeface="Monaco" charset="0"/>
@@ -5573,7 +5596,7 @@
                 <a:ea typeface="Monaco" charset="0"/>
                 <a:cs typeface="Monaco" charset="0"/>
               </a:rPr>
-              <a:t>/tokens)	</a:t>
+              <a:t>)		</a:t>
             </a:r>
             <a:r>
               <a:rPr lang="en-US" sz="1300" i="1" dirty="0">
@@ -5581,7 +5604,7 @@
                 <a:ea typeface="Source Sans Pro" charset="0"/>
                 <a:cs typeface="Source Sans Pro" charset="0"/>
               </a:rPr>
-              <a:t>Count features</a:t>
+              <a:t>Print summary</a:t>
             </a:r>
           </a:p>
           <a:p>
@@ -5595,7 +5618,7 @@
                 <a:ea typeface="Monaco" charset="0"/>
                 <a:cs typeface="Monaco" charset="0"/>
               </a:rPr>
-              <a:t>summary</a:t>
+              <a:t>head</a:t>
             </a:r>
             <a:r>
               <a:rPr lang="en-US" sz="1300" dirty="0">
@@ -5603,10 +5626,34 @@
                 <a:ea typeface="Monaco" charset="0"/>
                 <a:cs typeface="Monaco" charset="0"/>
               </a:rPr>
-              <a:t>(corpus/</a:t>
-            </a:r>
-            <a:r>
-              <a:rPr lang="en-US" sz="1300" dirty="0" err="1">
+              <a:t>(</a:t>
+            </a:r>
+            <a:r>
+              <a:rPr lang="en-US" sz="1300" i="1" dirty="0">
+                <a:latin typeface="Monaco" charset="0"/>
+                <a:ea typeface="Monaco" charset="0"/>
+                <a:cs typeface="Monaco" charset="0"/>
+              </a:rPr>
+              <a:t>corpus </a:t>
+            </a:r>
+            <a:r>
+              <a:rPr lang="en-US" sz="1300" dirty="0">
+                <a:latin typeface="Monaco" charset="0"/>
+                <a:ea typeface="Monaco" charset="0"/>
+                <a:cs typeface="Monaco" charset="0"/>
+              </a:rPr>
+              <a:t>/</a:t>
+            </a:r>
+            <a:r>
+              <a:rPr lang="en-US" sz="1300" i="1" dirty="0">
+                <a:latin typeface="Monaco" charset="0"/>
+                <a:ea typeface="Monaco" charset="0"/>
+                <a:cs typeface="Monaco" charset="0"/>
+              </a:rPr>
+              <a:t> </a:t>
+            </a:r>
+            <a:r>
+              <a:rPr lang="en-US" sz="1300" i="1" dirty="0" err="1">
                 <a:latin typeface="Monaco" charset="0"/>
                 <a:ea typeface="Monaco" charset="0"/>
                 <a:cs typeface="Monaco" charset="0"/>
@@ -5627,7 +5674,7 @@
                 <a:ea typeface="Source Sans Pro" charset="0"/>
                 <a:cs typeface="Source Sans Pro" charset="0"/>
               </a:rPr>
-              <a:t>Print summary</a:t>
+              <a:t>Return first part</a:t>
             </a:r>
           </a:p>
           <a:p>
@@ -5641,7 +5688,7 @@
                 <a:ea typeface="Monaco" charset="0"/>
                 <a:cs typeface="Monaco" charset="0"/>
               </a:rPr>
-              <a:t>head</a:t>
+              <a:t>tail</a:t>
             </a:r>
             <a:r>
               <a:rPr lang="en-US" sz="1300" dirty="0">
@@ -5649,10 +5696,34 @@
                 <a:ea typeface="Monaco" charset="0"/>
                 <a:cs typeface="Monaco" charset="0"/>
               </a:rPr>
-              <a:t>(corpus/</a:t>
-            </a:r>
-            <a:r>
-              <a:rPr lang="en-US" sz="1300" dirty="0" err="1">
+              <a:t>(</a:t>
+            </a:r>
+            <a:r>
+              <a:rPr lang="en-US" sz="1300" i="1" dirty="0">
+                <a:latin typeface="Monaco" charset="0"/>
+                <a:ea typeface="Monaco" charset="0"/>
+                <a:cs typeface="Monaco" charset="0"/>
+              </a:rPr>
+              <a:t>corpus </a:t>
+            </a:r>
+            <a:r>
+              <a:rPr lang="en-US" sz="1300" dirty="0">
+                <a:latin typeface="Monaco" charset="0"/>
+                <a:ea typeface="Monaco" charset="0"/>
+                <a:cs typeface="Monaco" charset="0"/>
+              </a:rPr>
+              <a:t>/</a:t>
+            </a:r>
+            <a:r>
+              <a:rPr lang="en-US" sz="1300" i="1" dirty="0">
+                <a:latin typeface="Monaco" charset="0"/>
+                <a:ea typeface="Monaco" charset="0"/>
+                <a:cs typeface="Monaco" charset="0"/>
+              </a:rPr>
+              <a:t> </a:t>
+            </a:r>
+            <a:r>
+              <a:rPr lang="en-US" sz="1300" i="1" dirty="0" err="1">
                 <a:latin typeface="Monaco" charset="0"/>
                 <a:ea typeface="Monaco" charset="0"/>
                 <a:cs typeface="Monaco" charset="0"/>
@@ -5665,53 +5736,7 @@
                 <a:ea typeface="Monaco" charset="0"/>
                 <a:cs typeface="Monaco" charset="0"/>
               </a:rPr>
-              <a:t>)			</a:t>
-            </a:r>
-            <a:r>
-              <a:rPr lang="en-US" sz="1300" i="1" dirty="0">
-                <a:latin typeface="Source Sans Pro" charset="0"/>
-                <a:ea typeface="Source Sans Pro" charset="0"/>
-                <a:cs typeface="Source Sans Pro" charset="0"/>
-              </a:rPr>
-              <a:t>Return first part</a:t>
-            </a:r>
-          </a:p>
-          <a:p>
-            <a:pPr algn="l"/>
-            <a:r>
-              <a:rPr lang="en-US" sz="1300" dirty="0">
-                <a:solidFill>
-                  <a:srgbClr val="006AC7"/>
-                </a:solidFill>
-                <a:latin typeface="Monaco" charset="0"/>
-                <a:ea typeface="Monaco" charset="0"/>
-                <a:cs typeface="Monaco" charset="0"/>
-              </a:rPr>
-              <a:t>tail</a:t>
-            </a:r>
-            <a:r>
-              <a:rPr lang="en-US" sz="1300" dirty="0">
-                <a:latin typeface="Monaco" charset="0"/>
-                <a:ea typeface="Monaco" charset="0"/>
-                <a:cs typeface="Monaco" charset="0"/>
-              </a:rPr>
-              <a:t>(corpus/</a:t>
-            </a:r>
-            <a:r>
-              <a:rPr lang="en-US" sz="1300" dirty="0" err="1">
-                <a:latin typeface="Monaco" charset="0"/>
-                <a:ea typeface="Monaco" charset="0"/>
-                <a:cs typeface="Monaco" charset="0"/>
-              </a:rPr>
-              <a:t>dfm</a:t>
-            </a:r>
-            <a:r>
-              <a:rPr lang="en-US" sz="1300" dirty="0">
-                <a:latin typeface="Monaco" charset="0"/>
-                <a:ea typeface="Monaco" charset="0"/>
-                <a:cs typeface="Monaco" charset="0"/>
-              </a:rPr>
-              <a:t>)			</a:t>
+              <a:t>)		</a:t>
             </a:r>
             <a:r>
               <a:rPr lang="en-US" sz="1300" i="1" dirty="0">
@@ -5737,8 +5762,8 @@
         </p:nvSpPr>
         <p:spPr>
           <a:xfrm>
-            <a:off x="10485053" y="10386648"/>
-            <a:ext cx="3340068" cy="272382"/>
+            <a:off x="10435583" y="10386648"/>
+            <a:ext cx="3389538" cy="272382"/>
           </a:xfrm>
           <a:prstGeom prst="rect">
             <a:avLst/>
@@ -5829,8 +5854,8 @@
         </p:nvSpPr>
         <p:spPr>
           <a:xfrm>
-            <a:off x="167426" y="441367"/>
-            <a:ext cx="6363268" cy="4396107"/>
+            <a:off x="167426" y="441368"/>
+            <a:ext cx="6363268" cy="4190121"/>
           </a:xfrm>
           <a:prstGeom prst="rect">
             <a:avLst/>
@@ -5899,8 +5924,8 @@
         </p:nvSpPr>
         <p:spPr>
           <a:xfrm>
-            <a:off x="168514" y="5210934"/>
-            <a:ext cx="6362365" cy="4396107"/>
+            <a:off x="169806" y="4931798"/>
+            <a:ext cx="6362365" cy="4625726"/>
           </a:xfrm>
           <a:prstGeom prst="rect">
             <a:avLst/>
@@ -5969,8 +5994,8 @@
         </p:nvSpPr>
         <p:spPr>
           <a:xfrm>
-            <a:off x="6684461" y="441367"/>
-            <a:ext cx="7178303" cy="3120579"/>
+            <a:off x="6684461" y="441368"/>
+            <a:ext cx="7178303" cy="4190120"/>
           </a:xfrm>
           <a:prstGeom prst="rect">
             <a:avLst/>
@@ -6039,8 +6064,8 @@
         </p:nvSpPr>
         <p:spPr>
           <a:xfrm>
-            <a:off x="6676472" y="3916352"/>
-            <a:ext cx="7178303" cy="5688180"/>
+            <a:off x="6676472" y="4986597"/>
+            <a:ext cx="7178303" cy="4570927"/>
           </a:xfrm>
           <a:prstGeom prst="rect">
             <a:avLst/>
@@ -6109,8 +6134,8 @@
         </p:nvSpPr>
         <p:spPr>
           <a:xfrm>
-            <a:off x="6799471" y="823634"/>
-            <a:ext cx="7107106" cy="2564805"/>
+            <a:off x="6794697" y="1199478"/>
+            <a:ext cx="7107106" cy="3098284"/>
           </a:xfrm>
           <a:prstGeom prst="rect">
             <a:avLst/>
@@ -6247,6 +6272,68 @@
               </a:spcBef>
             </a:pPr>
             <a:r>
+              <a:rPr lang="en-GB" sz="1500" b="1" dirty="0">
+                <a:latin typeface="Source Sans Pro" charset="0"/>
+                <a:ea typeface="Source Sans Pro" charset="0"/>
+                <a:cs typeface="Source Sans Pro" charset="0"/>
+              </a:rPr>
+              <a:t>SVM classifier for texts</a:t>
+            </a:r>
+          </a:p>
+          <a:p>
+            <a:pPr algn="l"/>
+            <a:r>
+              <a:rPr lang="en-GB" sz="1300" dirty="0" err="1">
+                <a:solidFill>
+                  <a:srgbClr val="006AC7"/>
+                </a:solidFill>
+                <a:latin typeface="Monaco" charset="0"/>
+                <a:ea typeface="Monaco" charset="0"/>
+                <a:cs typeface="Monaco" charset="0"/>
+              </a:rPr>
+              <a:t>textmodel_svm</a:t>
+            </a:r>
+            <a:r>
+              <a:rPr lang="en-GB" sz="1300" dirty="0">
+                <a:solidFill>
+                  <a:schemeClr val="tx1"/>
+                </a:solidFill>
+                <a:latin typeface="Monaco" charset="0"/>
+                <a:ea typeface="Monaco" charset="0"/>
+                <a:cs typeface="Monaco" charset="0"/>
+              </a:rPr>
+              <a:t>(x, y = </a:t>
+            </a:r>
+            <a:r>
+              <a:rPr lang="en-GB" sz="1300" dirty="0" err="1">
+                <a:solidFill>
+                  <a:schemeClr val="tx1"/>
+                </a:solidFill>
+                <a:latin typeface="Monaco" charset="0"/>
+                <a:ea typeface="Monaco" charset="0"/>
+                <a:cs typeface="Monaco" charset="0"/>
+              </a:rPr>
+              <a:t>training_labels</a:t>
+            </a:r>
+            <a:r>
+              <a:rPr lang="en-GB" sz="1300" dirty="0">
+                <a:solidFill>
+                  <a:schemeClr val="tx1"/>
+                </a:solidFill>
+                <a:latin typeface="Monaco" charset="0"/>
+                <a:ea typeface="Monaco" charset="0"/>
+                <a:cs typeface="Monaco" charset="0"/>
+              </a:rPr>
+              <a:t>)</a:t>
+            </a:r>
+          </a:p>
+          <a:p>
+            <a:pPr algn="l">
+              <a:spcBef>
+                <a:spcPts val="800"/>
+              </a:spcBef>
+            </a:pPr>
+            <a:r>
               <a:rPr lang="en-GB" sz="1500" b="1" dirty="0" err="1">
                 <a:solidFill>
                   <a:schemeClr val="tx1"/>
@@ -6547,7 +6634,7 @@
                 <a:ea typeface="Source Sans Pro" charset="0"/>
                 <a:cs typeface="Source Sans Pro" charset="0"/>
               </a:rPr>
-              <a:t> methods: </a:t>
+              <a:t> methods:  </a:t>
             </a:r>
             <a:r>
               <a:rPr lang="en-GB" sz="1300" dirty="0">
@@ -6648,8 +6735,8 @@
         </p:nvSpPr>
         <p:spPr>
           <a:xfrm>
-            <a:off x="6799156" y="4249220"/>
-            <a:ext cx="6948911" cy="5355312"/>
+            <a:off x="6799156" y="5267948"/>
+            <a:ext cx="6948911" cy="4355038"/>
           </a:xfrm>
           <a:prstGeom prst="rect">
             <a:avLst/>
@@ -6773,7 +6860,7 @@
             <a:r>
               <a:rPr lang="en-GB" sz="1300" dirty="0" err="1">
                 <a:solidFill>
-                  <a:schemeClr val="tx1"/>
+                  <a:srgbClr val="006AC7"/>
                 </a:solidFill>
                 <a:latin typeface="Monaco" charset="0"/>
                 <a:ea typeface="Monaco" charset="0"/>
@@ -6795,7 +6882,7 @@
                 <a:ea typeface="Monaco" charset="0"/>
                 <a:cs typeface="Monaco" charset="0"/>
               </a:rPr>
-              <a:t>english</a:t>
+              <a:t>en</a:t>
             </a:r>
             <a:r>
               <a:rPr lang="en-GB" sz="1300" dirty="0">
@@ -6846,6 +6933,11 @@
               </a:rPr>
               <a:t>	</a:t>
             </a:r>
+            <a:endParaRPr lang="en-GB" sz="1300" b="1" dirty="0">
+              <a:latin typeface="Source Sans Pro" charset="0"/>
+              <a:ea typeface="Source Sans Pro" charset="0"/>
+              <a:cs typeface="Source Sans Pro" charset="0"/>
+            </a:endParaRPr>
           </a:p>
           <a:p>
             <a:pPr algn="l"/>
@@ -6855,7 +6947,15 @@
                 <a:ea typeface="Source Sans Pro" charset="0"/>
                 <a:cs typeface="Source Sans Pro" charset="0"/>
               </a:rPr>
-              <a:t>Plot the dispersion of key word(s)</a:t>
+              <a:t>Plot word </a:t>
+            </a:r>
+            <a:r>
+              <a:rPr lang="en-GB" sz="1500" b="1" dirty="0" err="1">
+                <a:latin typeface="Source Sans Pro" charset="0"/>
+                <a:ea typeface="Source Sans Pro" charset="0"/>
+                <a:cs typeface="Source Sans Pro" charset="0"/>
+              </a:rPr>
+              <a:t>keyness</a:t>
             </a:r>
             <a:endParaRPr lang="en-GB" sz="1500" dirty="0">
               <a:latin typeface="Source Sans Pro" charset="0"/>
@@ -6867,9 +6967,6 @@
             <a:pPr algn="l"/>
             <a:r>
               <a:rPr lang="en-GB" sz="1300" dirty="0" err="1">
-                <a:solidFill>
-                  <a:schemeClr val="tx1"/>
-                </a:solidFill>
                 <a:latin typeface="Monaco" charset="0"/>
                 <a:ea typeface="Monaco" charset="0"/>
                 <a:cs typeface="Monaco" charset="0"/>
@@ -6878,9 +6975,6 @@
             </a:r>
             <a:r>
               <a:rPr lang="en-GB" sz="1300" dirty="0">
-                <a:solidFill>
-                  <a:schemeClr val="tx1"/>
-                </a:solidFill>
                 <a:latin typeface="Monaco" charset="0"/>
                 <a:ea typeface="Monaco" charset="0"/>
                 <a:cs typeface="Monaco" charset="0"/>
@@ -6892,9 +6986,6 @@
             <a:pPr algn="l"/>
             <a:r>
               <a:rPr lang="en-GB" sz="1300" dirty="0">
-                <a:solidFill>
-                  <a:schemeClr val="tx1"/>
-                </a:solidFill>
                 <a:latin typeface="Monaco" charset="0"/>
                 <a:ea typeface="Monaco" charset="0"/>
                 <a:cs typeface="Monaco" charset="0"/>
@@ -6914,23 +7005,28 @@
             </a:r>
             <a:r>
               <a:rPr lang="en-GB" sz="1300" dirty="0">
-                <a:solidFill>
-                  <a:schemeClr val="tx1"/>
-                </a:solidFill>
-                <a:latin typeface="Monaco" charset="0"/>
-                <a:ea typeface="Monaco" charset="0"/>
-                <a:cs typeface="Monaco" charset="0"/>
-              </a:rPr>
-              <a:t>(Year &gt; 1945) %&gt;%   </a:t>
+                <a:latin typeface="Monaco" charset="0"/>
+                <a:ea typeface="Monaco" charset="0"/>
+                <a:cs typeface="Monaco" charset="0"/>
+              </a:rPr>
+              <a:t>(President %in% </a:t>
             </a:r>
           </a:p>
           <a:p>
             <a:pPr algn="l"/>
             <a:r>
               <a:rPr lang="en-GB" sz="1300" dirty="0">
-                <a:solidFill>
-                  <a:schemeClr val="tx1"/>
-                </a:solidFill>
+                <a:latin typeface="Monaco" charset="0"/>
+                <a:ea typeface="Monaco" charset="0"/>
+                <a:cs typeface="Monaco" charset="0"/>
+              </a:rPr>
+              <a:t>  		    c("Obama", "Trump")) %&gt;%</a:t>
+            </a:r>
+          </a:p>
+          <a:p>
+            <a:pPr algn="l"/>
+            <a:r>
+              <a:rPr lang="en-GB" sz="1300" dirty="0">
                 <a:latin typeface="Monaco" charset="0"/>
                 <a:ea typeface="Monaco" charset="0"/>
                 <a:cs typeface="Monaco" charset="0"/>
@@ -6946,13 +7042,40 @@
                 <a:ea typeface="Monaco" charset="0"/>
                 <a:cs typeface="Monaco" charset="0"/>
               </a:rPr>
-              <a:t>kwic</a:t>
+              <a:t>dfm</a:t>
             </a:r>
             <a:r>
               <a:rPr lang="en-GB" sz="1300" dirty="0">
-                <a:solidFill>
-                  <a:schemeClr val="tx1"/>
-                </a:solidFill>
+                <a:latin typeface="Monaco" charset="0"/>
+                <a:ea typeface="Monaco" charset="0"/>
+                <a:cs typeface="Monaco" charset="0"/>
+              </a:rPr>
+              <a:t>(groups = "President", </a:t>
+            </a:r>
+          </a:p>
+          <a:p>
+            <a:pPr algn="l"/>
+            <a:r>
+              <a:rPr lang="en-GB" sz="1300" dirty="0">
+                <a:latin typeface="Monaco" charset="0"/>
+                <a:ea typeface="Monaco" charset="0"/>
+                <a:cs typeface="Monaco" charset="0"/>
+              </a:rPr>
+              <a:t>	remove = </a:t>
+            </a:r>
+            <a:r>
+              <a:rPr lang="en-GB" sz="1300" dirty="0" err="1">
+                <a:solidFill>
+                  <a:srgbClr val="006AC7"/>
+                </a:solidFill>
+                <a:latin typeface="Monaco" charset="0"/>
+                <a:ea typeface="Monaco" charset="0"/>
+                <a:cs typeface="Monaco" charset="0"/>
+              </a:rPr>
+              <a:t>stopwords</a:t>
+            </a:r>
+            <a:r>
+              <a:rPr lang="en-GB" sz="1300" dirty="0">
                 <a:latin typeface="Monaco" charset="0"/>
                 <a:ea typeface="Monaco" charset="0"/>
                 <a:cs typeface="Monaco" charset="0"/>
@@ -6961,25 +7084,19 @@
             </a:r>
             <a:r>
               <a:rPr lang="en-GB" sz="1300" dirty="0" err="1">
-                <a:solidFill>
-                  <a:schemeClr val="tx1"/>
-                </a:solidFill>
-                <a:latin typeface="Monaco" charset="0"/>
-                <a:ea typeface="Monaco" charset="0"/>
-                <a:cs typeface="Monaco" charset="0"/>
-              </a:rPr>
-              <a:t>american</a:t>
+                <a:latin typeface="Monaco" charset="0"/>
+                <a:ea typeface="Monaco" charset="0"/>
+                <a:cs typeface="Monaco" charset="0"/>
+              </a:rPr>
+              <a:t>en</a:t>
             </a:r>
             <a:r>
               <a:rPr lang="en-GB" sz="1300" dirty="0">
-                <a:solidFill>
-                  <a:schemeClr val="tx1"/>
-                </a:solidFill>
-                <a:latin typeface="Monaco" charset="0"/>
-                <a:ea typeface="Monaco" charset="0"/>
-                <a:cs typeface="Monaco" charset="0"/>
-              </a:rPr>
-              <a:t>") %&gt;%   </a:t>
+                <a:latin typeface="Monaco" charset="0"/>
+                <a:ea typeface="Monaco" charset="0"/>
+                <a:cs typeface="Monaco" charset="0"/>
+              </a:rPr>
+              <a:t>")) %&gt;%   </a:t>
             </a:r>
           </a:p>
           <a:p>
@@ -6987,7 +7104,7 @@
             <a:r>
               <a:rPr lang="en-GB" sz="1300" dirty="0">
                 <a:solidFill>
-                  <a:schemeClr val="tx1"/>
+                  <a:srgbClr val="006AC7"/>
                 </a:solidFill>
                 <a:latin typeface="Monaco" charset="0"/>
                 <a:ea typeface="Monaco" charset="0"/>
@@ -7004,27 +7121,49 @@
                 <a:ea typeface="Monaco" charset="0"/>
                 <a:cs typeface="Monaco" charset="0"/>
               </a:rPr>
-              <a:t>textplot_xray</a:t>
+              <a:t>textstat_keyness</a:t>
             </a:r>
             <a:r>
               <a:rPr lang="en-GB" sz="1300" dirty="0">
-                <a:solidFill>
-                  <a:schemeClr val="tx1"/>
-                </a:solidFill>
+                <a:latin typeface="Monaco" charset="0"/>
+                <a:ea typeface="Monaco" charset="0"/>
+                <a:cs typeface="Monaco" charset="0"/>
+              </a:rPr>
+              <a:t>(target = "Trump") %&gt;%   </a:t>
+            </a:r>
+          </a:p>
+          <a:p>
+            <a:pPr algn="l"/>
+            <a:r>
+              <a:rPr lang="en-GB" sz="1300" dirty="0">
+                <a:solidFill>
+                  <a:srgbClr val="006AC7"/>
+                </a:solidFill>
+                <a:latin typeface="Monaco" charset="0"/>
+                <a:ea typeface="Monaco" charset="0"/>
+                <a:cs typeface="Monaco" charset="0"/>
+              </a:rPr>
+              <a:t>  </a:t>
+            </a:r>
+            <a:r>
+              <a:rPr lang="en-GB" sz="1300" dirty="0" err="1">
+                <a:solidFill>
+                  <a:srgbClr val="006AC7"/>
+                </a:solidFill>
+                <a:latin typeface="Monaco" charset="0"/>
+                <a:ea typeface="Monaco" charset="0"/>
+                <a:cs typeface="Monaco" charset="0"/>
+              </a:rPr>
+              <a:t>textplot_keyness</a:t>
+            </a:r>
+            <a:r>
+              <a:rPr lang="en-GB" sz="1300" dirty="0">
                 <a:latin typeface="Monaco" charset="0"/>
                 <a:ea typeface="Monaco" charset="0"/>
                 <a:cs typeface="Monaco" charset="0"/>
               </a:rPr>
               <a:t>()</a:t>
             </a:r>
-            <a:endParaRPr lang="en-GB" sz="1300" dirty="0">
-              <a:solidFill>
-                <a:schemeClr val="tx1"/>
-              </a:solidFill>
-              <a:latin typeface="Source Sans Pro" charset="0"/>
-              <a:ea typeface="Source Sans Pro" charset="0"/>
-              <a:cs typeface="Source Sans Pro" charset="0"/>
-            </a:endParaRPr>
           </a:p>
           <a:p>
             <a:pPr algn="l"/>
@@ -7042,7 +7181,7 @@
                 <a:ea typeface="Source Sans Pro" charset="0"/>
                 <a:cs typeface="Source Sans Pro" charset="0"/>
               </a:rPr>
-              <a:t>Plot word </a:t>
+              <a:t>Plot </a:t>
             </a:r>
             <a:r>
               <a:rPr lang="en-GB" sz="1500" b="1" dirty="0" err="1">
@@ -7050,9 +7189,60 @@
                 <a:ea typeface="Source Sans Pro" charset="0"/>
                 <a:cs typeface="Source Sans Pro" charset="0"/>
               </a:rPr>
-              <a:t>keyness</a:t>
-            </a:r>
-            <a:endParaRPr lang="en-GB" sz="1500" dirty="0">
+              <a:t>Wordfish</a:t>
+            </a:r>
+            <a:r>
+              <a:rPr lang="en-GB" sz="1500" b="1" dirty="0">
+                <a:latin typeface="Source Sans Pro" charset="0"/>
+                <a:ea typeface="Source Sans Pro" charset="0"/>
+                <a:cs typeface="Source Sans Pro" charset="0"/>
+              </a:rPr>
+              <a:t>, </a:t>
+            </a:r>
+            <a:r>
+              <a:rPr lang="en-GB" sz="1500" b="1" dirty="0" err="1">
+                <a:latin typeface="Source Sans Pro" charset="0"/>
+                <a:ea typeface="Source Sans Pro" charset="0"/>
+                <a:cs typeface="Source Sans Pro" charset="0"/>
+              </a:rPr>
+              <a:t>Wordscores</a:t>
+            </a:r>
+            <a:r>
+              <a:rPr lang="en-GB" sz="1500" b="1" dirty="0">
+                <a:latin typeface="Source Sans Pro" charset="0"/>
+                <a:ea typeface="Source Sans Pro" charset="0"/>
+                <a:cs typeface="Source Sans Pro" charset="0"/>
+              </a:rPr>
+              <a:t> or CA models </a:t>
+            </a:r>
+          </a:p>
+          <a:p>
+            <a:pPr algn="l"/>
+            <a:r>
+              <a:rPr lang="en-GB" sz="1500" dirty="0">
+                <a:latin typeface="Source Sans Pro" charset="0"/>
+                <a:ea typeface="Source Sans Pro" charset="0"/>
+                <a:cs typeface="Source Sans Pro" charset="0"/>
+              </a:rPr>
+              <a:t>(requires the </a:t>
+            </a:r>
+            <a:r>
+              <a:rPr lang="en-GB" sz="1500" b="1" dirty="0" err="1">
+                <a:latin typeface="Source Sans Pro" charset="0"/>
+                <a:ea typeface="Source Sans Pro" charset="0"/>
+                <a:cs typeface="Source Sans Pro" charset="0"/>
+              </a:rPr>
+              <a:t>quanteda.textmodels</a:t>
+            </a:r>
+            <a:r>
+              <a:rPr lang="en-GB" sz="1500" dirty="0">
+                <a:latin typeface="Source Sans Pro" charset="0"/>
+                <a:ea typeface="Source Sans Pro" charset="0"/>
+                <a:cs typeface="Source Sans Pro" charset="0"/>
+              </a:rPr>
+              <a:t> package)</a:t>
+            </a:r>
+            <a:endParaRPr lang="en-GB" sz="1500" b="1" dirty="0">
               <a:latin typeface="Source Sans Pro" charset="0"/>
               <a:ea typeface="Source Sans Pro" charset="0"/>
               <a:cs typeface="Source Sans Pro" charset="0"/>
@@ -7061,12 +7251,20 @@
           <a:p>
             <a:pPr algn="l"/>
             <a:r>
-              <a:rPr lang="en-GB" sz="1300" dirty="0" err="1">
-                <a:latin typeface="Monaco" charset="0"/>
-                <a:ea typeface="Monaco" charset="0"/>
-                <a:cs typeface="Monaco" charset="0"/>
-              </a:rPr>
-              <a:t>data_corpus_inaugural</a:t>
+              <a:rPr lang="en-GB" sz="1300" i="1" dirty="0" err="1">
+                <a:latin typeface="Monaco" charset="0"/>
+                <a:ea typeface="Monaco" charset="0"/>
+                <a:cs typeface="Monaco" charset="0"/>
+              </a:rPr>
+              <a:t>scaling_model</a:t>
+            </a:r>
+            <a:r>
+              <a:rPr lang="en-GB" sz="1300" i="1" dirty="0">
+                <a:latin typeface="Monaco" charset="0"/>
+                <a:ea typeface="Monaco" charset="0"/>
+                <a:cs typeface="Monaco" charset="0"/>
+              </a:rPr>
+              <a:t> </a:t>
             </a:r>
             <a:r>
               <a:rPr lang="en-GB" sz="1300" dirty="0">
@@ -7074,7 +7272,7 @@
                 <a:ea typeface="Monaco" charset="0"/>
                 <a:cs typeface="Monaco" charset="0"/>
               </a:rPr>
-              <a:t> %&gt;%   </a:t>
+              <a:t>%&gt;% </a:t>
             </a:r>
           </a:p>
           <a:p>
@@ -7088,7 +7286,7 @@
               <a:t>  </a:t>
             </a:r>
             <a:r>
-              <a:rPr lang="en-GB" sz="1300" dirty="0" err="1">
+              <a:rPr lang="en-GB" sz="1300" dirty="0">
                 <a:solidFill>
                   <a:srgbClr val="006AC7"/>
                 </a:solidFill>
@@ -7096,7 +7294,7 @@
                 <a:ea typeface="Monaco" charset="0"/>
                 <a:cs typeface="Monaco" charset="0"/>
               </a:rPr>
-              <a:t>corpus_subset</a:t>
+              <a:t>textplot_scale1d</a:t>
             </a:r>
             <a:r>
               <a:rPr lang="en-GB" sz="1300" dirty="0">
@@ -7104,7 +7302,7 @@
                 <a:ea typeface="Monaco" charset="0"/>
                 <a:cs typeface="Monaco" charset="0"/>
               </a:rPr>
-              <a:t>(President %in% </a:t>
+              <a:t>(groups = party, </a:t>
             </a:r>
           </a:p>
           <a:p>
@@ -7115,260 +7313,7 @@
                 <a:ea typeface="Monaco" charset="0"/>
                 <a:cs typeface="Monaco" charset="0"/>
               </a:rPr>
-              <a:t>  		    c("Obama", "Trump")) %&gt;%</a:t>
-            </a:r>
-          </a:p>
-          <a:p>
-            <a:pPr algn="l"/>
-            <a:r>
-              <a:rPr lang="en-GB" sz="1300" dirty="0">
-                <a:latin typeface="Monaco" charset="0"/>
-                <a:ea typeface="Monaco" charset="0"/>
-                <a:cs typeface="Monaco" charset="0"/>
-              </a:rPr>
-              <a:t>  </a:t>
-            </a:r>
-            <a:r>
-              <a:rPr lang="en-GB" sz="1300" dirty="0" err="1">
-                <a:solidFill>
-                  <a:srgbClr val="006AC7"/>
-                </a:solidFill>
-                <a:latin typeface="Monaco" charset="0"/>
-                <a:ea typeface="Monaco" charset="0"/>
-                <a:cs typeface="Monaco" charset="0"/>
-              </a:rPr>
-              <a:t>dfm</a:t>
-            </a:r>
-            <a:r>
-              <a:rPr lang="en-GB" sz="1300" dirty="0">
-                <a:latin typeface="Monaco" charset="0"/>
-                <a:ea typeface="Monaco" charset="0"/>
-                <a:cs typeface="Monaco" charset="0"/>
-              </a:rPr>
-              <a:t>(groups = "President", </a:t>
-            </a:r>
-          </a:p>
-          <a:p>
-            <a:pPr algn="l"/>
-            <a:r>
-              <a:rPr lang="en-GB" sz="1300" dirty="0">
-                <a:latin typeface="Monaco" charset="0"/>
-                <a:ea typeface="Monaco" charset="0"/>
-                <a:cs typeface="Monaco" charset="0"/>
-              </a:rPr>
-              <a:t>	remove = </a:t>
-            </a:r>
-            <a:r>
-              <a:rPr lang="en-GB" sz="1300" dirty="0" err="1">
-                <a:solidFill>
-                  <a:schemeClr val="tx1"/>
-                </a:solidFill>
-                <a:latin typeface="Monaco" charset="0"/>
-                <a:ea typeface="Monaco" charset="0"/>
-                <a:cs typeface="Monaco" charset="0"/>
-              </a:rPr>
-              <a:t>stopwords</a:t>
-            </a:r>
-            <a:r>
-              <a:rPr lang="en-GB" sz="1300" dirty="0">
-                <a:latin typeface="Monaco" charset="0"/>
-                <a:ea typeface="Monaco" charset="0"/>
-                <a:cs typeface="Monaco" charset="0"/>
-              </a:rPr>
-              <a:t>("</a:t>
-            </a:r>
-            <a:r>
-              <a:rPr lang="en-GB" sz="1300" dirty="0" err="1">
-                <a:latin typeface="Monaco" charset="0"/>
-                <a:ea typeface="Monaco" charset="0"/>
-                <a:cs typeface="Monaco" charset="0"/>
-              </a:rPr>
-              <a:t>english</a:t>
-            </a:r>
-            <a:r>
-              <a:rPr lang="en-GB" sz="1300" dirty="0">
-                <a:latin typeface="Monaco" charset="0"/>
-                <a:ea typeface="Monaco" charset="0"/>
-                <a:cs typeface="Monaco" charset="0"/>
-              </a:rPr>
-              <a:t>")) %&gt;%   </a:t>
-            </a:r>
-          </a:p>
-          <a:p>
-            <a:pPr algn="l"/>
-            <a:r>
-              <a:rPr lang="en-GB" sz="1300" dirty="0">
-                <a:solidFill>
-                  <a:srgbClr val="006AC7"/>
-                </a:solidFill>
-                <a:latin typeface="Monaco" charset="0"/>
-                <a:ea typeface="Monaco" charset="0"/>
-                <a:cs typeface="Monaco" charset="0"/>
-              </a:rPr>
-              <a:t>  </a:t>
-            </a:r>
-            <a:r>
-              <a:rPr lang="en-GB" sz="1300" dirty="0" err="1">
-                <a:solidFill>
-                  <a:srgbClr val="006AC7"/>
-                </a:solidFill>
-                <a:latin typeface="Monaco" charset="0"/>
-                <a:ea typeface="Monaco" charset="0"/>
-                <a:cs typeface="Monaco" charset="0"/>
-              </a:rPr>
-              <a:t>textstat_keyness</a:t>
-            </a:r>
-            <a:r>
-              <a:rPr lang="en-GB" sz="1300" dirty="0">
-                <a:latin typeface="Monaco" charset="0"/>
-                <a:ea typeface="Monaco" charset="0"/>
-                <a:cs typeface="Monaco" charset="0"/>
-              </a:rPr>
-              <a:t>(target = "Trump") %&gt;%   </a:t>
-            </a:r>
-          </a:p>
-          <a:p>
-            <a:pPr algn="l"/>
-            <a:r>
-              <a:rPr lang="en-GB" sz="1300" dirty="0">
-                <a:solidFill>
-                  <a:srgbClr val="006AC7"/>
-                </a:solidFill>
-                <a:latin typeface="Monaco" charset="0"/>
-                <a:ea typeface="Monaco" charset="0"/>
-                <a:cs typeface="Monaco" charset="0"/>
-              </a:rPr>
-              <a:t>  </a:t>
-            </a:r>
-            <a:r>
-              <a:rPr lang="en-GB" sz="1300" dirty="0" err="1">
-                <a:solidFill>
-                  <a:srgbClr val="006AC7"/>
-                </a:solidFill>
-                <a:latin typeface="Monaco" charset="0"/>
-                <a:ea typeface="Monaco" charset="0"/>
-                <a:cs typeface="Monaco" charset="0"/>
-              </a:rPr>
-              <a:t>textplot_keyness</a:t>
-            </a:r>
-            <a:r>
-              <a:rPr lang="en-GB" sz="1300" dirty="0">
-                <a:latin typeface="Monaco" charset="0"/>
-                <a:ea typeface="Monaco" charset="0"/>
-                <a:cs typeface="Monaco" charset="0"/>
-              </a:rPr>
-              <a:t>()</a:t>
-            </a:r>
-          </a:p>
-          <a:p>
-            <a:pPr algn="l"/>
-            <a:endParaRPr lang="en-GB" sz="1300" b="1" dirty="0">
-              <a:latin typeface="Source Sans Pro" charset="0"/>
-              <a:ea typeface="Source Sans Pro" charset="0"/>
-              <a:cs typeface="Source Sans Pro" charset="0"/>
-            </a:endParaRPr>
-          </a:p>
-          <a:p>
-            <a:pPr algn="l"/>
-            <a:r>
-              <a:rPr lang="en-GB" sz="1500" b="1" dirty="0">
-                <a:latin typeface="Source Sans Pro" charset="0"/>
-                <a:ea typeface="Source Sans Pro" charset="0"/>
-                <a:cs typeface="Source Sans Pro" charset="0"/>
-              </a:rPr>
-              <a:t>Plot </a:t>
-            </a:r>
-            <a:r>
-              <a:rPr lang="en-GB" sz="1500" b="1" dirty="0" err="1">
-                <a:latin typeface="Source Sans Pro" charset="0"/>
-                <a:ea typeface="Source Sans Pro" charset="0"/>
-                <a:cs typeface="Source Sans Pro" charset="0"/>
-              </a:rPr>
-              <a:t>Wordfish</a:t>
-            </a:r>
-            <a:r>
-              <a:rPr lang="en-GB" sz="1500" b="1" dirty="0">
-                <a:latin typeface="Source Sans Pro" charset="0"/>
-                <a:ea typeface="Source Sans Pro" charset="0"/>
-                <a:cs typeface="Source Sans Pro" charset="0"/>
-              </a:rPr>
-              <a:t>, </a:t>
-            </a:r>
-            <a:r>
-              <a:rPr lang="en-GB" sz="1500" b="1" dirty="0" err="1">
-                <a:latin typeface="Source Sans Pro" charset="0"/>
-                <a:ea typeface="Source Sans Pro" charset="0"/>
-                <a:cs typeface="Source Sans Pro" charset="0"/>
-              </a:rPr>
-              <a:t>Wordscores</a:t>
-            </a:r>
-            <a:r>
-              <a:rPr lang="en-GB" sz="1500" b="1" dirty="0">
-                <a:latin typeface="Source Sans Pro" charset="0"/>
-                <a:ea typeface="Source Sans Pro" charset="0"/>
-                <a:cs typeface="Source Sans Pro" charset="0"/>
-              </a:rPr>
-              <a:t> or CA models</a:t>
-            </a:r>
-          </a:p>
-          <a:p>
-            <a:pPr algn="l"/>
-            <a:r>
-              <a:rPr lang="en-GB" sz="1300" dirty="0">
-                <a:solidFill>
-                  <a:srgbClr val="006AC7"/>
-                </a:solidFill>
-                <a:latin typeface="Monaco" charset="0"/>
-                <a:ea typeface="Monaco" charset="0"/>
-                <a:cs typeface="Monaco" charset="0"/>
-              </a:rPr>
-              <a:t>textplot_scale1d</a:t>
-            </a:r>
-            <a:r>
-              <a:rPr lang="en-GB" sz="1300" dirty="0">
-                <a:latin typeface="Monaco" charset="0"/>
-                <a:ea typeface="Monaco" charset="0"/>
-                <a:cs typeface="Monaco" charset="0"/>
-              </a:rPr>
-              <a:t>(</a:t>
-            </a:r>
-            <a:r>
-              <a:rPr lang="en-GB" sz="1300" i="1" dirty="0" err="1">
-                <a:latin typeface="Monaco" charset="0"/>
-                <a:ea typeface="Monaco" charset="0"/>
-                <a:cs typeface="Monaco" charset="0"/>
-              </a:rPr>
-              <a:t>scaling_model</a:t>
-            </a:r>
-            <a:r>
-              <a:rPr lang="en-GB" sz="1300" dirty="0">
-                <a:latin typeface="Monaco" charset="0"/>
-                <a:ea typeface="Monaco" charset="0"/>
-                <a:cs typeface="Monaco" charset="0"/>
-              </a:rPr>
-              <a:t>, </a:t>
-            </a:r>
-          </a:p>
-          <a:p>
-            <a:pPr algn="l"/>
-            <a:r>
-              <a:rPr lang="en-GB" sz="1300" dirty="0">
-                <a:latin typeface="Monaco" charset="0"/>
-                <a:ea typeface="Monaco" charset="0"/>
-                <a:cs typeface="Monaco" charset="0"/>
-              </a:rPr>
-              <a:t>  groups = party, </a:t>
-            </a:r>
-          </a:p>
-          <a:p>
-            <a:pPr algn="l"/>
-            <a:r>
-              <a:rPr lang="en-GB" sz="1300" dirty="0">
-                <a:latin typeface="Monaco" charset="0"/>
-                <a:ea typeface="Monaco" charset="0"/>
-                <a:cs typeface="Monaco" charset="0"/>
-              </a:rPr>
-              <a:t>  margin = "documents")</a:t>
+              <a:t>                   margin = "documents")</a:t>
             </a:r>
             <a:r>
               <a:rPr lang="en-GB" sz="1300" dirty="0">
@@ -7397,8 +7342,8 @@
         </p:nvSpPr>
         <p:spPr>
           <a:xfrm>
-            <a:off x="288186" y="5691758"/>
-            <a:ext cx="6265777" cy="3698448"/>
+            <a:off x="289478" y="5412621"/>
+            <a:ext cx="6265777" cy="4098558"/>
           </a:xfrm>
           <a:prstGeom prst="rect">
             <a:avLst/>
@@ -7519,22 +7464,6 @@
               <a:t>(x) </a:t>
             </a:r>
             <a:r>
-              <a:rPr lang="en-GB" sz="1300" i="1" dirty="0">
-                <a:latin typeface="Source Sans Pro" charset="0"/>
-                <a:ea typeface="Source Sans Pro" charset="0"/>
-                <a:cs typeface="Source Sans Pro" charset="0"/>
-              </a:rPr>
-              <a:t>|</a:t>
-            </a:r>
-            <a:r>
-              <a:rPr lang="en-GB" sz="1300" i="1" dirty="0">
-                <a:latin typeface="Monaco" charset="0"/>
-                <a:ea typeface="Monaco" charset="0"/>
-                <a:cs typeface="Monaco" charset="0"/>
-              </a:rPr>
-              <a:t> </a:t>
-            </a:r>
-            <a:r>
               <a:rPr lang="en-GB" sz="1300" dirty="0" err="1">
                 <a:solidFill>
                   <a:srgbClr val="006AC7"/>
@@ -7750,39 +7679,7 @@
                 <a:ea typeface="Monaco" charset="0"/>
                 <a:cs typeface="Monaco" charset="0"/>
               </a:rPr>
-              <a:t>(</a:t>
-            </a:r>
-            <a:r>
-              <a:rPr lang="en-GB" sz="1300" dirty="0" err="1">
-                <a:latin typeface="Monaco" charset="0"/>
-                <a:ea typeface="Monaco" charset="0"/>
-                <a:cs typeface="Monaco" charset="0"/>
-              </a:rPr>
-              <a:t>data_corpus_inaugural</a:t>
-            </a:r>
-            <a:r>
-              <a:rPr lang="en-GB" sz="1300" dirty="0">
-                <a:latin typeface="Monaco" charset="0"/>
-                <a:ea typeface="Monaco" charset="0"/>
-                <a:cs typeface="Monaco" charset="0"/>
-              </a:rPr>
-              <a:t>, measure = "</a:t>
-            </a:r>
-            <a:r>
-              <a:rPr lang="en-GB" sz="1300" dirty="0" err="1">
-                <a:latin typeface="Monaco" charset="0"/>
-                <a:ea typeface="Monaco" charset="0"/>
-                <a:cs typeface="Monaco" charset="0"/>
-              </a:rPr>
-              <a:t>Flesch</a:t>
-            </a:r>
-            <a:r>
-              <a:rPr lang="en-GB" sz="1300" dirty="0">
-                <a:latin typeface="Monaco" charset="0"/>
-                <a:ea typeface="Monaco" charset="0"/>
-                <a:cs typeface="Monaco" charset="0"/>
-              </a:rPr>
-              <a:t>") </a:t>
+              <a:t>(x, measure = c("Flesch", "FOG")) </a:t>
             </a:r>
           </a:p>
           <a:p>
@@ -7882,7 +7779,18 @@
                 <a:ea typeface="Monaco" charset="0"/>
                 <a:cs typeface="Monaco" charset="0"/>
               </a:rPr>
-              <a:t>(x, "2017-Trump", method = "cosine")</a:t>
+              <a:t>(x, "2017-Trump", method = "cosine", </a:t>
+            </a:r>
+          </a:p>
+          <a:p>
+            <a:pPr algn="l"/>
+            <a:r>
+              <a:rPr lang="en-GB" sz="1300" dirty="0">
+                <a:latin typeface="Monaco" charset="0"/>
+                <a:ea typeface="Monaco" charset="0"/>
+                <a:cs typeface="Monaco" charset="0"/>
+              </a:rPr>
+              <a:t>		   margin = c("documents", "features"))</a:t>
             </a:r>
             <a:endParaRPr lang="en-GB" sz="1300" i="1" dirty="0">
               <a:solidFill>
@@ -7912,7 +7820,18 @@
                 <a:ea typeface="Monaco" charset="0"/>
                 <a:cs typeface="Monaco" charset="0"/>
               </a:rPr>
-              <a:t>(x, "2017-Trump", margin = "features")</a:t>
+              <a:t>(x, "2017-Trump", </a:t>
+            </a:r>
+          </a:p>
+          <a:p>
+            <a:pPr algn="l"/>
+            <a:r>
+              <a:rPr lang="en-GB" sz="1300" dirty="0">
+                <a:latin typeface="Monaco" charset="0"/>
+                <a:ea typeface="Monaco" charset="0"/>
+                <a:cs typeface="Monaco" charset="0"/>
+              </a:rPr>
+              <a:t>		  margin = c("documents", "features"))</a:t>
             </a:r>
             <a:endParaRPr lang="en-GB" sz="1300" i="1" dirty="0">
               <a:solidFill>
@@ -7986,7 +7905,7 @@
         </p:nvSpPr>
         <p:spPr>
           <a:xfrm>
-            <a:off x="247836" y="5630971"/>
+            <a:off x="249128" y="5351834"/>
             <a:ext cx="6084291" cy="184666"/>
           </a:xfrm>
           <a:prstGeom prst="rect">
@@ -8027,7 +7946,7 @@
         </p:nvSpPr>
         <p:spPr>
           <a:xfrm>
-            <a:off x="131672" y="5023173"/>
+            <a:off x="132964" y="4744036"/>
             <a:ext cx="6436800" cy="482886"/>
           </a:xfrm>
           <a:prstGeom prst="roundRect">
@@ -8113,7 +8032,211 @@
         </p:nvSpPr>
         <p:spPr>
           <a:xfrm>
-            <a:off x="6647804" y="196471"/>
+            <a:off x="6647804" y="196470"/>
+            <a:ext cx="7253999" cy="858643"/>
+          </a:xfrm>
+          <a:prstGeom prst="roundRect">
+            <a:avLst>
+              <a:gd name="adj" fmla="val 20098"/>
+            </a:avLst>
+          </a:prstGeom>
+          <a:solidFill>
+            <a:srgbClr val="006AC7"/>
+          </a:solidFill>
+          <a:ln w="12700">
+            <a:miter lim="400000"/>
+          </a:ln>
+          <a:extLst>
+            <a:ext uri="{C572A759-6A51-4108-AA02-DFA0A04FC94B}">
+              <ma14:wrappingTextBoxFlag xmlns:ma14="http://schemas.microsoft.com/office/mac/drawingml/2011/main" xmlns="" val="1"/>
+            </a:ext>
+          </a:extLst>
+        </p:spPr>
+        <p:txBody>
+          <a:bodyPr lIns="0" tIns="0" rIns="0" bIns="0" anchor="ctr"/>
+          <a:lstStyle/>
+          <a:p>
+            <a:pPr lvl="1" indent="0">
+              <a:defRPr sz="1800"/>
+            </a:pPr>
+            <a:r>
+              <a:rPr lang="en-US" sz="2400" dirty="0">
+                <a:solidFill>
+                  <a:srgbClr val="FFFFFF"/>
+                </a:solidFill>
+                <a:latin typeface="Source Sans Pro"/>
+                <a:ea typeface="Source Sans Pro"/>
+                <a:cs typeface="Source Sans Pro"/>
+                <a:sym typeface="Source Sans Pro"/>
+              </a:rPr>
+              <a:t>Fit text models based on a </a:t>
+            </a:r>
+            <a:r>
+              <a:rPr lang="en-US" sz="2400" dirty="0" err="1">
+                <a:solidFill>
+                  <a:srgbClr val="FFFFFF"/>
+                </a:solidFill>
+                <a:latin typeface="Source Sans Pro"/>
+                <a:ea typeface="Source Sans Pro"/>
+                <a:cs typeface="Source Sans Pro"/>
+                <a:sym typeface="Source Sans Pro"/>
+              </a:rPr>
+              <a:t>dfm</a:t>
+            </a:r>
+            <a:r>
+              <a:rPr lang="en-US" sz="2400" dirty="0">
+                <a:solidFill>
+                  <a:srgbClr val="FFFFFF"/>
+                </a:solidFill>
+                <a:latin typeface="Source Sans Pro"/>
+                <a:ea typeface="Source Sans Pro"/>
+                <a:cs typeface="Source Sans Pro"/>
+                <a:sym typeface="Source Sans Pro"/>
+              </a:rPr>
+              <a:t> (</a:t>
+            </a:r>
+            <a:r>
+              <a:rPr lang="en-US" sz="2000" dirty="0" err="1">
+                <a:solidFill>
+                  <a:srgbClr val="FFFFFF"/>
+                </a:solidFill>
+                <a:latin typeface="Monaco" charset="0"/>
+                <a:ea typeface="Monaco" charset="0"/>
+                <a:cs typeface="Monaco" charset="0"/>
+                <a:sym typeface="Source Sans Pro"/>
+              </a:rPr>
+              <a:t>textmodel</a:t>
+            </a:r>
+            <a:r>
+              <a:rPr lang="en-US" sz="2000" dirty="0">
+                <a:solidFill>
+                  <a:srgbClr val="FFFFFF"/>
+                </a:solidFill>
+                <a:latin typeface="Monaco" charset="0"/>
+                <a:ea typeface="Monaco" charset="0"/>
+                <a:cs typeface="Monaco" charset="0"/>
+                <a:sym typeface="Source Sans Pro"/>
+              </a:rPr>
+              <a:t>_*</a:t>
+            </a:r>
+            <a:r>
+              <a:rPr lang="en-US" sz="2400" dirty="0">
+                <a:solidFill>
+                  <a:srgbClr val="FFFFFF"/>
+                </a:solidFill>
+                <a:latin typeface="Source Sans Pro"/>
+                <a:ea typeface="Source Sans Pro"/>
+                <a:cs typeface="Source Sans Pro"/>
+                <a:sym typeface="Source Sans Pro"/>
+              </a:rPr>
+              <a:t>)</a:t>
+            </a:r>
+          </a:p>
+          <a:p>
+            <a:pPr lvl="1" indent="0">
+              <a:defRPr sz="1800"/>
+            </a:pPr>
+            <a:r>
+              <a:rPr lang="en-US" sz="1400" i="1" dirty="0">
+                <a:solidFill>
+                  <a:srgbClr val="FFFFFF"/>
+                </a:solidFill>
+                <a:latin typeface="Source Sans Pro"/>
+                <a:ea typeface="Source Sans Pro"/>
+                <a:cs typeface="Source Sans Pro"/>
+                <a:sym typeface="Source Sans Pro"/>
+              </a:rPr>
+              <a:t>These functions require the </a:t>
+            </a:r>
+            <a:r>
+              <a:rPr lang="en-US" sz="1400" b="1" dirty="0" err="1">
+                <a:solidFill>
+                  <a:srgbClr val="FFFFFF"/>
+                </a:solidFill>
+                <a:latin typeface="Source Sans Pro"/>
+                <a:ea typeface="Source Sans Pro"/>
+                <a:cs typeface="Source Sans Pro"/>
+                <a:sym typeface="Source Sans Pro"/>
+              </a:rPr>
+              <a:t>quanteda.textmodels</a:t>
+            </a:r>
+            <a:r>
+              <a:rPr lang="en-US" sz="1400" b="1" dirty="0">
+                <a:solidFill>
+                  <a:srgbClr val="FFFFFF"/>
+                </a:solidFill>
+                <a:latin typeface="Source Sans Pro"/>
+                <a:ea typeface="Source Sans Pro"/>
+                <a:cs typeface="Source Sans Pro"/>
+                <a:sym typeface="Source Sans Pro"/>
+              </a:rPr>
+              <a:t> </a:t>
+            </a:r>
+            <a:r>
+              <a:rPr lang="en-US" sz="1400" i="1" dirty="0">
+                <a:solidFill>
+                  <a:srgbClr val="FFFFFF"/>
+                </a:solidFill>
+                <a:latin typeface="Source Sans Pro"/>
+                <a:ea typeface="Source Sans Pro"/>
+                <a:cs typeface="Source Sans Pro"/>
+                <a:sym typeface="Source Sans Pro"/>
+              </a:rPr>
+              <a:t>package</a:t>
+            </a:r>
+          </a:p>
+        </p:txBody>
+      </p:sp>
+      <p:sp>
+        <p:nvSpPr>
+          <p:cNvPr id="53" name="Shape 35"/>
+          <p:cNvSpPr/>
+          <p:nvPr/>
+        </p:nvSpPr>
+        <p:spPr>
+          <a:xfrm>
+            <a:off x="6809909" y="6487781"/>
+            <a:ext cx="6836713" cy="184666"/>
+          </a:xfrm>
+          <a:prstGeom prst="rect">
+            <a:avLst/>
+          </a:prstGeom>
+          <a:ln w="12700">
+            <a:miter lim="400000"/>
+          </a:ln>
+          <a:extLst>
+            <a:ext uri="{C572A759-6A51-4108-AA02-DFA0A04FC94B}">
+              <ma14:wrappingTextBoxFlag xmlns:ma14="http://schemas.microsoft.com/office/mac/drawingml/2011/main" xmlns="" val="1"/>
+            </a:ext>
+          </a:extLst>
+        </p:spPr>
+        <p:txBody>
+          <a:bodyPr wrap="square" lIns="0" tIns="0" rIns="0" bIns="0">
+            <a:spAutoFit/>
+          </a:bodyPr>
+          <a:lstStyle/>
+          <a:p>
+            <a:pPr algn="l"/>
+            <a:endParaRPr lang="en-GB" sz="1200" b="1" i="1">
+              <a:solidFill>
+                <a:srgbClr val="006AC7"/>
+              </a:solidFill>
+              <a:latin typeface="Source Sans Pro" charset="0"/>
+              <a:ea typeface="Source Sans Pro" charset="0"/>
+              <a:cs typeface="Source Sans Pro" charset="0"/>
+            </a:endParaRPr>
+          </a:p>
+        </p:txBody>
+      </p:sp>
+      <p:sp>
+        <p:nvSpPr>
+          <p:cNvPr id="55" name="Shape 38"/>
+          <p:cNvSpPr/>
+          <p:nvPr/>
+        </p:nvSpPr>
+        <p:spPr>
+          <a:xfrm>
+            <a:off x="6640309" y="4734386"/>
             <a:ext cx="7253999" cy="482886"/>
           </a:xfrm>
           <a:prstGeom prst="roundRect">
@@ -8150,10 +8273,34 @@
                 <a:cs typeface="Source Sans Pro"/>
                 <a:sym typeface="Source Sans Pro"/>
               </a:rPr>
-              <a:t>Fit text models based on a </a:t>
-            </a:r>
-            <a:r>
-              <a:rPr lang="en-US" sz="2400" dirty="0" err="1">
+              <a:t>Plot features or models (</a:t>
+            </a:r>
+            <a:r>
+              <a:rPr lang="en-US" sz="2000" dirty="0" err="1">
+                <a:solidFill>
+                  <a:srgbClr val="FFFFFF"/>
+                </a:solidFill>
+                <a:latin typeface="Monaco" charset="0"/>
+                <a:ea typeface="Monaco" charset="0"/>
+                <a:cs typeface="Monaco" charset="0"/>
+                <a:sym typeface="Source Sans Pro"/>
+              </a:rPr>
+              <a:t>textplot</a:t>
+            </a:r>
+            <a:r>
+              <a:rPr lang="en-US" sz="2000" dirty="0">
+                <a:solidFill>
+                  <a:srgbClr val="FFFFFF"/>
+                </a:solidFill>
+                <a:latin typeface="Monaco" charset="0"/>
+                <a:ea typeface="Monaco" charset="0"/>
+                <a:cs typeface="Monaco" charset="0"/>
+                <a:sym typeface="Source Sans Pro"/>
+              </a:rPr>
+              <a:t>_*</a:t>
+            </a:r>
+            <a:r>
+              <a:rPr lang="en-US" sz="2400" dirty="0">
                 <a:solidFill>
                   <a:srgbClr val="FFFFFF"/>
                 </a:solidFill>
@@ -8162,196 +8309,50 @@
                 <a:cs typeface="Source Sans Pro"/>
                 <a:sym typeface="Source Sans Pro"/>
               </a:rPr>
-              <a:t>dfm</a:t>
-            </a:r>
-            <a:r>
-              <a:rPr lang="en-US" sz="2400" dirty="0">
-                <a:solidFill>
-                  <a:srgbClr val="FFFFFF"/>
-                </a:solidFill>
-                <a:latin typeface="Source Sans Pro"/>
-                <a:ea typeface="Source Sans Pro"/>
-                <a:cs typeface="Source Sans Pro"/>
-                <a:sym typeface="Source Sans Pro"/>
-              </a:rPr>
-              <a:t> (</a:t>
-            </a:r>
-            <a:r>
-              <a:rPr lang="en-US" sz="2000" dirty="0" err="1">
-                <a:solidFill>
-                  <a:srgbClr val="FFFFFF"/>
-                </a:solidFill>
-                <a:latin typeface="Monaco" charset="0"/>
-                <a:ea typeface="Monaco" charset="0"/>
-                <a:cs typeface="Monaco" charset="0"/>
-                <a:sym typeface="Source Sans Pro"/>
-              </a:rPr>
-              <a:t>textmodel</a:t>
-            </a:r>
-            <a:r>
-              <a:rPr lang="en-US" sz="2000" dirty="0">
-                <a:solidFill>
-                  <a:srgbClr val="FFFFFF"/>
-                </a:solidFill>
-                <a:latin typeface="Monaco" charset="0"/>
-                <a:ea typeface="Monaco" charset="0"/>
-                <a:cs typeface="Monaco" charset="0"/>
-                <a:sym typeface="Source Sans Pro"/>
-              </a:rPr>
-              <a:t>_*</a:t>
-            </a:r>
-            <a:r>
-              <a:rPr lang="en-US" sz="2400" dirty="0">
-                <a:solidFill>
-                  <a:srgbClr val="FFFFFF"/>
-                </a:solidFill>
-                <a:latin typeface="Source Sans Pro"/>
-                <a:ea typeface="Source Sans Pro"/>
-                <a:cs typeface="Source Sans Pro"/>
-                <a:sym typeface="Source Sans Pro"/>
-              </a:rPr>
               <a:t>)</a:t>
             </a:r>
           </a:p>
         </p:txBody>
       </p:sp>
-      <p:sp>
-        <p:nvSpPr>
-          <p:cNvPr id="53" name="Shape 35"/>
-          <p:cNvSpPr/>
+      <p:pic>
+        <p:nvPicPr>
+          <p:cNvPr id="58" name="Picture 57"/>
+          <p:cNvPicPr>
+            <a:picLocks noChangeAspect="1"/>
+          </p:cNvPicPr>
           <p:nvPr/>
-        </p:nvSpPr>
+        </p:nvPicPr>
+        <p:blipFill rotWithShape="1">
+          <a:blip r:embed="rId3">
+            <a:extLst>
+              <a:ext uri="{28A0092B-C50C-407E-A947-70E740481C1C}">
+                <a14:useLocalDpi xmlns:a14="http://schemas.microsoft.com/office/drawing/2010/main" val="0"/>
+              </a:ext>
+            </a:extLst>
+          </a:blip>
+          <a:srcRect l="25138" t="26147" r="25661" b="24848"/>
+          <a:stretch/>
+        </p:blipFill>
         <p:spPr>
           <a:xfrm>
-            <a:off x="6809909" y="5417535"/>
-            <a:ext cx="6836713" cy="184666"/>
+            <a:off x="11963411" y="5208301"/>
+            <a:ext cx="1328655" cy="1323367"/>
           </a:xfrm>
           <a:prstGeom prst="rect">
             <a:avLst/>
           </a:prstGeom>
-          <a:ln w="12700">
-            <a:miter lim="400000"/>
-          </a:ln>
-          <a:extLst>
-            <a:ext uri="{C572A759-6A51-4108-AA02-DFA0A04FC94B}">
-              <ma14:wrappingTextBoxFlag xmlns:ma14="http://schemas.microsoft.com/office/mac/drawingml/2011/main" xmlns="" val="1"/>
-            </a:ext>
-          </a:extLst>
         </p:spPr>
-        <p:txBody>
-          <a:bodyPr wrap="square" lIns="0" tIns="0" rIns="0" bIns="0">
-            <a:spAutoFit/>
-          </a:bodyPr>
-          <a:lstStyle/>
-          <a:p>
-            <a:pPr algn="l"/>
-            <a:endParaRPr lang="en-GB" sz="1200" b="1" i="1">
-              <a:solidFill>
-                <a:srgbClr val="006AC7"/>
-              </a:solidFill>
-              <a:latin typeface="Source Sans Pro" charset="0"/>
-              <a:ea typeface="Source Sans Pro" charset="0"/>
-              <a:cs typeface="Source Sans Pro" charset="0"/>
-            </a:endParaRPr>
-          </a:p>
-        </p:txBody>
-      </p:sp>
-      <p:sp>
-        <p:nvSpPr>
-          <p:cNvPr id="55" name="Shape 38"/>
-          <p:cNvSpPr/>
-          <p:nvPr/>
-        </p:nvSpPr>
-        <p:spPr>
-          <a:xfrm>
-            <a:off x="6640309" y="3664140"/>
-            <a:ext cx="7253999" cy="482886"/>
-          </a:xfrm>
-          <a:prstGeom prst="roundRect">
-            <a:avLst>
-              <a:gd name="adj" fmla="val 20098"/>
-            </a:avLst>
-          </a:prstGeom>
-          <a:solidFill>
-            <a:srgbClr val="006AC7"/>
-          </a:solidFill>
-          <a:ln w="12700">
-            <a:miter lim="400000"/>
-          </a:ln>
-          <a:extLst>
-            <a:ext uri="{C572A759-6A51-4108-AA02-DFA0A04FC94B}">
-              <ma14:wrappingTextBoxFlag xmlns:ma14="http://schemas.microsoft.com/office/mac/drawingml/2011/main" xmlns="" val="1"/>
-            </a:ext>
-          </a:extLst>
-        </p:spPr>
-        <p:txBody>
-          <a:bodyPr lIns="0" tIns="0" rIns="0" bIns="0" anchor="ctr"/>
-          <a:lstStyle/>
-          <a:p>
-            <a:pPr lvl="1" indent="0">
-              <a:defRPr sz="1800"/>
-            </a:pPr>
-            <a:r>
-              <a:rPr lang="en-US" sz="2400" dirty="0">
-                <a:solidFill>
-                  <a:srgbClr val="FFFFFF"/>
-                </a:solidFill>
-                <a:latin typeface="Source Sans Pro"/>
-                <a:ea typeface="Source Sans Pro"/>
-                <a:cs typeface="Source Sans Pro"/>
-                <a:sym typeface="Source Sans Pro"/>
-              </a:rPr>
-              <a:t>Plot features or models (</a:t>
-            </a:r>
-            <a:r>
-              <a:rPr lang="en-US" sz="2000" dirty="0" err="1">
-                <a:solidFill>
-                  <a:srgbClr val="FFFFFF"/>
-                </a:solidFill>
-                <a:latin typeface="Monaco" charset="0"/>
-                <a:ea typeface="Monaco" charset="0"/>
-                <a:cs typeface="Monaco" charset="0"/>
-                <a:sym typeface="Source Sans Pro"/>
-              </a:rPr>
-              <a:t>textplot</a:t>
-            </a:r>
-            <a:r>
-              <a:rPr lang="en-US" sz="2000" dirty="0">
-                <a:solidFill>
-                  <a:srgbClr val="FFFFFF"/>
-                </a:solidFill>
-                <a:latin typeface="Monaco" charset="0"/>
-                <a:ea typeface="Monaco" charset="0"/>
-                <a:cs typeface="Monaco" charset="0"/>
-                <a:sym typeface="Source Sans Pro"/>
-              </a:rPr>
-              <a:t>_*</a:t>
-            </a:r>
-            <a:r>
-              <a:rPr lang="en-US" sz="2400" dirty="0">
-                <a:solidFill>
-                  <a:srgbClr val="FFFFFF"/>
-                </a:solidFill>
-                <a:latin typeface="Source Sans Pro"/>
-                <a:ea typeface="Source Sans Pro"/>
-                <a:cs typeface="Source Sans Pro"/>
-                <a:sym typeface="Source Sans Pro"/>
-              </a:rPr>
-              <a:t>)</a:t>
-            </a:r>
-          </a:p>
-        </p:txBody>
-      </p:sp>
+      </p:pic>
       <p:pic>
         <p:nvPicPr>
-          <p:cNvPr id="57" name="Picture 56"/>
+          <p:cNvPr id="59" name="Picture 58"/>
           <p:cNvPicPr>
             <a:picLocks noChangeAspect="1"/>
           </p:cNvPicPr>
           <p:nvPr/>
         </p:nvPicPr>
         <p:blipFill>
-          <a:blip r:embed="rId3">
+          <a:blip r:embed="rId4">
             <a:extLst>
               <a:ext uri="{28A0092B-C50C-407E-A947-70E740481C1C}">
                 <a14:useLocalDpi xmlns:a14="http://schemas.microsoft.com/office/drawing/2010/main" val="0"/>
@@ -8364,8 +8365,8 @@
         </p:blipFill>
         <p:spPr>
           <a:xfrm>
-            <a:off x="11814893" y="5436429"/>
-            <a:ext cx="1809004" cy="1356753"/>
+            <a:off x="11865450" y="6753019"/>
+            <a:ext cx="1902384" cy="1188990"/>
           </a:xfrm>
           <a:prstGeom prst="rect">
             <a:avLst/>
@@ -8374,36 +8375,7 @@
       </p:pic>
       <p:pic>
         <p:nvPicPr>
-          <p:cNvPr id="58" name="Picture 57"/>
-          <p:cNvPicPr>
-            <a:picLocks noChangeAspect="1"/>
-          </p:cNvPicPr>
-          <p:nvPr/>
-        </p:nvPicPr>
-        <p:blipFill rotWithShape="1">
-          <a:blip r:embed="rId4">
-            <a:extLst>
-              <a:ext uri="{28A0092B-C50C-407E-A947-70E740481C1C}">
-                <a14:useLocalDpi xmlns:a14="http://schemas.microsoft.com/office/drawing/2010/main" val="0"/>
-              </a:ext>
-            </a:extLst>
-          </a:blip>
-          <a:srcRect l="25138" t="26147" r="25661" b="24848"/>
-          <a:stretch/>
-        </p:blipFill>
-        <p:spPr>
-          <a:xfrm>
-            <a:off x="11963411" y="4138055"/>
-            <a:ext cx="1328655" cy="1323367"/>
-          </a:xfrm>
-          <a:prstGeom prst="rect">
-            <a:avLst/>
-          </a:prstGeom>
-        </p:spPr>
-      </p:pic>
-      <p:pic>
-        <p:nvPicPr>
-          <p:cNvPr id="59" name="Picture 58"/>
+          <p:cNvPr id="60" name="Picture 59"/>
           <p:cNvPicPr>
             <a:picLocks noChangeAspect="1"/>
           </p:cNvPicPr>
@@ -8423,37 +8395,7 @@
         </p:blipFill>
         <p:spPr>
           <a:xfrm>
-            <a:off x="11866173" y="6962611"/>
-            <a:ext cx="1902384" cy="1188990"/>
-          </a:xfrm>
-          <a:prstGeom prst="rect">
-            <a:avLst/>
-          </a:prstGeom>
-        </p:spPr>
-      </p:pic>
-      <p:pic>
-        <p:nvPicPr>
-          <p:cNvPr id="60" name="Picture 59"/>
-          <p:cNvPicPr>
-            <a:picLocks noChangeAspect="1"/>
-          </p:cNvPicPr>
-          <p:nvPr/>
-        </p:nvPicPr>
-        <p:blipFill>
-          <a:blip r:embed="rId6">
-            <a:extLst>
-              <a:ext uri="{28A0092B-C50C-407E-A947-70E740481C1C}">
-                <a14:useLocalDpi xmlns:a14="http://schemas.microsoft.com/office/drawing/2010/main" val="0"/>
-              </a:ext>
-            </a:extLst>
-          </a:blip>
-          <a:stretch>
-            <a:fillRect/>
-          </a:stretch>
-        </p:blipFill>
-        <p:spPr>
-          <a:xfrm>
-            <a:off x="11814893" y="8204846"/>
+            <a:off x="11727570" y="8106947"/>
             <a:ext cx="1800336" cy="1287657"/>
           </a:xfrm>
           <a:prstGeom prst="rect">
@@ -8469,8 +8411,8 @@
         </p:nvSpPr>
         <p:spPr>
           <a:xfrm>
-            <a:off x="273762" y="9936056"/>
-            <a:ext cx="6199029" cy="678054"/>
+            <a:off x="-211206" y="9874973"/>
+            <a:ext cx="6822465" cy="678054"/>
           </a:xfrm>
           <a:prstGeom prst="rect">
             <a:avLst/>
@@ -8548,10 +8490,10 @@
                 <a:cs typeface="Source Sans Pro" charset="0"/>
                 <a:sym typeface="Source Sans Pro Light"/>
               </a:rPr>
-              <a:t>mullers@tcd.ie</a:t>
-            </a:r>
-            <a:r>
-              <a:rPr lang="en-US" sz="1400" dirty="0">
+              <a:t>smueller@quanteda.org</a:t>
+            </a:r>
+            <a:r>
+              <a:rPr lang="en-US" sz="1400" i="1" dirty="0">
                 <a:latin typeface="Source Sans Pro" charset="0"/>
                 <a:ea typeface="Source Sans Pro" charset="0"/>
                 <a:cs typeface="Source Sans Pro" charset="0"/>
@@ -8566,14 +8508,17 @@
                 <a:cs typeface="Source Sans Pro" charset="0"/>
                 <a:sym typeface="Source Sans Pro Light"/>
               </a:rPr>
-              <a:t>kbenoit@lse.ac.uk</a:t>
-            </a:r>
-            <a:endParaRPr lang="en-US" sz="1400" i="1" dirty="0">
-              <a:latin typeface="Source Sans Pro" charset="0"/>
-              <a:ea typeface="Source Sans Pro" charset="0"/>
-              <a:cs typeface="Source Sans Pro" charset="0"/>
-              <a:sym typeface="Source Sans Pro Light"/>
-            </a:endParaRPr>
+              <a:t>kbenoit@quanteda.org</a:t>
+            </a:r>
+            <a:r>
+              <a:rPr lang="en-US" sz="1400" i="1" dirty="0">
+                <a:latin typeface="Source Sans Pro" charset="0"/>
+                <a:ea typeface="Source Sans Pro" charset="0"/>
+                <a:cs typeface="Source Sans Pro" charset="0"/>
+                <a:sym typeface="Source Sans Pro Light"/>
+              </a:rPr>
+              <a:t> </a:t>
+            </a:r>
           </a:p>
           <a:p>
             <a:pPr lvl="0" algn="r">
@@ -8681,16 +8626,7 @@
                 <a:cs typeface="Source Sans Pro" charset="0"/>
                 <a:sym typeface="Source Sans Pro Light"/>
               </a:rPr>
-              <a:t>•  updated</a:t>
-            </a:r>
-            <a:r>
-              <a:rPr lang="en-US" sz="1400">
-                <a:latin typeface="Source Sans Pro" charset="0"/>
-                <a:ea typeface="Source Sans Pro" charset="0"/>
-                <a:cs typeface="Source Sans Pro" charset="0"/>
-                <a:sym typeface="Source Sans Pro Light"/>
-              </a:rPr>
-              <a:t>: 11/18</a:t>
+              <a:t>•  updated: 05/2020</a:t>
             </a:r>
             <a:endParaRPr lang="en-US" sz="1400" dirty="0">
               <a:solidFill>
@@ -8852,7 +8788,7 @@
                 <a:ea typeface="Monaco" charset="0"/>
                 <a:cs typeface="Monaco" charset="0"/>
               </a:rPr>
-              <a:t> = TRUE, stem = TRUE)</a:t>
+              <a:t> = TRUE)</a:t>
             </a:r>
             <a:endParaRPr lang="en-GB" sz="1300" dirty="0">
               <a:solidFill>
@@ -8976,54 +8912,6 @@
                 <a:ea typeface="Monaco" charset="0"/>
                 <a:cs typeface="Monaco" charset="0"/>
               </a:rPr>
-              <a:t>powerful", </a:t>
-            </a:r>
-            <a:r>
-              <a:rPr lang="en-GB" sz="1300" dirty="0">
-                <a:latin typeface="Monaco" charset="0"/>
-                <a:ea typeface="Monaco" charset="0"/>
-                <a:cs typeface="Monaco" charset="0"/>
-              </a:rPr>
-              <a:t>"</a:t>
-            </a:r>
-            <a:r>
-              <a:rPr lang="en-GB" sz="1300" dirty="0">
-                <a:solidFill>
-                  <a:schemeClr val="tx1"/>
-                </a:solidFill>
-                <a:uFill>
-                  <a:solidFill>
-                    <a:schemeClr val="bg1"/>
-                  </a:solidFill>
-                </a:uFill>
-                <a:latin typeface="Monaco" charset="0"/>
-                <a:ea typeface="Monaco" charset="0"/>
-                <a:cs typeface="Monaco" charset="0"/>
-              </a:rPr>
-              <a:t>tool", </a:t>
-            </a:r>
-            <a:r>
-              <a:rPr lang="en-GB" sz="1300" dirty="0">
-                <a:latin typeface="Monaco" charset="0"/>
-                <a:ea typeface="Monaco" charset="0"/>
-                <a:cs typeface="Monaco" charset="0"/>
-              </a:rPr>
-              <a:t>"</a:t>
-            </a:r>
-            <a:r>
-              <a:rPr lang="en-GB" sz="1300" dirty="0">
-                <a:solidFill>
-                  <a:schemeClr val="tx1"/>
-                </a:solidFill>
-                <a:uFill>
-                  <a:solidFill>
-                    <a:schemeClr val="bg1"/>
-                  </a:solidFill>
-                </a:uFill>
-                <a:latin typeface="Monaco" charset="0"/>
-                <a:ea typeface="Monaco" charset="0"/>
-                <a:cs typeface="Monaco" charset="0"/>
-              </a:rPr>
               <a:t>text analysis"))</a:t>
             </a:r>
           </a:p>
@@ -9275,20 +9163,49 @@
                 <a:ea typeface="Monaco" charset="0"/>
                 <a:cs typeface="Monaco" charset="0"/>
               </a:rPr>
-              <a:t>(</a:t>
-            </a:r>
-            <a:r>
-              <a:rPr lang="en-GB" sz="1400" dirty="0" err="1">
+              <a:t>(x, n = 2, skip = 0:1) </a:t>
+            </a:r>
+          </a:p>
+          <a:p>
+            <a:pPr algn="l">
+              <a:spcBef>
+                <a:spcPts val="800"/>
+              </a:spcBef>
+            </a:pPr>
+            <a:r>
+              <a:rPr lang="en-GB" sz="1500" b="1" dirty="0">
+                <a:solidFill>
+                  <a:schemeClr val="tx1"/>
+                </a:solidFill>
                 <a:uFill>
                   <a:solidFill>
                     <a:schemeClr val="bg1"/>
                   </a:solidFill>
                 </a:uFill>
-                <a:latin typeface="Monaco" charset="0"/>
-                <a:ea typeface="Monaco" charset="0"/>
-                <a:cs typeface="Monaco" charset="0"/>
-              </a:rPr>
-              <a:t>toks</a:t>
+                <a:latin typeface="Source Sans Pro" charset="0"/>
+                <a:ea typeface="Source Sans Pro" charset="0"/>
+                <a:cs typeface="Source Sans Pro" charset="0"/>
+              </a:rPr>
+              <a:t>Convert case of tokens or features</a:t>
+            </a:r>
+          </a:p>
+          <a:p>
+            <a:pPr algn="l"/>
+            <a:r>
+              <a:rPr lang="en-GB" sz="1400" dirty="0" err="1">
+                <a:solidFill>
+                  <a:srgbClr val="006AC7"/>
+                </a:solidFill>
+                <a:uFill>
+                  <a:solidFill>
+                    <a:schemeClr val="bg1"/>
+                  </a:solidFill>
+                </a:uFill>
+                <a:latin typeface="Monaco" charset="0"/>
+                <a:ea typeface="Monaco" charset="0"/>
+                <a:cs typeface="Monaco" charset="0"/>
+              </a:rPr>
+              <a:t>tokens_tolower</a:t>
             </a:r>
             <a:r>
               <a:rPr lang="en-GB" sz="1400" dirty="0">
@@ -9301,49 +9218,23 @@
                 <a:ea typeface="Monaco" charset="0"/>
                 <a:cs typeface="Monaco" charset="0"/>
               </a:rPr>
-              <a:t>, n = 2, skip = 0:1) </a:t>
-            </a:r>
-          </a:p>
-          <a:p>
-            <a:pPr algn="l">
-              <a:spcBef>
-                <a:spcPts val="800"/>
-              </a:spcBef>
-            </a:pPr>
-            <a:r>
-              <a:rPr lang="en-GB" sz="1500" b="1" dirty="0">
-                <a:solidFill>
-                  <a:schemeClr val="tx1"/>
+              <a:t>(x) </a:t>
+            </a:r>
+            <a:r>
+              <a:rPr lang="en-GB" sz="1400" dirty="0" err="1">
+                <a:solidFill>
+                  <a:srgbClr val="006AC7"/>
                 </a:solidFill>
                 <a:uFill>
                   <a:solidFill>
                     <a:schemeClr val="bg1"/>
                   </a:solidFill>
                 </a:uFill>
-                <a:latin typeface="Source Sans Pro" charset="0"/>
-                <a:ea typeface="Source Sans Pro" charset="0"/>
-                <a:cs typeface="Source Sans Pro" charset="0"/>
-              </a:rPr>
-              <a:t>Convert case of tokens</a:t>
-            </a:r>
-          </a:p>
-          <a:p>
-            <a:pPr algn="l"/>
-            <a:r>
-              <a:rPr lang="en-GB" sz="1400" dirty="0" err="1">
-                <a:solidFill>
-                  <a:srgbClr val="006AC7"/>
-                </a:solidFill>
-                <a:uFill>
-                  <a:solidFill>
-                    <a:schemeClr val="bg1"/>
-                  </a:solidFill>
-                </a:uFill>
-                <a:latin typeface="Monaco" charset="0"/>
-                <a:ea typeface="Monaco" charset="0"/>
-                <a:cs typeface="Monaco" charset="0"/>
-              </a:rPr>
-              <a:t>tokens_tolower</a:t>
+                <a:latin typeface="Monaco" charset="0"/>
+                <a:ea typeface="Monaco" charset="0"/>
+                <a:cs typeface="Monaco" charset="0"/>
+              </a:rPr>
+              <a:t>tokens_toupper</a:t>
             </a:r>
             <a:r>
               <a:rPr lang="en-GB" sz="1400" dirty="0">
@@ -9356,7 +9247,7 @@
                 <a:ea typeface="Monaco" charset="0"/>
                 <a:cs typeface="Monaco" charset="0"/>
               </a:rPr>
-              <a:t>(x) | </a:t>
+              <a:t>(x) </a:t>
             </a:r>
             <a:r>
               <a:rPr lang="en-GB" sz="1400" dirty="0" err="1">
@@ -9369,10 +9260,8 @@
                   </a:solidFill>
                 </a:uFill>
                 <a:latin typeface="Monaco" charset="0"/>
-                <a:ea typeface="Monaco" charset="0"/>
-                <a:cs typeface="Monaco" charset="0"/>
-              </a:rPr>
-              <a:t>tokens_topupper</a:t>
+              </a:rPr>
+              <a:t>dfm_tolower</a:t>
             </a:r>
             <a:r>
               <a:rPr lang="en-GB" sz="1400" dirty="0">
@@ -9408,7 +9297,7 @@
                 <a:ea typeface="Source Sans Pro" charset="0"/>
                 <a:cs typeface="Source Sans Pro" charset="0"/>
               </a:rPr>
-              <a:t>Stem the terms in an object</a:t>
+              <a:t>Stem tokens or features</a:t>
             </a:r>
           </a:p>
           <a:p>
@@ -9428,6 +9317,33 @@
                 <a:cs typeface="Monaco" charset="0"/>
               </a:rPr>
               <a:t>tokens_wordstem</a:t>
+            </a:r>
+            <a:r>
+              <a:rPr lang="en-GB" sz="1400" dirty="0">
+                <a:uFill>
+                  <a:solidFill>
+                    <a:schemeClr val="bg1"/>
+                  </a:solidFill>
+                </a:uFill>
+                <a:latin typeface="Monaco" charset="0"/>
+                <a:ea typeface="Monaco" charset="0"/>
+                <a:cs typeface="Monaco" charset="0"/>
+              </a:rPr>
+              <a:t>(x) </a:t>
+            </a:r>
+            <a:r>
+              <a:rPr lang="en-GB" sz="1400" dirty="0" err="1">
+                <a:solidFill>
+                  <a:srgbClr val="006AC7"/>
+                </a:solidFill>
+                <a:uFill>
+                  <a:solidFill>
+                    <a:schemeClr val="bg1"/>
+                  </a:solidFill>
+                </a:uFill>
+                <a:latin typeface="Monaco" charset="0"/>
+              </a:rPr>
+              <a:t>dfm_wordstem</a:t>
             </a:r>
             <a:r>
               <a:rPr lang="en-GB" sz="1400" dirty="0">
@@ -9494,7 +9410,7 @@
         </p:nvSpPr>
         <p:spPr>
           <a:xfrm>
-            <a:off x="129877" y="204065"/>
+            <a:off x="133549" y="204065"/>
             <a:ext cx="6436800" cy="482886"/>
           </a:xfrm>
           <a:prstGeom prst="roundRect">
@@ -9777,7 +9693,7 @@
                 <a:ea typeface="Monaco" charset="0"/>
                 <a:cs typeface="Monaco" charset="0"/>
               </a:rPr>
-              <a:t>))</a:t>
+              <a:t>"))</a:t>
             </a:r>
             <a:endParaRPr lang="en-GB" sz="1300" dirty="0">
               <a:latin typeface="Monaco" charset="0"/>
